--- a/transfer/fig/Presentation1.pptx
+++ b/transfer/fig/Presentation1.pptx
@@ -6,6 +6,9 @@
   </p:sldMasterIdLst>
   <p:sldIdLst>
     <p:sldId id="257" r:id="rId2"/>
+    <p:sldId id="258" r:id="rId3"/>
+    <p:sldId id="259" r:id="rId4"/>
+    <p:sldId id="260" r:id="rId5"/>
   </p:sldIdLst>
   <p:sldSz cx="9144000" cy="6858000" type="screen4x3"/>
   <p:notesSz cx="6858000" cy="9144000"/>
@@ -288,7 +291,7 @@
           <a:p>
             <a:fld id="{29298EB6-CD5B-4AC7-AB0C-5687DAFD76B6}" type="datetimeFigureOut">
               <a:rPr lang="en-US" smtClean="0"/>
-              <a:t>4/29/2016</a:t>
+              <a:t>5/4/2016</a:t>
             </a:fld>
             <a:endParaRPr lang="en-US"/>
           </a:p>
@@ -458,7 +461,7 @@
           <a:p>
             <a:fld id="{29298EB6-CD5B-4AC7-AB0C-5687DAFD76B6}" type="datetimeFigureOut">
               <a:rPr lang="en-US" smtClean="0"/>
-              <a:t>4/29/2016</a:t>
+              <a:t>5/4/2016</a:t>
             </a:fld>
             <a:endParaRPr lang="en-US"/>
           </a:p>
@@ -638,7 +641,7 @@
           <a:p>
             <a:fld id="{29298EB6-CD5B-4AC7-AB0C-5687DAFD76B6}" type="datetimeFigureOut">
               <a:rPr lang="en-US" smtClean="0"/>
-              <a:t>4/29/2016</a:t>
+              <a:t>5/4/2016</a:t>
             </a:fld>
             <a:endParaRPr lang="en-US"/>
           </a:p>
@@ -808,7 +811,7 @@
           <a:p>
             <a:fld id="{29298EB6-CD5B-4AC7-AB0C-5687DAFD76B6}" type="datetimeFigureOut">
               <a:rPr lang="en-US" smtClean="0"/>
-              <a:t>4/29/2016</a:t>
+              <a:t>5/4/2016</a:t>
             </a:fld>
             <a:endParaRPr lang="en-US"/>
           </a:p>
@@ -1054,7 +1057,7 @@
           <a:p>
             <a:fld id="{29298EB6-CD5B-4AC7-AB0C-5687DAFD76B6}" type="datetimeFigureOut">
               <a:rPr lang="en-US" smtClean="0"/>
-              <a:t>4/29/2016</a:t>
+              <a:t>5/4/2016</a:t>
             </a:fld>
             <a:endParaRPr lang="en-US"/>
           </a:p>
@@ -1342,7 +1345,7 @@
           <a:p>
             <a:fld id="{29298EB6-CD5B-4AC7-AB0C-5687DAFD76B6}" type="datetimeFigureOut">
               <a:rPr lang="en-US" smtClean="0"/>
-              <a:t>4/29/2016</a:t>
+              <a:t>5/4/2016</a:t>
             </a:fld>
             <a:endParaRPr lang="en-US"/>
           </a:p>
@@ -1764,7 +1767,7 @@
           <a:p>
             <a:fld id="{29298EB6-CD5B-4AC7-AB0C-5687DAFD76B6}" type="datetimeFigureOut">
               <a:rPr lang="en-US" smtClean="0"/>
-              <a:t>4/29/2016</a:t>
+              <a:t>5/4/2016</a:t>
             </a:fld>
             <a:endParaRPr lang="en-US"/>
           </a:p>
@@ -1882,7 +1885,7 @@
           <a:p>
             <a:fld id="{29298EB6-CD5B-4AC7-AB0C-5687DAFD76B6}" type="datetimeFigureOut">
               <a:rPr lang="en-US" smtClean="0"/>
-              <a:t>4/29/2016</a:t>
+              <a:t>5/4/2016</a:t>
             </a:fld>
             <a:endParaRPr lang="en-US"/>
           </a:p>
@@ -1977,7 +1980,7 @@
           <a:p>
             <a:fld id="{29298EB6-CD5B-4AC7-AB0C-5687DAFD76B6}" type="datetimeFigureOut">
               <a:rPr lang="en-US" smtClean="0"/>
-              <a:t>4/29/2016</a:t>
+              <a:t>5/4/2016</a:t>
             </a:fld>
             <a:endParaRPr lang="en-US"/>
           </a:p>
@@ -2254,7 +2257,7 @@
           <a:p>
             <a:fld id="{29298EB6-CD5B-4AC7-AB0C-5687DAFD76B6}" type="datetimeFigureOut">
               <a:rPr lang="en-US" smtClean="0"/>
-              <a:t>4/29/2016</a:t>
+              <a:t>5/4/2016</a:t>
             </a:fld>
             <a:endParaRPr lang="en-US"/>
           </a:p>
@@ -2507,7 +2510,7 @@
           <a:p>
             <a:fld id="{29298EB6-CD5B-4AC7-AB0C-5687DAFD76B6}" type="datetimeFigureOut">
               <a:rPr lang="en-US" smtClean="0"/>
-              <a:t>4/29/2016</a:t>
+              <a:t>5/4/2016</a:t>
             </a:fld>
             <a:endParaRPr lang="en-US"/>
           </a:p>
@@ -2720,7 +2723,7 @@
           <a:p>
             <a:fld id="{29298EB6-CD5B-4AC7-AB0C-5687DAFD76B6}" type="datetimeFigureOut">
               <a:rPr lang="en-US" smtClean="0"/>
-              <a:t>4/29/2016</a:t>
+              <a:t>5/4/2016</a:t>
             </a:fld>
             <a:endParaRPr lang="en-US"/>
           </a:p>
@@ -3319,8 +3322,8 @@
           </a:fontRef>
         </p:style>
       </p:cxnSp>
-      <mc:AlternateContent xmlns:mc="http://schemas.openxmlformats.org/markup-compatibility/2006">
-        <mc:Choice xmlns:a14="http://schemas.microsoft.com/office/drawing/2010/main" Requires="a14">
+      <mc:AlternateContent xmlns:mc="http://schemas.openxmlformats.org/markup-compatibility/2006" xmlns:a14="http://schemas.microsoft.com/office/drawing/2010/main">
+        <mc:Choice Requires="a14">
           <p:graphicFrame>
             <p:nvGraphicFramePr>
               <p:cNvPr id="20" name="Table 19"/>
@@ -3413,7 +3416,7 @@
             </a:graphic>
           </p:graphicFrame>
         </mc:Choice>
-        <mc:Fallback>
+        <mc:Fallback xmlns="">
           <p:graphicFrame>
             <p:nvGraphicFramePr>
               <p:cNvPr id="20" name="Table 19"/>
@@ -3567,8 +3570,8 @@
           </p:sp>
         </mc:Fallback>
       </mc:AlternateContent>
-      <mc:AlternateContent xmlns:mc="http://schemas.openxmlformats.org/markup-compatibility/2006">
-        <mc:Choice xmlns:a14="http://schemas.microsoft.com/office/drawing/2010/main" Requires="a14">
+      <mc:AlternateContent xmlns:mc="http://schemas.openxmlformats.org/markup-compatibility/2006" xmlns:a14="http://schemas.microsoft.com/office/drawing/2010/main">
+        <mc:Choice Requires="a14">
           <p:sp>
             <p:nvSpPr>
               <p:cNvPr id="25" name="Rectangle 24"/>
@@ -3694,7 +3697,7 @@
             </p:txBody>
           </p:sp>
         </mc:Choice>
-        <mc:Fallback>
+        <mc:Fallback xmlns="">
           <p:sp>
             <p:nvSpPr>
               <p:cNvPr id="25" name="Rectangle 24"/>
@@ -3851,8 +3854,8 @@
           </p:sp>
         </mc:Fallback>
       </mc:AlternateContent>
-      <mc:AlternateContent xmlns:mc="http://schemas.openxmlformats.org/markup-compatibility/2006">
-        <mc:Choice xmlns:a14="http://schemas.microsoft.com/office/drawing/2010/main" Requires="a14">
+      <mc:AlternateContent xmlns:mc="http://schemas.openxmlformats.org/markup-compatibility/2006" xmlns:a14="http://schemas.microsoft.com/office/drawing/2010/main">
+        <mc:Choice Requires="a14">
           <p:sp>
             <p:nvSpPr>
               <p:cNvPr id="5" name="Rectangle 4"/>
@@ -3874,6 +3877,7 @@
               </a:bodyPr>
               <a:lstStyle/>
               <a:p>
+                <a:pPr/>
                 <a14:m>
                   <m:oMathPara xmlns:m="http://schemas.openxmlformats.org/officeDocument/2006/math">
                     <m:oMathParaPr>
@@ -3884,12 +3888,16 @@
                         <m:accPr>
                           <m:chr m:val="̃"/>
                           <m:ctrlPr>
-                            <a:rPr lang="en-CA" b="1"/>
+                            <a:rPr lang="en-CA" b="1" i="1">
+                              <a:latin typeface="Cambria Math"/>
+                            </a:rPr>
                           </m:ctrlPr>
                         </m:accPr>
                         <m:e>
                           <m:r>
-                            <a:rPr lang="en-CA" b="1" i="1"/>
+                            <a:rPr lang="en-CA" b="1" i="1">
+                              <a:latin typeface="Cambria Math"/>
+                            </a:rPr>
                             <m:t>𝒙</m:t>
                           </m:r>
                         </m:e>
@@ -3902,7 +3910,7 @@
             </p:txBody>
           </p:sp>
         </mc:Choice>
-        <mc:Fallback>
+        <mc:Fallback xmlns="">
           <p:sp>
             <p:nvSpPr>
               <p:cNvPr id="5" name="Rectangle 4"/>
@@ -3941,8 +3949,8 @@
           </p:sp>
         </mc:Fallback>
       </mc:AlternateContent>
-      <mc:AlternateContent xmlns:mc="http://schemas.openxmlformats.org/markup-compatibility/2006">
-        <mc:Choice xmlns:a14="http://schemas.microsoft.com/office/drawing/2010/main" Requires="a14">
+      <mc:AlternateContent xmlns:mc="http://schemas.openxmlformats.org/markup-compatibility/2006" xmlns:a14="http://schemas.microsoft.com/office/drawing/2010/main">
+        <mc:Choice Requires="a14">
           <p:graphicFrame>
             <p:nvGraphicFramePr>
               <p:cNvPr id="17" name="Table 16"/>
@@ -4047,7 +4055,7 @@
             </a:graphic>
           </p:graphicFrame>
         </mc:Choice>
-        <mc:Fallback>
+        <mc:Fallback xmlns="">
           <p:graphicFrame>
             <p:nvGraphicFramePr>
               <p:cNvPr id="17" name="Table 16"/>
@@ -4118,8 +4126,8 @@
           </p:graphicFrame>
         </mc:Fallback>
       </mc:AlternateContent>
-      <mc:AlternateContent xmlns:mc="http://schemas.openxmlformats.org/markup-compatibility/2006">
-        <mc:Choice xmlns:a14="http://schemas.microsoft.com/office/drawing/2010/main" Requires="a14">
+      <mc:AlternateContent xmlns:mc="http://schemas.openxmlformats.org/markup-compatibility/2006" xmlns:a14="http://schemas.microsoft.com/office/drawing/2010/main">
+        <mc:Choice Requires="a14">
           <p:sp>
             <p:nvSpPr>
               <p:cNvPr id="7" name="Rectangle 6"/>
@@ -4141,6 +4149,7 @@
               </a:bodyPr>
               <a:lstStyle/>
               <a:p>
+                <a:pPr/>
                 <a14:m>
                   <m:oMathPara xmlns:m="http://schemas.openxmlformats.org/officeDocument/2006/math">
                     <m:oMathParaPr>
@@ -4151,12 +4160,16 @@
                         <m:accPr>
                           <m:chr m:val="̃"/>
                           <m:ctrlPr>
-                            <a:rPr lang="en-CA" b="1"/>
+                            <a:rPr lang="en-CA" b="1" i="1">
+                              <a:latin typeface="Cambria Math"/>
+                            </a:rPr>
                           </m:ctrlPr>
                         </m:accPr>
                         <m:e>
                           <m:r>
-                            <a:rPr lang="en-CA" b="1" i="1"/>
+                            <a:rPr lang="en-CA" b="1" i="1">
+                              <a:latin typeface="Cambria Math"/>
+                            </a:rPr>
                             <m:t>𝒘</m:t>
                           </m:r>
                         </m:e>
@@ -4169,7 +4182,7 @@
             </p:txBody>
           </p:sp>
         </mc:Choice>
-        <mc:Fallback>
+        <mc:Fallback xmlns="">
           <p:sp>
             <p:nvSpPr>
               <p:cNvPr id="7" name="Rectangle 6"/>
@@ -4208,8 +4221,8 @@
           </p:sp>
         </mc:Fallback>
       </mc:AlternateContent>
-      <mc:AlternateContent xmlns:mc="http://schemas.openxmlformats.org/markup-compatibility/2006">
-        <mc:Choice xmlns:a14="http://schemas.microsoft.com/office/drawing/2010/main" Requires="a14">
+      <mc:AlternateContent xmlns:mc="http://schemas.openxmlformats.org/markup-compatibility/2006" xmlns:a14="http://schemas.microsoft.com/office/drawing/2010/main">
+        <mc:Choice Requires="a14">
           <p:sp>
             <p:nvSpPr>
               <p:cNvPr id="9" name="Rectangle 8"/>
@@ -4231,6 +4244,7 @@
               </a:bodyPr>
               <a:lstStyle/>
               <a:p>
+                <a:pPr/>
                 <a14:m>
                   <m:oMathPara xmlns:m="http://schemas.openxmlformats.org/officeDocument/2006/math">
                     <m:oMathParaPr>
@@ -4326,7 +4340,7 @@
             </p:txBody>
           </p:sp>
         </mc:Choice>
-        <mc:Fallback>
+        <mc:Fallback xmlns="">
           <p:sp>
             <p:nvSpPr>
               <p:cNvPr id="9" name="Rectangle 8"/>
@@ -4369,6 +4383,3439 @@
     <p:extLst>
       <p:ext uri="{BB962C8B-B14F-4D97-AF65-F5344CB8AC3E}">
         <p14:creationId xmlns:p14="http://schemas.microsoft.com/office/powerpoint/2010/main" val="2570638409"/>
+      </p:ext>
+    </p:extLst>
+  </p:cSld>
+  <p:clrMapOvr>
+    <a:masterClrMapping/>
+  </p:clrMapOvr>
+</p:sld>
+</file>
+
+<file path=ppt/slides/slide2.xml><?xml version="1.0" encoding="utf-8"?>
+<p:sld xmlns:a="http://schemas.openxmlformats.org/drawingml/2006/main" xmlns:r="http://schemas.openxmlformats.org/officeDocument/2006/relationships" xmlns:p="http://schemas.openxmlformats.org/presentationml/2006/main">
+  <p:cSld>
+    <p:spTree>
+      <p:nvGrpSpPr>
+        <p:cNvPr id="1" name=""/>
+        <p:cNvGrpSpPr/>
+        <p:nvPr/>
+      </p:nvGrpSpPr>
+      <p:grpSpPr>
+        <a:xfrm>
+          <a:off x="0" y="0"/>
+          <a:ext cx="0" cy="0"/>
+          <a:chOff x="0" y="0"/>
+          <a:chExt cx="0" cy="0"/>
+        </a:xfrm>
+      </p:grpSpPr>
+      <p:cxnSp>
+        <p:nvCxnSpPr>
+          <p:cNvPr id="5" name="Straight Arrow Connector 4"/>
+          <p:cNvCxnSpPr/>
+          <p:nvPr/>
+        </p:nvCxnSpPr>
+        <p:spPr>
+          <a:xfrm>
+            <a:off x="990600" y="3200400"/>
+            <a:ext cx="2362200" cy="0"/>
+          </a:xfrm>
+          <a:prstGeom prst="straightConnector1">
+            <a:avLst/>
+          </a:prstGeom>
+          <a:ln>
+            <a:tailEnd type="arrow"/>
+          </a:ln>
+        </p:spPr>
+        <p:style>
+          <a:lnRef idx="3">
+            <a:schemeClr val="dk1"/>
+          </a:lnRef>
+          <a:fillRef idx="0">
+            <a:schemeClr val="dk1"/>
+          </a:fillRef>
+          <a:effectRef idx="2">
+            <a:schemeClr val="dk1"/>
+          </a:effectRef>
+          <a:fontRef idx="minor">
+            <a:schemeClr val="tx1"/>
+          </a:fontRef>
+        </p:style>
+      </p:cxnSp>
+      <p:sp>
+        <p:nvSpPr>
+          <p:cNvPr id="7" name="Oval 6"/>
+          <p:cNvSpPr/>
+          <p:nvPr/>
+        </p:nvSpPr>
+        <p:spPr>
+          <a:xfrm>
+            <a:off x="1066800" y="3124200"/>
+            <a:ext cx="152400" cy="152400"/>
+          </a:xfrm>
+          <a:prstGeom prst="ellipse">
+            <a:avLst/>
+          </a:prstGeom>
+          <a:solidFill>
+            <a:srgbClr val="FF0000"/>
+          </a:solidFill>
+          <a:ln>
+            <a:noFill/>
+          </a:ln>
+        </p:spPr>
+        <p:style>
+          <a:lnRef idx="2">
+            <a:schemeClr val="accent1">
+              <a:shade val="50000"/>
+            </a:schemeClr>
+          </a:lnRef>
+          <a:fillRef idx="1">
+            <a:schemeClr val="accent1"/>
+          </a:fillRef>
+          <a:effectRef idx="0">
+            <a:schemeClr val="accent1"/>
+          </a:effectRef>
+          <a:fontRef idx="minor">
+            <a:schemeClr val="lt1"/>
+          </a:fontRef>
+        </p:style>
+        <p:txBody>
+          <a:bodyPr rtlCol="0" anchor="ctr"/>
+          <a:lstStyle/>
+          <a:p>
+            <a:pPr algn="ctr"/>
+            <a:endParaRPr lang="en-CA"/>
+          </a:p>
+        </p:txBody>
+      </p:sp>
+      <p:sp>
+        <p:nvSpPr>
+          <p:cNvPr id="8" name="Oval 7"/>
+          <p:cNvSpPr/>
+          <p:nvPr/>
+        </p:nvSpPr>
+        <p:spPr>
+          <a:xfrm>
+            <a:off x="1295400" y="3124200"/>
+            <a:ext cx="152400" cy="152400"/>
+          </a:xfrm>
+          <a:prstGeom prst="ellipse">
+            <a:avLst/>
+          </a:prstGeom>
+          <a:solidFill>
+            <a:srgbClr val="00B050"/>
+          </a:solidFill>
+          <a:ln>
+            <a:noFill/>
+          </a:ln>
+        </p:spPr>
+        <p:style>
+          <a:lnRef idx="2">
+            <a:schemeClr val="accent1">
+              <a:shade val="50000"/>
+            </a:schemeClr>
+          </a:lnRef>
+          <a:fillRef idx="1">
+            <a:schemeClr val="accent1"/>
+          </a:fillRef>
+          <a:effectRef idx="0">
+            <a:schemeClr val="accent1"/>
+          </a:effectRef>
+          <a:fontRef idx="minor">
+            <a:schemeClr val="lt1"/>
+          </a:fontRef>
+        </p:style>
+        <p:txBody>
+          <a:bodyPr rtlCol="0" anchor="ctr"/>
+          <a:lstStyle/>
+          <a:p>
+            <a:pPr algn="ctr"/>
+            <a:endParaRPr lang="en-CA"/>
+          </a:p>
+        </p:txBody>
+      </p:sp>
+      <p:sp>
+        <p:nvSpPr>
+          <p:cNvPr id="9" name="Oval 8"/>
+          <p:cNvSpPr/>
+          <p:nvPr/>
+        </p:nvSpPr>
+        <p:spPr>
+          <a:xfrm>
+            <a:off x="1752600" y="3124200"/>
+            <a:ext cx="152400" cy="152400"/>
+          </a:xfrm>
+          <a:prstGeom prst="ellipse">
+            <a:avLst/>
+          </a:prstGeom>
+          <a:solidFill>
+            <a:srgbClr val="00B050"/>
+          </a:solidFill>
+          <a:ln>
+            <a:noFill/>
+          </a:ln>
+        </p:spPr>
+        <p:style>
+          <a:lnRef idx="2">
+            <a:schemeClr val="accent1">
+              <a:shade val="50000"/>
+            </a:schemeClr>
+          </a:lnRef>
+          <a:fillRef idx="1">
+            <a:schemeClr val="accent1"/>
+          </a:fillRef>
+          <a:effectRef idx="0">
+            <a:schemeClr val="accent1"/>
+          </a:effectRef>
+          <a:fontRef idx="minor">
+            <a:schemeClr val="lt1"/>
+          </a:fontRef>
+        </p:style>
+        <p:txBody>
+          <a:bodyPr rtlCol="0" anchor="ctr"/>
+          <a:lstStyle/>
+          <a:p>
+            <a:pPr algn="ctr"/>
+            <a:endParaRPr lang="en-CA"/>
+          </a:p>
+        </p:txBody>
+      </p:sp>
+      <p:sp>
+        <p:nvSpPr>
+          <p:cNvPr id="10" name="Oval 9"/>
+          <p:cNvSpPr/>
+          <p:nvPr/>
+        </p:nvSpPr>
+        <p:spPr>
+          <a:xfrm>
+            <a:off x="1524000" y="3124200"/>
+            <a:ext cx="152400" cy="152400"/>
+          </a:xfrm>
+          <a:prstGeom prst="ellipse">
+            <a:avLst/>
+          </a:prstGeom>
+          <a:solidFill>
+            <a:srgbClr val="00B050"/>
+          </a:solidFill>
+          <a:ln>
+            <a:noFill/>
+          </a:ln>
+        </p:spPr>
+        <p:style>
+          <a:lnRef idx="2">
+            <a:schemeClr val="accent1">
+              <a:shade val="50000"/>
+            </a:schemeClr>
+          </a:lnRef>
+          <a:fillRef idx="1">
+            <a:schemeClr val="accent1"/>
+          </a:fillRef>
+          <a:effectRef idx="0">
+            <a:schemeClr val="accent1"/>
+          </a:effectRef>
+          <a:fontRef idx="minor">
+            <a:schemeClr val="lt1"/>
+          </a:fontRef>
+        </p:style>
+        <p:txBody>
+          <a:bodyPr rtlCol="0" anchor="ctr"/>
+          <a:lstStyle/>
+          <a:p>
+            <a:pPr algn="ctr"/>
+            <a:endParaRPr lang="en-CA"/>
+          </a:p>
+        </p:txBody>
+      </p:sp>
+      <p:sp>
+        <p:nvSpPr>
+          <p:cNvPr id="11" name="Oval 10"/>
+          <p:cNvSpPr/>
+          <p:nvPr/>
+        </p:nvSpPr>
+        <p:spPr>
+          <a:xfrm>
+            <a:off x="1981200" y="3124200"/>
+            <a:ext cx="152400" cy="152400"/>
+          </a:xfrm>
+          <a:prstGeom prst="ellipse">
+            <a:avLst/>
+          </a:prstGeom>
+          <a:solidFill>
+            <a:srgbClr val="00B050"/>
+          </a:solidFill>
+          <a:ln>
+            <a:noFill/>
+          </a:ln>
+        </p:spPr>
+        <p:style>
+          <a:lnRef idx="2">
+            <a:schemeClr val="accent1">
+              <a:shade val="50000"/>
+            </a:schemeClr>
+          </a:lnRef>
+          <a:fillRef idx="1">
+            <a:schemeClr val="accent1"/>
+          </a:fillRef>
+          <a:effectRef idx="0">
+            <a:schemeClr val="accent1"/>
+          </a:effectRef>
+          <a:fontRef idx="minor">
+            <a:schemeClr val="lt1"/>
+          </a:fontRef>
+        </p:style>
+        <p:txBody>
+          <a:bodyPr rtlCol="0" anchor="ctr"/>
+          <a:lstStyle/>
+          <a:p>
+            <a:pPr algn="ctr"/>
+            <a:endParaRPr lang="en-CA"/>
+          </a:p>
+        </p:txBody>
+      </p:sp>
+      <p:sp>
+        <p:nvSpPr>
+          <p:cNvPr id="12" name="Oval 11"/>
+          <p:cNvSpPr/>
+          <p:nvPr/>
+        </p:nvSpPr>
+        <p:spPr>
+          <a:xfrm>
+            <a:off x="2286000" y="3124200"/>
+            <a:ext cx="152400" cy="152400"/>
+          </a:xfrm>
+          <a:prstGeom prst="ellipse">
+            <a:avLst/>
+          </a:prstGeom>
+          <a:solidFill>
+            <a:srgbClr val="FF0000"/>
+          </a:solidFill>
+          <a:ln>
+            <a:noFill/>
+          </a:ln>
+        </p:spPr>
+        <p:style>
+          <a:lnRef idx="2">
+            <a:schemeClr val="accent1">
+              <a:shade val="50000"/>
+            </a:schemeClr>
+          </a:lnRef>
+          <a:fillRef idx="1">
+            <a:schemeClr val="accent1"/>
+          </a:fillRef>
+          <a:effectRef idx="0">
+            <a:schemeClr val="accent1"/>
+          </a:effectRef>
+          <a:fontRef idx="minor">
+            <a:schemeClr val="lt1"/>
+          </a:fontRef>
+        </p:style>
+        <p:txBody>
+          <a:bodyPr rtlCol="0" anchor="ctr"/>
+          <a:lstStyle/>
+          <a:p>
+            <a:pPr algn="ctr"/>
+            <a:endParaRPr lang="en-CA"/>
+          </a:p>
+        </p:txBody>
+      </p:sp>
+      <p:sp>
+        <p:nvSpPr>
+          <p:cNvPr id="13" name="Oval 12"/>
+          <p:cNvSpPr/>
+          <p:nvPr/>
+        </p:nvSpPr>
+        <p:spPr>
+          <a:xfrm>
+            <a:off x="2743200" y="3124200"/>
+            <a:ext cx="152400" cy="152400"/>
+          </a:xfrm>
+          <a:prstGeom prst="ellipse">
+            <a:avLst/>
+          </a:prstGeom>
+          <a:solidFill>
+            <a:srgbClr val="FF0000"/>
+          </a:solidFill>
+          <a:ln>
+            <a:noFill/>
+          </a:ln>
+        </p:spPr>
+        <p:style>
+          <a:lnRef idx="2">
+            <a:schemeClr val="accent1">
+              <a:shade val="50000"/>
+            </a:schemeClr>
+          </a:lnRef>
+          <a:fillRef idx="1">
+            <a:schemeClr val="accent1"/>
+          </a:fillRef>
+          <a:effectRef idx="0">
+            <a:schemeClr val="accent1"/>
+          </a:effectRef>
+          <a:fontRef idx="minor">
+            <a:schemeClr val="lt1"/>
+          </a:fontRef>
+        </p:style>
+        <p:txBody>
+          <a:bodyPr rtlCol="0" anchor="ctr"/>
+          <a:lstStyle/>
+          <a:p>
+            <a:pPr algn="ctr"/>
+            <a:endParaRPr lang="en-CA"/>
+          </a:p>
+        </p:txBody>
+      </p:sp>
+      <p:sp>
+        <p:nvSpPr>
+          <p:cNvPr id="14" name="Oval 13"/>
+          <p:cNvSpPr/>
+          <p:nvPr/>
+        </p:nvSpPr>
+        <p:spPr>
+          <a:xfrm>
+            <a:off x="2514600" y="3124200"/>
+            <a:ext cx="152400" cy="152400"/>
+          </a:xfrm>
+          <a:prstGeom prst="ellipse">
+            <a:avLst/>
+          </a:prstGeom>
+          <a:solidFill>
+            <a:srgbClr val="FF0000"/>
+          </a:solidFill>
+          <a:ln>
+            <a:noFill/>
+          </a:ln>
+        </p:spPr>
+        <p:style>
+          <a:lnRef idx="2">
+            <a:schemeClr val="accent1">
+              <a:shade val="50000"/>
+            </a:schemeClr>
+          </a:lnRef>
+          <a:fillRef idx="1">
+            <a:schemeClr val="accent1"/>
+          </a:fillRef>
+          <a:effectRef idx="0">
+            <a:schemeClr val="accent1"/>
+          </a:effectRef>
+          <a:fontRef idx="minor">
+            <a:schemeClr val="lt1"/>
+          </a:fontRef>
+        </p:style>
+        <p:txBody>
+          <a:bodyPr rtlCol="0" anchor="ctr"/>
+          <a:lstStyle/>
+          <a:p>
+            <a:pPr algn="ctr"/>
+            <a:endParaRPr lang="en-CA"/>
+          </a:p>
+        </p:txBody>
+      </p:sp>
+      <p:cxnSp>
+        <p:nvCxnSpPr>
+          <p:cNvPr id="17" name="Straight Arrow Connector 16"/>
+          <p:cNvCxnSpPr/>
+          <p:nvPr/>
+        </p:nvCxnSpPr>
+        <p:spPr>
+          <a:xfrm>
+            <a:off x="4724400" y="2791631"/>
+            <a:ext cx="2209800" cy="0"/>
+          </a:xfrm>
+          <a:prstGeom prst="straightConnector1">
+            <a:avLst/>
+          </a:prstGeom>
+          <a:ln>
+            <a:tailEnd type="arrow"/>
+          </a:ln>
+        </p:spPr>
+        <p:style>
+          <a:lnRef idx="3">
+            <a:schemeClr val="dk1"/>
+          </a:lnRef>
+          <a:fillRef idx="0">
+            <a:schemeClr val="dk1"/>
+          </a:fillRef>
+          <a:effectRef idx="2">
+            <a:schemeClr val="dk1"/>
+          </a:effectRef>
+          <a:fontRef idx="minor">
+            <a:schemeClr val="tx1"/>
+          </a:fontRef>
+        </p:style>
+      </p:cxnSp>
+      <p:sp>
+        <p:nvSpPr>
+          <p:cNvPr id="18" name="Oval 17"/>
+          <p:cNvSpPr/>
+          <p:nvPr/>
+        </p:nvSpPr>
+        <p:spPr>
+          <a:xfrm>
+            <a:off x="4876800" y="2173394"/>
+            <a:ext cx="152400" cy="206079"/>
+          </a:xfrm>
+          <a:prstGeom prst="ellipse">
+            <a:avLst/>
+          </a:prstGeom>
+          <a:solidFill>
+            <a:srgbClr val="FF0000"/>
+          </a:solidFill>
+          <a:ln>
+            <a:noFill/>
+          </a:ln>
+        </p:spPr>
+        <p:style>
+          <a:lnRef idx="2">
+            <a:schemeClr val="accent1">
+              <a:shade val="50000"/>
+            </a:schemeClr>
+          </a:lnRef>
+          <a:fillRef idx="1">
+            <a:schemeClr val="accent1"/>
+          </a:fillRef>
+          <a:effectRef idx="0">
+            <a:schemeClr val="accent1"/>
+          </a:effectRef>
+          <a:fontRef idx="minor">
+            <a:schemeClr val="lt1"/>
+          </a:fontRef>
+        </p:style>
+        <p:txBody>
+          <a:bodyPr rtlCol="0" anchor="ctr"/>
+          <a:lstStyle/>
+          <a:p>
+            <a:pPr algn="ctr"/>
+            <a:endParaRPr lang="en-CA"/>
+          </a:p>
+        </p:txBody>
+      </p:sp>
+      <p:sp>
+        <p:nvSpPr>
+          <p:cNvPr id="19" name="Oval 18"/>
+          <p:cNvSpPr/>
+          <p:nvPr/>
+        </p:nvSpPr>
+        <p:spPr>
+          <a:xfrm>
+            <a:off x="5030680" y="1452118"/>
+            <a:ext cx="152400" cy="206079"/>
+          </a:xfrm>
+          <a:prstGeom prst="ellipse">
+            <a:avLst/>
+          </a:prstGeom>
+          <a:solidFill>
+            <a:srgbClr val="00B050"/>
+          </a:solidFill>
+          <a:ln>
+            <a:noFill/>
+          </a:ln>
+        </p:spPr>
+        <p:style>
+          <a:lnRef idx="2">
+            <a:schemeClr val="accent1">
+              <a:shade val="50000"/>
+            </a:schemeClr>
+          </a:lnRef>
+          <a:fillRef idx="1">
+            <a:schemeClr val="accent1"/>
+          </a:fillRef>
+          <a:effectRef idx="0">
+            <a:schemeClr val="accent1"/>
+          </a:effectRef>
+          <a:fontRef idx="minor">
+            <a:schemeClr val="lt1"/>
+          </a:fontRef>
+        </p:style>
+        <p:txBody>
+          <a:bodyPr rtlCol="0" anchor="ctr"/>
+          <a:lstStyle/>
+          <a:p>
+            <a:pPr algn="ctr"/>
+            <a:endParaRPr lang="en-CA"/>
+          </a:p>
+        </p:txBody>
+      </p:sp>
+      <p:sp>
+        <p:nvSpPr>
+          <p:cNvPr id="20" name="Oval 19"/>
+          <p:cNvSpPr/>
+          <p:nvPr/>
+        </p:nvSpPr>
+        <p:spPr>
+          <a:xfrm>
+            <a:off x="5486400" y="1761237"/>
+            <a:ext cx="152400" cy="206079"/>
+          </a:xfrm>
+          <a:prstGeom prst="ellipse">
+            <a:avLst/>
+          </a:prstGeom>
+          <a:solidFill>
+            <a:srgbClr val="00B050"/>
+          </a:solidFill>
+          <a:ln>
+            <a:noFill/>
+          </a:ln>
+        </p:spPr>
+        <p:style>
+          <a:lnRef idx="2">
+            <a:schemeClr val="accent1">
+              <a:shade val="50000"/>
+            </a:schemeClr>
+          </a:lnRef>
+          <a:fillRef idx="1">
+            <a:schemeClr val="accent1"/>
+          </a:fillRef>
+          <a:effectRef idx="0">
+            <a:schemeClr val="accent1"/>
+          </a:effectRef>
+          <a:fontRef idx="minor">
+            <a:schemeClr val="lt1"/>
+          </a:fontRef>
+        </p:style>
+        <p:txBody>
+          <a:bodyPr rtlCol="0" anchor="ctr"/>
+          <a:lstStyle/>
+          <a:p>
+            <a:pPr algn="ctr"/>
+            <a:endParaRPr lang="en-CA"/>
+          </a:p>
+        </p:txBody>
+      </p:sp>
+      <p:sp>
+        <p:nvSpPr>
+          <p:cNvPr id="21" name="Oval 20"/>
+          <p:cNvSpPr/>
+          <p:nvPr/>
+        </p:nvSpPr>
+        <p:spPr>
+          <a:xfrm>
+            <a:off x="5257800" y="1676400"/>
+            <a:ext cx="152400" cy="206079"/>
+          </a:xfrm>
+          <a:prstGeom prst="ellipse">
+            <a:avLst/>
+          </a:prstGeom>
+          <a:solidFill>
+            <a:srgbClr val="00B050"/>
+          </a:solidFill>
+          <a:ln>
+            <a:noFill/>
+          </a:ln>
+        </p:spPr>
+        <p:style>
+          <a:lnRef idx="2">
+            <a:schemeClr val="accent1">
+              <a:shade val="50000"/>
+            </a:schemeClr>
+          </a:lnRef>
+          <a:fillRef idx="1">
+            <a:schemeClr val="accent1"/>
+          </a:fillRef>
+          <a:effectRef idx="0">
+            <a:schemeClr val="accent1"/>
+          </a:effectRef>
+          <a:fontRef idx="minor">
+            <a:schemeClr val="lt1"/>
+          </a:fontRef>
+        </p:style>
+        <p:txBody>
+          <a:bodyPr rtlCol="0" anchor="ctr"/>
+          <a:lstStyle/>
+          <a:p>
+            <a:pPr algn="ctr"/>
+            <a:endParaRPr lang="en-CA"/>
+          </a:p>
+        </p:txBody>
+      </p:sp>
+      <p:sp>
+        <p:nvSpPr>
+          <p:cNvPr id="22" name="Oval 21"/>
+          <p:cNvSpPr/>
+          <p:nvPr/>
+        </p:nvSpPr>
+        <p:spPr>
+          <a:xfrm>
+            <a:off x="5715000" y="1349079"/>
+            <a:ext cx="152400" cy="206079"/>
+          </a:xfrm>
+          <a:prstGeom prst="ellipse">
+            <a:avLst/>
+          </a:prstGeom>
+          <a:solidFill>
+            <a:srgbClr val="00B050"/>
+          </a:solidFill>
+          <a:ln>
+            <a:noFill/>
+          </a:ln>
+        </p:spPr>
+        <p:style>
+          <a:lnRef idx="2">
+            <a:schemeClr val="accent1">
+              <a:shade val="50000"/>
+            </a:schemeClr>
+          </a:lnRef>
+          <a:fillRef idx="1">
+            <a:schemeClr val="accent1"/>
+          </a:fillRef>
+          <a:effectRef idx="0">
+            <a:schemeClr val="accent1"/>
+          </a:effectRef>
+          <a:fontRef idx="minor">
+            <a:schemeClr val="lt1"/>
+          </a:fontRef>
+        </p:style>
+        <p:txBody>
+          <a:bodyPr rtlCol="0" anchor="ctr"/>
+          <a:lstStyle/>
+          <a:p>
+            <a:pPr algn="ctr"/>
+            <a:endParaRPr lang="en-CA"/>
+          </a:p>
+        </p:txBody>
+      </p:sp>
+      <p:sp>
+        <p:nvSpPr>
+          <p:cNvPr id="23" name="Oval 22"/>
+          <p:cNvSpPr/>
+          <p:nvPr/>
+        </p:nvSpPr>
+        <p:spPr>
+          <a:xfrm>
+            <a:off x="5943600" y="2379473"/>
+            <a:ext cx="152400" cy="206079"/>
+          </a:xfrm>
+          <a:prstGeom prst="ellipse">
+            <a:avLst/>
+          </a:prstGeom>
+          <a:solidFill>
+            <a:srgbClr val="FF0000"/>
+          </a:solidFill>
+          <a:ln>
+            <a:noFill/>
+          </a:ln>
+        </p:spPr>
+        <p:style>
+          <a:lnRef idx="2">
+            <a:schemeClr val="accent1">
+              <a:shade val="50000"/>
+            </a:schemeClr>
+          </a:lnRef>
+          <a:fillRef idx="1">
+            <a:schemeClr val="accent1"/>
+          </a:fillRef>
+          <a:effectRef idx="0">
+            <a:schemeClr val="accent1"/>
+          </a:effectRef>
+          <a:fontRef idx="minor">
+            <a:schemeClr val="lt1"/>
+          </a:fontRef>
+        </p:style>
+        <p:txBody>
+          <a:bodyPr rtlCol="0" anchor="ctr"/>
+          <a:lstStyle/>
+          <a:p>
+            <a:pPr algn="ctr"/>
+            <a:endParaRPr lang="en-CA"/>
+          </a:p>
+        </p:txBody>
+      </p:sp>
+      <p:sp>
+        <p:nvSpPr>
+          <p:cNvPr id="24" name="Oval 23"/>
+          <p:cNvSpPr/>
+          <p:nvPr/>
+        </p:nvSpPr>
+        <p:spPr>
+          <a:xfrm>
+            <a:off x="6400800" y="2379473"/>
+            <a:ext cx="152400" cy="206079"/>
+          </a:xfrm>
+          <a:prstGeom prst="ellipse">
+            <a:avLst/>
+          </a:prstGeom>
+          <a:solidFill>
+            <a:srgbClr val="FF0000"/>
+          </a:solidFill>
+          <a:ln>
+            <a:noFill/>
+          </a:ln>
+        </p:spPr>
+        <p:style>
+          <a:lnRef idx="2">
+            <a:schemeClr val="accent1">
+              <a:shade val="50000"/>
+            </a:schemeClr>
+          </a:lnRef>
+          <a:fillRef idx="1">
+            <a:schemeClr val="accent1"/>
+          </a:fillRef>
+          <a:effectRef idx="0">
+            <a:schemeClr val="accent1"/>
+          </a:effectRef>
+          <a:fontRef idx="minor">
+            <a:schemeClr val="lt1"/>
+          </a:fontRef>
+        </p:style>
+        <p:txBody>
+          <a:bodyPr rtlCol="0" anchor="ctr"/>
+          <a:lstStyle/>
+          <a:p>
+            <a:pPr algn="ctr"/>
+            <a:endParaRPr lang="en-CA"/>
+          </a:p>
+        </p:txBody>
+      </p:sp>
+      <p:sp>
+        <p:nvSpPr>
+          <p:cNvPr id="25" name="Oval 24"/>
+          <p:cNvSpPr/>
+          <p:nvPr/>
+        </p:nvSpPr>
+        <p:spPr>
+          <a:xfrm>
+            <a:off x="6172200" y="2308521"/>
+            <a:ext cx="152400" cy="206079"/>
+          </a:xfrm>
+          <a:prstGeom prst="ellipse">
+            <a:avLst/>
+          </a:prstGeom>
+          <a:solidFill>
+            <a:srgbClr val="FF0000"/>
+          </a:solidFill>
+          <a:ln>
+            <a:noFill/>
+          </a:ln>
+        </p:spPr>
+        <p:style>
+          <a:lnRef idx="2">
+            <a:schemeClr val="accent1">
+              <a:shade val="50000"/>
+            </a:schemeClr>
+          </a:lnRef>
+          <a:fillRef idx="1">
+            <a:schemeClr val="accent1"/>
+          </a:fillRef>
+          <a:effectRef idx="0">
+            <a:schemeClr val="accent1"/>
+          </a:effectRef>
+          <a:fontRef idx="minor">
+            <a:schemeClr val="lt1"/>
+          </a:fontRef>
+        </p:style>
+        <p:txBody>
+          <a:bodyPr rtlCol="0" anchor="ctr"/>
+          <a:lstStyle/>
+          <a:p>
+            <a:pPr algn="ctr"/>
+            <a:endParaRPr lang="en-CA"/>
+          </a:p>
+        </p:txBody>
+      </p:sp>
+      <p:cxnSp>
+        <p:nvCxnSpPr>
+          <p:cNvPr id="27" name="Straight Arrow Connector 26"/>
+          <p:cNvCxnSpPr/>
+          <p:nvPr/>
+        </p:nvCxnSpPr>
+        <p:spPr>
+          <a:xfrm flipV="1">
+            <a:off x="4724400" y="1143000"/>
+            <a:ext cx="0" cy="1648631"/>
+          </a:xfrm>
+          <a:prstGeom prst="straightConnector1">
+            <a:avLst/>
+          </a:prstGeom>
+          <a:ln>
+            <a:tailEnd type="arrow"/>
+          </a:ln>
+        </p:spPr>
+        <p:style>
+          <a:lnRef idx="3">
+            <a:schemeClr val="dk1"/>
+          </a:lnRef>
+          <a:fillRef idx="0">
+            <a:schemeClr val="dk1"/>
+          </a:fillRef>
+          <a:effectRef idx="2">
+            <a:schemeClr val="dk1"/>
+          </a:effectRef>
+          <a:fontRef idx="minor">
+            <a:schemeClr val="tx1"/>
+          </a:fontRef>
+        </p:style>
+      </p:cxnSp>
+      <p:cxnSp>
+        <p:nvCxnSpPr>
+          <p:cNvPr id="29" name="Straight Connector 28"/>
+          <p:cNvCxnSpPr/>
+          <p:nvPr/>
+        </p:nvCxnSpPr>
+        <p:spPr>
+          <a:xfrm>
+            <a:off x="4953000" y="1967316"/>
+            <a:ext cx="1752600" cy="309118"/>
+          </a:xfrm>
+          <a:prstGeom prst="line">
+            <a:avLst/>
+          </a:prstGeom>
+        </p:spPr>
+        <p:style>
+          <a:lnRef idx="3">
+            <a:schemeClr val="accent1"/>
+          </a:lnRef>
+          <a:fillRef idx="0">
+            <a:schemeClr val="accent1"/>
+          </a:fillRef>
+          <a:effectRef idx="2">
+            <a:schemeClr val="accent1"/>
+          </a:effectRef>
+          <a:fontRef idx="minor">
+            <a:schemeClr val="tx1"/>
+          </a:fontRef>
+        </p:style>
+      </p:cxnSp>
+      <p:sp>
+        <p:nvSpPr>
+          <p:cNvPr id="30" name="TextBox 29"/>
+          <p:cNvSpPr txBox="1"/>
+          <p:nvPr/>
+        </p:nvSpPr>
+        <p:spPr>
+          <a:xfrm>
+            <a:off x="4191000" y="1143000"/>
+            <a:ext cx="461665" cy="1724831"/>
+          </a:xfrm>
+          <a:prstGeom prst="rect">
+            <a:avLst/>
+          </a:prstGeom>
+          <a:noFill/>
+        </p:spPr>
+        <p:txBody>
+          <a:bodyPr vert="vert270" wrap="none" rtlCol="0">
+            <a:spAutoFit/>
+          </a:bodyPr>
+          <a:lstStyle/>
+          <a:p>
+            <a:r>
+              <a:rPr lang="en-CA" dirty="0" smtClean="0"/>
+              <a:t>Auxiliary  Feature</a:t>
+            </a:r>
+            <a:endParaRPr lang="en-CA" dirty="0"/>
+          </a:p>
+        </p:txBody>
+      </p:sp>
+      <p:cxnSp>
+        <p:nvCxnSpPr>
+          <p:cNvPr id="36" name="Straight Arrow Connector 35"/>
+          <p:cNvCxnSpPr/>
+          <p:nvPr/>
+        </p:nvCxnSpPr>
+        <p:spPr>
+          <a:xfrm>
+            <a:off x="4800600" y="4876800"/>
+            <a:ext cx="2209800" cy="0"/>
+          </a:xfrm>
+          <a:prstGeom prst="straightConnector1">
+            <a:avLst/>
+          </a:prstGeom>
+          <a:ln>
+            <a:tailEnd type="arrow"/>
+          </a:ln>
+        </p:spPr>
+        <p:style>
+          <a:lnRef idx="3">
+            <a:schemeClr val="dk1"/>
+          </a:lnRef>
+          <a:fillRef idx="0">
+            <a:schemeClr val="dk1"/>
+          </a:fillRef>
+          <a:effectRef idx="2">
+            <a:schemeClr val="dk1"/>
+          </a:effectRef>
+          <a:fontRef idx="minor">
+            <a:schemeClr val="tx1"/>
+          </a:fontRef>
+        </p:style>
+      </p:cxnSp>
+      <p:sp>
+        <p:nvSpPr>
+          <p:cNvPr id="37" name="Oval 36"/>
+          <p:cNvSpPr/>
+          <p:nvPr/>
+        </p:nvSpPr>
+        <p:spPr>
+          <a:xfrm>
+            <a:off x="4953000" y="3352800"/>
+            <a:ext cx="152400" cy="206079"/>
+          </a:xfrm>
+          <a:prstGeom prst="ellipse">
+            <a:avLst/>
+          </a:prstGeom>
+          <a:solidFill>
+            <a:srgbClr val="FF0000"/>
+          </a:solidFill>
+          <a:ln>
+            <a:noFill/>
+          </a:ln>
+        </p:spPr>
+        <p:style>
+          <a:lnRef idx="2">
+            <a:schemeClr val="accent1">
+              <a:shade val="50000"/>
+            </a:schemeClr>
+          </a:lnRef>
+          <a:fillRef idx="1">
+            <a:schemeClr val="accent1"/>
+          </a:fillRef>
+          <a:effectRef idx="0">
+            <a:schemeClr val="accent1"/>
+          </a:effectRef>
+          <a:fontRef idx="minor">
+            <a:schemeClr val="lt1"/>
+          </a:fontRef>
+        </p:style>
+        <p:txBody>
+          <a:bodyPr rtlCol="0" anchor="ctr"/>
+          <a:lstStyle/>
+          <a:p>
+            <a:pPr algn="ctr"/>
+            <a:endParaRPr lang="en-CA"/>
+          </a:p>
+        </p:txBody>
+      </p:sp>
+      <p:sp>
+        <p:nvSpPr>
+          <p:cNvPr id="38" name="Oval 37"/>
+          <p:cNvSpPr/>
+          <p:nvPr/>
+        </p:nvSpPr>
+        <p:spPr>
+          <a:xfrm>
+            <a:off x="5106880" y="3537287"/>
+            <a:ext cx="152400" cy="206079"/>
+          </a:xfrm>
+          <a:prstGeom prst="ellipse">
+            <a:avLst/>
+          </a:prstGeom>
+          <a:solidFill>
+            <a:srgbClr val="00B050"/>
+          </a:solidFill>
+          <a:ln>
+            <a:noFill/>
+          </a:ln>
+        </p:spPr>
+        <p:style>
+          <a:lnRef idx="2">
+            <a:schemeClr val="accent1">
+              <a:shade val="50000"/>
+            </a:schemeClr>
+          </a:lnRef>
+          <a:fillRef idx="1">
+            <a:schemeClr val="accent1"/>
+          </a:fillRef>
+          <a:effectRef idx="0">
+            <a:schemeClr val="accent1"/>
+          </a:effectRef>
+          <a:fontRef idx="minor">
+            <a:schemeClr val="lt1"/>
+          </a:fontRef>
+        </p:style>
+        <p:txBody>
+          <a:bodyPr rtlCol="0" anchor="ctr"/>
+          <a:lstStyle/>
+          <a:p>
+            <a:pPr algn="ctr"/>
+            <a:endParaRPr lang="en-CA"/>
+          </a:p>
+        </p:txBody>
+      </p:sp>
+      <p:sp>
+        <p:nvSpPr>
+          <p:cNvPr id="39" name="Oval 38"/>
+          <p:cNvSpPr/>
+          <p:nvPr/>
+        </p:nvSpPr>
+        <p:spPr>
+          <a:xfrm>
+            <a:off x="5562600" y="4289721"/>
+            <a:ext cx="152400" cy="206079"/>
+          </a:xfrm>
+          <a:prstGeom prst="ellipse">
+            <a:avLst/>
+          </a:prstGeom>
+          <a:solidFill>
+            <a:srgbClr val="00B050"/>
+          </a:solidFill>
+          <a:ln>
+            <a:noFill/>
+          </a:ln>
+        </p:spPr>
+        <p:style>
+          <a:lnRef idx="2">
+            <a:schemeClr val="accent1">
+              <a:shade val="50000"/>
+            </a:schemeClr>
+          </a:lnRef>
+          <a:fillRef idx="1">
+            <a:schemeClr val="accent1"/>
+          </a:fillRef>
+          <a:effectRef idx="0">
+            <a:schemeClr val="accent1"/>
+          </a:effectRef>
+          <a:fontRef idx="minor">
+            <a:schemeClr val="lt1"/>
+          </a:fontRef>
+        </p:style>
+        <p:txBody>
+          <a:bodyPr rtlCol="0" anchor="ctr"/>
+          <a:lstStyle/>
+          <a:p>
+            <a:pPr algn="ctr"/>
+            <a:endParaRPr lang="en-CA"/>
+          </a:p>
+        </p:txBody>
+      </p:sp>
+      <p:sp>
+        <p:nvSpPr>
+          <p:cNvPr id="40" name="Oval 39"/>
+          <p:cNvSpPr/>
+          <p:nvPr/>
+        </p:nvSpPr>
+        <p:spPr>
+          <a:xfrm>
+            <a:off x="5410200" y="3810000"/>
+            <a:ext cx="152400" cy="206079"/>
+          </a:xfrm>
+          <a:prstGeom prst="ellipse">
+            <a:avLst/>
+          </a:prstGeom>
+          <a:solidFill>
+            <a:srgbClr val="00B050"/>
+          </a:solidFill>
+          <a:ln>
+            <a:noFill/>
+          </a:ln>
+        </p:spPr>
+        <p:style>
+          <a:lnRef idx="2">
+            <a:schemeClr val="accent1">
+              <a:shade val="50000"/>
+            </a:schemeClr>
+          </a:lnRef>
+          <a:fillRef idx="1">
+            <a:schemeClr val="accent1"/>
+          </a:fillRef>
+          <a:effectRef idx="0">
+            <a:schemeClr val="accent1"/>
+          </a:effectRef>
+          <a:fontRef idx="minor">
+            <a:schemeClr val="lt1"/>
+          </a:fontRef>
+        </p:style>
+        <p:txBody>
+          <a:bodyPr rtlCol="0" anchor="ctr"/>
+          <a:lstStyle/>
+          <a:p>
+            <a:pPr algn="ctr"/>
+            <a:endParaRPr lang="en-CA"/>
+          </a:p>
+        </p:txBody>
+      </p:sp>
+      <p:sp>
+        <p:nvSpPr>
+          <p:cNvPr id="41" name="Oval 40"/>
+          <p:cNvSpPr/>
+          <p:nvPr/>
+        </p:nvSpPr>
+        <p:spPr>
+          <a:xfrm>
+            <a:off x="5943600" y="4365921"/>
+            <a:ext cx="152400" cy="206079"/>
+          </a:xfrm>
+          <a:prstGeom prst="ellipse">
+            <a:avLst/>
+          </a:prstGeom>
+          <a:solidFill>
+            <a:srgbClr val="00B050"/>
+          </a:solidFill>
+          <a:ln>
+            <a:noFill/>
+          </a:ln>
+        </p:spPr>
+        <p:style>
+          <a:lnRef idx="2">
+            <a:schemeClr val="accent1">
+              <a:shade val="50000"/>
+            </a:schemeClr>
+          </a:lnRef>
+          <a:fillRef idx="1">
+            <a:schemeClr val="accent1"/>
+          </a:fillRef>
+          <a:effectRef idx="0">
+            <a:schemeClr val="accent1"/>
+          </a:effectRef>
+          <a:fontRef idx="minor">
+            <a:schemeClr val="lt1"/>
+          </a:fontRef>
+        </p:style>
+        <p:txBody>
+          <a:bodyPr rtlCol="0" anchor="ctr"/>
+          <a:lstStyle/>
+          <a:p>
+            <a:pPr algn="ctr"/>
+            <a:endParaRPr lang="en-CA"/>
+          </a:p>
+        </p:txBody>
+      </p:sp>
+      <p:sp>
+        <p:nvSpPr>
+          <p:cNvPr id="42" name="Oval 41"/>
+          <p:cNvSpPr/>
+          <p:nvPr/>
+        </p:nvSpPr>
+        <p:spPr>
+          <a:xfrm>
+            <a:off x="5791200" y="3886200"/>
+            <a:ext cx="152400" cy="206079"/>
+          </a:xfrm>
+          <a:prstGeom prst="ellipse">
+            <a:avLst/>
+          </a:prstGeom>
+          <a:solidFill>
+            <a:srgbClr val="FF0000"/>
+          </a:solidFill>
+          <a:ln>
+            <a:noFill/>
+          </a:ln>
+        </p:spPr>
+        <p:style>
+          <a:lnRef idx="2">
+            <a:schemeClr val="accent1">
+              <a:shade val="50000"/>
+            </a:schemeClr>
+          </a:lnRef>
+          <a:fillRef idx="1">
+            <a:schemeClr val="accent1"/>
+          </a:fillRef>
+          <a:effectRef idx="0">
+            <a:schemeClr val="accent1"/>
+          </a:effectRef>
+          <a:fontRef idx="minor">
+            <a:schemeClr val="lt1"/>
+          </a:fontRef>
+        </p:style>
+        <p:txBody>
+          <a:bodyPr rtlCol="0" anchor="ctr"/>
+          <a:lstStyle/>
+          <a:p>
+            <a:pPr algn="ctr"/>
+            <a:endParaRPr lang="en-CA"/>
+          </a:p>
+        </p:txBody>
+      </p:sp>
+      <p:sp>
+        <p:nvSpPr>
+          <p:cNvPr id="43" name="Oval 42"/>
+          <p:cNvSpPr/>
+          <p:nvPr/>
+        </p:nvSpPr>
+        <p:spPr>
+          <a:xfrm>
+            <a:off x="6477000" y="4464642"/>
+            <a:ext cx="152400" cy="206079"/>
+          </a:xfrm>
+          <a:prstGeom prst="ellipse">
+            <a:avLst/>
+          </a:prstGeom>
+          <a:solidFill>
+            <a:srgbClr val="FF0000"/>
+          </a:solidFill>
+          <a:ln>
+            <a:noFill/>
+          </a:ln>
+        </p:spPr>
+        <p:style>
+          <a:lnRef idx="2">
+            <a:schemeClr val="accent1">
+              <a:shade val="50000"/>
+            </a:schemeClr>
+          </a:lnRef>
+          <a:fillRef idx="1">
+            <a:schemeClr val="accent1"/>
+          </a:fillRef>
+          <a:effectRef idx="0">
+            <a:schemeClr val="accent1"/>
+          </a:effectRef>
+          <a:fontRef idx="minor">
+            <a:schemeClr val="lt1"/>
+          </a:fontRef>
+        </p:style>
+        <p:txBody>
+          <a:bodyPr rtlCol="0" anchor="ctr"/>
+          <a:lstStyle/>
+          <a:p>
+            <a:pPr algn="ctr"/>
+            <a:endParaRPr lang="en-CA"/>
+          </a:p>
+        </p:txBody>
+      </p:sp>
+      <p:sp>
+        <p:nvSpPr>
+          <p:cNvPr id="44" name="Oval 43"/>
+          <p:cNvSpPr/>
+          <p:nvPr/>
+        </p:nvSpPr>
+        <p:spPr>
+          <a:xfrm>
+            <a:off x="6248400" y="4518321"/>
+            <a:ext cx="152400" cy="206079"/>
+          </a:xfrm>
+          <a:prstGeom prst="ellipse">
+            <a:avLst/>
+          </a:prstGeom>
+          <a:solidFill>
+            <a:srgbClr val="FF0000"/>
+          </a:solidFill>
+          <a:ln>
+            <a:noFill/>
+          </a:ln>
+        </p:spPr>
+        <p:style>
+          <a:lnRef idx="2">
+            <a:schemeClr val="accent1">
+              <a:shade val="50000"/>
+            </a:schemeClr>
+          </a:lnRef>
+          <a:fillRef idx="1">
+            <a:schemeClr val="accent1"/>
+          </a:fillRef>
+          <a:effectRef idx="0">
+            <a:schemeClr val="accent1"/>
+          </a:effectRef>
+          <a:fontRef idx="minor">
+            <a:schemeClr val="lt1"/>
+          </a:fontRef>
+        </p:style>
+        <p:txBody>
+          <a:bodyPr rtlCol="0" anchor="ctr"/>
+          <a:lstStyle/>
+          <a:p>
+            <a:pPr algn="ctr"/>
+            <a:endParaRPr lang="en-CA"/>
+          </a:p>
+        </p:txBody>
+      </p:sp>
+      <p:cxnSp>
+        <p:nvCxnSpPr>
+          <p:cNvPr id="45" name="Straight Arrow Connector 44"/>
+          <p:cNvCxnSpPr/>
+          <p:nvPr/>
+        </p:nvCxnSpPr>
+        <p:spPr>
+          <a:xfrm flipV="1">
+            <a:off x="4800600" y="3228169"/>
+            <a:ext cx="0" cy="1648631"/>
+          </a:xfrm>
+          <a:prstGeom prst="straightConnector1">
+            <a:avLst/>
+          </a:prstGeom>
+          <a:ln>
+            <a:tailEnd type="arrow"/>
+          </a:ln>
+        </p:spPr>
+        <p:style>
+          <a:lnRef idx="3">
+            <a:schemeClr val="dk1"/>
+          </a:lnRef>
+          <a:fillRef idx="0">
+            <a:schemeClr val="dk1"/>
+          </a:fillRef>
+          <a:effectRef idx="2">
+            <a:schemeClr val="dk1"/>
+          </a:effectRef>
+          <a:fontRef idx="minor">
+            <a:schemeClr val="tx1"/>
+          </a:fontRef>
+        </p:style>
+      </p:cxnSp>
+      <p:cxnSp>
+        <p:nvCxnSpPr>
+          <p:cNvPr id="46" name="Straight Connector 45"/>
+          <p:cNvCxnSpPr/>
+          <p:nvPr/>
+        </p:nvCxnSpPr>
+        <p:spPr>
+          <a:xfrm>
+            <a:off x="5029200" y="4092279"/>
+            <a:ext cx="1752600" cy="269324"/>
+          </a:xfrm>
+          <a:prstGeom prst="line">
+            <a:avLst/>
+          </a:prstGeom>
+        </p:spPr>
+        <p:style>
+          <a:lnRef idx="3">
+            <a:schemeClr val="accent1"/>
+          </a:lnRef>
+          <a:fillRef idx="0">
+            <a:schemeClr val="accent1"/>
+          </a:fillRef>
+          <a:effectRef idx="2">
+            <a:schemeClr val="accent1"/>
+          </a:effectRef>
+          <a:fontRef idx="minor">
+            <a:schemeClr val="tx1"/>
+          </a:fontRef>
+        </p:style>
+      </p:cxnSp>
+      <p:sp>
+        <p:nvSpPr>
+          <p:cNvPr id="47" name="TextBox 46"/>
+          <p:cNvSpPr txBox="1"/>
+          <p:nvPr/>
+        </p:nvSpPr>
+        <p:spPr>
+          <a:xfrm>
+            <a:off x="4267200" y="3228169"/>
+            <a:ext cx="461665" cy="1724831"/>
+          </a:xfrm>
+          <a:prstGeom prst="rect">
+            <a:avLst/>
+          </a:prstGeom>
+          <a:noFill/>
+        </p:spPr>
+        <p:txBody>
+          <a:bodyPr vert="vert270" wrap="none" rtlCol="0">
+            <a:spAutoFit/>
+          </a:bodyPr>
+          <a:lstStyle/>
+          <a:p>
+            <a:r>
+              <a:rPr lang="en-CA" dirty="0" smtClean="0"/>
+              <a:t>Auxiliary  Feature</a:t>
+            </a:r>
+            <a:endParaRPr lang="en-CA" dirty="0"/>
+          </a:p>
+        </p:txBody>
+      </p:sp>
+      <p:sp>
+        <p:nvSpPr>
+          <p:cNvPr id="49" name="TextBox 48"/>
+          <p:cNvSpPr txBox="1"/>
+          <p:nvPr/>
+        </p:nvSpPr>
+        <p:spPr>
+          <a:xfrm>
+            <a:off x="2630243" y="1752543"/>
+            <a:ext cx="1717008" cy="369332"/>
+          </a:xfrm>
+          <a:prstGeom prst="rect">
+            <a:avLst/>
+          </a:prstGeom>
+          <a:noFill/>
+        </p:spPr>
+        <p:txBody>
+          <a:bodyPr wrap="none" rtlCol="0">
+            <a:spAutoFit/>
+          </a:bodyPr>
+          <a:lstStyle/>
+          <a:p>
+            <a:r>
+              <a:rPr lang="en-CA" dirty="0" smtClean="0"/>
+              <a:t>Positive Transfer</a:t>
+            </a:r>
+            <a:endParaRPr lang="en-CA" dirty="0"/>
+          </a:p>
+        </p:txBody>
+      </p:sp>
+      <p:sp>
+        <p:nvSpPr>
+          <p:cNvPr id="50" name="TextBox 49"/>
+          <p:cNvSpPr txBox="1"/>
+          <p:nvPr/>
+        </p:nvSpPr>
+        <p:spPr>
+          <a:xfrm>
+            <a:off x="2527197" y="4050268"/>
+            <a:ext cx="1816203" cy="369332"/>
+          </a:xfrm>
+          <a:prstGeom prst="rect">
+            <a:avLst/>
+          </a:prstGeom>
+          <a:noFill/>
+        </p:spPr>
+        <p:txBody>
+          <a:bodyPr wrap="none" rtlCol="0">
+            <a:spAutoFit/>
+          </a:bodyPr>
+          <a:lstStyle/>
+          <a:p>
+            <a:r>
+              <a:rPr lang="en-CA" dirty="0" smtClean="0"/>
+              <a:t>Negative Transfer</a:t>
+            </a:r>
+            <a:endParaRPr lang="en-CA" dirty="0"/>
+          </a:p>
+        </p:txBody>
+      </p:sp>
+      <p:cxnSp>
+        <p:nvCxnSpPr>
+          <p:cNvPr id="54" name="Straight Connector 53"/>
+          <p:cNvCxnSpPr/>
+          <p:nvPr/>
+        </p:nvCxnSpPr>
+        <p:spPr>
+          <a:xfrm>
+            <a:off x="2209800" y="2585552"/>
+            <a:ext cx="0" cy="1327487"/>
+          </a:xfrm>
+          <a:prstGeom prst="line">
+            <a:avLst/>
+          </a:prstGeom>
+        </p:spPr>
+        <p:style>
+          <a:lnRef idx="3">
+            <a:schemeClr val="accent1"/>
+          </a:lnRef>
+          <a:fillRef idx="0">
+            <a:schemeClr val="accent1"/>
+          </a:fillRef>
+          <a:effectRef idx="2">
+            <a:schemeClr val="accent1"/>
+          </a:effectRef>
+          <a:fontRef idx="minor">
+            <a:schemeClr val="tx1"/>
+          </a:fontRef>
+        </p:style>
+      </p:cxnSp>
+      <p:sp>
+        <p:nvSpPr>
+          <p:cNvPr id="60" name="TextBox 59"/>
+          <p:cNvSpPr txBox="1"/>
+          <p:nvPr/>
+        </p:nvSpPr>
+        <p:spPr>
+          <a:xfrm>
+            <a:off x="744787" y="2683165"/>
+            <a:ext cx="1406026" cy="369332"/>
+          </a:xfrm>
+          <a:prstGeom prst="rect">
+            <a:avLst/>
+          </a:prstGeom>
+          <a:noFill/>
+        </p:spPr>
+        <p:txBody>
+          <a:bodyPr wrap="none" rtlCol="0">
+            <a:spAutoFit/>
+          </a:bodyPr>
+          <a:lstStyle/>
+          <a:p>
+            <a:r>
+              <a:rPr lang="en-CA" dirty="0" smtClean="0"/>
+              <a:t>Original Data</a:t>
+            </a:r>
+            <a:endParaRPr lang="en-CA" dirty="0"/>
+          </a:p>
+        </p:txBody>
+      </p:sp>
+      <p:sp>
+        <p:nvSpPr>
+          <p:cNvPr id="61" name="Down Arrow 60"/>
+          <p:cNvSpPr/>
+          <p:nvPr/>
+        </p:nvSpPr>
+        <p:spPr>
+          <a:xfrm rot="14294456">
+            <a:off x="3429000" y="2308521"/>
+            <a:ext cx="381000" cy="434679"/>
+          </a:xfrm>
+          <a:prstGeom prst="downArrow">
+            <a:avLst/>
+          </a:prstGeom>
+          <a:solidFill>
+            <a:schemeClr val="tx1"/>
+          </a:solidFill>
+          <a:ln>
+            <a:noFill/>
+          </a:ln>
+        </p:spPr>
+        <p:style>
+          <a:lnRef idx="2">
+            <a:schemeClr val="accent1">
+              <a:shade val="50000"/>
+            </a:schemeClr>
+          </a:lnRef>
+          <a:fillRef idx="1">
+            <a:schemeClr val="accent1"/>
+          </a:fillRef>
+          <a:effectRef idx="0">
+            <a:schemeClr val="accent1"/>
+          </a:effectRef>
+          <a:fontRef idx="minor">
+            <a:schemeClr val="lt1"/>
+          </a:fontRef>
+        </p:style>
+        <p:txBody>
+          <a:bodyPr rtlCol="0" anchor="ctr"/>
+          <a:lstStyle/>
+          <a:p>
+            <a:pPr algn="ctr"/>
+            <a:endParaRPr lang="en-CA"/>
+          </a:p>
+        </p:txBody>
+      </p:sp>
+      <p:sp>
+        <p:nvSpPr>
+          <p:cNvPr id="62" name="Down Arrow 61"/>
+          <p:cNvSpPr/>
+          <p:nvPr/>
+        </p:nvSpPr>
+        <p:spPr>
+          <a:xfrm rot="17980806">
+            <a:off x="3412547" y="3544887"/>
+            <a:ext cx="381000" cy="434679"/>
+          </a:xfrm>
+          <a:prstGeom prst="downArrow">
+            <a:avLst/>
+          </a:prstGeom>
+          <a:solidFill>
+            <a:schemeClr val="tx1"/>
+          </a:solidFill>
+          <a:ln>
+            <a:noFill/>
+          </a:ln>
+        </p:spPr>
+        <p:style>
+          <a:lnRef idx="2">
+            <a:schemeClr val="accent1">
+              <a:shade val="50000"/>
+            </a:schemeClr>
+          </a:lnRef>
+          <a:fillRef idx="1">
+            <a:schemeClr val="accent1"/>
+          </a:fillRef>
+          <a:effectRef idx="0">
+            <a:schemeClr val="accent1"/>
+          </a:effectRef>
+          <a:fontRef idx="minor">
+            <a:schemeClr val="lt1"/>
+          </a:fontRef>
+        </p:style>
+        <p:txBody>
+          <a:bodyPr rtlCol="0" anchor="ctr"/>
+          <a:lstStyle/>
+          <a:p>
+            <a:pPr algn="ctr"/>
+            <a:endParaRPr lang="en-CA"/>
+          </a:p>
+        </p:txBody>
+      </p:sp>
+    </p:spTree>
+    <p:extLst>
+      <p:ext uri="{BB962C8B-B14F-4D97-AF65-F5344CB8AC3E}">
+        <p14:creationId xmlns:p14="http://schemas.microsoft.com/office/powerpoint/2010/main" val="660332290"/>
+      </p:ext>
+    </p:extLst>
+  </p:cSld>
+  <p:clrMapOvr>
+    <a:masterClrMapping/>
+  </p:clrMapOvr>
+</p:sld>
+</file>
+
+<file path=ppt/slides/slide3.xml><?xml version="1.0" encoding="utf-8"?>
+<p:sld xmlns:a="http://schemas.openxmlformats.org/drawingml/2006/main" xmlns:r="http://schemas.openxmlformats.org/officeDocument/2006/relationships" xmlns:p="http://schemas.openxmlformats.org/presentationml/2006/main">
+  <p:cSld>
+    <p:spTree>
+      <p:nvGrpSpPr>
+        <p:cNvPr id="1" name=""/>
+        <p:cNvGrpSpPr/>
+        <p:nvPr/>
+      </p:nvGrpSpPr>
+      <p:grpSpPr>
+        <a:xfrm>
+          <a:off x="0" y="0"/>
+          <a:ext cx="0" cy="0"/>
+          <a:chOff x="0" y="0"/>
+          <a:chExt cx="0" cy="0"/>
+        </a:xfrm>
+      </p:grpSpPr>
+      <p:cxnSp>
+        <p:nvCxnSpPr>
+          <p:cNvPr id="48" name="Straight Arrow Connector 47"/>
+          <p:cNvCxnSpPr/>
+          <p:nvPr/>
+        </p:nvCxnSpPr>
+        <p:spPr>
+          <a:xfrm>
+            <a:off x="2743200" y="2335361"/>
+            <a:ext cx="2362200" cy="0"/>
+          </a:xfrm>
+          <a:prstGeom prst="straightConnector1">
+            <a:avLst/>
+          </a:prstGeom>
+          <a:ln>
+            <a:tailEnd type="arrow"/>
+          </a:ln>
+        </p:spPr>
+        <p:style>
+          <a:lnRef idx="3">
+            <a:schemeClr val="dk1"/>
+          </a:lnRef>
+          <a:fillRef idx="0">
+            <a:schemeClr val="dk1"/>
+          </a:fillRef>
+          <a:effectRef idx="2">
+            <a:schemeClr val="dk1"/>
+          </a:effectRef>
+          <a:fontRef idx="minor">
+            <a:schemeClr val="tx1"/>
+          </a:fontRef>
+        </p:style>
+      </p:cxnSp>
+      <p:sp>
+        <p:nvSpPr>
+          <p:cNvPr id="51" name="Oval 50"/>
+          <p:cNvSpPr/>
+          <p:nvPr/>
+        </p:nvSpPr>
+        <p:spPr>
+          <a:xfrm>
+            <a:off x="2819400" y="2259161"/>
+            <a:ext cx="152400" cy="152400"/>
+          </a:xfrm>
+          <a:prstGeom prst="ellipse">
+            <a:avLst/>
+          </a:prstGeom>
+          <a:solidFill>
+            <a:srgbClr val="FF0000"/>
+          </a:solidFill>
+          <a:ln>
+            <a:noFill/>
+          </a:ln>
+        </p:spPr>
+        <p:style>
+          <a:lnRef idx="2">
+            <a:schemeClr val="accent1">
+              <a:shade val="50000"/>
+            </a:schemeClr>
+          </a:lnRef>
+          <a:fillRef idx="1">
+            <a:schemeClr val="accent1"/>
+          </a:fillRef>
+          <a:effectRef idx="0">
+            <a:schemeClr val="accent1"/>
+          </a:effectRef>
+          <a:fontRef idx="minor">
+            <a:schemeClr val="lt1"/>
+          </a:fontRef>
+        </p:style>
+        <p:txBody>
+          <a:bodyPr rtlCol="0" anchor="ctr"/>
+          <a:lstStyle/>
+          <a:p>
+            <a:pPr algn="ctr"/>
+            <a:endParaRPr lang="en-CA"/>
+          </a:p>
+        </p:txBody>
+      </p:sp>
+      <p:sp>
+        <p:nvSpPr>
+          <p:cNvPr id="52" name="Oval 51"/>
+          <p:cNvSpPr/>
+          <p:nvPr/>
+        </p:nvSpPr>
+        <p:spPr>
+          <a:xfrm>
+            <a:off x="3048000" y="2259161"/>
+            <a:ext cx="152400" cy="152400"/>
+          </a:xfrm>
+          <a:prstGeom prst="ellipse">
+            <a:avLst/>
+          </a:prstGeom>
+          <a:solidFill>
+            <a:srgbClr val="00B050"/>
+          </a:solidFill>
+          <a:ln>
+            <a:noFill/>
+          </a:ln>
+        </p:spPr>
+        <p:style>
+          <a:lnRef idx="2">
+            <a:schemeClr val="accent1">
+              <a:shade val="50000"/>
+            </a:schemeClr>
+          </a:lnRef>
+          <a:fillRef idx="1">
+            <a:schemeClr val="accent1"/>
+          </a:fillRef>
+          <a:effectRef idx="0">
+            <a:schemeClr val="accent1"/>
+          </a:effectRef>
+          <a:fontRef idx="minor">
+            <a:schemeClr val="lt1"/>
+          </a:fontRef>
+        </p:style>
+        <p:txBody>
+          <a:bodyPr rtlCol="0" anchor="ctr"/>
+          <a:lstStyle/>
+          <a:p>
+            <a:pPr algn="ctr"/>
+            <a:endParaRPr lang="en-CA"/>
+          </a:p>
+        </p:txBody>
+      </p:sp>
+      <p:sp>
+        <p:nvSpPr>
+          <p:cNvPr id="53" name="Oval 52"/>
+          <p:cNvSpPr/>
+          <p:nvPr/>
+        </p:nvSpPr>
+        <p:spPr>
+          <a:xfrm>
+            <a:off x="3505200" y="2259161"/>
+            <a:ext cx="152400" cy="152400"/>
+          </a:xfrm>
+          <a:prstGeom prst="ellipse">
+            <a:avLst/>
+          </a:prstGeom>
+          <a:solidFill>
+            <a:srgbClr val="00B050"/>
+          </a:solidFill>
+          <a:ln>
+            <a:noFill/>
+          </a:ln>
+        </p:spPr>
+        <p:style>
+          <a:lnRef idx="2">
+            <a:schemeClr val="accent1">
+              <a:shade val="50000"/>
+            </a:schemeClr>
+          </a:lnRef>
+          <a:fillRef idx="1">
+            <a:schemeClr val="accent1"/>
+          </a:fillRef>
+          <a:effectRef idx="0">
+            <a:schemeClr val="accent1"/>
+          </a:effectRef>
+          <a:fontRef idx="minor">
+            <a:schemeClr val="lt1"/>
+          </a:fontRef>
+        </p:style>
+        <p:txBody>
+          <a:bodyPr rtlCol="0" anchor="ctr"/>
+          <a:lstStyle/>
+          <a:p>
+            <a:pPr algn="ctr"/>
+            <a:endParaRPr lang="en-CA"/>
+          </a:p>
+        </p:txBody>
+      </p:sp>
+      <p:sp>
+        <p:nvSpPr>
+          <p:cNvPr id="55" name="Oval 54"/>
+          <p:cNvSpPr/>
+          <p:nvPr/>
+        </p:nvSpPr>
+        <p:spPr>
+          <a:xfrm>
+            <a:off x="3276600" y="2259161"/>
+            <a:ext cx="152400" cy="152400"/>
+          </a:xfrm>
+          <a:prstGeom prst="ellipse">
+            <a:avLst/>
+          </a:prstGeom>
+          <a:solidFill>
+            <a:srgbClr val="00B050"/>
+          </a:solidFill>
+          <a:ln>
+            <a:noFill/>
+          </a:ln>
+        </p:spPr>
+        <p:style>
+          <a:lnRef idx="2">
+            <a:schemeClr val="accent1">
+              <a:shade val="50000"/>
+            </a:schemeClr>
+          </a:lnRef>
+          <a:fillRef idx="1">
+            <a:schemeClr val="accent1"/>
+          </a:fillRef>
+          <a:effectRef idx="0">
+            <a:schemeClr val="accent1"/>
+          </a:effectRef>
+          <a:fontRef idx="minor">
+            <a:schemeClr val="lt1"/>
+          </a:fontRef>
+        </p:style>
+        <p:txBody>
+          <a:bodyPr rtlCol="0" anchor="ctr"/>
+          <a:lstStyle/>
+          <a:p>
+            <a:pPr algn="ctr"/>
+            <a:endParaRPr lang="en-CA"/>
+          </a:p>
+        </p:txBody>
+      </p:sp>
+      <p:sp>
+        <p:nvSpPr>
+          <p:cNvPr id="56" name="Oval 55"/>
+          <p:cNvSpPr/>
+          <p:nvPr/>
+        </p:nvSpPr>
+        <p:spPr>
+          <a:xfrm>
+            <a:off x="3733800" y="2259161"/>
+            <a:ext cx="152400" cy="152400"/>
+          </a:xfrm>
+          <a:prstGeom prst="ellipse">
+            <a:avLst/>
+          </a:prstGeom>
+          <a:solidFill>
+            <a:srgbClr val="00B050"/>
+          </a:solidFill>
+          <a:ln>
+            <a:noFill/>
+          </a:ln>
+        </p:spPr>
+        <p:style>
+          <a:lnRef idx="2">
+            <a:schemeClr val="accent1">
+              <a:shade val="50000"/>
+            </a:schemeClr>
+          </a:lnRef>
+          <a:fillRef idx="1">
+            <a:schemeClr val="accent1"/>
+          </a:fillRef>
+          <a:effectRef idx="0">
+            <a:schemeClr val="accent1"/>
+          </a:effectRef>
+          <a:fontRef idx="minor">
+            <a:schemeClr val="lt1"/>
+          </a:fontRef>
+        </p:style>
+        <p:txBody>
+          <a:bodyPr rtlCol="0" anchor="ctr"/>
+          <a:lstStyle/>
+          <a:p>
+            <a:pPr algn="ctr"/>
+            <a:endParaRPr lang="en-CA"/>
+          </a:p>
+        </p:txBody>
+      </p:sp>
+      <p:sp>
+        <p:nvSpPr>
+          <p:cNvPr id="57" name="Oval 56"/>
+          <p:cNvSpPr/>
+          <p:nvPr/>
+        </p:nvSpPr>
+        <p:spPr>
+          <a:xfrm>
+            <a:off x="4038600" y="2259161"/>
+            <a:ext cx="152400" cy="152400"/>
+          </a:xfrm>
+          <a:prstGeom prst="ellipse">
+            <a:avLst/>
+          </a:prstGeom>
+          <a:solidFill>
+            <a:srgbClr val="FF0000"/>
+          </a:solidFill>
+          <a:ln>
+            <a:noFill/>
+          </a:ln>
+        </p:spPr>
+        <p:style>
+          <a:lnRef idx="2">
+            <a:schemeClr val="accent1">
+              <a:shade val="50000"/>
+            </a:schemeClr>
+          </a:lnRef>
+          <a:fillRef idx="1">
+            <a:schemeClr val="accent1"/>
+          </a:fillRef>
+          <a:effectRef idx="0">
+            <a:schemeClr val="accent1"/>
+          </a:effectRef>
+          <a:fontRef idx="minor">
+            <a:schemeClr val="lt1"/>
+          </a:fontRef>
+        </p:style>
+        <p:txBody>
+          <a:bodyPr rtlCol="0" anchor="ctr"/>
+          <a:lstStyle/>
+          <a:p>
+            <a:pPr algn="ctr"/>
+            <a:endParaRPr lang="en-CA"/>
+          </a:p>
+        </p:txBody>
+      </p:sp>
+      <p:sp>
+        <p:nvSpPr>
+          <p:cNvPr id="58" name="Oval 57"/>
+          <p:cNvSpPr/>
+          <p:nvPr/>
+        </p:nvSpPr>
+        <p:spPr>
+          <a:xfrm>
+            <a:off x="4495800" y="2259161"/>
+            <a:ext cx="152400" cy="152400"/>
+          </a:xfrm>
+          <a:prstGeom prst="ellipse">
+            <a:avLst/>
+          </a:prstGeom>
+          <a:solidFill>
+            <a:srgbClr val="FF0000"/>
+          </a:solidFill>
+          <a:ln>
+            <a:noFill/>
+          </a:ln>
+        </p:spPr>
+        <p:style>
+          <a:lnRef idx="2">
+            <a:schemeClr val="accent1">
+              <a:shade val="50000"/>
+            </a:schemeClr>
+          </a:lnRef>
+          <a:fillRef idx="1">
+            <a:schemeClr val="accent1"/>
+          </a:fillRef>
+          <a:effectRef idx="0">
+            <a:schemeClr val="accent1"/>
+          </a:effectRef>
+          <a:fontRef idx="minor">
+            <a:schemeClr val="lt1"/>
+          </a:fontRef>
+        </p:style>
+        <p:txBody>
+          <a:bodyPr rtlCol="0" anchor="ctr"/>
+          <a:lstStyle/>
+          <a:p>
+            <a:pPr algn="ctr"/>
+            <a:endParaRPr lang="en-CA"/>
+          </a:p>
+        </p:txBody>
+      </p:sp>
+      <p:sp>
+        <p:nvSpPr>
+          <p:cNvPr id="59" name="Oval 58"/>
+          <p:cNvSpPr/>
+          <p:nvPr/>
+        </p:nvSpPr>
+        <p:spPr>
+          <a:xfrm>
+            <a:off x="4267200" y="2259161"/>
+            <a:ext cx="152400" cy="152400"/>
+          </a:xfrm>
+          <a:prstGeom prst="ellipse">
+            <a:avLst/>
+          </a:prstGeom>
+          <a:solidFill>
+            <a:srgbClr val="FF0000"/>
+          </a:solidFill>
+          <a:ln>
+            <a:noFill/>
+          </a:ln>
+        </p:spPr>
+        <p:style>
+          <a:lnRef idx="2">
+            <a:schemeClr val="accent1">
+              <a:shade val="50000"/>
+            </a:schemeClr>
+          </a:lnRef>
+          <a:fillRef idx="1">
+            <a:schemeClr val="accent1"/>
+          </a:fillRef>
+          <a:effectRef idx="0">
+            <a:schemeClr val="accent1"/>
+          </a:effectRef>
+          <a:fontRef idx="minor">
+            <a:schemeClr val="lt1"/>
+          </a:fontRef>
+        </p:style>
+        <p:txBody>
+          <a:bodyPr rtlCol="0" anchor="ctr"/>
+          <a:lstStyle/>
+          <a:p>
+            <a:pPr algn="ctr"/>
+            <a:endParaRPr lang="en-CA"/>
+          </a:p>
+        </p:txBody>
+      </p:sp>
+      <p:cxnSp>
+        <p:nvCxnSpPr>
+          <p:cNvPr id="65" name="Straight Connector 64"/>
+          <p:cNvCxnSpPr/>
+          <p:nvPr/>
+        </p:nvCxnSpPr>
+        <p:spPr>
+          <a:xfrm>
+            <a:off x="3962400" y="1720513"/>
+            <a:ext cx="0" cy="1327487"/>
+          </a:xfrm>
+          <a:prstGeom prst="line">
+            <a:avLst/>
+          </a:prstGeom>
+        </p:spPr>
+        <p:style>
+          <a:lnRef idx="3">
+            <a:schemeClr val="accent1"/>
+          </a:lnRef>
+          <a:fillRef idx="0">
+            <a:schemeClr val="accent1"/>
+          </a:fillRef>
+          <a:effectRef idx="2">
+            <a:schemeClr val="accent1"/>
+          </a:effectRef>
+          <a:fontRef idx="minor">
+            <a:schemeClr val="tx1"/>
+          </a:fontRef>
+        </p:style>
+      </p:cxnSp>
+      <p:sp>
+        <p:nvSpPr>
+          <p:cNvPr id="66" name="TextBox 65"/>
+          <p:cNvSpPr txBox="1"/>
+          <p:nvPr/>
+        </p:nvSpPr>
+        <p:spPr>
+          <a:xfrm>
+            <a:off x="3259387" y="1232048"/>
+            <a:ext cx="1406026" cy="369332"/>
+          </a:xfrm>
+          <a:prstGeom prst="rect">
+            <a:avLst/>
+          </a:prstGeom>
+          <a:noFill/>
+        </p:spPr>
+        <p:txBody>
+          <a:bodyPr wrap="none" rtlCol="0">
+            <a:spAutoFit/>
+          </a:bodyPr>
+          <a:lstStyle/>
+          <a:p>
+            <a:r>
+              <a:rPr lang="en-CA" dirty="0" smtClean="0"/>
+              <a:t>Original Data</a:t>
+            </a:r>
+            <a:endParaRPr lang="en-CA" dirty="0"/>
+          </a:p>
+        </p:txBody>
+      </p:sp>
+      <p:cxnSp>
+        <p:nvCxnSpPr>
+          <p:cNvPr id="69" name="Straight Arrow Connector 68"/>
+          <p:cNvCxnSpPr/>
+          <p:nvPr/>
+        </p:nvCxnSpPr>
+        <p:spPr>
+          <a:xfrm>
+            <a:off x="1447800" y="5181600"/>
+            <a:ext cx="2209800" cy="0"/>
+          </a:xfrm>
+          <a:prstGeom prst="straightConnector1">
+            <a:avLst/>
+          </a:prstGeom>
+          <a:ln>
+            <a:tailEnd type="arrow"/>
+          </a:ln>
+        </p:spPr>
+        <p:style>
+          <a:lnRef idx="3">
+            <a:schemeClr val="dk1"/>
+          </a:lnRef>
+          <a:fillRef idx="0">
+            <a:schemeClr val="dk1"/>
+          </a:fillRef>
+          <a:effectRef idx="2">
+            <a:schemeClr val="dk1"/>
+          </a:effectRef>
+          <a:fontRef idx="minor">
+            <a:schemeClr val="tx1"/>
+          </a:fontRef>
+        </p:style>
+      </p:cxnSp>
+      <p:sp>
+        <p:nvSpPr>
+          <p:cNvPr id="70" name="Oval 69"/>
+          <p:cNvSpPr/>
+          <p:nvPr/>
+        </p:nvSpPr>
+        <p:spPr>
+          <a:xfrm>
+            <a:off x="1600200" y="4563363"/>
+            <a:ext cx="152400" cy="206079"/>
+          </a:xfrm>
+          <a:prstGeom prst="ellipse">
+            <a:avLst/>
+          </a:prstGeom>
+          <a:solidFill>
+            <a:srgbClr val="FF0000"/>
+          </a:solidFill>
+          <a:ln>
+            <a:noFill/>
+          </a:ln>
+        </p:spPr>
+        <p:style>
+          <a:lnRef idx="2">
+            <a:schemeClr val="accent1">
+              <a:shade val="50000"/>
+            </a:schemeClr>
+          </a:lnRef>
+          <a:fillRef idx="1">
+            <a:schemeClr val="accent1"/>
+          </a:fillRef>
+          <a:effectRef idx="0">
+            <a:schemeClr val="accent1"/>
+          </a:effectRef>
+          <a:fontRef idx="minor">
+            <a:schemeClr val="lt1"/>
+          </a:fontRef>
+        </p:style>
+        <p:txBody>
+          <a:bodyPr rtlCol="0" anchor="ctr"/>
+          <a:lstStyle/>
+          <a:p>
+            <a:pPr algn="ctr"/>
+            <a:endParaRPr lang="en-CA"/>
+          </a:p>
+        </p:txBody>
+      </p:sp>
+      <p:sp>
+        <p:nvSpPr>
+          <p:cNvPr id="71" name="Oval 70"/>
+          <p:cNvSpPr/>
+          <p:nvPr/>
+        </p:nvSpPr>
+        <p:spPr>
+          <a:xfrm>
+            <a:off x="1754080" y="3842087"/>
+            <a:ext cx="152400" cy="206079"/>
+          </a:xfrm>
+          <a:prstGeom prst="ellipse">
+            <a:avLst/>
+          </a:prstGeom>
+          <a:solidFill>
+            <a:srgbClr val="00B050"/>
+          </a:solidFill>
+          <a:ln>
+            <a:noFill/>
+          </a:ln>
+        </p:spPr>
+        <p:style>
+          <a:lnRef idx="2">
+            <a:schemeClr val="accent1">
+              <a:shade val="50000"/>
+            </a:schemeClr>
+          </a:lnRef>
+          <a:fillRef idx="1">
+            <a:schemeClr val="accent1"/>
+          </a:fillRef>
+          <a:effectRef idx="0">
+            <a:schemeClr val="accent1"/>
+          </a:effectRef>
+          <a:fontRef idx="minor">
+            <a:schemeClr val="lt1"/>
+          </a:fontRef>
+        </p:style>
+        <p:txBody>
+          <a:bodyPr rtlCol="0" anchor="ctr"/>
+          <a:lstStyle/>
+          <a:p>
+            <a:pPr algn="ctr"/>
+            <a:endParaRPr lang="en-CA"/>
+          </a:p>
+        </p:txBody>
+      </p:sp>
+      <p:sp>
+        <p:nvSpPr>
+          <p:cNvPr id="72" name="Oval 71"/>
+          <p:cNvSpPr/>
+          <p:nvPr/>
+        </p:nvSpPr>
+        <p:spPr>
+          <a:xfrm>
+            <a:off x="2209800" y="4151206"/>
+            <a:ext cx="152400" cy="206079"/>
+          </a:xfrm>
+          <a:prstGeom prst="ellipse">
+            <a:avLst/>
+          </a:prstGeom>
+          <a:solidFill>
+            <a:srgbClr val="00B050"/>
+          </a:solidFill>
+          <a:ln>
+            <a:noFill/>
+          </a:ln>
+        </p:spPr>
+        <p:style>
+          <a:lnRef idx="2">
+            <a:schemeClr val="accent1">
+              <a:shade val="50000"/>
+            </a:schemeClr>
+          </a:lnRef>
+          <a:fillRef idx="1">
+            <a:schemeClr val="accent1"/>
+          </a:fillRef>
+          <a:effectRef idx="0">
+            <a:schemeClr val="accent1"/>
+          </a:effectRef>
+          <a:fontRef idx="minor">
+            <a:schemeClr val="lt1"/>
+          </a:fontRef>
+        </p:style>
+        <p:txBody>
+          <a:bodyPr rtlCol="0" anchor="ctr"/>
+          <a:lstStyle/>
+          <a:p>
+            <a:pPr algn="ctr"/>
+            <a:endParaRPr lang="en-CA"/>
+          </a:p>
+        </p:txBody>
+      </p:sp>
+      <p:sp>
+        <p:nvSpPr>
+          <p:cNvPr id="73" name="Oval 72"/>
+          <p:cNvSpPr/>
+          <p:nvPr/>
+        </p:nvSpPr>
+        <p:spPr>
+          <a:xfrm>
+            <a:off x="1981200" y="4066369"/>
+            <a:ext cx="152400" cy="206079"/>
+          </a:xfrm>
+          <a:prstGeom prst="ellipse">
+            <a:avLst/>
+          </a:prstGeom>
+          <a:solidFill>
+            <a:srgbClr val="00B050"/>
+          </a:solidFill>
+          <a:ln>
+            <a:noFill/>
+          </a:ln>
+        </p:spPr>
+        <p:style>
+          <a:lnRef idx="2">
+            <a:schemeClr val="accent1">
+              <a:shade val="50000"/>
+            </a:schemeClr>
+          </a:lnRef>
+          <a:fillRef idx="1">
+            <a:schemeClr val="accent1"/>
+          </a:fillRef>
+          <a:effectRef idx="0">
+            <a:schemeClr val="accent1"/>
+          </a:effectRef>
+          <a:fontRef idx="minor">
+            <a:schemeClr val="lt1"/>
+          </a:fontRef>
+        </p:style>
+        <p:txBody>
+          <a:bodyPr rtlCol="0" anchor="ctr"/>
+          <a:lstStyle/>
+          <a:p>
+            <a:pPr algn="ctr"/>
+            <a:endParaRPr lang="en-CA"/>
+          </a:p>
+        </p:txBody>
+      </p:sp>
+      <p:sp>
+        <p:nvSpPr>
+          <p:cNvPr id="74" name="Oval 73"/>
+          <p:cNvSpPr/>
+          <p:nvPr/>
+        </p:nvSpPr>
+        <p:spPr>
+          <a:xfrm>
+            <a:off x="2438400" y="3739048"/>
+            <a:ext cx="152400" cy="206079"/>
+          </a:xfrm>
+          <a:prstGeom prst="ellipse">
+            <a:avLst/>
+          </a:prstGeom>
+          <a:solidFill>
+            <a:srgbClr val="00B050"/>
+          </a:solidFill>
+          <a:ln>
+            <a:noFill/>
+          </a:ln>
+        </p:spPr>
+        <p:style>
+          <a:lnRef idx="2">
+            <a:schemeClr val="accent1">
+              <a:shade val="50000"/>
+            </a:schemeClr>
+          </a:lnRef>
+          <a:fillRef idx="1">
+            <a:schemeClr val="accent1"/>
+          </a:fillRef>
+          <a:effectRef idx="0">
+            <a:schemeClr val="accent1"/>
+          </a:effectRef>
+          <a:fontRef idx="minor">
+            <a:schemeClr val="lt1"/>
+          </a:fontRef>
+        </p:style>
+        <p:txBody>
+          <a:bodyPr rtlCol="0" anchor="ctr"/>
+          <a:lstStyle/>
+          <a:p>
+            <a:pPr algn="ctr"/>
+            <a:endParaRPr lang="en-CA"/>
+          </a:p>
+        </p:txBody>
+      </p:sp>
+      <p:sp>
+        <p:nvSpPr>
+          <p:cNvPr id="75" name="Oval 74"/>
+          <p:cNvSpPr/>
+          <p:nvPr/>
+        </p:nvSpPr>
+        <p:spPr>
+          <a:xfrm>
+            <a:off x="2667000" y="4769442"/>
+            <a:ext cx="152400" cy="206079"/>
+          </a:xfrm>
+          <a:prstGeom prst="ellipse">
+            <a:avLst/>
+          </a:prstGeom>
+          <a:solidFill>
+            <a:srgbClr val="FF0000"/>
+          </a:solidFill>
+          <a:ln>
+            <a:noFill/>
+          </a:ln>
+        </p:spPr>
+        <p:style>
+          <a:lnRef idx="2">
+            <a:schemeClr val="accent1">
+              <a:shade val="50000"/>
+            </a:schemeClr>
+          </a:lnRef>
+          <a:fillRef idx="1">
+            <a:schemeClr val="accent1"/>
+          </a:fillRef>
+          <a:effectRef idx="0">
+            <a:schemeClr val="accent1"/>
+          </a:effectRef>
+          <a:fontRef idx="minor">
+            <a:schemeClr val="lt1"/>
+          </a:fontRef>
+        </p:style>
+        <p:txBody>
+          <a:bodyPr rtlCol="0" anchor="ctr"/>
+          <a:lstStyle/>
+          <a:p>
+            <a:pPr algn="ctr"/>
+            <a:endParaRPr lang="en-CA"/>
+          </a:p>
+        </p:txBody>
+      </p:sp>
+      <p:sp>
+        <p:nvSpPr>
+          <p:cNvPr id="76" name="Oval 75"/>
+          <p:cNvSpPr/>
+          <p:nvPr/>
+        </p:nvSpPr>
+        <p:spPr>
+          <a:xfrm>
+            <a:off x="3124200" y="4769442"/>
+            <a:ext cx="152400" cy="206079"/>
+          </a:xfrm>
+          <a:prstGeom prst="ellipse">
+            <a:avLst/>
+          </a:prstGeom>
+          <a:solidFill>
+            <a:srgbClr val="FF0000"/>
+          </a:solidFill>
+          <a:ln>
+            <a:noFill/>
+          </a:ln>
+        </p:spPr>
+        <p:style>
+          <a:lnRef idx="2">
+            <a:schemeClr val="accent1">
+              <a:shade val="50000"/>
+            </a:schemeClr>
+          </a:lnRef>
+          <a:fillRef idx="1">
+            <a:schemeClr val="accent1"/>
+          </a:fillRef>
+          <a:effectRef idx="0">
+            <a:schemeClr val="accent1"/>
+          </a:effectRef>
+          <a:fontRef idx="minor">
+            <a:schemeClr val="lt1"/>
+          </a:fontRef>
+        </p:style>
+        <p:txBody>
+          <a:bodyPr rtlCol="0" anchor="ctr"/>
+          <a:lstStyle/>
+          <a:p>
+            <a:pPr algn="ctr"/>
+            <a:endParaRPr lang="en-CA"/>
+          </a:p>
+        </p:txBody>
+      </p:sp>
+      <p:sp>
+        <p:nvSpPr>
+          <p:cNvPr id="77" name="Oval 76"/>
+          <p:cNvSpPr/>
+          <p:nvPr/>
+        </p:nvSpPr>
+        <p:spPr>
+          <a:xfrm>
+            <a:off x="2895600" y="4698490"/>
+            <a:ext cx="152400" cy="206079"/>
+          </a:xfrm>
+          <a:prstGeom prst="ellipse">
+            <a:avLst/>
+          </a:prstGeom>
+          <a:solidFill>
+            <a:srgbClr val="FF0000"/>
+          </a:solidFill>
+          <a:ln>
+            <a:noFill/>
+          </a:ln>
+        </p:spPr>
+        <p:style>
+          <a:lnRef idx="2">
+            <a:schemeClr val="accent1">
+              <a:shade val="50000"/>
+            </a:schemeClr>
+          </a:lnRef>
+          <a:fillRef idx="1">
+            <a:schemeClr val="accent1"/>
+          </a:fillRef>
+          <a:effectRef idx="0">
+            <a:schemeClr val="accent1"/>
+          </a:effectRef>
+          <a:fontRef idx="minor">
+            <a:schemeClr val="lt1"/>
+          </a:fontRef>
+        </p:style>
+        <p:txBody>
+          <a:bodyPr rtlCol="0" anchor="ctr"/>
+          <a:lstStyle/>
+          <a:p>
+            <a:pPr algn="ctr"/>
+            <a:endParaRPr lang="en-CA"/>
+          </a:p>
+        </p:txBody>
+      </p:sp>
+      <p:cxnSp>
+        <p:nvCxnSpPr>
+          <p:cNvPr id="78" name="Straight Arrow Connector 77"/>
+          <p:cNvCxnSpPr/>
+          <p:nvPr/>
+        </p:nvCxnSpPr>
+        <p:spPr>
+          <a:xfrm flipV="1">
+            <a:off x="1447800" y="3532969"/>
+            <a:ext cx="0" cy="1648631"/>
+          </a:xfrm>
+          <a:prstGeom prst="straightConnector1">
+            <a:avLst/>
+          </a:prstGeom>
+          <a:ln>
+            <a:tailEnd type="arrow"/>
+          </a:ln>
+        </p:spPr>
+        <p:style>
+          <a:lnRef idx="3">
+            <a:schemeClr val="dk1"/>
+          </a:lnRef>
+          <a:fillRef idx="0">
+            <a:schemeClr val="dk1"/>
+          </a:fillRef>
+          <a:effectRef idx="2">
+            <a:schemeClr val="dk1"/>
+          </a:effectRef>
+          <a:fontRef idx="minor">
+            <a:schemeClr val="tx1"/>
+          </a:fontRef>
+        </p:style>
+      </p:cxnSp>
+      <p:cxnSp>
+        <p:nvCxnSpPr>
+          <p:cNvPr id="79" name="Straight Connector 78"/>
+          <p:cNvCxnSpPr/>
+          <p:nvPr/>
+        </p:nvCxnSpPr>
+        <p:spPr>
+          <a:xfrm>
+            <a:off x="1676400" y="4357285"/>
+            <a:ext cx="1752600" cy="309118"/>
+          </a:xfrm>
+          <a:prstGeom prst="line">
+            <a:avLst/>
+          </a:prstGeom>
+        </p:spPr>
+        <p:style>
+          <a:lnRef idx="3">
+            <a:schemeClr val="accent1"/>
+          </a:lnRef>
+          <a:fillRef idx="0">
+            <a:schemeClr val="accent1"/>
+          </a:fillRef>
+          <a:effectRef idx="2">
+            <a:schemeClr val="accent1"/>
+          </a:effectRef>
+          <a:fontRef idx="minor">
+            <a:schemeClr val="tx1"/>
+          </a:fontRef>
+        </p:style>
+      </p:cxnSp>
+      <p:sp>
+        <p:nvSpPr>
+          <p:cNvPr id="80" name="TextBox 79"/>
+          <p:cNvSpPr txBox="1"/>
+          <p:nvPr/>
+        </p:nvSpPr>
+        <p:spPr>
+          <a:xfrm>
+            <a:off x="914400" y="3532969"/>
+            <a:ext cx="461665" cy="1724831"/>
+          </a:xfrm>
+          <a:prstGeom prst="rect">
+            <a:avLst/>
+          </a:prstGeom>
+          <a:noFill/>
+        </p:spPr>
+        <p:txBody>
+          <a:bodyPr vert="vert270" wrap="none" rtlCol="0">
+            <a:spAutoFit/>
+          </a:bodyPr>
+          <a:lstStyle/>
+          <a:p>
+            <a:r>
+              <a:rPr lang="en-CA" dirty="0" smtClean="0"/>
+              <a:t>Auxiliary  Feature</a:t>
+            </a:r>
+            <a:endParaRPr lang="en-CA" dirty="0"/>
+          </a:p>
+        </p:txBody>
+      </p:sp>
+      <p:cxnSp>
+        <p:nvCxnSpPr>
+          <p:cNvPr id="81" name="Straight Arrow Connector 80"/>
+          <p:cNvCxnSpPr/>
+          <p:nvPr/>
+        </p:nvCxnSpPr>
+        <p:spPr>
+          <a:xfrm>
+            <a:off x="4800600" y="5181600"/>
+            <a:ext cx="2209800" cy="0"/>
+          </a:xfrm>
+          <a:prstGeom prst="straightConnector1">
+            <a:avLst/>
+          </a:prstGeom>
+          <a:ln>
+            <a:tailEnd type="arrow"/>
+          </a:ln>
+        </p:spPr>
+        <p:style>
+          <a:lnRef idx="3">
+            <a:schemeClr val="dk1"/>
+          </a:lnRef>
+          <a:fillRef idx="0">
+            <a:schemeClr val="dk1"/>
+          </a:fillRef>
+          <a:effectRef idx="2">
+            <a:schemeClr val="dk1"/>
+          </a:effectRef>
+          <a:fontRef idx="minor">
+            <a:schemeClr val="tx1"/>
+          </a:fontRef>
+        </p:style>
+      </p:cxnSp>
+      <p:sp>
+        <p:nvSpPr>
+          <p:cNvPr id="82" name="Oval 81"/>
+          <p:cNvSpPr/>
+          <p:nvPr/>
+        </p:nvSpPr>
+        <p:spPr>
+          <a:xfrm>
+            <a:off x="4953000" y="3657600"/>
+            <a:ext cx="152400" cy="206079"/>
+          </a:xfrm>
+          <a:prstGeom prst="ellipse">
+            <a:avLst/>
+          </a:prstGeom>
+          <a:solidFill>
+            <a:srgbClr val="FF0000"/>
+          </a:solidFill>
+          <a:ln>
+            <a:noFill/>
+          </a:ln>
+        </p:spPr>
+        <p:style>
+          <a:lnRef idx="2">
+            <a:schemeClr val="accent1">
+              <a:shade val="50000"/>
+            </a:schemeClr>
+          </a:lnRef>
+          <a:fillRef idx="1">
+            <a:schemeClr val="accent1"/>
+          </a:fillRef>
+          <a:effectRef idx="0">
+            <a:schemeClr val="accent1"/>
+          </a:effectRef>
+          <a:fontRef idx="minor">
+            <a:schemeClr val="lt1"/>
+          </a:fontRef>
+        </p:style>
+        <p:txBody>
+          <a:bodyPr rtlCol="0" anchor="ctr"/>
+          <a:lstStyle/>
+          <a:p>
+            <a:pPr algn="ctr"/>
+            <a:endParaRPr lang="en-CA"/>
+          </a:p>
+        </p:txBody>
+      </p:sp>
+      <p:sp>
+        <p:nvSpPr>
+          <p:cNvPr id="83" name="Oval 82"/>
+          <p:cNvSpPr/>
+          <p:nvPr/>
+        </p:nvSpPr>
+        <p:spPr>
+          <a:xfrm>
+            <a:off x="5106880" y="3842087"/>
+            <a:ext cx="152400" cy="206079"/>
+          </a:xfrm>
+          <a:prstGeom prst="ellipse">
+            <a:avLst/>
+          </a:prstGeom>
+          <a:solidFill>
+            <a:srgbClr val="00B050"/>
+          </a:solidFill>
+          <a:ln>
+            <a:noFill/>
+          </a:ln>
+        </p:spPr>
+        <p:style>
+          <a:lnRef idx="2">
+            <a:schemeClr val="accent1">
+              <a:shade val="50000"/>
+            </a:schemeClr>
+          </a:lnRef>
+          <a:fillRef idx="1">
+            <a:schemeClr val="accent1"/>
+          </a:fillRef>
+          <a:effectRef idx="0">
+            <a:schemeClr val="accent1"/>
+          </a:effectRef>
+          <a:fontRef idx="minor">
+            <a:schemeClr val="lt1"/>
+          </a:fontRef>
+        </p:style>
+        <p:txBody>
+          <a:bodyPr rtlCol="0" anchor="ctr"/>
+          <a:lstStyle/>
+          <a:p>
+            <a:pPr algn="ctr"/>
+            <a:endParaRPr lang="en-CA"/>
+          </a:p>
+        </p:txBody>
+      </p:sp>
+      <p:sp>
+        <p:nvSpPr>
+          <p:cNvPr id="84" name="Oval 83"/>
+          <p:cNvSpPr/>
+          <p:nvPr/>
+        </p:nvSpPr>
+        <p:spPr>
+          <a:xfrm>
+            <a:off x="5562600" y="4594521"/>
+            <a:ext cx="152400" cy="206079"/>
+          </a:xfrm>
+          <a:prstGeom prst="ellipse">
+            <a:avLst/>
+          </a:prstGeom>
+          <a:solidFill>
+            <a:srgbClr val="00B050"/>
+          </a:solidFill>
+          <a:ln>
+            <a:noFill/>
+          </a:ln>
+        </p:spPr>
+        <p:style>
+          <a:lnRef idx="2">
+            <a:schemeClr val="accent1">
+              <a:shade val="50000"/>
+            </a:schemeClr>
+          </a:lnRef>
+          <a:fillRef idx="1">
+            <a:schemeClr val="accent1"/>
+          </a:fillRef>
+          <a:effectRef idx="0">
+            <a:schemeClr val="accent1"/>
+          </a:effectRef>
+          <a:fontRef idx="minor">
+            <a:schemeClr val="lt1"/>
+          </a:fontRef>
+        </p:style>
+        <p:txBody>
+          <a:bodyPr rtlCol="0" anchor="ctr"/>
+          <a:lstStyle/>
+          <a:p>
+            <a:pPr algn="ctr"/>
+            <a:endParaRPr lang="en-CA"/>
+          </a:p>
+        </p:txBody>
+      </p:sp>
+      <p:sp>
+        <p:nvSpPr>
+          <p:cNvPr id="85" name="Oval 84"/>
+          <p:cNvSpPr/>
+          <p:nvPr/>
+        </p:nvSpPr>
+        <p:spPr>
+          <a:xfrm>
+            <a:off x="5410200" y="4114800"/>
+            <a:ext cx="152400" cy="206079"/>
+          </a:xfrm>
+          <a:prstGeom prst="ellipse">
+            <a:avLst/>
+          </a:prstGeom>
+          <a:solidFill>
+            <a:srgbClr val="00B050"/>
+          </a:solidFill>
+          <a:ln>
+            <a:noFill/>
+          </a:ln>
+        </p:spPr>
+        <p:style>
+          <a:lnRef idx="2">
+            <a:schemeClr val="accent1">
+              <a:shade val="50000"/>
+            </a:schemeClr>
+          </a:lnRef>
+          <a:fillRef idx="1">
+            <a:schemeClr val="accent1"/>
+          </a:fillRef>
+          <a:effectRef idx="0">
+            <a:schemeClr val="accent1"/>
+          </a:effectRef>
+          <a:fontRef idx="minor">
+            <a:schemeClr val="lt1"/>
+          </a:fontRef>
+        </p:style>
+        <p:txBody>
+          <a:bodyPr rtlCol="0" anchor="ctr"/>
+          <a:lstStyle/>
+          <a:p>
+            <a:pPr algn="ctr"/>
+            <a:endParaRPr lang="en-CA"/>
+          </a:p>
+        </p:txBody>
+      </p:sp>
+      <p:sp>
+        <p:nvSpPr>
+          <p:cNvPr id="86" name="Oval 85"/>
+          <p:cNvSpPr/>
+          <p:nvPr/>
+        </p:nvSpPr>
+        <p:spPr>
+          <a:xfrm>
+            <a:off x="5943600" y="4670721"/>
+            <a:ext cx="152400" cy="206079"/>
+          </a:xfrm>
+          <a:prstGeom prst="ellipse">
+            <a:avLst/>
+          </a:prstGeom>
+          <a:solidFill>
+            <a:srgbClr val="00B050"/>
+          </a:solidFill>
+          <a:ln>
+            <a:noFill/>
+          </a:ln>
+        </p:spPr>
+        <p:style>
+          <a:lnRef idx="2">
+            <a:schemeClr val="accent1">
+              <a:shade val="50000"/>
+            </a:schemeClr>
+          </a:lnRef>
+          <a:fillRef idx="1">
+            <a:schemeClr val="accent1"/>
+          </a:fillRef>
+          <a:effectRef idx="0">
+            <a:schemeClr val="accent1"/>
+          </a:effectRef>
+          <a:fontRef idx="minor">
+            <a:schemeClr val="lt1"/>
+          </a:fontRef>
+        </p:style>
+        <p:txBody>
+          <a:bodyPr rtlCol="0" anchor="ctr"/>
+          <a:lstStyle/>
+          <a:p>
+            <a:pPr algn="ctr"/>
+            <a:endParaRPr lang="en-CA"/>
+          </a:p>
+        </p:txBody>
+      </p:sp>
+      <p:sp>
+        <p:nvSpPr>
+          <p:cNvPr id="87" name="Oval 86"/>
+          <p:cNvSpPr/>
+          <p:nvPr/>
+        </p:nvSpPr>
+        <p:spPr>
+          <a:xfrm>
+            <a:off x="5791200" y="4191000"/>
+            <a:ext cx="152400" cy="206079"/>
+          </a:xfrm>
+          <a:prstGeom prst="ellipse">
+            <a:avLst/>
+          </a:prstGeom>
+          <a:solidFill>
+            <a:srgbClr val="FF0000"/>
+          </a:solidFill>
+          <a:ln>
+            <a:noFill/>
+          </a:ln>
+        </p:spPr>
+        <p:style>
+          <a:lnRef idx="2">
+            <a:schemeClr val="accent1">
+              <a:shade val="50000"/>
+            </a:schemeClr>
+          </a:lnRef>
+          <a:fillRef idx="1">
+            <a:schemeClr val="accent1"/>
+          </a:fillRef>
+          <a:effectRef idx="0">
+            <a:schemeClr val="accent1"/>
+          </a:effectRef>
+          <a:fontRef idx="minor">
+            <a:schemeClr val="lt1"/>
+          </a:fontRef>
+        </p:style>
+        <p:txBody>
+          <a:bodyPr rtlCol="0" anchor="ctr"/>
+          <a:lstStyle/>
+          <a:p>
+            <a:pPr algn="ctr"/>
+            <a:endParaRPr lang="en-CA"/>
+          </a:p>
+        </p:txBody>
+      </p:sp>
+      <p:sp>
+        <p:nvSpPr>
+          <p:cNvPr id="88" name="Oval 87"/>
+          <p:cNvSpPr/>
+          <p:nvPr/>
+        </p:nvSpPr>
+        <p:spPr>
+          <a:xfrm>
+            <a:off x="6477000" y="4769442"/>
+            <a:ext cx="152400" cy="206079"/>
+          </a:xfrm>
+          <a:prstGeom prst="ellipse">
+            <a:avLst/>
+          </a:prstGeom>
+          <a:solidFill>
+            <a:srgbClr val="FF0000"/>
+          </a:solidFill>
+          <a:ln>
+            <a:noFill/>
+          </a:ln>
+        </p:spPr>
+        <p:style>
+          <a:lnRef idx="2">
+            <a:schemeClr val="accent1">
+              <a:shade val="50000"/>
+            </a:schemeClr>
+          </a:lnRef>
+          <a:fillRef idx="1">
+            <a:schemeClr val="accent1"/>
+          </a:fillRef>
+          <a:effectRef idx="0">
+            <a:schemeClr val="accent1"/>
+          </a:effectRef>
+          <a:fontRef idx="minor">
+            <a:schemeClr val="lt1"/>
+          </a:fontRef>
+        </p:style>
+        <p:txBody>
+          <a:bodyPr rtlCol="0" anchor="ctr"/>
+          <a:lstStyle/>
+          <a:p>
+            <a:pPr algn="ctr"/>
+            <a:endParaRPr lang="en-CA"/>
+          </a:p>
+        </p:txBody>
+      </p:sp>
+      <p:sp>
+        <p:nvSpPr>
+          <p:cNvPr id="89" name="Oval 88"/>
+          <p:cNvSpPr/>
+          <p:nvPr/>
+        </p:nvSpPr>
+        <p:spPr>
+          <a:xfrm>
+            <a:off x="6248400" y="4823121"/>
+            <a:ext cx="152400" cy="206079"/>
+          </a:xfrm>
+          <a:prstGeom prst="ellipse">
+            <a:avLst/>
+          </a:prstGeom>
+          <a:solidFill>
+            <a:srgbClr val="FF0000"/>
+          </a:solidFill>
+          <a:ln>
+            <a:noFill/>
+          </a:ln>
+        </p:spPr>
+        <p:style>
+          <a:lnRef idx="2">
+            <a:schemeClr val="accent1">
+              <a:shade val="50000"/>
+            </a:schemeClr>
+          </a:lnRef>
+          <a:fillRef idx="1">
+            <a:schemeClr val="accent1"/>
+          </a:fillRef>
+          <a:effectRef idx="0">
+            <a:schemeClr val="accent1"/>
+          </a:effectRef>
+          <a:fontRef idx="minor">
+            <a:schemeClr val="lt1"/>
+          </a:fontRef>
+        </p:style>
+        <p:txBody>
+          <a:bodyPr rtlCol="0" anchor="ctr"/>
+          <a:lstStyle/>
+          <a:p>
+            <a:pPr algn="ctr"/>
+            <a:endParaRPr lang="en-CA"/>
+          </a:p>
+        </p:txBody>
+      </p:sp>
+      <p:cxnSp>
+        <p:nvCxnSpPr>
+          <p:cNvPr id="90" name="Straight Arrow Connector 89"/>
+          <p:cNvCxnSpPr/>
+          <p:nvPr/>
+        </p:nvCxnSpPr>
+        <p:spPr>
+          <a:xfrm flipV="1">
+            <a:off x="4800600" y="3532969"/>
+            <a:ext cx="0" cy="1648631"/>
+          </a:xfrm>
+          <a:prstGeom prst="straightConnector1">
+            <a:avLst/>
+          </a:prstGeom>
+          <a:ln>
+            <a:tailEnd type="arrow"/>
+          </a:ln>
+        </p:spPr>
+        <p:style>
+          <a:lnRef idx="3">
+            <a:schemeClr val="dk1"/>
+          </a:lnRef>
+          <a:fillRef idx="0">
+            <a:schemeClr val="dk1"/>
+          </a:fillRef>
+          <a:effectRef idx="2">
+            <a:schemeClr val="dk1"/>
+          </a:effectRef>
+          <a:fontRef idx="minor">
+            <a:schemeClr val="tx1"/>
+          </a:fontRef>
+        </p:style>
+      </p:cxnSp>
+      <p:cxnSp>
+        <p:nvCxnSpPr>
+          <p:cNvPr id="91" name="Straight Connector 90"/>
+          <p:cNvCxnSpPr/>
+          <p:nvPr/>
+        </p:nvCxnSpPr>
+        <p:spPr>
+          <a:xfrm>
+            <a:off x="5029200" y="4397079"/>
+            <a:ext cx="1752600" cy="269324"/>
+          </a:xfrm>
+          <a:prstGeom prst="line">
+            <a:avLst/>
+          </a:prstGeom>
+        </p:spPr>
+        <p:style>
+          <a:lnRef idx="3">
+            <a:schemeClr val="accent1"/>
+          </a:lnRef>
+          <a:fillRef idx="0">
+            <a:schemeClr val="accent1"/>
+          </a:fillRef>
+          <a:effectRef idx="2">
+            <a:schemeClr val="accent1"/>
+          </a:effectRef>
+          <a:fontRef idx="minor">
+            <a:schemeClr val="tx1"/>
+          </a:fontRef>
+        </p:style>
+      </p:cxnSp>
+      <p:sp>
+        <p:nvSpPr>
+          <p:cNvPr id="92" name="TextBox 91"/>
+          <p:cNvSpPr txBox="1"/>
+          <p:nvPr/>
+        </p:nvSpPr>
+        <p:spPr>
+          <a:xfrm>
+            <a:off x="4267200" y="3532969"/>
+            <a:ext cx="461665" cy="1724831"/>
+          </a:xfrm>
+          <a:prstGeom prst="rect">
+            <a:avLst/>
+          </a:prstGeom>
+          <a:noFill/>
+        </p:spPr>
+        <p:txBody>
+          <a:bodyPr vert="vert270" wrap="none" rtlCol="0">
+            <a:spAutoFit/>
+          </a:bodyPr>
+          <a:lstStyle/>
+          <a:p>
+            <a:r>
+              <a:rPr lang="en-CA" dirty="0" smtClean="0"/>
+              <a:t>Auxiliary  Feature</a:t>
+            </a:r>
+            <a:endParaRPr lang="en-CA" dirty="0"/>
+          </a:p>
+        </p:txBody>
+      </p:sp>
+      <p:sp>
+        <p:nvSpPr>
+          <p:cNvPr id="93" name="TextBox 92"/>
+          <p:cNvSpPr txBox="1"/>
+          <p:nvPr/>
+        </p:nvSpPr>
+        <p:spPr>
+          <a:xfrm>
+            <a:off x="1635792" y="5574268"/>
+            <a:ext cx="1717008" cy="369332"/>
+          </a:xfrm>
+          <a:prstGeom prst="rect">
+            <a:avLst/>
+          </a:prstGeom>
+          <a:noFill/>
+        </p:spPr>
+        <p:txBody>
+          <a:bodyPr wrap="none" rtlCol="0">
+            <a:spAutoFit/>
+          </a:bodyPr>
+          <a:lstStyle/>
+          <a:p>
+            <a:r>
+              <a:rPr lang="en-CA" dirty="0" smtClean="0"/>
+              <a:t>Positive Transfer</a:t>
+            </a:r>
+            <a:endParaRPr lang="en-CA" dirty="0"/>
+          </a:p>
+        </p:txBody>
+      </p:sp>
+      <p:sp>
+        <p:nvSpPr>
+          <p:cNvPr id="94" name="TextBox 93"/>
+          <p:cNvSpPr txBox="1"/>
+          <p:nvPr/>
+        </p:nvSpPr>
+        <p:spPr>
+          <a:xfrm>
+            <a:off x="4965597" y="5574268"/>
+            <a:ext cx="1816203" cy="369332"/>
+          </a:xfrm>
+          <a:prstGeom prst="rect">
+            <a:avLst/>
+          </a:prstGeom>
+          <a:noFill/>
+        </p:spPr>
+        <p:txBody>
+          <a:bodyPr wrap="none" rtlCol="0">
+            <a:spAutoFit/>
+          </a:bodyPr>
+          <a:lstStyle/>
+          <a:p>
+            <a:r>
+              <a:rPr lang="en-CA" dirty="0" smtClean="0"/>
+              <a:t>Negative Transfer</a:t>
+            </a:r>
+            <a:endParaRPr lang="en-CA" dirty="0"/>
+          </a:p>
+        </p:txBody>
+      </p:sp>
+      <p:sp>
+        <p:nvSpPr>
+          <p:cNvPr id="95" name="Down Arrow 94"/>
+          <p:cNvSpPr/>
+          <p:nvPr/>
+        </p:nvSpPr>
+        <p:spPr>
+          <a:xfrm rot="2936955">
+            <a:off x="2797092" y="3029236"/>
+            <a:ext cx="381000" cy="434679"/>
+          </a:xfrm>
+          <a:prstGeom prst="downArrow">
+            <a:avLst/>
+          </a:prstGeom>
+          <a:solidFill>
+            <a:schemeClr val="tx1"/>
+          </a:solidFill>
+          <a:ln>
+            <a:noFill/>
+          </a:ln>
+        </p:spPr>
+        <p:style>
+          <a:lnRef idx="2">
+            <a:schemeClr val="accent1">
+              <a:shade val="50000"/>
+            </a:schemeClr>
+          </a:lnRef>
+          <a:fillRef idx="1">
+            <a:schemeClr val="accent1"/>
+          </a:fillRef>
+          <a:effectRef idx="0">
+            <a:schemeClr val="accent1"/>
+          </a:effectRef>
+          <a:fontRef idx="minor">
+            <a:schemeClr val="lt1"/>
+          </a:fontRef>
+        </p:style>
+        <p:txBody>
+          <a:bodyPr rtlCol="0" anchor="ctr"/>
+          <a:lstStyle/>
+          <a:p>
+            <a:pPr algn="ctr"/>
+            <a:endParaRPr lang="en-CA"/>
+          </a:p>
+        </p:txBody>
+      </p:sp>
+      <p:sp>
+        <p:nvSpPr>
+          <p:cNvPr id="96" name="Down Arrow 95"/>
+          <p:cNvSpPr/>
+          <p:nvPr/>
+        </p:nvSpPr>
+        <p:spPr>
+          <a:xfrm rot="17980806">
+            <a:off x="4664653" y="3027585"/>
+            <a:ext cx="381000" cy="434679"/>
+          </a:xfrm>
+          <a:prstGeom prst="downArrow">
+            <a:avLst/>
+          </a:prstGeom>
+          <a:solidFill>
+            <a:schemeClr val="tx1"/>
+          </a:solidFill>
+          <a:ln>
+            <a:noFill/>
+          </a:ln>
+        </p:spPr>
+        <p:style>
+          <a:lnRef idx="2">
+            <a:schemeClr val="accent1">
+              <a:shade val="50000"/>
+            </a:schemeClr>
+          </a:lnRef>
+          <a:fillRef idx="1">
+            <a:schemeClr val="accent1"/>
+          </a:fillRef>
+          <a:effectRef idx="0">
+            <a:schemeClr val="accent1"/>
+          </a:effectRef>
+          <a:fontRef idx="minor">
+            <a:schemeClr val="lt1"/>
+          </a:fontRef>
+        </p:style>
+        <p:txBody>
+          <a:bodyPr rtlCol="0" anchor="ctr"/>
+          <a:lstStyle/>
+          <a:p>
+            <a:pPr algn="ctr"/>
+            <a:endParaRPr lang="en-CA"/>
+          </a:p>
+        </p:txBody>
+      </p:sp>
+    </p:spTree>
+    <p:extLst>
+      <p:ext uri="{BB962C8B-B14F-4D97-AF65-F5344CB8AC3E}">
+        <p14:creationId xmlns:p14="http://schemas.microsoft.com/office/powerpoint/2010/main" val="3659775763"/>
+      </p:ext>
+    </p:extLst>
+  </p:cSld>
+  <p:clrMapOvr>
+    <a:masterClrMapping/>
+  </p:clrMapOvr>
+</p:sld>
+</file>
+
+<file path=ppt/slides/slide4.xml><?xml version="1.0" encoding="utf-8"?>
+<p:sld xmlns:a="http://schemas.openxmlformats.org/drawingml/2006/main" xmlns:r="http://schemas.openxmlformats.org/officeDocument/2006/relationships" xmlns:p="http://schemas.openxmlformats.org/presentationml/2006/main">
+  <p:cSld>
+    <p:spTree>
+      <p:nvGrpSpPr>
+        <p:cNvPr id="1" name=""/>
+        <p:cNvGrpSpPr/>
+        <p:nvPr/>
+      </p:nvGrpSpPr>
+      <p:grpSpPr>
+        <a:xfrm>
+          <a:off x="0" y="0"/>
+          <a:ext cx="0" cy="0"/>
+          <a:chOff x="0" y="0"/>
+          <a:chExt cx="0" cy="0"/>
+        </a:xfrm>
+      </p:grpSpPr>
+      <p:grpSp>
+        <p:nvGrpSpPr>
+          <p:cNvPr id="6" name="Group 5"/>
+          <p:cNvGrpSpPr/>
+          <p:nvPr/>
+        </p:nvGrpSpPr>
+        <p:grpSpPr>
+          <a:xfrm>
+            <a:off x="2438400" y="2362201"/>
+            <a:ext cx="3429000" cy="2819400"/>
+            <a:chOff x="2438400" y="3532969"/>
+            <a:chExt cx="2486025" cy="1648631"/>
+          </a:xfrm>
+        </p:grpSpPr>
+        <p:cxnSp>
+          <p:nvCxnSpPr>
+            <p:cNvPr id="4" name="Straight Arrow Connector 3"/>
+            <p:cNvCxnSpPr/>
+            <p:nvPr/>
+          </p:nvCxnSpPr>
+          <p:spPr>
+            <a:xfrm>
+              <a:off x="2438400" y="5181600"/>
+              <a:ext cx="2486025" cy="0"/>
+            </a:xfrm>
+            <a:prstGeom prst="straightConnector1">
+              <a:avLst/>
+            </a:prstGeom>
+            <a:ln>
+              <a:tailEnd type="arrow"/>
+            </a:ln>
+          </p:spPr>
+          <p:style>
+            <a:lnRef idx="3">
+              <a:schemeClr val="dk1"/>
+            </a:lnRef>
+            <a:fillRef idx="0">
+              <a:schemeClr val="dk1"/>
+            </a:fillRef>
+            <a:effectRef idx="2">
+              <a:schemeClr val="dk1"/>
+            </a:effectRef>
+            <a:fontRef idx="minor">
+              <a:schemeClr val="tx1"/>
+            </a:fontRef>
+          </p:style>
+        </p:cxnSp>
+        <p:cxnSp>
+          <p:nvCxnSpPr>
+            <p:cNvPr id="5" name="Straight Arrow Connector 4"/>
+            <p:cNvCxnSpPr/>
+            <p:nvPr/>
+          </p:nvCxnSpPr>
+          <p:spPr>
+            <a:xfrm flipV="1">
+              <a:off x="2438400" y="3532969"/>
+              <a:ext cx="0" cy="1648631"/>
+            </a:xfrm>
+            <a:prstGeom prst="straightConnector1">
+              <a:avLst/>
+            </a:prstGeom>
+            <a:ln>
+              <a:tailEnd type="arrow"/>
+            </a:ln>
+          </p:spPr>
+          <p:style>
+            <a:lnRef idx="3">
+              <a:schemeClr val="dk1"/>
+            </a:lnRef>
+            <a:fillRef idx="0">
+              <a:schemeClr val="dk1"/>
+            </a:fillRef>
+            <a:effectRef idx="2">
+              <a:schemeClr val="dk1"/>
+            </a:effectRef>
+            <a:fontRef idx="minor">
+              <a:schemeClr val="tx1"/>
+            </a:fontRef>
+          </p:style>
+        </p:cxnSp>
+      </p:grpSp>
+      <p:cxnSp>
+        <p:nvCxnSpPr>
+          <p:cNvPr id="9" name="Straight Connector 8"/>
+          <p:cNvCxnSpPr/>
+          <p:nvPr/>
+        </p:nvCxnSpPr>
+        <p:spPr>
+          <a:xfrm>
+            <a:off x="2590800" y="2971800"/>
+            <a:ext cx="1981200" cy="2209801"/>
+          </a:xfrm>
+          <a:prstGeom prst="line">
+            <a:avLst/>
+          </a:prstGeom>
+        </p:spPr>
+        <p:style>
+          <a:lnRef idx="3">
+            <a:schemeClr val="accent2"/>
+          </a:lnRef>
+          <a:fillRef idx="0">
+            <a:schemeClr val="accent2"/>
+          </a:fillRef>
+          <a:effectRef idx="2">
+            <a:schemeClr val="accent2"/>
+          </a:effectRef>
+          <a:fontRef idx="minor">
+            <a:schemeClr val="tx1"/>
+          </a:fontRef>
+        </p:style>
+      </p:cxnSp>
+      <p:cxnSp>
+        <p:nvCxnSpPr>
+          <p:cNvPr id="10" name="Straight Connector 9"/>
+          <p:cNvCxnSpPr/>
+          <p:nvPr/>
+        </p:nvCxnSpPr>
+        <p:spPr>
+          <a:xfrm>
+            <a:off x="4572000" y="5181601"/>
+            <a:ext cx="1066800" cy="0"/>
+          </a:xfrm>
+          <a:prstGeom prst="line">
+            <a:avLst/>
+          </a:prstGeom>
+        </p:spPr>
+        <p:style>
+          <a:lnRef idx="3">
+            <a:schemeClr val="accent2"/>
+          </a:lnRef>
+          <a:fillRef idx="0">
+            <a:schemeClr val="accent2"/>
+          </a:fillRef>
+          <a:effectRef idx="2">
+            <a:schemeClr val="accent2"/>
+          </a:effectRef>
+          <a:fontRef idx="minor">
+            <a:schemeClr val="tx1"/>
+          </a:fontRef>
+        </p:style>
+      </p:cxnSp>
+    </p:spTree>
+    <p:extLst>
+      <p:ext uri="{BB962C8B-B14F-4D97-AF65-F5344CB8AC3E}">
+        <p14:creationId xmlns:p14="http://schemas.microsoft.com/office/powerpoint/2010/main" val="1241003937"/>
       </p:ext>
     </p:extLst>
   </p:cSld>

--- a/transfer/fig/Presentation1.pptx
+++ b/transfer/fig/Presentation1.pptx
@@ -6,9 +6,11 @@
   </p:sldMasterIdLst>
   <p:sldIdLst>
     <p:sldId id="257" r:id="rId2"/>
-    <p:sldId id="258" r:id="rId3"/>
-    <p:sldId id="259" r:id="rId4"/>
-    <p:sldId id="260" r:id="rId5"/>
+    <p:sldId id="262" r:id="rId3"/>
+    <p:sldId id="258" r:id="rId4"/>
+    <p:sldId id="259" r:id="rId5"/>
+    <p:sldId id="260" r:id="rId6"/>
+    <p:sldId id="261" r:id="rId7"/>
   </p:sldIdLst>
   <p:sldSz cx="9144000" cy="6858000" type="screen4x3"/>
   <p:notesSz cx="6858000" cy="9144000"/>
@@ -291,7 +293,7 @@
           <a:p>
             <a:fld id="{29298EB6-CD5B-4AC7-AB0C-5687DAFD76B6}" type="datetimeFigureOut">
               <a:rPr lang="en-US" smtClean="0"/>
-              <a:t>5/4/2016</a:t>
+              <a:t>5/30/2016</a:t>
             </a:fld>
             <a:endParaRPr lang="en-US"/>
           </a:p>
@@ -461,7 +463,7 @@
           <a:p>
             <a:fld id="{29298EB6-CD5B-4AC7-AB0C-5687DAFD76B6}" type="datetimeFigureOut">
               <a:rPr lang="en-US" smtClean="0"/>
-              <a:t>5/4/2016</a:t>
+              <a:t>5/30/2016</a:t>
             </a:fld>
             <a:endParaRPr lang="en-US"/>
           </a:p>
@@ -641,7 +643,7 @@
           <a:p>
             <a:fld id="{29298EB6-CD5B-4AC7-AB0C-5687DAFD76B6}" type="datetimeFigureOut">
               <a:rPr lang="en-US" smtClean="0"/>
-              <a:t>5/4/2016</a:t>
+              <a:t>5/30/2016</a:t>
             </a:fld>
             <a:endParaRPr lang="en-US"/>
           </a:p>
@@ -811,7 +813,7 @@
           <a:p>
             <a:fld id="{29298EB6-CD5B-4AC7-AB0C-5687DAFD76B6}" type="datetimeFigureOut">
               <a:rPr lang="en-US" smtClean="0"/>
-              <a:t>5/4/2016</a:t>
+              <a:t>5/30/2016</a:t>
             </a:fld>
             <a:endParaRPr lang="en-US"/>
           </a:p>
@@ -1057,7 +1059,7 @@
           <a:p>
             <a:fld id="{29298EB6-CD5B-4AC7-AB0C-5687DAFD76B6}" type="datetimeFigureOut">
               <a:rPr lang="en-US" smtClean="0"/>
-              <a:t>5/4/2016</a:t>
+              <a:t>5/30/2016</a:t>
             </a:fld>
             <a:endParaRPr lang="en-US"/>
           </a:p>
@@ -1345,7 +1347,7 @@
           <a:p>
             <a:fld id="{29298EB6-CD5B-4AC7-AB0C-5687DAFD76B6}" type="datetimeFigureOut">
               <a:rPr lang="en-US" smtClean="0"/>
-              <a:t>5/4/2016</a:t>
+              <a:t>5/30/2016</a:t>
             </a:fld>
             <a:endParaRPr lang="en-US"/>
           </a:p>
@@ -1767,7 +1769,7 @@
           <a:p>
             <a:fld id="{29298EB6-CD5B-4AC7-AB0C-5687DAFD76B6}" type="datetimeFigureOut">
               <a:rPr lang="en-US" smtClean="0"/>
-              <a:t>5/4/2016</a:t>
+              <a:t>5/30/2016</a:t>
             </a:fld>
             <a:endParaRPr lang="en-US"/>
           </a:p>
@@ -1885,7 +1887,7 @@
           <a:p>
             <a:fld id="{29298EB6-CD5B-4AC7-AB0C-5687DAFD76B6}" type="datetimeFigureOut">
               <a:rPr lang="en-US" smtClean="0"/>
-              <a:t>5/4/2016</a:t>
+              <a:t>5/30/2016</a:t>
             </a:fld>
             <a:endParaRPr lang="en-US"/>
           </a:p>
@@ -1980,7 +1982,7 @@
           <a:p>
             <a:fld id="{29298EB6-CD5B-4AC7-AB0C-5687DAFD76B6}" type="datetimeFigureOut">
               <a:rPr lang="en-US" smtClean="0"/>
-              <a:t>5/4/2016</a:t>
+              <a:t>5/30/2016</a:t>
             </a:fld>
             <a:endParaRPr lang="en-US"/>
           </a:p>
@@ -2257,7 +2259,7 @@
           <a:p>
             <a:fld id="{29298EB6-CD5B-4AC7-AB0C-5687DAFD76B6}" type="datetimeFigureOut">
               <a:rPr lang="en-US" smtClean="0"/>
-              <a:t>5/4/2016</a:t>
+              <a:t>5/30/2016</a:t>
             </a:fld>
             <a:endParaRPr lang="en-US"/>
           </a:p>
@@ -2510,7 +2512,7 @@
           <a:p>
             <a:fld id="{29298EB6-CD5B-4AC7-AB0C-5687DAFD76B6}" type="datetimeFigureOut">
               <a:rPr lang="en-US" smtClean="0"/>
-              <a:t>5/4/2016</a:t>
+              <a:t>5/30/2016</a:t>
             </a:fld>
             <a:endParaRPr lang="en-US"/>
           </a:p>
@@ -2723,7 +2725,7 @@
           <a:p>
             <a:fld id="{29298EB6-CD5B-4AC7-AB0C-5687DAFD76B6}" type="datetimeFigureOut">
               <a:rPr lang="en-US" smtClean="0"/>
-              <a:t>5/4/2016</a:t>
+              <a:t>5/30/2016</a:t>
             </a:fld>
             <a:endParaRPr lang="en-US"/>
           </a:p>
@@ -3103,14 +3105,13 @@
           <p:cNvPr id="11" name="Elbow Connector 10"/>
           <p:cNvCxnSpPr>
             <a:stCxn id="1026" idx="0"/>
-            <a:endCxn id="1034" idx="1"/>
           </p:cNvCxnSpPr>
           <p:nvPr/>
         </p:nvCxnSpPr>
         <p:spPr>
           <a:xfrm rot="5400000" flipH="1" flipV="1">
-            <a:off x="3826094" y="1845712"/>
-            <a:ext cx="653612" cy="1752600"/>
+            <a:off x="3559394" y="2112412"/>
+            <a:ext cx="653612" cy="1219200"/>
           </a:xfrm>
           <a:prstGeom prst="bentConnector2">
             <a:avLst/>
@@ -3136,7 +3137,7 @@
       </p:cxnSp>
       <p:pic>
         <p:nvPicPr>
-          <p:cNvPr id="1026" name="Picture 2" descr="http://static.flickr.com/100/312416077_c1d4705d85_o.jpg"/>
+          <p:cNvPr id="1034" name="Picture 10" descr="http://pngimg.com/upload/bicycle_PNG5378.png"/>
           <p:cNvPicPr>
             <a:picLocks noChangeAspect="1" noChangeArrowheads="1"/>
           </p:cNvPicPr>
@@ -3157,8 +3158,8 @@
         </p:blipFill>
         <p:spPr bwMode="auto">
           <a:xfrm>
-            <a:off x="2667000" y="3048818"/>
-            <a:ext cx="1219200" cy="914400"/>
+            <a:off x="4793129" y="516099"/>
+            <a:ext cx="1508204" cy="914400"/>
           </a:xfrm>
           <a:prstGeom prst="rect">
             <a:avLst/>
@@ -3175,47 +3176,6 @@
           </a:extLst>
         </p:spPr>
       </p:pic>
-      <p:pic>
-        <p:nvPicPr>
-          <p:cNvPr id="1034" name="Picture 10" descr="http://pngimg.com/upload/bicycle_PNG5378.png"/>
-          <p:cNvPicPr>
-            <a:picLocks noChangeAspect="1" noChangeArrowheads="1"/>
-          </p:cNvPicPr>
-          <p:nvPr/>
-        </p:nvPicPr>
-        <p:blipFill>
-          <a:blip r:embed="rId3" cstate="print">
-            <a:extLst>
-              <a:ext uri="{28A0092B-C50C-407E-A947-70E740481C1C}">
-                <a14:useLocalDpi xmlns:a14="http://schemas.microsoft.com/office/drawing/2010/main" val="0"/>
-              </a:ext>
-            </a:extLst>
-          </a:blip>
-          <a:srcRect/>
-          <a:stretch>
-            <a:fillRect/>
-          </a:stretch>
-        </p:blipFill>
-        <p:spPr bwMode="auto">
-          <a:xfrm>
-            <a:off x="5029200" y="1938006"/>
-            <a:ext cx="1508204" cy="914400"/>
-          </a:xfrm>
-          <a:prstGeom prst="rect">
-            <a:avLst/>
-          </a:prstGeom>
-          <a:noFill/>
-          <a:extLst>
-            <a:ext uri="{909E8E84-426E-40DD-AFC4-6F175D3DCCD1}">
-              <a14:hiddenFill xmlns:a14="http://schemas.microsoft.com/office/drawing/2010/main">
-                <a:solidFill>
-                  <a:srgbClr val="FFFFFF"/>
-                </a:solidFill>
-              </a14:hiddenFill>
-            </a:ext>
-          </a:extLst>
-        </p:spPr>
-      </p:pic>
       <p:sp>
         <p:nvSpPr>
           <p:cNvPr id="14" name="TextBox 13"/>
@@ -3224,7 +3184,7 @@
         </p:nvSpPr>
         <p:spPr>
           <a:xfrm>
-            <a:off x="6164302" y="1879107"/>
+            <a:off x="5928231" y="457200"/>
             <a:ext cx="1476943" cy="369332"/>
           </a:xfrm>
           <a:prstGeom prst="rect">
@@ -3254,7 +3214,7 @@
         </p:nvSpPr>
         <p:spPr>
           <a:xfrm>
-            <a:off x="5029201" y="1879107"/>
+            <a:off x="4793130" y="457200"/>
             <a:ext cx="3055470" cy="1015014"/>
           </a:xfrm>
           <a:prstGeom prst="rect">
@@ -3287,41 +3247,6 @@
           </a:p>
         </p:txBody>
       </p:sp>
-      <p:cxnSp>
-        <p:nvCxnSpPr>
-          <p:cNvPr id="19" name="Straight Arrow Connector 18"/>
-          <p:cNvCxnSpPr>
-            <a:stCxn id="16" idx="2"/>
-          </p:cNvCxnSpPr>
-          <p:nvPr/>
-        </p:nvCxnSpPr>
-        <p:spPr>
-          <a:xfrm>
-            <a:off x="6556936" y="2894121"/>
-            <a:ext cx="0" cy="1373079"/>
-          </a:xfrm>
-          <a:prstGeom prst="straightConnector1">
-            <a:avLst/>
-          </a:prstGeom>
-          <a:ln>
-            <a:tailEnd type="arrow"/>
-          </a:ln>
-        </p:spPr>
-        <p:style>
-          <a:lnRef idx="3">
-            <a:schemeClr val="accent1"/>
-          </a:lnRef>
-          <a:fillRef idx="0">
-            <a:schemeClr val="accent1"/>
-          </a:fillRef>
-          <a:effectRef idx="2">
-            <a:schemeClr val="accent1"/>
-          </a:effectRef>
-          <a:fontRef idx="minor">
-            <a:schemeClr val="tx1"/>
-          </a:fontRef>
-        </p:style>
-      </p:cxnSp>
       <mc:AlternateContent xmlns:mc="http://schemas.openxmlformats.org/markup-compatibility/2006" xmlns:a14="http://schemas.microsoft.com/office/drawing/2010/main">
         <mc:Choice Requires="a14">
           <p:graphicFrame>
@@ -3333,7 +3258,7 @@
               <p:nvPr>
                 <p:extLst>
                   <p:ext uri="{D42A27DB-BD31-4B8C-83A1-F6EECF244321}">
-                    <p14:modId xmlns:p14="http://schemas.microsoft.com/office/powerpoint/2010/main" val="3313260920"/>
+                    <p14:modId xmlns:p14="http://schemas.microsoft.com/office/powerpoint/2010/main" val="17603773"/>
                   </p:ext>
                 </p:extLst>
               </p:nvPr>
@@ -3396,12 +3321,53 @@
                                 <m:jc m:val="centerGroup"/>
                               </m:oMathParaPr>
                               <m:oMath xmlns:m="http://schemas.openxmlformats.org/officeDocument/2006/math">
-                                <m:r>
-                                  <a:rPr lang="en-CA" b="1" i="1" smtClean="0">
-                                    <a:latin typeface="Cambria Math"/>
-                                  </a:rPr>
-                                  <m:t>𝒙</m:t>
-                                </m:r>
+                                <m:sSup>
+                                  <m:sSupPr>
+                                    <m:ctrlPr>
+                                      <a:rPr lang="en-CA" b="1" i="1" smtClean="0">
+                                        <a:latin typeface="Cambria Math"/>
+                                        <a:ea typeface="Cambria Math"/>
+                                      </a:rPr>
+                                    </m:ctrlPr>
+                                  </m:sSupPr>
+                                  <m:e>
+                                    <m:r>
+                                      <a:rPr lang="en-CA" b="1" i="1" smtClean="0">
+                                        <a:latin typeface="Cambria Math"/>
+                                        <a:ea typeface="Cambria Math"/>
+                                      </a:rPr>
+                                      <m:t>𝒇</m:t>
+                                    </m:r>
+                                  </m:e>
+                                  <m:sup>
+                                    <m:r>
+                                      <a:rPr lang="en-CA" b="1" i="1" smtClean="0">
+                                        <a:latin typeface="Cambria Math"/>
+                                        <a:ea typeface="Cambria Math"/>
+                                      </a:rPr>
+                                      <m:t>′</m:t>
+                                    </m:r>
+                                  </m:sup>
+                                </m:sSup>
+                                <m:d>
+                                  <m:dPr>
+                                    <m:ctrlPr>
+                                      <a:rPr lang="en-CA" b="1" i="1" smtClean="0">
+                                        <a:latin typeface="Cambria Math"/>
+                                        <a:ea typeface="Cambria Math"/>
+                                      </a:rPr>
+                                    </m:ctrlPr>
+                                  </m:dPr>
+                                  <m:e>
+                                    <m:r>
+                                      <a:rPr lang="en-CA" b="1" i="1" smtClean="0">
+                                        <a:latin typeface="Cambria Math"/>
+                                        <a:ea typeface="Cambria Math"/>
+                                      </a:rPr>
+                                      <m:t>𝒙</m:t>
+                                    </m:r>
+                                  </m:e>
+                                </m:d>
                               </m:oMath>
                             </m:oMathPara>
                           </a14:m>
@@ -3426,7 +3392,7 @@
               <p:nvPr>
                 <p:extLst>
                   <p:ext uri="{D42A27DB-BD31-4B8C-83A1-F6EECF244321}">
-                    <p14:modId xmlns:p14="http://schemas.microsoft.com/office/powerpoint/2010/main" val="3313260920"/>
+                    <p14:modId xmlns:p14="http://schemas.microsoft.com/office/powerpoint/2010/main" val="17603773"/>
                   </p:ext>
                 </p:extLst>
               </p:nvPr>
@@ -3456,9 +3422,9 @@
                       </a:txBody>
                       <a:tcPr>
                         <a:blipFill rotWithShape="1">
-                          <a:blip r:embed="rId4"/>
+                          <a:blip r:embed="rId3"/>
                           <a:stretch>
-                            <a:fillRect l="-333" t="-1639" r="-233333"/>
+                            <a:fillRect l="-333" t="-1639" r="-233333" b="-11475"/>
                           </a:stretch>
                         </a:blipFill>
                       </a:tcPr>
@@ -3473,9 +3439,9 @@
                       </a:txBody>
                       <a:tcPr>
                         <a:blipFill rotWithShape="1">
-                          <a:blip r:embed="rId4"/>
+                          <a:blip r:embed="rId3"/>
                           <a:stretch>
-                            <a:fillRect l="-43000" t="-1639"/>
+                            <a:fillRect l="-43000" t="-1639" b="-11475"/>
                           </a:stretch>
                         </a:blipFill>
                       </a:tcPr>
@@ -3580,8 +3546,8 @@
             </p:nvSpPr>
             <p:spPr>
               <a:xfrm>
-                <a:off x="6553200" y="2373868"/>
-                <a:ext cx="1445332" cy="369332"/>
+                <a:off x="6317129" y="951961"/>
+                <a:ext cx="861903" cy="369332"/>
               </a:xfrm>
               <a:prstGeom prst="rect">
                 <a:avLst/>
@@ -3600,15 +3566,15 @@
                       <m:jc m:val="centerGroup"/>
                     </m:oMathParaPr>
                     <m:oMath xmlns:m="http://schemas.openxmlformats.org/officeDocument/2006/math">
-                      <m:sSup>
-                        <m:sSupPr>
+                      <m:sSub>
+                        <m:sSubPr>
                           <m:ctrlPr>
                             <a:rPr lang="en-CA" b="1" i="1" smtClean="0">
                               <a:latin typeface="Cambria Math"/>
                               <a:ea typeface="Cambria Math"/>
                             </a:rPr>
                           </m:ctrlPr>
-                        </m:sSupPr>
+                        </m:sSubPr>
                         <m:e>
                           <m:r>
                             <a:rPr lang="en-CA" b="1" i="1" smtClean="0">
@@ -3617,8 +3583,6 @@
                             </a:rPr>
                             <m:t>𝒇</m:t>
                           </m:r>
-                        </m:e>
-                        <m:sup>
                           <m:r>
                             <a:rPr lang="en-CA" b="1" i="1" smtClean="0">
                               <a:latin typeface="Cambria Math"/>
@@ -3626,8 +3590,17 @@
                             </a:rPr>
                             <m:t>′</m:t>
                           </m:r>
-                        </m:sup>
-                      </m:sSup>
+                        </m:e>
+                        <m:sub>
+                          <m:r>
+                            <a:rPr lang="en-CA" b="1" i="1" smtClean="0">
+                              <a:latin typeface="Cambria Math"/>
+                              <a:ea typeface="Cambria Math"/>
+                            </a:rPr>
+                            <m:t>𝟏</m:t>
+                          </m:r>
+                        </m:sub>
+                      </m:sSub>
                       <m:d>
                         <m:dPr>
                           <m:ctrlPr>
@@ -3647,48 +3620,6 @@
                           </m:r>
                         </m:e>
                       </m:d>
-                      <m:r>
-                        <a:rPr lang="en-US" b="1" i="1" smtClean="0">
-                          <a:latin typeface="Cambria Math"/>
-                          <a:ea typeface="Cambria Math"/>
-                        </a:rPr>
-                        <m:t>=</m:t>
-                      </m:r>
-                      <m:sSup>
-                        <m:sSupPr>
-                          <m:ctrlPr>
-                            <a:rPr lang="en-CA" b="1" i="1" smtClean="0">
-                              <a:latin typeface="Cambria Math"/>
-                              <a:ea typeface="Cambria Math"/>
-                            </a:rPr>
-                          </m:ctrlPr>
-                        </m:sSupPr>
-                        <m:e>
-                          <m:r>
-                            <a:rPr lang="en-CA" b="1" i="1" smtClean="0">
-                              <a:latin typeface="Cambria Math"/>
-                              <a:ea typeface="Cambria Math"/>
-                            </a:rPr>
-                            <m:t>𝒘</m:t>
-                          </m:r>
-                        </m:e>
-                        <m:sup>
-                          <m:r>
-                            <a:rPr lang="en-CA" b="1" i="1" smtClean="0">
-                              <a:latin typeface="Cambria Math"/>
-                              <a:ea typeface="Cambria Math"/>
-                            </a:rPr>
-                            <m:t>′</m:t>
-                          </m:r>
-                        </m:sup>
-                      </m:sSup>
-                      <m:r>
-                        <a:rPr lang="en-CA" b="1" i="1" smtClean="0">
-                          <a:latin typeface="Cambria Math"/>
-                          <a:ea typeface="Cambria Math"/>
-                        </a:rPr>
-                        <m:t>𝒙</m:t>
-                      </m:r>
                     </m:oMath>
                   </m:oMathPara>
                 </a14:m>
@@ -3708,8 +3639,8 @@
             </p:nvSpPr>
             <p:spPr>
               <a:xfrm>
-                <a:off x="6553200" y="2373868"/>
-                <a:ext cx="1445332" cy="369332"/>
+                <a:off x="6317129" y="951961"/>
+                <a:ext cx="861903" cy="369332"/>
               </a:xfrm>
               <a:prstGeom prst="rect">
                 <a:avLst/>
@@ -3717,7 +3648,7 @@
               <a:blipFill rotWithShape="1">
                 <a:blip r:embed="rId6"/>
                 <a:stretch>
-                  <a:fillRect b="-11475"/>
+                  <a:fillRect b="-13115"/>
                 </a:stretch>
               </a:blipFill>
             </p:spPr>
@@ -3771,89 +3702,6 @@
           </a:fontRef>
         </p:style>
       </p:cxnSp>
-      <mc:AlternateContent xmlns:mc="http://schemas.openxmlformats.org/markup-compatibility/2006" xmlns:a14="http://schemas.microsoft.com/office/drawing/2010/main">
-        <mc:Choice Requires="a14">
-          <p:sp>
-            <p:nvSpPr>
-              <p:cNvPr id="30" name="Rectangle 29"/>
-              <p:cNvSpPr/>
-              <p:nvPr/>
-            </p:nvSpPr>
-            <p:spPr>
-              <a:xfrm>
-                <a:off x="2743200" y="2852406"/>
-                <a:ext cx="370614" cy="369332"/>
-              </a:xfrm>
-              <a:prstGeom prst="rect">
-                <a:avLst/>
-              </a:prstGeom>
-            </p:spPr>
-            <p:txBody>
-              <a:bodyPr wrap="none">
-                <a:spAutoFit/>
-              </a:bodyPr>
-              <a:lstStyle/>
-              <a:p>
-                <a:pPr/>
-                <a14:m>
-                  <m:oMathPara xmlns:m="http://schemas.openxmlformats.org/officeDocument/2006/math">
-                    <m:oMathParaPr>
-                      <m:jc m:val="centerGroup"/>
-                    </m:oMathParaPr>
-                    <m:oMath xmlns:m="http://schemas.openxmlformats.org/officeDocument/2006/math">
-                      <m:r>
-                        <a:rPr lang="en-US" b="1" i="1">
-                          <a:latin typeface="Cambria Math"/>
-                        </a:rPr>
-                        <m:t>𝒙</m:t>
-                      </m:r>
-                    </m:oMath>
-                  </m:oMathPara>
-                </a14:m>
-                <a:endParaRPr lang="en-US" b="1" dirty="0"/>
-              </a:p>
-            </p:txBody>
-          </p:sp>
-        </mc:Choice>
-        <mc:Fallback xmlns="">
-          <p:sp>
-            <p:nvSpPr>
-              <p:cNvPr id="30" name="Rectangle 29"/>
-              <p:cNvSpPr>
-                <a:spLocks noRot="1" noChangeAspect="1" noMove="1" noResize="1" noEditPoints="1" noAdjustHandles="1" noChangeArrowheads="1" noChangeShapeType="1" noTextEdit="1"/>
-              </p:cNvSpPr>
-              <p:nvPr/>
-            </p:nvSpPr>
-            <p:spPr>
-              <a:xfrm>
-                <a:off x="2743200" y="2852406"/>
-                <a:ext cx="370614" cy="369332"/>
-              </a:xfrm>
-              <a:prstGeom prst="rect">
-                <a:avLst/>
-              </a:prstGeom>
-              <a:blipFill rotWithShape="1">
-                <a:blip r:embed="rId7"/>
-                <a:stretch>
-                  <a:fillRect/>
-                </a:stretch>
-              </a:blipFill>
-            </p:spPr>
-            <p:txBody>
-              <a:bodyPr/>
-              <a:lstStyle/>
-              <a:p>
-                <a:r>
-                  <a:rPr lang="en-CA">
-                    <a:noFill/>
-                  </a:rPr>
-                  <a:t> </a:t>
-                </a:r>
-              </a:p>
-            </p:txBody>
-          </p:sp>
-        </mc:Fallback>
-      </mc:AlternateContent>
       <mc:AlternateContent xmlns:mc="http://schemas.openxmlformats.org/markup-compatibility/2006" xmlns:a14="http://schemas.microsoft.com/office/drawing/2010/main">
         <mc:Choice Requires="a14">
           <p:sp>
@@ -3960,7 +3808,7 @@
               <p:nvPr>
                 <p:extLst>
                   <p:ext uri="{D42A27DB-BD31-4B8C-83A1-F6EECF244321}">
-                    <p14:modId xmlns:p14="http://schemas.microsoft.com/office/powerpoint/2010/main" val="3899015739"/>
+                    <p14:modId xmlns:p14="http://schemas.microsoft.com/office/powerpoint/2010/main" val="1358879309"/>
                   </p:ext>
                 </p:extLst>
               </p:nvPr>
@@ -4029,18 +3877,6 @@
                                   </a:rPr>
                                   <m:t>𝜸</m:t>
                                 </m:r>
-                                <m:r>
-                                  <a:rPr lang="en-CA" b="1" i="1" smtClean="0">
-                                    <a:latin typeface="Cambria Math"/>
-                                  </a:rPr>
-                                  <m:t>𝒘</m:t>
-                                </m:r>
-                                <m:r>
-                                  <a:rPr lang="en-CA" b="1" i="1" smtClean="0">
-                                    <a:latin typeface="Cambria Math"/>
-                                  </a:rPr>
-                                  <m:t>′</m:t>
-                                </m:r>
                               </m:oMath>
                             </m:oMathPara>
                           </a14:m>
@@ -4065,7 +3901,7 @@
               <p:nvPr>
                 <p:extLst>
                   <p:ext uri="{D42A27DB-BD31-4B8C-83A1-F6EECF244321}">
-                    <p14:modId xmlns:p14="http://schemas.microsoft.com/office/powerpoint/2010/main" val="3899015739"/>
+                    <p14:modId xmlns:p14="http://schemas.microsoft.com/office/powerpoint/2010/main" val="1358879309"/>
                   </p:ext>
                 </p:extLst>
               </p:nvPr>
@@ -4379,6 +4215,145 @@
           </p:sp>
         </mc:Fallback>
       </mc:AlternateContent>
+      <p:grpSp>
+        <p:nvGrpSpPr>
+          <p:cNvPr id="21" name="Group 20"/>
+          <p:cNvGrpSpPr/>
+          <p:nvPr/>
+        </p:nvGrpSpPr>
+        <p:grpSpPr>
+          <a:xfrm>
+            <a:off x="990600" y="2743200"/>
+            <a:ext cx="1219200" cy="1110812"/>
+            <a:chOff x="2667000" y="2852406"/>
+            <a:chExt cx="1219200" cy="1110812"/>
+          </a:xfrm>
+        </p:grpSpPr>
+        <p:pic>
+          <p:nvPicPr>
+            <p:cNvPr id="22" name="Picture 2" descr="http://static.flickr.com/100/312416077_c1d4705d85_o.jpg"/>
+            <p:cNvPicPr>
+              <a:picLocks noChangeAspect="1" noChangeArrowheads="1"/>
+            </p:cNvPicPr>
+            <p:nvPr/>
+          </p:nvPicPr>
+          <p:blipFill>
+            <a:blip r:embed="rId12" cstate="print">
+              <a:extLst>
+                <a:ext uri="{28A0092B-C50C-407E-A947-70E740481C1C}">
+                  <a14:useLocalDpi xmlns:a14="http://schemas.microsoft.com/office/drawing/2010/main" val="0"/>
+                </a:ext>
+              </a:extLst>
+            </a:blip>
+            <a:srcRect/>
+            <a:stretch>
+              <a:fillRect/>
+            </a:stretch>
+          </p:blipFill>
+          <p:spPr bwMode="auto">
+            <a:xfrm>
+              <a:off x="2667000" y="3048818"/>
+              <a:ext cx="1219200" cy="914400"/>
+            </a:xfrm>
+            <a:prstGeom prst="rect">
+              <a:avLst/>
+            </a:prstGeom>
+            <a:noFill/>
+            <a:extLst>
+              <a:ext uri="{909E8E84-426E-40DD-AFC4-6F175D3DCCD1}">
+                <a14:hiddenFill xmlns:a14="http://schemas.microsoft.com/office/drawing/2010/main">
+                  <a:solidFill>
+                    <a:srgbClr val="FFFFFF"/>
+                  </a:solidFill>
+                </a14:hiddenFill>
+              </a:ext>
+            </a:extLst>
+          </p:spPr>
+        </p:pic>
+        <mc:AlternateContent xmlns:mc="http://schemas.openxmlformats.org/markup-compatibility/2006" xmlns:a14="http://schemas.microsoft.com/office/drawing/2010/main">
+          <mc:Choice Requires="a14">
+            <p:sp>
+              <p:nvSpPr>
+                <p:cNvPr id="24" name="Rectangle 23"/>
+                <p:cNvSpPr/>
+                <p:nvPr/>
+              </p:nvSpPr>
+              <p:spPr>
+                <a:xfrm>
+                  <a:off x="2743200" y="2852406"/>
+                  <a:ext cx="370614" cy="369332"/>
+                </a:xfrm>
+                <a:prstGeom prst="rect">
+                  <a:avLst/>
+                </a:prstGeom>
+              </p:spPr>
+              <p:txBody>
+                <a:bodyPr wrap="none">
+                  <a:spAutoFit/>
+                </a:bodyPr>
+                <a:lstStyle/>
+                <a:p>
+                  <a:pPr/>
+                  <a14:m>
+                    <m:oMathPara xmlns:m="http://schemas.openxmlformats.org/officeDocument/2006/math">
+                      <m:oMathParaPr>
+                        <m:jc m:val="centerGroup"/>
+                      </m:oMathParaPr>
+                      <m:oMath xmlns:m="http://schemas.openxmlformats.org/officeDocument/2006/math">
+                        <m:r>
+                          <a:rPr lang="en-US" b="1" i="1">
+                            <a:latin typeface="Cambria Math"/>
+                          </a:rPr>
+                          <m:t>𝒙</m:t>
+                        </m:r>
+                      </m:oMath>
+                    </m:oMathPara>
+                  </a14:m>
+                  <a:endParaRPr lang="en-US" b="1" dirty="0"/>
+                </a:p>
+              </p:txBody>
+            </p:sp>
+          </mc:Choice>
+          <mc:Fallback xmlns="">
+            <p:sp>
+              <p:nvSpPr>
+                <p:cNvPr id="30" name="Rectangle 29"/>
+                <p:cNvSpPr>
+                  <a:spLocks noRot="1" noChangeAspect="1" noMove="1" noResize="1" noEditPoints="1" noAdjustHandles="1" noChangeArrowheads="1" noChangeShapeType="1" noTextEdit="1"/>
+                </p:cNvSpPr>
+                <p:nvPr/>
+              </p:nvSpPr>
+              <p:spPr>
+                <a:xfrm>
+                  <a:off x="2743200" y="2852406"/>
+                  <a:ext cx="370614" cy="369332"/>
+                </a:xfrm>
+                <a:prstGeom prst="rect">
+                  <a:avLst/>
+                </a:prstGeom>
+                <a:blipFill rotWithShape="1">
+                  <a:blip r:embed="rId7"/>
+                  <a:stretch>
+                    <a:fillRect/>
+                  </a:stretch>
+                </a:blipFill>
+              </p:spPr>
+              <p:txBody>
+                <a:bodyPr/>
+                <a:lstStyle/>
+                <a:p>
+                  <a:r>
+                    <a:rPr lang="en-CA">
+                      <a:noFill/>
+                    </a:rPr>
+                    <a:t> </a:t>
+                  </a:r>
+                </a:p>
+              </p:txBody>
+            </p:sp>
+          </mc:Fallback>
+        </mc:AlternateContent>
+      </p:grpSp>
     </p:spTree>
     <p:extLst>
       <p:ext uri="{BB962C8B-B14F-4D97-AF65-F5344CB8AC3E}">
@@ -4409,51 +4384,2106 @@
           <a:chExt cx="0" cy="0"/>
         </a:xfrm>
       </p:grpSpPr>
-      <p:cxnSp>
-        <p:nvCxnSpPr>
-          <p:cNvPr id="5" name="Straight Arrow Connector 4"/>
-          <p:cNvCxnSpPr/>
+      <p:pic>
+        <p:nvPicPr>
+          <p:cNvPr id="1034" name="Picture 10" descr="http://pngimg.com/upload/bicycle_PNG5378.png"/>
+          <p:cNvPicPr>
+            <a:picLocks noChangeAspect="1" noChangeArrowheads="1"/>
+          </p:cNvPicPr>
           <p:nvPr/>
-        </p:nvCxnSpPr>
-        <p:spPr>
-          <a:xfrm>
-            <a:off x="990600" y="3200400"/>
-            <a:ext cx="2362200" cy="0"/>
-          </a:xfrm>
-          <a:prstGeom prst="straightConnector1">
+        </p:nvPicPr>
+        <p:blipFill>
+          <a:blip r:embed="rId2" cstate="print">
+            <a:extLst>
+              <a:ext uri="{28A0092B-C50C-407E-A947-70E740481C1C}">
+                <a14:useLocalDpi xmlns:a14="http://schemas.microsoft.com/office/drawing/2010/main" val="0"/>
+              </a:ext>
+            </a:extLst>
+          </a:blip>
+          <a:srcRect/>
+          <a:stretch>
+            <a:fillRect/>
+          </a:stretch>
+        </p:blipFill>
+        <p:spPr bwMode="auto">
+          <a:xfrm>
+            <a:off x="2470847" y="516099"/>
+            <a:ext cx="1508204" cy="914400"/>
+          </a:xfrm>
+          <a:prstGeom prst="rect">
             <a:avLst/>
           </a:prstGeom>
+          <a:noFill/>
+          <a:extLst>
+            <a:ext uri="{909E8E84-426E-40DD-AFC4-6F175D3DCCD1}">
+              <a14:hiddenFill xmlns:a14="http://schemas.microsoft.com/office/drawing/2010/main">
+                <a:solidFill>
+                  <a:srgbClr val="FFFFFF"/>
+                </a:solidFill>
+              </a14:hiddenFill>
+            </a:ext>
+          </a:extLst>
+        </p:spPr>
+      </p:pic>
+      <p:sp>
+        <p:nvSpPr>
+          <p:cNvPr id="14" name="TextBox 13"/>
+          <p:cNvSpPr txBox="1"/>
+          <p:nvPr/>
+        </p:nvSpPr>
+        <p:spPr>
+          <a:xfrm>
+            <a:off x="3965704" y="545068"/>
+            <a:ext cx="1476943" cy="369332"/>
+          </a:xfrm>
+          <a:prstGeom prst="rect">
+            <a:avLst/>
+          </a:prstGeom>
+          <a:noFill/>
+        </p:spPr>
+        <p:txBody>
+          <a:bodyPr wrap="none" rtlCol="0">
+            <a:spAutoFit/>
+          </a:bodyPr>
+          <a:lstStyle/>
+          <a:p>
+            <a:r>
+              <a:rPr lang="en-US" dirty="0" smtClean="0"/>
+              <a:t>Bicycle model</a:t>
+            </a:r>
+            <a:endParaRPr lang="en-US" dirty="0"/>
+          </a:p>
+        </p:txBody>
+      </p:sp>
+      <p:sp>
+        <p:nvSpPr>
+          <p:cNvPr id="16" name="Rectangle 15"/>
+          <p:cNvSpPr/>
+          <p:nvPr/>
+        </p:nvSpPr>
+        <p:spPr>
+          <a:xfrm>
+            <a:off x="2470848" y="457200"/>
+            <a:ext cx="3055470" cy="1015014"/>
+          </a:xfrm>
+          <a:prstGeom prst="rect">
+            <a:avLst/>
+          </a:prstGeom>
+          <a:noFill/>
+        </p:spPr>
+        <p:style>
+          <a:lnRef idx="2">
+            <a:schemeClr val="accent1">
+              <a:shade val="50000"/>
+            </a:schemeClr>
+          </a:lnRef>
+          <a:fillRef idx="1">
+            <a:schemeClr val="accent1"/>
+          </a:fillRef>
+          <a:effectRef idx="0">
+            <a:schemeClr val="accent1"/>
+          </a:effectRef>
+          <a:fontRef idx="minor">
+            <a:schemeClr val="lt1"/>
+          </a:fontRef>
+        </p:style>
+        <p:txBody>
+          <a:bodyPr rtlCol="0" anchor="ctr"/>
+          <a:lstStyle/>
+          <a:p>
+            <a:pPr algn="ctr"/>
+            <a:endParaRPr lang="en-US"/>
+          </a:p>
+        </p:txBody>
+      </p:sp>
+      <mc:AlternateContent xmlns:mc="http://schemas.openxmlformats.org/markup-compatibility/2006" xmlns:a14="http://schemas.microsoft.com/office/drawing/2010/main">
+        <mc:Choice Requires="a14">
+          <p:sp>
+            <p:nvSpPr>
+              <p:cNvPr id="25" name="Rectangle 24"/>
+              <p:cNvSpPr/>
+              <p:nvPr/>
+            </p:nvSpPr>
+            <p:spPr>
+              <a:xfrm>
+                <a:off x="3994847" y="951961"/>
+                <a:ext cx="861903" cy="369332"/>
+              </a:xfrm>
+              <a:prstGeom prst="rect">
+                <a:avLst/>
+              </a:prstGeom>
+            </p:spPr>
+            <p:txBody>
+              <a:bodyPr wrap="none">
+                <a:spAutoFit/>
+              </a:bodyPr>
+              <a:lstStyle/>
+              <a:p>
+                <a:pPr/>
+                <a14:m>
+                  <m:oMathPara xmlns:m="http://schemas.openxmlformats.org/officeDocument/2006/math">
+                    <m:oMathParaPr>
+                      <m:jc m:val="centerGroup"/>
+                    </m:oMathParaPr>
+                    <m:oMath xmlns:m="http://schemas.openxmlformats.org/officeDocument/2006/math">
+                      <m:sSub>
+                        <m:sSubPr>
+                          <m:ctrlPr>
+                            <a:rPr lang="en-CA" b="1" i="1" smtClean="0">
+                              <a:latin typeface="Cambria Math"/>
+                              <a:ea typeface="Cambria Math"/>
+                            </a:rPr>
+                          </m:ctrlPr>
+                        </m:sSubPr>
+                        <m:e>
+                          <m:r>
+                            <a:rPr lang="en-CA" b="1" i="1" smtClean="0">
+                              <a:latin typeface="Cambria Math"/>
+                              <a:ea typeface="Cambria Math"/>
+                            </a:rPr>
+                            <m:t>𝒇</m:t>
+                          </m:r>
+                          <m:r>
+                            <a:rPr lang="en-CA" b="1" i="1" smtClean="0">
+                              <a:latin typeface="Cambria Math"/>
+                              <a:ea typeface="Cambria Math"/>
+                            </a:rPr>
+                            <m:t>′</m:t>
+                          </m:r>
+                        </m:e>
+                        <m:sub>
+                          <m:r>
+                            <a:rPr lang="en-CA" b="1" i="1" smtClean="0">
+                              <a:latin typeface="Cambria Math"/>
+                              <a:ea typeface="Cambria Math"/>
+                            </a:rPr>
+                            <m:t>𝟏</m:t>
+                          </m:r>
+                        </m:sub>
+                      </m:sSub>
+                      <m:d>
+                        <m:dPr>
+                          <m:ctrlPr>
+                            <a:rPr lang="en-CA" b="1" i="1" smtClean="0">
+                              <a:latin typeface="Cambria Math"/>
+                              <a:ea typeface="Cambria Math"/>
+                            </a:rPr>
+                          </m:ctrlPr>
+                        </m:dPr>
+                        <m:e>
+                          <m:r>
+                            <a:rPr lang="en-CA" b="1" i="1" smtClean="0">
+                              <a:latin typeface="Cambria Math"/>
+                              <a:ea typeface="Cambria Math"/>
+                            </a:rPr>
+                            <m:t>𝒙</m:t>
+                          </m:r>
+                        </m:e>
+                      </m:d>
+                    </m:oMath>
+                  </m:oMathPara>
+                </a14:m>
+                <a:endParaRPr lang="en-US" b="1" dirty="0"/>
+              </a:p>
+            </p:txBody>
+          </p:sp>
+        </mc:Choice>
+        <mc:Fallback xmlns="">
+          <p:sp>
+            <p:nvSpPr>
+              <p:cNvPr id="25" name="Rectangle 24"/>
+              <p:cNvSpPr>
+                <a:spLocks noRot="1" noChangeAspect="1" noMove="1" noResize="1" noEditPoints="1" noAdjustHandles="1" noChangeArrowheads="1" noChangeShapeType="1" noTextEdit="1"/>
+              </p:cNvSpPr>
+              <p:nvPr/>
+            </p:nvSpPr>
+            <p:spPr>
+              <a:xfrm>
+                <a:off x="3994847" y="951961"/>
+                <a:ext cx="861903" cy="369332"/>
+              </a:xfrm>
+              <a:prstGeom prst="rect">
+                <a:avLst/>
+              </a:prstGeom>
+              <a:blipFill rotWithShape="1">
+                <a:blip r:embed="rId3"/>
+                <a:stretch>
+                  <a:fillRect b="-13115"/>
+                </a:stretch>
+              </a:blipFill>
+            </p:spPr>
+            <p:txBody>
+              <a:bodyPr/>
+              <a:lstStyle/>
+              <a:p>
+                <a:r>
+                  <a:rPr lang="en-CA">
+                    <a:noFill/>
+                  </a:rPr>
+                  <a:t> </a:t>
+                </a:r>
+              </a:p>
+            </p:txBody>
+          </p:sp>
+        </mc:Fallback>
+      </mc:AlternateContent>
+      <mc:AlternateContent xmlns:mc="http://schemas.openxmlformats.org/markup-compatibility/2006" xmlns:a14="http://schemas.microsoft.com/office/drawing/2010/main">
+        <mc:Choice Requires="a14">
+          <p:sp>
+            <p:nvSpPr>
+              <p:cNvPr id="5" name="Rectangle 4"/>
+              <p:cNvSpPr/>
+              <p:nvPr/>
+            </p:nvSpPr>
+            <p:spPr>
+              <a:xfrm>
+                <a:off x="914400" y="4763869"/>
+                <a:ext cx="1544397" cy="646331"/>
+              </a:xfrm>
+              <a:prstGeom prst="rect">
+                <a:avLst/>
+              </a:prstGeom>
+            </p:spPr>
+            <p:txBody>
+              <a:bodyPr wrap="none">
+                <a:spAutoFit/>
+              </a:bodyPr>
+              <a:lstStyle/>
+              <a:p>
+                <a:r>
+                  <a:rPr lang="en-CA" b="1" dirty="0" err="1" smtClean="0"/>
+                  <a:t>Arguemented</a:t>
+                </a:r>
+                <a:r>
+                  <a:rPr lang="en-CA" b="1" dirty="0" smtClean="0"/>
+                  <a:t> </a:t>
+                </a:r>
+              </a:p>
+              <a:p>
+                <a:r>
+                  <a:rPr lang="en-CA" b="1" dirty="0" smtClean="0"/>
+                  <a:t>Data    </a:t>
+                </a:r>
+                <a14:m>
+                  <m:oMath xmlns:m="http://schemas.openxmlformats.org/officeDocument/2006/math">
+                    <m:acc>
+                      <m:accPr>
+                        <m:chr m:val="̃"/>
+                        <m:ctrlPr>
+                          <a:rPr lang="en-CA" b="1" i="1" smtClean="0">
+                            <a:latin typeface="Cambria Math"/>
+                          </a:rPr>
+                        </m:ctrlPr>
+                      </m:accPr>
+                      <m:e>
+                        <m:r>
+                          <a:rPr lang="en-CA" b="1" i="1">
+                            <a:latin typeface="Cambria Math"/>
+                          </a:rPr>
+                          <m:t>𝒙</m:t>
+                        </m:r>
+                      </m:e>
+                    </m:acc>
+                  </m:oMath>
+                </a14:m>
+                <a:endParaRPr lang="en-CA" b="1" dirty="0"/>
+              </a:p>
+            </p:txBody>
+          </p:sp>
+        </mc:Choice>
+        <mc:Fallback xmlns="">
+          <p:sp>
+            <p:nvSpPr>
+              <p:cNvPr id="5" name="Rectangle 4"/>
+              <p:cNvSpPr>
+                <a:spLocks noRot="1" noChangeAspect="1" noMove="1" noResize="1" noEditPoints="1" noAdjustHandles="1" noChangeArrowheads="1" noChangeShapeType="1" noTextEdit="1"/>
+              </p:cNvSpPr>
+              <p:nvPr/>
+            </p:nvSpPr>
+            <p:spPr>
+              <a:xfrm>
+                <a:off x="914400" y="4763869"/>
+                <a:ext cx="1544397" cy="646331"/>
+              </a:xfrm>
+              <a:prstGeom prst="rect">
+                <a:avLst/>
+              </a:prstGeom>
+              <a:blipFill rotWithShape="1">
+                <a:blip r:embed="rId4"/>
+                <a:stretch>
+                  <a:fillRect l="-3162" t="-4673" b="-13084"/>
+                </a:stretch>
+              </a:blipFill>
+            </p:spPr>
+            <p:txBody>
+              <a:bodyPr/>
+              <a:lstStyle/>
+              <a:p>
+                <a:r>
+                  <a:rPr lang="en-CA">
+                    <a:noFill/>
+                  </a:rPr>
+                  <a:t> </a:t>
+                </a:r>
+              </a:p>
+            </p:txBody>
+          </p:sp>
+        </mc:Fallback>
+      </mc:AlternateContent>
+      <mc:AlternateContent xmlns:mc="http://schemas.openxmlformats.org/markup-compatibility/2006" xmlns:a14="http://schemas.microsoft.com/office/drawing/2010/main">
+        <mc:Choice Requires="a14">
+          <p:sp>
+            <p:nvSpPr>
+              <p:cNvPr id="9" name="Rectangle 8"/>
+              <p:cNvSpPr/>
+              <p:nvPr/>
+            </p:nvSpPr>
+            <p:spPr>
+              <a:xfrm>
+                <a:off x="2394647" y="6336268"/>
+                <a:ext cx="4191000" cy="369332"/>
+              </a:xfrm>
+              <a:prstGeom prst="rect">
+                <a:avLst/>
+              </a:prstGeom>
+            </p:spPr>
+            <p:txBody>
+              <a:bodyPr wrap="square">
+                <a:spAutoFit/>
+              </a:bodyPr>
+              <a:lstStyle/>
+              <a:p>
+                <a:r>
+                  <a:rPr lang="en-CA" b="1" dirty="0" smtClean="0"/>
+                  <a:t>Transfer model:</a:t>
+                </a:r>
+                <a14:m>
+                  <m:oMath xmlns:m="http://schemas.openxmlformats.org/officeDocument/2006/math">
+                    <m:r>
+                      <a:rPr lang="en-CA" b="1" i="0" smtClean="0">
+                        <a:latin typeface="Cambria Math"/>
+                        <a:ea typeface="Cambria Math"/>
+                      </a:rPr>
+                      <m:t>    </m:t>
+                    </m:r>
+                    <m:r>
+                      <a:rPr lang="en-CA" b="1" i="1" smtClean="0">
+                        <a:latin typeface="Cambria Math"/>
+                        <a:ea typeface="Cambria Math"/>
+                      </a:rPr>
+                      <m:t>𝒇</m:t>
+                    </m:r>
+                    <m:d>
+                      <m:dPr>
+                        <m:ctrlPr>
+                          <a:rPr lang="en-CA" b="1" i="1">
+                            <a:latin typeface="Cambria Math"/>
+                            <a:ea typeface="Cambria Math"/>
+                          </a:rPr>
+                        </m:ctrlPr>
+                      </m:dPr>
+                      <m:e>
+                        <m:r>
+                          <a:rPr lang="en-CA" b="1" i="1">
+                            <a:latin typeface="Cambria Math"/>
+                            <a:ea typeface="Cambria Math"/>
+                          </a:rPr>
+                          <m:t>𝒙</m:t>
+                        </m:r>
+                      </m:e>
+                    </m:d>
+                    <m:r>
+                      <a:rPr lang="en-US" b="1" i="1">
+                        <a:latin typeface="Cambria Math"/>
+                        <a:ea typeface="Cambria Math"/>
+                      </a:rPr>
+                      <m:t>=</m:t>
+                    </m:r>
+                    <m:acc>
+                      <m:accPr>
+                        <m:chr m:val="̃"/>
+                        <m:ctrlPr>
+                          <a:rPr lang="en-CA" b="1" i="1">
+                            <a:latin typeface="Cambria Math"/>
+                          </a:rPr>
+                        </m:ctrlPr>
+                      </m:accPr>
+                      <m:e>
+                        <m:r>
+                          <a:rPr lang="en-CA" b="1" i="1">
+                            <a:latin typeface="Cambria Math"/>
+                          </a:rPr>
+                          <m:t>𝒘</m:t>
+                        </m:r>
+                      </m:e>
+                    </m:acc>
+                    <m:acc>
+                      <m:accPr>
+                        <m:chr m:val="̃"/>
+                        <m:ctrlPr>
+                          <a:rPr lang="en-CA" b="1" i="1">
+                            <a:latin typeface="Cambria Math"/>
+                          </a:rPr>
+                        </m:ctrlPr>
+                      </m:accPr>
+                      <m:e>
+                        <m:r>
+                          <a:rPr lang="en-CA" b="1" i="1">
+                            <a:latin typeface="Cambria Math"/>
+                          </a:rPr>
+                          <m:t>𝒙</m:t>
+                        </m:r>
+                      </m:e>
+                    </m:acc>
+                    <m:r>
+                      <a:rPr lang="en-CA" b="1" i="1" smtClean="0">
+                        <a:latin typeface="Cambria Math"/>
+                      </a:rPr>
+                      <m:t>+</m:t>
+                    </m:r>
+                    <m:r>
+                      <a:rPr lang="en-CA" b="1" i="1" smtClean="0">
+                        <a:latin typeface="Cambria Math"/>
+                      </a:rPr>
+                      <m:t>𝒃</m:t>
+                    </m:r>
+                  </m:oMath>
+                </a14:m>
+                <a:endParaRPr lang="en-US" b="1" dirty="0"/>
+              </a:p>
+            </p:txBody>
+          </p:sp>
+        </mc:Choice>
+        <mc:Fallback xmlns="">
+          <p:sp>
+            <p:nvSpPr>
+              <p:cNvPr id="9" name="Rectangle 8"/>
+              <p:cNvSpPr>
+                <a:spLocks noRot="1" noChangeAspect="1" noMove="1" noResize="1" noEditPoints="1" noAdjustHandles="1" noChangeArrowheads="1" noChangeShapeType="1" noTextEdit="1"/>
+              </p:cNvSpPr>
+              <p:nvPr/>
+            </p:nvSpPr>
+            <p:spPr>
+              <a:xfrm>
+                <a:off x="2394647" y="6336268"/>
+                <a:ext cx="4191000" cy="369332"/>
+              </a:xfrm>
+              <a:prstGeom prst="rect">
+                <a:avLst/>
+              </a:prstGeom>
+              <a:blipFill rotWithShape="1">
+                <a:blip r:embed="rId5"/>
+                <a:stretch>
+                  <a:fillRect l="-1310" t="-8197" b="-24590"/>
+                </a:stretch>
+              </a:blipFill>
+            </p:spPr>
+            <p:txBody>
+              <a:bodyPr/>
+              <a:lstStyle/>
+              <a:p>
+                <a:r>
+                  <a:rPr lang="en-CA">
+                    <a:noFill/>
+                  </a:rPr>
+                  <a:t> </a:t>
+                </a:r>
+              </a:p>
+            </p:txBody>
+          </p:sp>
+        </mc:Fallback>
+      </mc:AlternateContent>
+      <p:grpSp>
+        <p:nvGrpSpPr>
+          <p:cNvPr id="21" name="Group 20"/>
+          <p:cNvGrpSpPr/>
+          <p:nvPr/>
+        </p:nvGrpSpPr>
+        <p:grpSpPr>
+          <a:xfrm>
+            <a:off x="413447" y="1860988"/>
+            <a:ext cx="1219200" cy="1110812"/>
+            <a:chOff x="2667000" y="2852406"/>
+            <a:chExt cx="1219200" cy="1110812"/>
+          </a:xfrm>
+        </p:grpSpPr>
+        <p:pic>
+          <p:nvPicPr>
+            <p:cNvPr id="22" name="Picture 2" descr="http://static.flickr.com/100/312416077_c1d4705d85_o.jpg"/>
+            <p:cNvPicPr>
+              <a:picLocks noChangeAspect="1" noChangeArrowheads="1"/>
+            </p:cNvPicPr>
+            <p:nvPr/>
+          </p:nvPicPr>
+          <p:blipFill>
+            <a:blip r:embed="rId6" cstate="print">
+              <a:extLst>
+                <a:ext uri="{28A0092B-C50C-407E-A947-70E740481C1C}">
+                  <a14:useLocalDpi xmlns:a14="http://schemas.microsoft.com/office/drawing/2010/main" val="0"/>
+                </a:ext>
+              </a:extLst>
+            </a:blip>
+            <a:srcRect/>
+            <a:stretch>
+              <a:fillRect/>
+            </a:stretch>
+          </p:blipFill>
+          <p:spPr bwMode="auto">
+            <a:xfrm>
+              <a:off x="2667000" y="3048818"/>
+              <a:ext cx="1219200" cy="914400"/>
+            </a:xfrm>
+            <a:prstGeom prst="rect">
+              <a:avLst/>
+            </a:prstGeom>
+            <a:noFill/>
+            <a:extLst>
+              <a:ext uri="{909E8E84-426E-40DD-AFC4-6F175D3DCCD1}">
+                <a14:hiddenFill xmlns:a14="http://schemas.microsoft.com/office/drawing/2010/main">
+                  <a:solidFill>
+                    <a:srgbClr val="FFFFFF"/>
+                  </a:solidFill>
+                </a14:hiddenFill>
+              </a:ext>
+            </a:extLst>
+          </p:spPr>
+        </p:pic>
+        <mc:AlternateContent xmlns:mc="http://schemas.openxmlformats.org/markup-compatibility/2006" xmlns:a14="http://schemas.microsoft.com/office/drawing/2010/main">
+          <mc:Choice Requires="a14">
+            <p:sp>
+              <p:nvSpPr>
+                <p:cNvPr id="24" name="Rectangle 23"/>
+                <p:cNvSpPr/>
+                <p:nvPr/>
+              </p:nvSpPr>
+              <p:spPr>
+                <a:xfrm>
+                  <a:off x="2743200" y="2852406"/>
+                  <a:ext cx="370614" cy="369332"/>
+                </a:xfrm>
+                <a:prstGeom prst="rect">
+                  <a:avLst/>
+                </a:prstGeom>
+              </p:spPr>
+              <p:txBody>
+                <a:bodyPr wrap="none">
+                  <a:spAutoFit/>
+                </a:bodyPr>
+                <a:lstStyle/>
+                <a:p>
+                  <a:pPr/>
+                  <a14:m>
+                    <m:oMathPara xmlns:m="http://schemas.openxmlformats.org/officeDocument/2006/math">
+                      <m:oMathParaPr>
+                        <m:jc m:val="centerGroup"/>
+                      </m:oMathParaPr>
+                      <m:oMath xmlns:m="http://schemas.openxmlformats.org/officeDocument/2006/math">
+                        <m:r>
+                          <a:rPr lang="en-US" b="1" i="1">
+                            <a:latin typeface="Cambria Math"/>
+                          </a:rPr>
+                          <m:t>𝒙</m:t>
+                        </m:r>
+                      </m:oMath>
+                    </m:oMathPara>
+                  </a14:m>
+                  <a:endParaRPr lang="en-US" b="1" dirty="0"/>
+                </a:p>
+              </p:txBody>
+            </p:sp>
+          </mc:Choice>
+          <mc:Fallback xmlns="">
+            <p:sp>
+              <p:nvSpPr>
+                <p:cNvPr id="30" name="Rectangle 29"/>
+                <p:cNvSpPr>
+                  <a:spLocks noRot="1" noChangeAspect="1" noMove="1" noResize="1" noEditPoints="1" noAdjustHandles="1" noChangeArrowheads="1" noChangeShapeType="1" noTextEdit="1"/>
+                </p:cNvSpPr>
+                <p:nvPr/>
+              </p:nvSpPr>
+              <p:spPr>
+                <a:xfrm>
+                  <a:off x="2743200" y="2852406"/>
+                  <a:ext cx="370614" cy="369332"/>
+                </a:xfrm>
+                <a:prstGeom prst="rect">
+                  <a:avLst/>
+                </a:prstGeom>
+                <a:blipFill rotWithShape="1">
+                  <a:blip r:embed="rId7"/>
+                  <a:stretch>
+                    <a:fillRect/>
+                  </a:stretch>
+                </a:blipFill>
+              </p:spPr>
+              <p:txBody>
+                <a:bodyPr/>
+                <a:lstStyle/>
+                <a:p>
+                  <a:r>
+                    <a:rPr lang="en-CA">
+                      <a:noFill/>
+                    </a:rPr>
+                    <a:t> </a:t>
+                  </a:r>
+                </a:p>
+              </p:txBody>
+            </p:sp>
+          </mc:Fallback>
+        </mc:AlternateContent>
+      </p:grpSp>
+      <p:sp>
+        <p:nvSpPr>
+          <p:cNvPr id="19" name="TextBox 18"/>
+          <p:cNvSpPr txBox="1"/>
+          <p:nvPr/>
+        </p:nvSpPr>
+        <p:spPr>
+          <a:xfrm>
+            <a:off x="3954497" y="1651986"/>
+            <a:ext cx="1335750" cy="369332"/>
+          </a:xfrm>
+          <a:prstGeom prst="rect">
+            <a:avLst/>
+          </a:prstGeom>
+          <a:noFill/>
+        </p:spPr>
+        <p:txBody>
+          <a:bodyPr wrap="none" rtlCol="0">
+            <a:spAutoFit/>
+          </a:bodyPr>
+          <a:lstStyle/>
+          <a:p>
+            <a:r>
+              <a:rPr lang="en-US" dirty="0" smtClean="0"/>
+              <a:t>Truck model</a:t>
+            </a:r>
+            <a:endParaRPr lang="en-US" dirty="0"/>
+          </a:p>
+        </p:txBody>
+      </p:sp>
+      <p:sp>
+        <p:nvSpPr>
+          <p:cNvPr id="26" name="Rectangle 25"/>
+          <p:cNvSpPr/>
+          <p:nvPr/>
+        </p:nvSpPr>
+        <p:spPr>
+          <a:xfrm>
+            <a:off x="2470848" y="1651986"/>
+            <a:ext cx="3055470" cy="1015014"/>
+          </a:xfrm>
+          <a:prstGeom prst="rect">
+            <a:avLst/>
+          </a:prstGeom>
+          <a:noFill/>
+        </p:spPr>
+        <p:style>
+          <a:lnRef idx="2">
+            <a:schemeClr val="accent1">
+              <a:shade val="50000"/>
+            </a:schemeClr>
+          </a:lnRef>
+          <a:fillRef idx="1">
+            <a:schemeClr val="accent1"/>
+          </a:fillRef>
+          <a:effectRef idx="0">
+            <a:schemeClr val="accent1"/>
+          </a:effectRef>
+          <a:fontRef idx="minor">
+            <a:schemeClr val="lt1"/>
+          </a:fontRef>
+        </p:style>
+        <p:txBody>
+          <a:bodyPr rtlCol="0" anchor="ctr"/>
+          <a:lstStyle/>
+          <a:p>
+            <a:pPr algn="ctr"/>
+            <a:endParaRPr lang="en-US"/>
+          </a:p>
+        </p:txBody>
+      </p:sp>
+      <mc:AlternateContent xmlns:mc="http://schemas.openxmlformats.org/markup-compatibility/2006" xmlns:a14="http://schemas.microsoft.com/office/drawing/2010/main">
+        <mc:Choice Requires="a14">
+          <p:sp>
+            <p:nvSpPr>
+              <p:cNvPr id="27" name="Rectangle 26"/>
+              <p:cNvSpPr/>
+              <p:nvPr/>
+            </p:nvSpPr>
+            <p:spPr>
+              <a:xfrm>
+                <a:off x="3994847" y="2146747"/>
+                <a:ext cx="861903" cy="369332"/>
+              </a:xfrm>
+              <a:prstGeom prst="rect">
+                <a:avLst/>
+              </a:prstGeom>
+            </p:spPr>
+            <p:txBody>
+              <a:bodyPr wrap="none">
+                <a:spAutoFit/>
+              </a:bodyPr>
+              <a:lstStyle/>
+              <a:p>
+                <a:pPr/>
+                <a14:m>
+                  <m:oMathPara xmlns:m="http://schemas.openxmlformats.org/officeDocument/2006/math">
+                    <m:oMathParaPr>
+                      <m:jc m:val="centerGroup"/>
+                    </m:oMathParaPr>
+                    <m:oMath xmlns:m="http://schemas.openxmlformats.org/officeDocument/2006/math">
+                      <m:sSub>
+                        <m:sSubPr>
+                          <m:ctrlPr>
+                            <a:rPr lang="en-CA" b="1" i="1" smtClean="0">
+                              <a:latin typeface="Cambria Math"/>
+                              <a:ea typeface="Cambria Math"/>
+                            </a:rPr>
+                          </m:ctrlPr>
+                        </m:sSubPr>
+                        <m:e>
+                          <m:r>
+                            <a:rPr lang="en-CA" b="1" i="1" smtClean="0">
+                              <a:latin typeface="Cambria Math"/>
+                              <a:ea typeface="Cambria Math"/>
+                            </a:rPr>
+                            <m:t>𝒇</m:t>
+                          </m:r>
+                          <m:r>
+                            <a:rPr lang="en-CA" b="1" i="1" smtClean="0">
+                              <a:latin typeface="Cambria Math"/>
+                              <a:ea typeface="Cambria Math"/>
+                            </a:rPr>
+                            <m:t>′</m:t>
+                          </m:r>
+                        </m:e>
+                        <m:sub>
+                          <m:r>
+                            <a:rPr lang="en-CA" b="1" i="1" smtClean="0">
+                              <a:latin typeface="Cambria Math"/>
+                              <a:ea typeface="Cambria Math"/>
+                            </a:rPr>
+                            <m:t>𝟐</m:t>
+                          </m:r>
+                        </m:sub>
+                      </m:sSub>
+                      <m:d>
+                        <m:dPr>
+                          <m:ctrlPr>
+                            <a:rPr lang="en-CA" b="1" i="1" smtClean="0">
+                              <a:latin typeface="Cambria Math"/>
+                              <a:ea typeface="Cambria Math"/>
+                            </a:rPr>
+                          </m:ctrlPr>
+                        </m:dPr>
+                        <m:e>
+                          <m:r>
+                            <a:rPr lang="en-CA" b="1" i="1" smtClean="0">
+                              <a:latin typeface="Cambria Math"/>
+                              <a:ea typeface="Cambria Math"/>
+                            </a:rPr>
+                            <m:t>𝒙</m:t>
+                          </m:r>
+                        </m:e>
+                      </m:d>
+                    </m:oMath>
+                  </m:oMathPara>
+                </a14:m>
+                <a:endParaRPr lang="en-US" b="1" dirty="0"/>
+              </a:p>
+            </p:txBody>
+          </p:sp>
+        </mc:Choice>
+        <mc:Fallback xmlns="">
+          <p:sp>
+            <p:nvSpPr>
+              <p:cNvPr id="27" name="Rectangle 26"/>
+              <p:cNvSpPr>
+                <a:spLocks noRot="1" noChangeAspect="1" noMove="1" noResize="1" noEditPoints="1" noAdjustHandles="1" noChangeArrowheads="1" noChangeShapeType="1" noTextEdit="1"/>
+              </p:cNvSpPr>
+              <p:nvPr/>
+            </p:nvSpPr>
+            <p:spPr>
+              <a:xfrm>
+                <a:off x="3994847" y="2146747"/>
+                <a:ext cx="861903" cy="369332"/>
+              </a:xfrm>
+              <a:prstGeom prst="rect">
+                <a:avLst/>
+              </a:prstGeom>
+              <a:blipFill rotWithShape="1">
+                <a:blip r:embed="rId8"/>
+                <a:stretch>
+                  <a:fillRect b="-13115"/>
+                </a:stretch>
+              </a:blipFill>
+            </p:spPr>
+            <p:txBody>
+              <a:bodyPr/>
+              <a:lstStyle/>
+              <a:p>
+                <a:r>
+                  <a:rPr lang="en-CA">
+                    <a:noFill/>
+                  </a:rPr>
+                  <a:t> </a:t>
+                </a:r>
+              </a:p>
+            </p:txBody>
+          </p:sp>
+        </mc:Fallback>
+      </mc:AlternateContent>
+      <p:pic>
+        <p:nvPicPr>
+          <p:cNvPr id="1026" name="Picture 2"/>
+          <p:cNvPicPr>
+            <a:picLocks noChangeAspect="1" noChangeArrowheads="1"/>
+          </p:cNvPicPr>
+          <p:nvPr/>
+        </p:nvPicPr>
+        <p:blipFill>
+          <a:blip r:embed="rId9" cstate="print">
+            <a:extLst>
+              <a:ext uri="{28A0092B-C50C-407E-A947-70E740481C1C}">
+                <a14:useLocalDpi xmlns:a14="http://schemas.microsoft.com/office/drawing/2010/main" val="0"/>
+              </a:ext>
+            </a:extLst>
+          </a:blip>
+          <a:srcRect/>
+          <a:stretch>
+            <a:fillRect/>
+          </a:stretch>
+        </p:blipFill>
+        <p:spPr bwMode="auto">
+          <a:xfrm>
+            <a:off x="2531976" y="1912218"/>
+            <a:ext cx="1413784" cy="636203"/>
+          </a:xfrm>
+          <a:prstGeom prst="rect">
+            <a:avLst/>
+          </a:prstGeom>
+          <a:noFill/>
           <a:ln>
-            <a:tailEnd type="arrow"/>
+            <a:noFill/>
           </a:ln>
+          <a:extLst>
+            <a:ext uri="{909E8E84-426E-40DD-AFC4-6F175D3DCCD1}">
+              <a14:hiddenFill xmlns:a14="http://schemas.microsoft.com/office/drawing/2010/main">
+                <a:solidFill>
+                  <a:schemeClr val="accent1"/>
+                </a:solidFill>
+              </a14:hiddenFill>
+            </a:ext>
+            <a:ext uri="{91240B29-F687-4F45-9708-019B960494DF}">
+              <a14:hiddenLine xmlns:a14="http://schemas.microsoft.com/office/drawing/2010/main" w="9525">
+                <a:solidFill>
+                  <a:schemeClr val="tx1"/>
+                </a:solidFill>
+                <a:miter lim="800000"/>
+                <a:headEnd/>
+                <a:tailEnd/>
+              </a14:hiddenLine>
+            </a:ext>
+          </a:extLst>
+        </p:spPr>
+      </p:pic>
+      <p:sp>
+        <p:nvSpPr>
+          <p:cNvPr id="30" name="TextBox 29"/>
+          <p:cNvSpPr txBox="1"/>
+          <p:nvPr/>
+        </p:nvSpPr>
+        <p:spPr>
+          <a:xfrm>
+            <a:off x="3965704" y="3035254"/>
+            <a:ext cx="1266180" cy="369332"/>
+          </a:xfrm>
+          <a:prstGeom prst="rect">
+            <a:avLst/>
+          </a:prstGeom>
+          <a:noFill/>
+        </p:spPr>
+        <p:txBody>
+          <a:bodyPr wrap="none" rtlCol="0">
+            <a:spAutoFit/>
+          </a:bodyPr>
+          <a:lstStyle/>
+          <a:p>
+            <a:r>
+              <a:rPr lang="en-US" dirty="0" smtClean="0"/>
+              <a:t>Boat model</a:t>
+            </a:r>
+            <a:endParaRPr lang="en-US" dirty="0"/>
+          </a:p>
+        </p:txBody>
+      </p:sp>
+      <p:sp>
+        <p:nvSpPr>
+          <p:cNvPr id="31" name="Rectangle 30"/>
+          <p:cNvSpPr/>
+          <p:nvPr/>
+        </p:nvSpPr>
+        <p:spPr>
+          <a:xfrm>
+            <a:off x="2470848" y="2947386"/>
+            <a:ext cx="3055470" cy="1015014"/>
+          </a:xfrm>
+          <a:prstGeom prst="rect">
+            <a:avLst/>
+          </a:prstGeom>
+          <a:noFill/>
+        </p:spPr>
+        <p:style>
+          <a:lnRef idx="2">
+            <a:schemeClr val="accent1">
+              <a:shade val="50000"/>
+            </a:schemeClr>
+          </a:lnRef>
+          <a:fillRef idx="1">
+            <a:schemeClr val="accent1"/>
+          </a:fillRef>
+          <a:effectRef idx="0">
+            <a:schemeClr val="accent1"/>
+          </a:effectRef>
+          <a:fontRef idx="minor">
+            <a:schemeClr val="lt1"/>
+          </a:fontRef>
+        </p:style>
+        <p:txBody>
+          <a:bodyPr rtlCol="0" anchor="ctr"/>
+          <a:lstStyle/>
+          <a:p>
+            <a:pPr algn="ctr"/>
+            <a:endParaRPr lang="en-US"/>
+          </a:p>
+        </p:txBody>
+      </p:sp>
+      <mc:AlternateContent xmlns:mc="http://schemas.openxmlformats.org/markup-compatibility/2006" xmlns:a14="http://schemas.microsoft.com/office/drawing/2010/main">
+        <mc:Choice Requires="a14">
+          <p:sp>
+            <p:nvSpPr>
+              <p:cNvPr id="32" name="Rectangle 31"/>
+              <p:cNvSpPr/>
+              <p:nvPr/>
+            </p:nvSpPr>
+            <p:spPr>
+              <a:xfrm>
+                <a:off x="3994847" y="3442147"/>
+                <a:ext cx="861903" cy="369332"/>
+              </a:xfrm>
+              <a:prstGeom prst="rect">
+                <a:avLst/>
+              </a:prstGeom>
+            </p:spPr>
+            <p:txBody>
+              <a:bodyPr wrap="none">
+                <a:spAutoFit/>
+              </a:bodyPr>
+              <a:lstStyle/>
+              <a:p>
+                <a:pPr/>
+                <a14:m>
+                  <m:oMathPara xmlns:m="http://schemas.openxmlformats.org/officeDocument/2006/math">
+                    <m:oMathParaPr>
+                      <m:jc m:val="centerGroup"/>
+                    </m:oMathParaPr>
+                    <m:oMath xmlns:m="http://schemas.openxmlformats.org/officeDocument/2006/math">
+                      <m:sSub>
+                        <m:sSubPr>
+                          <m:ctrlPr>
+                            <a:rPr lang="en-CA" b="1" i="1" smtClean="0">
+                              <a:latin typeface="Cambria Math"/>
+                              <a:ea typeface="Cambria Math"/>
+                            </a:rPr>
+                          </m:ctrlPr>
+                        </m:sSubPr>
+                        <m:e>
+                          <m:r>
+                            <a:rPr lang="en-CA" b="1" i="1" smtClean="0">
+                              <a:latin typeface="Cambria Math"/>
+                              <a:ea typeface="Cambria Math"/>
+                            </a:rPr>
+                            <m:t>𝒇</m:t>
+                          </m:r>
+                          <m:r>
+                            <a:rPr lang="en-CA" b="1" i="1" smtClean="0">
+                              <a:latin typeface="Cambria Math"/>
+                              <a:ea typeface="Cambria Math"/>
+                            </a:rPr>
+                            <m:t>′</m:t>
+                          </m:r>
+                        </m:e>
+                        <m:sub>
+                          <m:r>
+                            <a:rPr lang="en-CA" b="1" i="1" smtClean="0">
+                              <a:latin typeface="Cambria Math"/>
+                              <a:ea typeface="Cambria Math"/>
+                            </a:rPr>
+                            <m:t>𝟑</m:t>
+                          </m:r>
+                        </m:sub>
+                      </m:sSub>
+                      <m:d>
+                        <m:dPr>
+                          <m:ctrlPr>
+                            <a:rPr lang="en-CA" b="1" i="1" smtClean="0">
+                              <a:latin typeface="Cambria Math"/>
+                              <a:ea typeface="Cambria Math"/>
+                            </a:rPr>
+                          </m:ctrlPr>
+                        </m:dPr>
+                        <m:e>
+                          <m:r>
+                            <a:rPr lang="en-CA" b="1" i="1" smtClean="0">
+                              <a:latin typeface="Cambria Math"/>
+                              <a:ea typeface="Cambria Math"/>
+                            </a:rPr>
+                            <m:t>𝒙</m:t>
+                          </m:r>
+                        </m:e>
+                      </m:d>
+                    </m:oMath>
+                  </m:oMathPara>
+                </a14:m>
+                <a:endParaRPr lang="en-US" b="1" dirty="0"/>
+              </a:p>
+            </p:txBody>
+          </p:sp>
+        </mc:Choice>
+        <mc:Fallback xmlns="">
+          <p:sp>
+            <p:nvSpPr>
+              <p:cNvPr id="32" name="Rectangle 31"/>
+              <p:cNvSpPr>
+                <a:spLocks noRot="1" noChangeAspect="1" noMove="1" noResize="1" noEditPoints="1" noAdjustHandles="1" noChangeArrowheads="1" noChangeShapeType="1" noTextEdit="1"/>
+              </p:cNvSpPr>
+              <p:nvPr/>
+            </p:nvSpPr>
+            <p:spPr>
+              <a:xfrm>
+                <a:off x="3994847" y="3442147"/>
+                <a:ext cx="861903" cy="369332"/>
+              </a:xfrm>
+              <a:prstGeom prst="rect">
+                <a:avLst/>
+              </a:prstGeom>
+              <a:blipFill rotWithShape="1">
+                <a:blip r:embed="rId10"/>
+                <a:stretch>
+                  <a:fillRect b="-15000"/>
+                </a:stretch>
+              </a:blipFill>
+            </p:spPr>
+            <p:txBody>
+              <a:bodyPr/>
+              <a:lstStyle/>
+              <a:p>
+                <a:r>
+                  <a:rPr lang="en-CA">
+                    <a:noFill/>
+                  </a:rPr>
+                  <a:t> </a:t>
+                </a:r>
+              </a:p>
+            </p:txBody>
+          </p:sp>
+        </mc:Fallback>
+      </mc:AlternateContent>
+      <p:pic>
+        <p:nvPicPr>
+          <p:cNvPr id="1042" name="Picture 18" descr="http://bademarine.com/boats4sale/assets/images/catico/boat-1.png"/>
+          <p:cNvPicPr>
+            <a:picLocks noChangeAspect="1" noChangeArrowheads="1"/>
+          </p:cNvPicPr>
+          <p:nvPr/>
+        </p:nvPicPr>
+        <p:blipFill>
+          <a:blip r:embed="rId11" cstate="print">
+            <a:extLst>
+              <a:ext uri="{28A0092B-C50C-407E-A947-70E740481C1C}">
+                <a14:useLocalDpi xmlns:a14="http://schemas.microsoft.com/office/drawing/2010/main" val="0"/>
+              </a:ext>
+            </a:extLst>
+          </a:blip>
+          <a:srcRect/>
+          <a:stretch>
+            <a:fillRect/>
+          </a:stretch>
+        </p:blipFill>
+        <p:spPr bwMode="auto">
+          <a:xfrm>
+            <a:off x="2514968" y="3035254"/>
+            <a:ext cx="1447800" cy="930922"/>
+          </a:xfrm>
+          <a:prstGeom prst="rect">
+            <a:avLst/>
+          </a:prstGeom>
+          <a:noFill/>
+          <a:extLst>
+            <a:ext uri="{909E8E84-426E-40DD-AFC4-6F175D3DCCD1}">
+              <a14:hiddenFill xmlns:a14="http://schemas.microsoft.com/office/drawing/2010/main">
+                <a:solidFill>
+                  <a:srgbClr val="FFFFFF"/>
+                </a:solidFill>
+              </a14:hiddenFill>
+            </a:ext>
+          </a:extLst>
+        </p:spPr>
+      </p:pic>
+      <p:sp>
+        <p:nvSpPr>
+          <p:cNvPr id="13" name="Right Brace 12"/>
+          <p:cNvSpPr/>
+          <p:nvPr/>
+        </p:nvSpPr>
+        <p:spPr>
+          <a:xfrm>
+            <a:off x="5823647" y="617537"/>
+            <a:ext cx="533400" cy="3193941"/>
+          </a:xfrm>
+          <a:prstGeom prst="rightBrace">
+            <a:avLst/>
+          </a:prstGeom>
         </p:spPr>
         <p:style>
           <a:lnRef idx="3">
-            <a:schemeClr val="dk1"/>
+            <a:schemeClr val="accent1"/>
           </a:lnRef>
           <a:fillRef idx="0">
-            <a:schemeClr val="dk1"/>
+            <a:schemeClr val="accent1"/>
           </a:fillRef>
           <a:effectRef idx="2">
-            <a:schemeClr val="dk1"/>
+            <a:schemeClr val="accent1"/>
           </a:effectRef>
           <a:fontRef idx="minor">
             <a:schemeClr val="tx1"/>
           </a:fontRef>
         </p:style>
-      </p:cxnSp>
-      <p:sp>
-        <p:nvSpPr>
-          <p:cNvPr id="7" name="Oval 6"/>
+        <p:txBody>
+          <a:bodyPr rtlCol="0" anchor="ctr"/>
+          <a:lstStyle/>
+          <a:p>
+            <a:pPr algn="ctr"/>
+            <a:endParaRPr lang="en-CA"/>
+          </a:p>
+        </p:txBody>
+      </p:sp>
+      <p:sp>
+        <p:nvSpPr>
+          <p:cNvPr id="15" name="TextBox 14"/>
+          <p:cNvSpPr txBox="1"/>
+          <p:nvPr/>
+        </p:nvSpPr>
+        <p:spPr>
+          <a:xfrm>
+            <a:off x="6585647" y="1258669"/>
+            <a:ext cx="1575881" cy="646331"/>
+          </a:xfrm>
+          <a:prstGeom prst="rect">
+            <a:avLst/>
+          </a:prstGeom>
+          <a:noFill/>
+        </p:spPr>
+        <p:txBody>
+          <a:bodyPr wrap="none" rtlCol="0">
+            <a:spAutoFit/>
+          </a:bodyPr>
+          <a:lstStyle/>
+          <a:p>
+            <a:r>
+              <a:rPr lang="en-CA" dirty="0" smtClean="0"/>
+              <a:t>Scores From </a:t>
+            </a:r>
+          </a:p>
+          <a:p>
+            <a:r>
+              <a:rPr lang="en-CA" dirty="0" smtClean="0"/>
+              <a:t>Source Models</a:t>
+            </a:r>
+            <a:endParaRPr lang="en-CA" dirty="0"/>
+          </a:p>
+        </p:txBody>
+      </p:sp>
+      <mc:AlternateContent xmlns:mc="http://schemas.openxmlformats.org/markup-compatibility/2006" xmlns:a14="http://schemas.microsoft.com/office/drawing/2010/main">
+        <mc:Choice Requires="a14">
+          <p:graphicFrame>
+            <p:nvGraphicFramePr>
+              <p:cNvPr id="34" name="Table 33"/>
+              <p:cNvGraphicFramePr>
+                <a:graphicFrameLocks noGrp="1"/>
+              </p:cNvGraphicFramePr>
+              <p:nvPr>
+                <p:extLst>
+                  <p:ext uri="{D42A27DB-BD31-4B8C-83A1-F6EECF244321}">
+                    <p14:modId xmlns:p14="http://schemas.microsoft.com/office/powerpoint/2010/main" val="2233173717"/>
+                  </p:ext>
+                </p:extLst>
+              </p:nvPr>
+            </p:nvGraphicFramePr>
+            <p:xfrm>
+              <a:off x="6400801" y="2029087"/>
+              <a:ext cx="2590800" cy="370840"/>
+            </p:xfrm>
+            <a:graphic>
+              <a:graphicData uri="http://schemas.openxmlformats.org/drawingml/2006/table">
+                <a:tbl>
+                  <a:tblPr firstRow="1" bandRow="1">
+                    <a:tableStyleId>{5940675A-B579-460E-94D1-54222C63F5DA}</a:tableStyleId>
+                  </a:tblPr>
+                  <a:tblGrid>
+                    <a:gridCol w="863600"/>
+                    <a:gridCol w="863600"/>
+                    <a:gridCol w="863600"/>
+                  </a:tblGrid>
+                  <a:tr h="370840">
+                    <a:tc>
+                      <a:txBody>
+                        <a:bodyPr/>
+                        <a:lstStyle/>
+                        <a:p>
+                          <a:pPr marL="0" marR="0" indent="0" algn="l" defTabSz="914400" rtl="0" eaLnBrk="1" fontAlgn="auto" latinLnBrk="0" hangingPunct="1">
+                            <a:lnSpc>
+                              <a:spcPct val="100000"/>
+                            </a:lnSpc>
+                            <a:spcBef>
+                              <a:spcPts val="0"/>
+                            </a:spcBef>
+                            <a:spcAft>
+                              <a:spcPts val="0"/>
+                            </a:spcAft>
+                            <a:buClrTx/>
+                            <a:buSzTx/>
+                            <a:buFontTx/>
+                            <a:buNone/>
+                            <a:tabLst/>
+                            <a:defRPr/>
+                          </a:pPr>
+                          <a14:m>
+                            <m:oMathPara xmlns:m="http://schemas.openxmlformats.org/officeDocument/2006/math">
+                              <m:oMathParaPr>
+                                <m:jc m:val="centerGroup"/>
+                              </m:oMathParaPr>
+                              <m:oMath xmlns:m="http://schemas.openxmlformats.org/officeDocument/2006/math">
+                                <m:sSub>
+                                  <m:sSubPr>
+                                    <m:ctrlPr>
+                                      <a:rPr lang="en-CA" b="1" i="1" smtClean="0">
+                                        <a:latin typeface="Cambria Math"/>
+                                        <a:ea typeface="Cambria Math"/>
+                                      </a:rPr>
+                                    </m:ctrlPr>
+                                  </m:sSubPr>
+                                  <m:e>
+                                    <m:r>
+                                      <a:rPr lang="en-CA" b="1" i="1" smtClean="0">
+                                        <a:latin typeface="Cambria Math"/>
+                                        <a:ea typeface="Cambria Math"/>
+                                      </a:rPr>
+                                      <m:t>𝒇</m:t>
+                                    </m:r>
+                                    <m:r>
+                                      <a:rPr lang="en-CA" b="1" i="1" smtClean="0">
+                                        <a:latin typeface="Cambria Math"/>
+                                        <a:ea typeface="Cambria Math"/>
+                                      </a:rPr>
+                                      <m:t>′</m:t>
+                                    </m:r>
+                                  </m:e>
+                                  <m:sub>
+                                    <m:r>
+                                      <a:rPr lang="en-CA" b="1" i="1" smtClean="0">
+                                        <a:latin typeface="Cambria Math"/>
+                                        <a:ea typeface="Cambria Math"/>
+                                      </a:rPr>
+                                      <m:t>𝟏</m:t>
+                                    </m:r>
+                                  </m:sub>
+                                </m:sSub>
+                                <m:d>
+                                  <m:dPr>
+                                    <m:ctrlPr>
+                                      <a:rPr lang="en-CA" b="1" i="1" smtClean="0">
+                                        <a:latin typeface="Cambria Math"/>
+                                        <a:ea typeface="Cambria Math"/>
+                                      </a:rPr>
+                                    </m:ctrlPr>
+                                  </m:dPr>
+                                  <m:e>
+                                    <m:r>
+                                      <a:rPr lang="en-CA" b="1" i="1" smtClean="0">
+                                        <a:latin typeface="Cambria Math"/>
+                                        <a:ea typeface="Cambria Math"/>
+                                      </a:rPr>
+                                      <m:t>𝒙</m:t>
+                                    </m:r>
+                                  </m:e>
+                                </m:d>
+                              </m:oMath>
+                            </m:oMathPara>
+                          </a14:m>
+                          <a:endParaRPr lang="en-US" b="1" dirty="0"/>
+                        </a:p>
+                      </a:txBody>
+                      <a:tcPr/>
+                    </a:tc>
+                    <a:tc>
+                      <a:txBody>
+                        <a:bodyPr/>
+                        <a:lstStyle/>
+                        <a:p>
+                          <a:pPr marL="0" marR="0" indent="0" algn="l" defTabSz="914400" rtl="0" eaLnBrk="1" fontAlgn="auto" latinLnBrk="0" hangingPunct="1">
+                            <a:lnSpc>
+                              <a:spcPct val="100000"/>
+                            </a:lnSpc>
+                            <a:spcBef>
+                              <a:spcPts val="0"/>
+                            </a:spcBef>
+                            <a:spcAft>
+                              <a:spcPts val="0"/>
+                            </a:spcAft>
+                            <a:buClrTx/>
+                            <a:buSzTx/>
+                            <a:buFontTx/>
+                            <a:buNone/>
+                            <a:tabLst/>
+                            <a:defRPr/>
+                          </a:pPr>
+                          <a14:m>
+                            <m:oMathPara xmlns:m="http://schemas.openxmlformats.org/officeDocument/2006/math">
+                              <m:oMathParaPr>
+                                <m:jc m:val="centerGroup"/>
+                              </m:oMathParaPr>
+                              <m:oMath xmlns:m="http://schemas.openxmlformats.org/officeDocument/2006/math">
+                                <m:sSub>
+                                  <m:sSubPr>
+                                    <m:ctrlPr>
+                                      <a:rPr lang="en-CA" b="1" i="1" smtClean="0">
+                                        <a:latin typeface="Cambria Math"/>
+                                        <a:ea typeface="Cambria Math"/>
+                                      </a:rPr>
+                                    </m:ctrlPr>
+                                  </m:sSubPr>
+                                  <m:e>
+                                    <m:r>
+                                      <a:rPr lang="en-CA" b="1" i="1" smtClean="0">
+                                        <a:latin typeface="Cambria Math"/>
+                                        <a:ea typeface="Cambria Math"/>
+                                      </a:rPr>
+                                      <m:t>𝒇</m:t>
+                                    </m:r>
+                                    <m:r>
+                                      <a:rPr lang="en-CA" b="1" i="1" smtClean="0">
+                                        <a:latin typeface="Cambria Math"/>
+                                        <a:ea typeface="Cambria Math"/>
+                                      </a:rPr>
+                                      <m:t>′</m:t>
+                                    </m:r>
+                                  </m:e>
+                                  <m:sub>
+                                    <m:r>
+                                      <a:rPr lang="en-CA" b="1" i="1" smtClean="0">
+                                        <a:latin typeface="Cambria Math"/>
+                                        <a:ea typeface="Cambria Math"/>
+                                      </a:rPr>
+                                      <m:t>𝟐</m:t>
+                                    </m:r>
+                                  </m:sub>
+                                </m:sSub>
+                                <m:d>
+                                  <m:dPr>
+                                    <m:ctrlPr>
+                                      <a:rPr lang="en-CA" b="1" i="1" smtClean="0">
+                                        <a:latin typeface="Cambria Math"/>
+                                        <a:ea typeface="Cambria Math"/>
+                                      </a:rPr>
+                                    </m:ctrlPr>
+                                  </m:dPr>
+                                  <m:e>
+                                    <m:r>
+                                      <a:rPr lang="en-CA" b="1" i="1" smtClean="0">
+                                        <a:latin typeface="Cambria Math"/>
+                                        <a:ea typeface="Cambria Math"/>
+                                      </a:rPr>
+                                      <m:t>𝒙</m:t>
+                                    </m:r>
+                                  </m:e>
+                                </m:d>
+                              </m:oMath>
+                            </m:oMathPara>
+                          </a14:m>
+                          <a:endParaRPr lang="en-US" b="1" dirty="0"/>
+                        </a:p>
+                      </a:txBody>
+                      <a:tcPr/>
+                    </a:tc>
+                    <a:tc>
+                      <a:txBody>
+                        <a:bodyPr/>
+                        <a:lstStyle/>
+                        <a:p>
+                          <a:pPr marL="0" marR="0" indent="0" algn="l" defTabSz="914400" rtl="0" eaLnBrk="1" fontAlgn="auto" latinLnBrk="0" hangingPunct="1">
+                            <a:lnSpc>
+                              <a:spcPct val="100000"/>
+                            </a:lnSpc>
+                            <a:spcBef>
+                              <a:spcPts val="0"/>
+                            </a:spcBef>
+                            <a:spcAft>
+                              <a:spcPts val="0"/>
+                            </a:spcAft>
+                            <a:buClrTx/>
+                            <a:buSzTx/>
+                            <a:buFontTx/>
+                            <a:buNone/>
+                            <a:tabLst/>
+                            <a:defRPr/>
+                          </a:pPr>
+                          <a14:m>
+                            <m:oMathPara xmlns:m="http://schemas.openxmlformats.org/officeDocument/2006/math">
+                              <m:oMathParaPr>
+                                <m:jc m:val="centerGroup"/>
+                              </m:oMathParaPr>
+                              <m:oMath xmlns:m="http://schemas.openxmlformats.org/officeDocument/2006/math">
+                                <m:sSub>
+                                  <m:sSubPr>
+                                    <m:ctrlPr>
+                                      <a:rPr lang="en-CA" b="1" i="1" smtClean="0">
+                                        <a:latin typeface="Cambria Math"/>
+                                        <a:ea typeface="Cambria Math"/>
+                                      </a:rPr>
+                                    </m:ctrlPr>
+                                  </m:sSubPr>
+                                  <m:e>
+                                    <m:r>
+                                      <a:rPr lang="en-CA" b="1" i="1" smtClean="0">
+                                        <a:latin typeface="Cambria Math"/>
+                                        <a:ea typeface="Cambria Math"/>
+                                      </a:rPr>
+                                      <m:t>𝒇</m:t>
+                                    </m:r>
+                                    <m:r>
+                                      <a:rPr lang="en-CA" b="1" i="1" smtClean="0">
+                                        <a:latin typeface="Cambria Math"/>
+                                        <a:ea typeface="Cambria Math"/>
+                                      </a:rPr>
+                                      <m:t>′</m:t>
+                                    </m:r>
+                                  </m:e>
+                                  <m:sub>
+                                    <m:r>
+                                      <a:rPr lang="en-CA" b="1" i="1" smtClean="0">
+                                        <a:latin typeface="Cambria Math"/>
+                                        <a:ea typeface="Cambria Math"/>
+                                      </a:rPr>
+                                      <m:t>𝟑</m:t>
+                                    </m:r>
+                                  </m:sub>
+                                </m:sSub>
+                                <m:d>
+                                  <m:dPr>
+                                    <m:ctrlPr>
+                                      <a:rPr lang="en-CA" b="1" i="1" smtClean="0">
+                                        <a:latin typeface="Cambria Math"/>
+                                        <a:ea typeface="Cambria Math"/>
+                                      </a:rPr>
+                                    </m:ctrlPr>
+                                  </m:dPr>
+                                  <m:e>
+                                    <m:r>
+                                      <a:rPr lang="en-CA" b="1" i="1" smtClean="0">
+                                        <a:latin typeface="Cambria Math"/>
+                                        <a:ea typeface="Cambria Math"/>
+                                      </a:rPr>
+                                      <m:t>𝒙</m:t>
+                                    </m:r>
+                                  </m:e>
+                                </m:d>
+                              </m:oMath>
+                            </m:oMathPara>
+                          </a14:m>
+                          <a:endParaRPr lang="en-US" b="1" dirty="0"/>
+                        </a:p>
+                      </a:txBody>
+                      <a:tcPr/>
+                    </a:tc>
+                  </a:tr>
+                </a:tbl>
+              </a:graphicData>
+            </a:graphic>
+          </p:graphicFrame>
+        </mc:Choice>
+        <mc:Fallback xmlns="">
+          <p:graphicFrame>
+            <p:nvGraphicFramePr>
+              <p:cNvPr id="34" name="Table 33"/>
+              <p:cNvGraphicFramePr>
+                <a:graphicFrameLocks noGrp="1"/>
+              </p:cNvGraphicFramePr>
+              <p:nvPr>
+                <p:extLst>
+                  <p:ext uri="{D42A27DB-BD31-4B8C-83A1-F6EECF244321}">
+                    <p14:modId xmlns:p14="http://schemas.microsoft.com/office/powerpoint/2010/main" val="2233173717"/>
+                  </p:ext>
+                </p:extLst>
+              </p:nvPr>
+            </p:nvGraphicFramePr>
+            <p:xfrm>
+              <a:off x="6400801" y="2029087"/>
+              <a:ext cx="2590800" cy="370840"/>
+            </p:xfrm>
+            <a:graphic>
+              <a:graphicData uri="http://schemas.openxmlformats.org/drawingml/2006/table">
+                <a:tbl>
+                  <a:tblPr firstRow="1" bandRow="1">
+                    <a:tableStyleId>{5940675A-B579-460E-94D1-54222C63F5DA}</a:tableStyleId>
+                  </a:tblPr>
+                  <a:tblGrid>
+                    <a:gridCol w="863600"/>
+                    <a:gridCol w="863600"/>
+                    <a:gridCol w="863600"/>
+                  </a:tblGrid>
+                  <a:tr h="370840">
+                    <a:tc>
+                      <a:txBody>
+                        <a:bodyPr/>
+                        <a:lstStyle/>
+                        <a:p>
+                          <a:endParaRPr lang="en-US"/>
+                        </a:p>
+                      </a:txBody>
+                      <a:tcPr>
+                        <a:blipFill rotWithShape="1">
+                          <a:blip r:embed="rId12"/>
+                          <a:stretch>
+                            <a:fillRect t="-1639" r="-199296" b="-13115"/>
+                          </a:stretch>
+                        </a:blipFill>
+                      </a:tcPr>
+                    </a:tc>
+                    <a:tc>
+                      <a:txBody>
+                        <a:bodyPr/>
+                        <a:lstStyle/>
+                        <a:p>
+                          <a:endParaRPr lang="en-US"/>
+                        </a:p>
+                      </a:txBody>
+                      <a:tcPr>
+                        <a:blipFill rotWithShape="1">
+                          <a:blip r:embed="rId12"/>
+                          <a:stretch>
+                            <a:fillRect l="-100709" t="-1639" r="-100709" b="-13115"/>
+                          </a:stretch>
+                        </a:blipFill>
+                      </a:tcPr>
+                    </a:tc>
+                    <a:tc>
+                      <a:txBody>
+                        <a:bodyPr/>
+                        <a:lstStyle/>
+                        <a:p>
+                          <a:endParaRPr lang="en-US"/>
+                        </a:p>
+                      </a:txBody>
+                      <a:tcPr>
+                        <a:blipFill rotWithShape="1">
+                          <a:blip r:embed="rId12"/>
+                          <a:stretch>
+                            <a:fillRect l="-199296" t="-1639" b="-13115"/>
+                          </a:stretch>
+                        </a:blipFill>
+                      </a:tcPr>
+                    </a:tc>
+                  </a:tr>
+                </a:tbl>
+              </a:graphicData>
+            </a:graphic>
+          </p:graphicFrame>
+        </mc:Fallback>
+      </mc:AlternateContent>
+      <mc:AlternateContent xmlns:mc="http://schemas.openxmlformats.org/markup-compatibility/2006" xmlns:a14="http://schemas.microsoft.com/office/drawing/2010/main">
+        <mc:Choice Requires="a14">
+          <p:graphicFrame>
+            <p:nvGraphicFramePr>
+              <p:cNvPr id="41" name="Table 40"/>
+              <p:cNvGraphicFramePr>
+                <a:graphicFrameLocks noGrp="1"/>
+              </p:cNvGraphicFramePr>
+              <p:nvPr>
+                <p:extLst>
+                  <p:ext uri="{D42A27DB-BD31-4B8C-83A1-F6EECF244321}">
+                    <p14:modId xmlns:p14="http://schemas.microsoft.com/office/powerpoint/2010/main" val="3346510148"/>
+                  </p:ext>
+                </p:extLst>
+              </p:nvPr>
+            </p:nvGraphicFramePr>
+            <p:xfrm>
+              <a:off x="2892423" y="4915331"/>
+              <a:ext cx="3276604" cy="370840"/>
+            </p:xfrm>
+            <a:graphic>
+              <a:graphicData uri="http://schemas.openxmlformats.org/drawingml/2006/table">
+                <a:tbl>
+                  <a:tblPr firstRow="1" bandRow="1">
+                    <a:tableStyleId>{5940675A-B579-460E-94D1-54222C63F5DA}</a:tableStyleId>
+                  </a:tblPr>
+                  <a:tblGrid>
+                    <a:gridCol w="819151"/>
+                    <a:gridCol w="819151"/>
+                    <a:gridCol w="819151"/>
+                    <a:gridCol w="819151"/>
+                  </a:tblGrid>
+                  <a:tr h="370840">
+                    <a:tc>
+                      <a:txBody>
+                        <a:bodyPr/>
+                        <a:lstStyle/>
+                        <a:p>
+                          <a:pPr marL="0" marR="0" indent="0" algn="l" defTabSz="914400" rtl="0" eaLnBrk="1" fontAlgn="auto" latinLnBrk="0" hangingPunct="1">
+                            <a:lnSpc>
+                              <a:spcPct val="100000"/>
+                            </a:lnSpc>
+                            <a:spcBef>
+                              <a:spcPts val="0"/>
+                            </a:spcBef>
+                            <a:spcAft>
+                              <a:spcPts val="0"/>
+                            </a:spcAft>
+                            <a:buClrTx/>
+                            <a:buSzTx/>
+                            <a:buFontTx/>
+                            <a:buNone/>
+                            <a:tabLst/>
+                            <a:defRPr/>
+                          </a:pPr>
+                          <a14:m>
+                            <m:oMathPara xmlns:m="http://schemas.openxmlformats.org/officeDocument/2006/math">
+                              <m:oMathParaPr>
+                                <m:jc m:val="centerGroup"/>
+                              </m:oMathParaPr>
+                              <m:oMath xmlns:m="http://schemas.openxmlformats.org/officeDocument/2006/math">
+                                <m:r>
+                                  <a:rPr lang="en-CA" b="1" i="1" smtClean="0">
+                                    <a:latin typeface="Cambria Math"/>
+                                  </a:rPr>
+                                  <m:t>𝒙</m:t>
+                                </m:r>
+                              </m:oMath>
+                            </m:oMathPara>
+                          </a14:m>
+                          <a:endParaRPr lang="en-US" b="1" dirty="0"/>
+                        </a:p>
+                      </a:txBody>
+                      <a:tcPr/>
+                    </a:tc>
+                    <a:tc>
+                      <a:txBody>
+                        <a:bodyPr/>
+                        <a:lstStyle/>
+                        <a:p>
+                          <a:pPr marL="0" marR="0" indent="0" algn="l" defTabSz="914400" rtl="0" eaLnBrk="1" fontAlgn="auto" latinLnBrk="0" hangingPunct="1">
+                            <a:lnSpc>
+                              <a:spcPct val="100000"/>
+                            </a:lnSpc>
+                            <a:spcBef>
+                              <a:spcPts val="0"/>
+                            </a:spcBef>
+                            <a:spcAft>
+                              <a:spcPts val="0"/>
+                            </a:spcAft>
+                            <a:buClrTx/>
+                            <a:buSzTx/>
+                            <a:buFontTx/>
+                            <a:buNone/>
+                            <a:tabLst/>
+                            <a:defRPr/>
+                          </a:pPr>
+                          <a14:m>
+                            <m:oMathPara xmlns:m="http://schemas.openxmlformats.org/officeDocument/2006/math">
+                              <m:oMathParaPr>
+                                <m:jc m:val="centerGroup"/>
+                              </m:oMathParaPr>
+                              <m:oMath xmlns:m="http://schemas.openxmlformats.org/officeDocument/2006/math">
+                                <m:sSub>
+                                  <m:sSubPr>
+                                    <m:ctrlPr>
+                                      <a:rPr lang="en-CA" b="1" i="1" smtClean="0">
+                                        <a:latin typeface="Cambria Math"/>
+                                        <a:ea typeface="Cambria Math"/>
+                                      </a:rPr>
+                                    </m:ctrlPr>
+                                  </m:sSubPr>
+                                  <m:e>
+                                    <m:r>
+                                      <a:rPr lang="en-CA" b="1" i="1" smtClean="0">
+                                        <a:latin typeface="Cambria Math"/>
+                                        <a:ea typeface="Cambria Math"/>
+                                      </a:rPr>
+                                      <m:t>𝒇</m:t>
+                                    </m:r>
+                                    <m:r>
+                                      <a:rPr lang="en-CA" b="1" i="1" smtClean="0">
+                                        <a:latin typeface="Cambria Math"/>
+                                        <a:ea typeface="Cambria Math"/>
+                                      </a:rPr>
+                                      <m:t>′</m:t>
+                                    </m:r>
+                                  </m:e>
+                                  <m:sub>
+                                    <m:r>
+                                      <a:rPr lang="en-CA" b="1" i="1" smtClean="0">
+                                        <a:latin typeface="Cambria Math"/>
+                                        <a:ea typeface="Cambria Math"/>
+                                      </a:rPr>
+                                      <m:t>𝟏</m:t>
+                                    </m:r>
+                                  </m:sub>
+                                </m:sSub>
+                                <m:d>
+                                  <m:dPr>
+                                    <m:ctrlPr>
+                                      <a:rPr lang="en-CA" b="1" i="1" smtClean="0">
+                                        <a:latin typeface="Cambria Math"/>
+                                        <a:ea typeface="Cambria Math"/>
+                                      </a:rPr>
+                                    </m:ctrlPr>
+                                  </m:dPr>
+                                  <m:e>
+                                    <m:r>
+                                      <a:rPr lang="en-CA" b="1" i="1" smtClean="0">
+                                        <a:latin typeface="Cambria Math"/>
+                                        <a:ea typeface="Cambria Math"/>
+                                      </a:rPr>
+                                      <m:t>𝒙</m:t>
+                                    </m:r>
+                                  </m:e>
+                                </m:d>
+                              </m:oMath>
+                            </m:oMathPara>
+                          </a14:m>
+                          <a:endParaRPr lang="en-US" b="1" dirty="0"/>
+                        </a:p>
+                      </a:txBody>
+                      <a:tcPr>
+                        <a:solidFill>
+                          <a:srgbClr val="FFC000"/>
+                        </a:solidFill>
+                      </a:tcPr>
+                    </a:tc>
+                    <a:tc>
+                      <a:txBody>
+                        <a:bodyPr/>
+                        <a:lstStyle/>
+                        <a:p>
+                          <a:pPr marL="0" marR="0" indent="0" algn="l" defTabSz="914400" rtl="0" eaLnBrk="1" fontAlgn="auto" latinLnBrk="0" hangingPunct="1">
+                            <a:lnSpc>
+                              <a:spcPct val="100000"/>
+                            </a:lnSpc>
+                            <a:spcBef>
+                              <a:spcPts val="0"/>
+                            </a:spcBef>
+                            <a:spcAft>
+                              <a:spcPts val="0"/>
+                            </a:spcAft>
+                            <a:buClrTx/>
+                            <a:buSzTx/>
+                            <a:buFontTx/>
+                            <a:buNone/>
+                            <a:tabLst/>
+                            <a:defRPr/>
+                          </a:pPr>
+                          <a14:m>
+                            <m:oMathPara xmlns:m="http://schemas.openxmlformats.org/officeDocument/2006/math">
+                              <m:oMathParaPr>
+                                <m:jc m:val="centerGroup"/>
+                              </m:oMathParaPr>
+                              <m:oMath xmlns:m="http://schemas.openxmlformats.org/officeDocument/2006/math">
+                                <m:sSub>
+                                  <m:sSubPr>
+                                    <m:ctrlPr>
+                                      <a:rPr lang="en-CA" b="1" i="1" smtClean="0">
+                                        <a:latin typeface="Cambria Math"/>
+                                        <a:ea typeface="Cambria Math"/>
+                                      </a:rPr>
+                                    </m:ctrlPr>
+                                  </m:sSubPr>
+                                  <m:e>
+                                    <m:r>
+                                      <a:rPr lang="en-CA" b="1" i="1" smtClean="0">
+                                        <a:latin typeface="Cambria Math"/>
+                                        <a:ea typeface="Cambria Math"/>
+                                      </a:rPr>
+                                      <m:t>𝒇</m:t>
+                                    </m:r>
+                                    <m:r>
+                                      <a:rPr lang="en-CA" b="1" i="1" smtClean="0">
+                                        <a:latin typeface="Cambria Math"/>
+                                        <a:ea typeface="Cambria Math"/>
+                                      </a:rPr>
+                                      <m:t>′</m:t>
+                                    </m:r>
+                                  </m:e>
+                                  <m:sub>
+                                    <m:r>
+                                      <a:rPr lang="en-CA" b="1" i="1" smtClean="0">
+                                        <a:latin typeface="Cambria Math"/>
+                                        <a:ea typeface="Cambria Math"/>
+                                      </a:rPr>
+                                      <m:t>𝟐</m:t>
+                                    </m:r>
+                                  </m:sub>
+                                </m:sSub>
+                                <m:d>
+                                  <m:dPr>
+                                    <m:ctrlPr>
+                                      <a:rPr lang="en-CA" b="1" i="1" smtClean="0">
+                                        <a:latin typeface="Cambria Math"/>
+                                        <a:ea typeface="Cambria Math"/>
+                                      </a:rPr>
+                                    </m:ctrlPr>
+                                  </m:dPr>
+                                  <m:e>
+                                    <m:r>
+                                      <a:rPr lang="en-CA" b="1" i="1" smtClean="0">
+                                        <a:latin typeface="Cambria Math"/>
+                                        <a:ea typeface="Cambria Math"/>
+                                      </a:rPr>
+                                      <m:t>𝒙</m:t>
+                                    </m:r>
+                                  </m:e>
+                                </m:d>
+                              </m:oMath>
+                            </m:oMathPara>
+                          </a14:m>
+                          <a:endParaRPr lang="en-US" b="1" dirty="0"/>
+                        </a:p>
+                      </a:txBody>
+                      <a:tcPr>
+                        <a:solidFill>
+                          <a:srgbClr val="FFC000"/>
+                        </a:solidFill>
+                      </a:tcPr>
+                    </a:tc>
+                    <a:tc>
+                      <a:txBody>
+                        <a:bodyPr/>
+                        <a:lstStyle/>
+                        <a:p>
+                          <a:pPr marL="0" marR="0" indent="0" algn="l" defTabSz="914400" rtl="0" eaLnBrk="1" fontAlgn="auto" latinLnBrk="0" hangingPunct="1">
+                            <a:lnSpc>
+                              <a:spcPct val="100000"/>
+                            </a:lnSpc>
+                            <a:spcBef>
+                              <a:spcPts val="0"/>
+                            </a:spcBef>
+                            <a:spcAft>
+                              <a:spcPts val="0"/>
+                            </a:spcAft>
+                            <a:buClrTx/>
+                            <a:buSzTx/>
+                            <a:buFontTx/>
+                            <a:buNone/>
+                            <a:tabLst/>
+                            <a:defRPr/>
+                          </a:pPr>
+                          <a14:m>
+                            <m:oMathPara xmlns:m="http://schemas.openxmlformats.org/officeDocument/2006/math">
+                              <m:oMathParaPr>
+                                <m:jc m:val="centerGroup"/>
+                              </m:oMathParaPr>
+                              <m:oMath xmlns:m="http://schemas.openxmlformats.org/officeDocument/2006/math">
+                                <m:sSub>
+                                  <m:sSubPr>
+                                    <m:ctrlPr>
+                                      <a:rPr lang="en-CA" b="1" i="1" smtClean="0">
+                                        <a:latin typeface="Cambria Math"/>
+                                        <a:ea typeface="Cambria Math"/>
+                                      </a:rPr>
+                                    </m:ctrlPr>
+                                  </m:sSubPr>
+                                  <m:e>
+                                    <m:r>
+                                      <a:rPr lang="en-CA" b="1" i="1" smtClean="0">
+                                        <a:latin typeface="Cambria Math"/>
+                                        <a:ea typeface="Cambria Math"/>
+                                      </a:rPr>
+                                      <m:t>𝒇</m:t>
+                                    </m:r>
+                                    <m:r>
+                                      <a:rPr lang="en-CA" b="1" i="1" smtClean="0">
+                                        <a:latin typeface="Cambria Math"/>
+                                        <a:ea typeface="Cambria Math"/>
+                                      </a:rPr>
+                                      <m:t>′</m:t>
+                                    </m:r>
+                                  </m:e>
+                                  <m:sub>
+                                    <m:r>
+                                      <a:rPr lang="en-CA" b="1" i="1" smtClean="0">
+                                        <a:latin typeface="Cambria Math"/>
+                                        <a:ea typeface="Cambria Math"/>
+                                      </a:rPr>
+                                      <m:t>𝟑</m:t>
+                                    </m:r>
+                                  </m:sub>
+                                </m:sSub>
+                                <m:d>
+                                  <m:dPr>
+                                    <m:ctrlPr>
+                                      <a:rPr lang="en-CA" b="1" i="1" smtClean="0">
+                                        <a:latin typeface="Cambria Math"/>
+                                        <a:ea typeface="Cambria Math"/>
+                                      </a:rPr>
+                                    </m:ctrlPr>
+                                  </m:dPr>
+                                  <m:e>
+                                    <m:r>
+                                      <a:rPr lang="en-CA" b="1" i="1" smtClean="0">
+                                        <a:latin typeface="Cambria Math"/>
+                                        <a:ea typeface="Cambria Math"/>
+                                      </a:rPr>
+                                      <m:t>𝒙</m:t>
+                                    </m:r>
+                                  </m:e>
+                                </m:d>
+                              </m:oMath>
+                            </m:oMathPara>
+                          </a14:m>
+                          <a:endParaRPr lang="en-US" b="1" dirty="0"/>
+                        </a:p>
+                      </a:txBody>
+                      <a:tcPr>
+                        <a:solidFill>
+                          <a:srgbClr val="FFC000"/>
+                        </a:solidFill>
+                      </a:tcPr>
+                    </a:tc>
+                  </a:tr>
+                </a:tbl>
+              </a:graphicData>
+            </a:graphic>
+          </p:graphicFrame>
+        </mc:Choice>
+        <mc:Fallback xmlns="">
+          <p:graphicFrame>
+            <p:nvGraphicFramePr>
+              <p:cNvPr id="41" name="Table 40"/>
+              <p:cNvGraphicFramePr>
+                <a:graphicFrameLocks noGrp="1"/>
+              </p:cNvGraphicFramePr>
+              <p:nvPr>
+                <p:extLst>
+                  <p:ext uri="{D42A27DB-BD31-4B8C-83A1-F6EECF244321}">
+                    <p14:modId xmlns:p14="http://schemas.microsoft.com/office/powerpoint/2010/main" val="3346510148"/>
+                  </p:ext>
+                </p:extLst>
+              </p:nvPr>
+            </p:nvGraphicFramePr>
+            <p:xfrm>
+              <a:off x="2892423" y="4915331"/>
+              <a:ext cx="3276604" cy="370840"/>
+            </p:xfrm>
+            <a:graphic>
+              <a:graphicData uri="http://schemas.openxmlformats.org/drawingml/2006/table">
+                <a:tbl>
+                  <a:tblPr firstRow="1" bandRow="1">
+                    <a:tableStyleId>{5940675A-B579-460E-94D1-54222C63F5DA}</a:tableStyleId>
+                  </a:tblPr>
+                  <a:tblGrid>
+                    <a:gridCol w="819151"/>
+                    <a:gridCol w="819151"/>
+                    <a:gridCol w="819151"/>
+                    <a:gridCol w="819151"/>
+                  </a:tblGrid>
+                  <a:tr h="370840">
+                    <a:tc>
+                      <a:txBody>
+                        <a:bodyPr/>
+                        <a:lstStyle/>
+                        <a:p>
+                          <a:endParaRPr lang="en-US"/>
+                        </a:p>
+                      </a:txBody>
+                      <a:tcPr>
+                        <a:blipFill rotWithShape="1">
+                          <a:blip r:embed="rId13"/>
+                          <a:stretch>
+                            <a:fillRect r="-298519" b="-13115"/>
+                          </a:stretch>
+                        </a:blipFill>
+                      </a:tcPr>
+                    </a:tc>
+                    <a:tc>
+                      <a:txBody>
+                        <a:bodyPr/>
+                        <a:lstStyle/>
+                        <a:p>
+                          <a:endParaRPr lang="en-US"/>
+                        </a:p>
+                      </a:txBody>
+                      <a:tcPr>
+                        <a:blipFill rotWithShape="1">
+                          <a:blip r:embed="rId13"/>
+                          <a:stretch>
+                            <a:fillRect l="-100746" r="-200746" b="-13115"/>
+                          </a:stretch>
+                        </a:blipFill>
+                      </a:tcPr>
+                    </a:tc>
+                    <a:tc>
+                      <a:txBody>
+                        <a:bodyPr/>
+                        <a:lstStyle/>
+                        <a:p>
+                          <a:endParaRPr lang="en-US"/>
+                        </a:p>
+                      </a:txBody>
+                      <a:tcPr>
+                        <a:blipFill rotWithShape="1">
+                          <a:blip r:embed="rId13"/>
+                          <a:stretch>
+                            <a:fillRect l="-199259" r="-99259" b="-13115"/>
+                          </a:stretch>
+                        </a:blipFill>
+                      </a:tcPr>
+                    </a:tc>
+                    <a:tc>
+                      <a:txBody>
+                        <a:bodyPr/>
+                        <a:lstStyle/>
+                        <a:p>
+                          <a:endParaRPr lang="en-US"/>
+                        </a:p>
+                      </a:txBody>
+                      <a:tcPr>
+                        <a:blipFill rotWithShape="1">
+                          <a:blip r:embed="rId13"/>
+                          <a:stretch>
+                            <a:fillRect l="-301493" b="-13115"/>
+                          </a:stretch>
+                        </a:blipFill>
+                      </a:tcPr>
+                    </a:tc>
+                  </a:tr>
+                </a:tbl>
+              </a:graphicData>
+            </a:graphic>
+          </p:graphicFrame>
+        </mc:Fallback>
+      </mc:AlternateContent>
+      <p:sp>
+        <p:nvSpPr>
+          <p:cNvPr id="38" name="Right Arrow 37"/>
           <p:cNvSpPr/>
           <p:nvPr/>
         </p:nvSpPr>
         <p:spPr>
           <a:xfrm>
-            <a:off x="1066800" y="3124200"/>
-            <a:ext cx="152400" cy="152400"/>
-          </a:xfrm>
-          <a:prstGeom prst="ellipse">
+            <a:off x="1676400" y="2331413"/>
+            <a:ext cx="533400" cy="335587"/>
+          </a:xfrm>
+          <a:prstGeom prst="rightArrow">
             <a:avLst/>
           </a:prstGeom>
           <a:solidFill>
@@ -4488,338 +6518,18 @@
           </a:p>
         </p:txBody>
       </p:sp>
-      <p:sp>
-        <p:nvSpPr>
-          <p:cNvPr id="8" name="Oval 7"/>
-          <p:cNvSpPr/>
-          <p:nvPr/>
-        </p:nvSpPr>
-        <p:spPr>
-          <a:xfrm>
-            <a:off x="1295400" y="3124200"/>
-            <a:ext cx="152400" cy="152400"/>
-          </a:xfrm>
-          <a:prstGeom prst="ellipse">
-            <a:avLst/>
-          </a:prstGeom>
-          <a:solidFill>
-            <a:srgbClr val="00B050"/>
-          </a:solidFill>
-          <a:ln>
-            <a:noFill/>
-          </a:ln>
-        </p:spPr>
-        <p:style>
-          <a:lnRef idx="2">
-            <a:schemeClr val="accent1">
-              <a:shade val="50000"/>
-            </a:schemeClr>
-          </a:lnRef>
-          <a:fillRef idx="1">
-            <a:schemeClr val="accent1"/>
-          </a:fillRef>
-          <a:effectRef idx="0">
-            <a:schemeClr val="accent1"/>
-          </a:effectRef>
-          <a:fontRef idx="minor">
-            <a:schemeClr val="lt1"/>
-          </a:fontRef>
-        </p:style>
-        <p:txBody>
-          <a:bodyPr rtlCol="0" anchor="ctr"/>
-          <a:lstStyle/>
-          <a:p>
-            <a:pPr algn="ctr"/>
-            <a:endParaRPr lang="en-CA"/>
-          </a:p>
-        </p:txBody>
-      </p:sp>
-      <p:sp>
-        <p:nvSpPr>
-          <p:cNvPr id="9" name="Oval 8"/>
-          <p:cNvSpPr/>
-          <p:nvPr/>
-        </p:nvSpPr>
-        <p:spPr>
-          <a:xfrm>
-            <a:off x="1752600" y="3124200"/>
-            <a:ext cx="152400" cy="152400"/>
-          </a:xfrm>
-          <a:prstGeom prst="ellipse">
-            <a:avLst/>
-          </a:prstGeom>
-          <a:solidFill>
-            <a:srgbClr val="00B050"/>
-          </a:solidFill>
-          <a:ln>
-            <a:noFill/>
-          </a:ln>
-        </p:spPr>
-        <p:style>
-          <a:lnRef idx="2">
-            <a:schemeClr val="accent1">
-              <a:shade val="50000"/>
-            </a:schemeClr>
-          </a:lnRef>
-          <a:fillRef idx="1">
-            <a:schemeClr val="accent1"/>
-          </a:fillRef>
-          <a:effectRef idx="0">
-            <a:schemeClr val="accent1"/>
-          </a:effectRef>
-          <a:fontRef idx="minor">
-            <a:schemeClr val="lt1"/>
-          </a:fontRef>
-        </p:style>
-        <p:txBody>
-          <a:bodyPr rtlCol="0" anchor="ctr"/>
-          <a:lstStyle/>
-          <a:p>
-            <a:pPr algn="ctr"/>
-            <a:endParaRPr lang="en-CA"/>
-          </a:p>
-        </p:txBody>
-      </p:sp>
-      <p:sp>
-        <p:nvSpPr>
-          <p:cNvPr id="10" name="Oval 9"/>
-          <p:cNvSpPr/>
-          <p:nvPr/>
-        </p:nvSpPr>
-        <p:spPr>
-          <a:xfrm>
-            <a:off x="1524000" y="3124200"/>
-            <a:ext cx="152400" cy="152400"/>
-          </a:xfrm>
-          <a:prstGeom prst="ellipse">
-            <a:avLst/>
-          </a:prstGeom>
-          <a:solidFill>
-            <a:srgbClr val="00B050"/>
-          </a:solidFill>
-          <a:ln>
-            <a:noFill/>
-          </a:ln>
-        </p:spPr>
-        <p:style>
-          <a:lnRef idx="2">
-            <a:schemeClr val="accent1">
-              <a:shade val="50000"/>
-            </a:schemeClr>
-          </a:lnRef>
-          <a:fillRef idx="1">
-            <a:schemeClr val="accent1"/>
-          </a:fillRef>
-          <a:effectRef idx="0">
-            <a:schemeClr val="accent1"/>
-          </a:effectRef>
-          <a:fontRef idx="minor">
-            <a:schemeClr val="lt1"/>
-          </a:fontRef>
-        </p:style>
-        <p:txBody>
-          <a:bodyPr rtlCol="0" anchor="ctr"/>
-          <a:lstStyle/>
-          <a:p>
-            <a:pPr algn="ctr"/>
-            <a:endParaRPr lang="en-CA"/>
-          </a:p>
-        </p:txBody>
-      </p:sp>
-      <p:sp>
-        <p:nvSpPr>
-          <p:cNvPr id="11" name="Oval 10"/>
-          <p:cNvSpPr/>
-          <p:nvPr/>
-        </p:nvSpPr>
-        <p:spPr>
-          <a:xfrm>
-            <a:off x="1981200" y="3124200"/>
-            <a:ext cx="152400" cy="152400"/>
-          </a:xfrm>
-          <a:prstGeom prst="ellipse">
-            <a:avLst/>
-          </a:prstGeom>
-          <a:solidFill>
-            <a:srgbClr val="00B050"/>
-          </a:solidFill>
-          <a:ln>
-            <a:noFill/>
-          </a:ln>
-        </p:spPr>
-        <p:style>
-          <a:lnRef idx="2">
-            <a:schemeClr val="accent1">
-              <a:shade val="50000"/>
-            </a:schemeClr>
-          </a:lnRef>
-          <a:fillRef idx="1">
-            <a:schemeClr val="accent1"/>
-          </a:fillRef>
-          <a:effectRef idx="0">
-            <a:schemeClr val="accent1"/>
-          </a:effectRef>
-          <a:fontRef idx="minor">
-            <a:schemeClr val="lt1"/>
-          </a:fontRef>
-        </p:style>
-        <p:txBody>
-          <a:bodyPr rtlCol="0" anchor="ctr"/>
-          <a:lstStyle/>
-          <a:p>
-            <a:pPr algn="ctr"/>
-            <a:endParaRPr lang="en-CA"/>
-          </a:p>
-        </p:txBody>
-      </p:sp>
-      <p:sp>
-        <p:nvSpPr>
-          <p:cNvPr id="12" name="Oval 11"/>
-          <p:cNvSpPr/>
-          <p:nvPr/>
-        </p:nvSpPr>
-        <p:spPr>
-          <a:xfrm>
-            <a:off x="2286000" y="3124200"/>
-            <a:ext cx="152400" cy="152400"/>
-          </a:xfrm>
-          <a:prstGeom prst="ellipse">
-            <a:avLst/>
-          </a:prstGeom>
-          <a:solidFill>
-            <a:srgbClr val="FF0000"/>
-          </a:solidFill>
-          <a:ln>
-            <a:noFill/>
-          </a:ln>
-        </p:spPr>
-        <p:style>
-          <a:lnRef idx="2">
-            <a:schemeClr val="accent1">
-              <a:shade val="50000"/>
-            </a:schemeClr>
-          </a:lnRef>
-          <a:fillRef idx="1">
-            <a:schemeClr val="accent1"/>
-          </a:fillRef>
-          <a:effectRef idx="0">
-            <a:schemeClr val="accent1"/>
-          </a:effectRef>
-          <a:fontRef idx="minor">
-            <a:schemeClr val="lt1"/>
-          </a:fontRef>
-        </p:style>
-        <p:txBody>
-          <a:bodyPr rtlCol="0" anchor="ctr"/>
-          <a:lstStyle/>
-          <a:p>
-            <a:pPr algn="ctr"/>
-            <a:endParaRPr lang="en-CA"/>
-          </a:p>
-        </p:txBody>
-      </p:sp>
-      <p:sp>
-        <p:nvSpPr>
-          <p:cNvPr id="13" name="Oval 12"/>
-          <p:cNvSpPr/>
-          <p:nvPr/>
-        </p:nvSpPr>
-        <p:spPr>
-          <a:xfrm>
-            <a:off x="2743200" y="3124200"/>
-            <a:ext cx="152400" cy="152400"/>
-          </a:xfrm>
-          <a:prstGeom prst="ellipse">
-            <a:avLst/>
-          </a:prstGeom>
-          <a:solidFill>
-            <a:srgbClr val="FF0000"/>
-          </a:solidFill>
-          <a:ln>
-            <a:noFill/>
-          </a:ln>
-        </p:spPr>
-        <p:style>
-          <a:lnRef idx="2">
-            <a:schemeClr val="accent1">
-              <a:shade val="50000"/>
-            </a:schemeClr>
-          </a:lnRef>
-          <a:fillRef idx="1">
-            <a:schemeClr val="accent1"/>
-          </a:fillRef>
-          <a:effectRef idx="0">
-            <a:schemeClr val="accent1"/>
-          </a:effectRef>
-          <a:fontRef idx="minor">
-            <a:schemeClr val="lt1"/>
-          </a:fontRef>
-        </p:style>
-        <p:txBody>
-          <a:bodyPr rtlCol="0" anchor="ctr"/>
-          <a:lstStyle/>
-          <a:p>
-            <a:pPr algn="ctr"/>
-            <a:endParaRPr lang="en-CA"/>
-          </a:p>
-        </p:txBody>
-      </p:sp>
-      <p:sp>
-        <p:nvSpPr>
-          <p:cNvPr id="14" name="Oval 13"/>
-          <p:cNvSpPr/>
-          <p:nvPr/>
-        </p:nvSpPr>
-        <p:spPr>
-          <a:xfrm>
-            <a:off x="2514600" y="3124200"/>
-            <a:ext cx="152400" cy="152400"/>
-          </a:xfrm>
-          <a:prstGeom prst="ellipse">
-            <a:avLst/>
-          </a:prstGeom>
-          <a:solidFill>
-            <a:srgbClr val="FF0000"/>
-          </a:solidFill>
-          <a:ln>
-            <a:noFill/>
-          </a:ln>
-        </p:spPr>
-        <p:style>
-          <a:lnRef idx="2">
-            <a:schemeClr val="accent1">
-              <a:shade val="50000"/>
-            </a:schemeClr>
-          </a:lnRef>
-          <a:fillRef idx="1">
-            <a:schemeClr val="accent1"/>
-          </a:fillRef>
-          <a:effectRef idx="0">
-            <a:schemeClr val="accent1"/>
-          </a:effectRef>
-          <a:fontRef idx="minor">
-            <a:schemeClr val="lt1"/>
-          </a:fontRef>
-        </p:style>
-        <p:txBody>
-          <a:bodyPr rtlCol="0" anchor="ctr"/>
-          <a:lstStyle/>
-          <a:p>
-            <a:pPr algn="ctr"/>
-            <a:endParaRPr lang="en-CA"/>
-          </a:p>
-        </p:txBody>
-      </p:sp>
       <p:cxnSp>
         <p:nvCxnSpPr>
-          <p:cNvPr id="17" name="Straight Arrow Connector 16"/>
-          <p:cNvCxnSpPr/>
+          <p:cNvPr id="47" name="Straight Arrow Connector 46"/>
+          <p:cNvCxnSpPr>
+            <a:stCxn id="22" idx="2"/>
+          </p:cNvCxnSpPr>
           <p:nvPr/>
         </p:nvCxnSpPr>
         <p:spPr>
           <a:xfrm>
-            <a:off x="4724400" y="2791631"/>
-            <a:ext cx="2209800" cy="0"/>
+            <a:off x="1023047" y="2971800"/>
+            <a:ext cx="2201902" cy="1905000"/>
           </a:xfrm>
           <a:prstGeom prst="straightConnector1">
             <a:avLst/>
@@ -4830,414 +6540,13 @@
         </p:spPr>
         <p:style>
           <a:lnRef idx="3">
-            <a:schemeClr val="dk1"/>
+            <a:schemeClr val="accent1"/>
           </a:lnRef>
           <a:fillRef idx="0">
-            <a:schemeClr val="dk1"/>
+            <a:schemeClr val="accent1"/>
           </a:fillRef>
           <a:effectRef idx="2">
-            <a:schemeClr val="dk1"/>
-          </a:effectRef>
-          <a:fontRef idx="minor">
-            <a:schemeClr val="tx1"/>
-          </a:fontRef>
-        </p:style>
-      </p:cxnSp>
-      <p:sp>
-        <p:nvSpPr>
-          <p:cNvPr id="18" name="Oval 17"/>
-          <p:cNvSpPr/>
-          <p:nvPr/>
-        </p:nvSpPr>
-        <p:spPr>
-          <a:xfrm>
-            <a:off x="4876800" y="2173394"/>
-            <a:ext cx="152400" cy="206079"/>
-          </a:xfrm>
-          <a:prstGeom prst="ellipse">
-            <a:avLst/>
-          </a:prstGeom>
-          <a:solidFill>
-            <a:srgbClr val="FF0000"/>
-          </a:solidFill>
-          <a:ln>
-            <a:noFill/>
-          </a:ln>
-        </p:spPr>
-        <p:style>
-          <a:lnRef idx="2">
-            <a:schemeClr val="accent1">
-              <a:shade val="50000"/>
-            </a:schemeClr>
-          </a:lnRef>
-          <a:fillRef idx="1">
-            <a:schemeClr val="accent1"/>
-          </a:fillRef>
-          <a:effectRef idx="0">
-            <a:schemeClr val="accent1"/>
-          </a:effectRef>
-          <a:fontRef idx="minor">
-            <a:schemeClr val="lt1"/>
-          </a:fontRef>
-        </p:style>
-        <p:txBody>
-          <a:bodyPr rtlCol="0" anchor="ctr"/>
-          <a:lstStyle/>
-          <a:p>
-            <a:pPr algn="ctr"/>
-            <a:endParaRPr lang="en-CA"/>
-          </a:p>
-        </p:txBody>
-      </p:sp>
-      <p:sp>
-        <p:nvSpPr>
-          <p:cNvPr id="19" name="Oval 18"/>
-          <p:cNvSpPr/>
-          <p:nvPr/>
-        </p:nvSpPr>
-        <p:spPr>
-          <a:xfrm>
-            <a:off x="5030680" y="1452118"/>
-            <a:ext cx="152400" cy="206079"/>
-          </a:xfrm>
-          <a:prstGeom prst="ellipse">
-            <a:avLst/>
-          </a:prstGeom>
-          <a:solidFill>
-            <a:srgbClr val="00B050"/>
-          </a:solidFill>
-          <a:ln>
-            <a:noFill/>
-          </a:ln>
-        </p:spPr>
-        <p:style>
-          <a:lnRef idx="2">
-            <a:schemeClr val="accent1">
-              <a:shade val="50000"/>
-            </a:schemeClr>
-          </a:lnRef>
-          <a:fillRef idx="1">
-            <a:schemeClr val="accent1"/>
-          </a:fillRef>
-          <a:effectRef idx="0">
-            <a:schemeClr val="accent1"/>
-          </a:effectRef>
-          <a:fontRef idx="minor">
-            <a:schemeClr val="lt1"/>
-          </a:fontRef>
-        </p:style>
-        <p:txBody>
-          <a:bodyPr rtlCol="0" anchor="ctr"/>
-          <a:lstStyle/>
-          <a:p>
-            <a:pPr algn="ctr"/>
-            <a:endParaRPr lang="en-CA"/>
-          </a:p>
-        </p:txBody>
-      </p:sp>
-      <p:sp>
-        <p:nvSpPr>
-          <p:cNvPr id="20" name="Oval 19"/>
-          <p:cNvSpPr/>
-          <p:nvPr/>
-        </p:nvSpPr>
-        <p:spPr>
-          <a:xfrm>
-            <a:off x="5486400" y="1761237"/>
-            <a:ext cx="152400" cy="206079"/>
-          </a:xfrm>
-          <a:prstGeom prst="ellipse">
-            <a:avLst/>
-          </a:prstGeom>
-          <a:solidFill>
-            <a:srgbClr val="00B050"/>
-          </a:solidFill>
-          <a:ln>
-            <a:noFill/>
-          </a:ln>
-        </p:spPr>
-        <p:style>
-          <a:lnRef idx="2">
-            <a:schemeClr val="accent1">
-              <a:shade val="50000"/>
-            </a:schemeClr>
-          </a:lnRef>
-          <a:fillRef idx="1">
-            <a:schemeClr val="accent1"/>
-          </a:fillRef>
-          <a:effectRef idx="0">
-            <a:schemeClr val="accent1"/>
-          </a:effectRef>
-          <a:fontRef idx="minor">
-            <a:schemeClr val="lt1"/>
-          </a:fontRef>
-        </p:style>
-        <p:txBody>
-          <a:bodyPr rtlCol="0" anchor="ctr"/>
-          <a:lstStyle/>
-          <a:p>
-            <a:pPr algn="ctr"/>
-            <a:endParaRPr lang="en-CA"/>
-          </a:p>
-        </p:txBody>
-      </p:sp>
-      <p:sp>
-        <p:nvSpPr>
-          <p:cNvPr id="21" name="Oval 20"/>
-          <p:cNvSpPr/>
-          <p:nvPr/>
-        </p:nvSpPr>
-        <p:spPr>
-          <a:xfrm>
-            <a:off x="5257800" y="1676400"/>
-            <a:ext cx="152400" cy="206079"/>
-          </a:xfrm>
-          <a:prstGeom prst="ellipse">
-            <a:avLst/>
-          </a:prstGeom>
-          <a:solidFill>
-            <a:srgbClr val="00B050"/>
-          </a:solidFill>
-          <a:ln>
-            <a:noFill/>
-          </a:ln>
-        </p:spPr>
-        <p:style>
-          <a:lnRef idx="2">
-            <a:schemeClr val="accent1">
-              <a:shade val="50000"/>
-            </a:schemeClr>
-          </a:lnRef>
-          <a:fillRef idx="1">
-            <a:schemeClr val="accent1"/>
-          </a:fillRef>
-          <a:effectRef idx="0">
-            <a:schemeClr val="accent1"/>
-          </a:effectRef>
-          <a:fontRef idx="minor">
-            <a:schemeClr val="lt1"/>
-          </a:fontRef>
-        </p:style>
-        <p:txBody>
-          <a:bodyPr rtlCol="0" anchor="ctr"/>
-          <a:lstStyle/>
-          <a:p>
-            <a:pPr algn="ctr"/>
-            <a:endParaRPr lang="en-CA"/>
-          </a:p>
-        </p:txBody>
-      </p:sp>
-      <p:sp>
-        <p:nvSpPr>
-          <p:cNvPr id="22" name="Oval 21"/>
-          <p:cNvSpPr/>
-          <p:nvPr/>
-        </p:nvSpPr>
-        <p:spPr>
-          <a:xfrm>
-            <a:off x="5715000" y="1349079"/>
-            <a:ext cx="152400" cy="206079"/>
-          </a:xfrm>
-          <a:prstGeom prst="ellipse">
-            <a:avLst/>
-          </a:prstGeom>
-          <a:solidFill>
-            <a:srgbClr val="00B050"/>
-          </a:solidFill>
-          <a:ln>
-            <a:noFill/>
-          </a:ln>
-        </p:spPr>
-        <p:style>
-          <a:lnRef idx="2">
-            <a:schemeClr val="accent1">
-              <a:shade val="50000"/>
-            </a:schemeClr>
-          </a:lnRef>
-          <a:fillRef idx="1">
-            <a:schemeClr val="accent1"/>
-          </a:fillRef>
-          <a:effectRef idx="0">
-            <a:schemeClr val="accent1"/>
-          </a:effectRef>
-          <a:fontRef idx="minor">
-            <a:schemeClr val="lt1"/>
-          </a:fontRef>
-        </p:style>
-        <p:txBody>
-          <a:bodyPr rtlCol="0" anchor="ctr"/>
-          <a:lstStyle/>
-          <a:p>
-            <a:pPr algn="ctr"/>
-            <a:endParaRPr lang="en-CA"/>
-          </a:p>
-        </p:txBody>
-      </p:sp>
-      <p:sp>
-        <p:nvSpPr>
-          <p:cNvPr id="23" name="Oval 22"/>
-          <p:cNvSpPr/>
-          <p:nvPr/>
-        </p:nvSpPr>
-        <p:spPr>
-          <a:xfrm>
-            <a:off x="5943600" y="2379473"/>
-            <a:ext cx="152400" cy="206079"/>
-          </a:xfrm>
-          <a:prstGeom prst="ellipse">
-            <a:avLst/>
-          </a:prstGeom>
-          <a:solidFill>
-            <a:srgbClr val="FF0000"/>
-          </a:solidFill>
-          <a:ln>
-            <a:noFill/>
-          </a:ln>
-        </p:spPr>
-        <p:style>
-          <a:lnRef idx="2">
-            <a:schemeClr val="accent1">
-              <a:shade val="50000"/>
-            </a:schemeClr>
-          </a:lnRef>
-          <a:fillRef idx="1">
-            <a:schemeClr val="accent1"/>
-          </a:fillRef>
-          <a:effectRef idx="0">
-            <a:schemeClr val="accent1"/>
-          </a:effectRef>
-          <a:fontRef idx="minor">
-            <a:schemeClr val="lt1"/>
-          </a:fontRef>
-        </p:style>
-        <p:txBody>
-          <a:bodyPr rtlCol="0" anchor="ctr"/>
-          <a:lstStyle/>
-          <a:p>
-            <a:pPr algn="ctr"/>
-            <a:endParaRPr lang="en-CA"/>
-          </a:p>
-        </p:txBody>
-      </p:sp>
-      <p:sp>
-        <p:nvSpPr>
-          <p:cNvPr id="24" name="Oval 23"/>
-          <p:cNvSpPr/>
-          <p:nvPr/>
-        </p:nvSpPr>
-        <p:spPr>
-          <a:xfrm>
-            <a:off x="6400800" y="2379473"/>
-            <a:ext cx="152400" cy="206079"/>
-          </a:xfrm>
-          <a:prstGeom prst="ellipse">
-            <a:avLst/>
-          </a:prstGeom>
-          <a:solidFill>
-            <a:srgbClr val="FF0000"/>
-          </a:solidFill>
-          <a:ln>
-            <a:noFill/>
-          </a:ln>
-        </p:spPr>
-        <p:style>
-          <a:lnRef idx="2">
-            <a:schemeClr val="accent1">
-              <a:shade val="50000"/>
-            </a:schemeClr>
-          </a:lnRef>
-          <a:fillRef idx="1">
-            <a:schemeClr val="accent1"/>
-          </a:fillRef>
-          <a:effectRef idx="0">
-            <a:schemeClr val="accent1"/>
-          </a:effectRef>
-          <a:fontRef idx="minor">
-            <a:schemeClr val="lt1"/>
-          </a:fontRef>
-        </p:style>
-        <p:txBody>
-          <a:bodyPr rtlCol="0" anchor="ctr"/>
-          <a:lstStyle/>
-          <a:p>
-            <a:pPr algn="ctr"/>
-            <a:endParaRPr lang="en-CA"/>
-          </a:p>
-        </p:txBody>
-      </p:sp>
-      <p:sp>
-        <p:nvSpPr>
-          <p:cNvPr id="25" name="Oval 24"/>
-          <p:cNvSpPr/>
-          <p:nvPr/>
-        </p:nvSpPr>
-        <p:spPr>
-          <a:xfrm>
-            <a:off x="6172200" y="2308521"/>
-            <a:ext cx="152400" cy="206079"/>
-          </a:xfrm>
-          <a:prstGeom prst="ellipse">
-            <a:avLst/>
-          </a:prstGeom>
-          <a:solidFill>
-            <a:srgbClr val="FF0000"/>
-          </a:solidFill>
-          <a:ln>
-            <a:noFill/>
-          </a:ln>
-        </p:spPr>
-        <p:style>
-          <a:lnRef idx="2">
-            <a:schemeClr val="accent1">
-              <a:shade val="50000"/>
-            </a:schemeClr>
-          </a:lnRef>
-          <a:fillRef idx="1">
-            <a:schemeClr val="accent1"/>
-          </a:fillRef>
-          <a:effectRef idx="0">
-            <a:schemeClr val="accent1"/>
-          </a:effectRef>
-          <a:fontRef idx="minor">
-            <a:schemeClr val="lt1"/>
-          </a:fontRef>
-        </p:style>
-        <p:txBody>
-          <a:bodyPr rtlCol="0" anchor="ctr"/>
-          <a:lstStyle/>
-          <a:p>
-            <a:pPr algn="ctr"/>
-            <a:endParaRPr lang="en-CA"/>
-          </a:p>
-        </p:txBody>
-      </p:sp>
-      <p:cxnSp>
-        <p:nvCxnSpPr>
-          <p:cNvPr id="27" name="Straight Arrow Connector 26"/>
-          <p:cNvCxnSpPr/>
-          <p:nvPr/>
-        </p:nvCxnSpPr>
-        <p:spPr>
-          <a:xfrm flipV="1">
-            <a:off x="4724400" y="1143000"/>
-            <a:ext cx="0" cy="1648631"/>
-          </a:xfrm>
-          <a:prstGeom prst="straightConnector1">
-            <a:avLst/>
-          </a:prstGeom>
-          <a:ln>
-            <a:tailEnd type="arrow"/>
-          </a:ln>
-        </p:spPr>
-        <p:style>
-          <a:lnRef idx="3">
-            <a:schemeClr val="dk1"/>
-          </a:lnRef>
-          <a:fillRef idx="0">
-            <a:schemeClr val="dk1"/>
-          </a:fillRef>
-          <a:effectRef idx="2">
-            <a:schemeClr val="dk1"/>
+            <a:schemeClr val="accent1"/>
           </a:effectRef>
           <a:fontRef idx="minor">
             <a:schemeClr val="tx1"/>
@@ -5246,18 +6555,23 @@
       </p:cxnSp>
       <p:cxnSp>
         <p:nvCxnSpPr>
-          <p:cNvPr id="29" name="Straight Connector 28"/>
-          <p:cNvCxnSpPr/>
+          <p:cNvPr id="51" name="Straight Arrow Connector 50"/>
+          <p:cNvCxnSpPr>
+            <a:stCxn id="34" idx="2"/>
+          </p:cNvCxnSpPr>
           <p:nvPr/>
         </p:nvCxnSpPr>
         <p:spPr>
-          <a:xfrm>
-            <a:off x="4953000" y="1967316"/>
-            <a:ext cx="1752600" cy="309118"/>
-          </a:xfrm>
-          <a:prstGeom prst="line">
+          <a:xfrm flipH="1">
+            <a:off x="4953000" y="2399927"/>
+            <a:ext cx="2743201" cy="2476873"/>
+          </a:xfrm>
+          <a:prstGeom prst="straightConnector1">
             <a:avLst/>
           </a:prstGeom>
+          <a:ln>
+            <a:tailEnd type="arrow"/>
+          </a:ln>
         </p:spPr>
         <p:style>
           <a:lnRef idx="3">
@@ -5274,746 +6588,530 @@
           </a:fontRef>
         </p:style>
       </p:cxnSp>
-      <p:sp>
-        <p:nvSpPr>
-          <p:cNvPr id="30" name="TextBox 29"/>
-          <p:cNvSpPr txBox="1"/>
+      <mc:AlternateContent xmlns:mc="http://schemas.openxmlformats.org/markup-compatibility/2006" xmlns:a14="http://schemas.microsoft.com/office/drawing/2010/main">
+        <mc:Choice Requires="a14">
+          <p:sp>
+            <p:nvSpPr>
+              <p:cNvPr id="56" name="Rectangle 55"/>
+              <p:cNvSpPr/>
+              <p:nvPr/>
+            </p:nvSpPr>
+            <p:spPr>
+              <a:xfrm>
+                <a:off x="914400" y="5373469"/>
+                <a:ext cx="1544397" cy="646331"/>
+              </a:xfrm>
+              <a:prstGeom prst="rect">
+                <a:avLst/>
+              </a:prstGeom>
+            </p:spPr>
+            <p:txBody>
+              <a:bodyPr wrap="none">
+                <a:spAutoFit/>
+              </a:bodyPr>
+              <a:lstStyle/>
+              <a:p>
+                <a:r>
+                  <a:rPr lang="en-CA" b="1" dirty="0" smtClean="0"/>
+                  <a:t>Arguemented </a:t>
+                </a:r>
+              </a:p>
+              <a:p>
+                <a:r>
+                  <a:rPr lang="en-CA" b="1" dirty="0" smtClean="0"/>
+                  <a:t>Hyperplane </a:t>
+                </a:r>
+                <a14:m>
+                  <m:oMath xmlns:m="http://schemas.openxmlformats.org/officeDocument/2006/math">
+                    <m:acc>
+                      <m:accPr>
+                        <m:chr m:val="̃"/>
+                        <m:ctrlPr>
+                          <a:rPr lang="en-CA" b="1" i="1" smtClean="0">
+                            <a:latin typeface="Cambria Math"/>
+                          </a:rPr>
+                        </m:ctrlPr>
+                      </m:accPr>
+                      <m:e>
+                        <m:r>
+                          <a:rPr lang="en-CA" b="1" i="1" smtClean="0">
+                            <a:latin typeface="Cambria Math"/>
+                          </a:rPr>
+                          <m:t>𝒘</m:t>
+                        </m:r>
+                      </m:e>
+                    </m:acc>
+                  </m:oMath>
+                </a14:m>
+                <a:endParaRPr lang="en-CA" b="1" dirty="0"/>
+              </a:p>
+            </p:txBody>
+          </p:sp>
+        </mc:Choice>
+        <mc:Fallback xmlns="">
+          <p:sp>
+            <p:nvSpPr>
+              <p:cNvPr id="56" name="Rectangle 55"/>
+              <p:cNvSpPr>
+                <a:spLocks noRot="1" noChangeAspect="1" noMove="1" noResize="1" noEditPoints="1" noAdjustHandles="1" noChangeArrowheads="1" noChangeShapeType="1" noTextEdit="1"/>
+              </p:cNvSpPr>
+              <p:nvPr/>
+            </p:nvSpPr>
+            <p:spPr>
+              <a:xfrm>
+                <a:off x="914400" y="5373469"/>
+                <a:ext cx="1544397" cy="646331"/>
+              </a:xfrm>
+              <a:prstGeom prst="rect">
+                <a:avLst/>
+              </a:prstGeom>
+              <a:blipFill rotWithShape="1">
+                <a:blip r:embed="rId14"/>
+                <a:stretch>
+                  <a:fillRect l="-3162" t="-4673" r="-20949" b="-13084"/>
+                </a:stretch>
+              </a:blipFill>
+            </p:spPr>
+            <p:txBody>
+              <a:bodyPr/>
+              <a:lstStyle/>
+              <a:p>
+                <a:r>
+                  <a:rPr lang="en-CA">
+                    <a:noFill/>
+                  </a:rPr>
+                  <a:t> </a:t>
+                </a:r>
+              </a:p>
+            </p:txBody>
+          </p:sp>
+        </mc:Fallback>
+      </mc:AlternateContent>
+      <mc:AlternateContent xmlns:mc="http://schemas.openxmlformats.org/markup-compatibility/2006" xmlns:a14="http://schemas.microsoft.com/office/drawing/2010/main">
+        <mc:Choice Requires="a14">
+          <p:graphicFrame>
+            <p:nvGraphicFramePr>
+              <p:cNvPr id="57" name="Table 56"/>
+              <p:cNvGraphicFramePr>
+                <a:graphicFrameLocks noGrp="1"/>
+              </p:cNvGraphicFramePr>
+              <p:nvPr>
+                <p:extLst>
+                  <p:ext uri="{D42A27DB-BD31-4B8C-83A1-F6EECF244321}">
+                    <p14:modId xmlns:p14="http://schemas.microsoft.com/office/powerpoint/2010/main" val="511383794"/>
+                  </p:ext>
+                </p:extLst>
+              </p:nvPr>
+            </p:nvGraphicFramePr>
+            <p:xfrm>
+              <a:off x="2892423" y="5524931"/>
+              <a:ext cx="3276604" cy="370840"/>
+            </p:xfrm>
+            <a:graphic>
+              <a:graphicData uri="http://schemas.openxmlformats.org/drawingml/2006/table">
+                <a:tbl>
+                  <a:tblPr firstRow="1" bandRow="1">
+                    <a:tableStyleId>{5940675A-B579-460E-94D1-54222C63F5DA}</a:tableStyleId>
+                  </a:tblPr>
+                  <a:tblGrid>
+                    <a:gridCol w="819151"/>
+                    <a:gridCol w="819151"/>
+                    <a:gridCol w="819151"/>
+                    <a:gridCol w="819151"/>
+                  </a:tblGrid>
+                  <a:tr h="370840">
+                    <a:tc>
+                      <a:txBody>
+                        <a:bodyPr/>
+                        <a:lstStyle/>
+                        <a:p>
+                          <a:pPr marL="0" marR="0" indent="0" algn="l" defTabSz="914400" rtl="0" eaLnBrk="1" fontAlgn="auto" latinLnBrk="0" hangingPunct="1">
+                            <a:lnSpc>
+                              <a:spcPct val="100000"/>
+                            </a:lnSpc>
+                            <a:spcBef>
+                              <a:spcPts val="0"/>
+                            </a:spcBef>
+                            <a:spcAft>
+                              <a:spcPts val="0"/>
+                            </a:spcAft>
+                            <a:buClrTx/>
+                            <a:buSzTx/>
+                            <a:buFontTx/>
+                            <a:buNone/>
+                            <a:tabLst/>
+                            <a:defRPr/>
+                          </a:pPr>
+                          <a14:m>
+                            <m:oMathPara xmlns:m="http://schemas.openxmlformats.org/officeDocument/2006/math">
+                              <m:oMathParaPr>
+                                <m:jc m:val="centerGroup"/>
+                              </m:oMathParaPr>
+                              <m:oMath xmlns:m="http://schemas.openxmlformats.org/officeDocument/2006/math">
+                                <m:r>
+                                  <a:rPr lang="en-CA" b="1" i="1" smtClean="0">
+                                    <a:latin typeface="Cambria Math"/>
+                                  </a:rPr>
+                                  <m:t>𝒘</m:t>
+                                </m:r>
+                              </m:oMath>
+                            </m:oMathPara>
+                          </a14:m>
+                          <a:endParaRPr lang="en-US" b="1" dirty="0"/>
+                        </a:p>
+                      </a:txBody>
+                      <a:tcPr/>
+                    </a:tc>
+                    <a:tc>
+                      <a:txBody>
+                        <a:bodyPr/>
+                        <a:lstStyle/>
+                        <a:p>
+                          <a:pPr marL="0" marR="0" indent="0" algn="l" defTabSz="914400" rtl="0" eaLnBrk="1" fontAlgn="auto" latinLnBrk="0" hangingPunct="1">
+                            <a:lnSpc>
+                              <a:spcPct val="100000"/>
+                            </a:lnSpc>
+                            <a:spcBef>
+                              <a:spcPts val="0"/>
+                            </a:spcBef>
+                            <a:spcAft>
+                              <a:spcPts val="0"/>
+                            </a:spcAft>
+                            <a:buClrTx/>
+                            <a:buSzTx/>
+                            <a:buFontTx/>
+                            <a:buNone/>
+                            <a:tabLst/>
+                            <a:defRPr/>
+                          </a:pPr>
+                          <a14:m>
+                            <m:oMathPara xmlns:m="http://schemas.openxmlformats.org/officeDocument/2006/math">
+                              <m:oMathParaPr>
+                                <m:jc m:val="centerGroup"/>
+                              </m:oMathParaPr>
+                              <m:oMath xmlns:m="http://schemas.openxmlformats.org/officeDocument/2006/math">
+                                <m:sSub>
+                                  <m:sSubPr>
+                                    <m:ctrlPr>
+                                      <a:rPr lang="en-CA" b="1" i="1" smtClean="0">
+                                        <a:latin typeface="Cambria Math"/>
+                                        <a:ea typeface="Cambria Math"/>
+                                      </a:rPr>
+                                    </m:ctrlPr>
+                                  </m:sSubPr>
+                                  <m:e>
+                                    <m:r>
+                                      <a:rPr lang="en-CA" b="1" i="1" smtClean="0">
+                                        <a:latin typeface="Cambria Math"/>
+                                        <a:ea typeface="Cambria Math"/>
+                                      </a:rPr>
+                                      <m:t>𝜸</m:t>
+                                    </m:r>
+                                  </m:e>
+                                  <m:sub>
+                                    <m:r>
+                                      <a:rPr lang="en-CA" b="1" i="1" smtClean="0">
+                                        <a:latin typeface="Cambria Math"/>
+                                        <a:ea typeface="Cambria Math"/>
+                                      </a:rPr>
+                                      <m:t>𝟏</m:t>
+                                    </m:r>
+                                  </m:sub>
+                                </m:sSub>
+                              </m:oMath>
+                            </m:oMathPara>
+                          </a14:m>
+                          <a:endParaRPr lang="en-US" b="1" dirty="0"/>
+                        </a:p>
+                      </a:txBody>
+                      <a:tcPr>
+                        <a:solidFill>
+                          <a:srgbClr val="FFC000"/>
+                        </a:solidFill>
+                      </a:tcPr>
+                    </a:tc>
+                    <a:tc>
+                      <a:txBody>
+                        <a:bodyPr/>
+                        <a:lstStyle/>
+                        <a:p>
+                          <a:pPr marL="0" marR="0" indent="0" algn="l" defTabSz="914400" rtl="0" eaLnBrk="1" fontAlgn="auto" latinLnBrk="0" hangingPunct="1">
+                            <a:lnSpc>
+                              <a:spcPct val="100000"/>
+                            </a:lnSpc>
+                            <a:spcBef>
+                              <a:spcPts val="0"/>
+                            </a:spcBef>
+                            <a:spcAft>
+                              <a:spcPts val="0"/>
+                            </a:spcAft>
+                            <a:buClrTx/>
+                            <a:buSzTx/>
+                            <a:buFontTx/>
+                            <a:buNone/>
+                            <a:tabLst/>
+                            <a:defRPr/>
+                          </a:pPr>
+                          <a14:m>
+                            <m:oMathPara xmlns:m="http://schemas.openxmlformats.org/officeDocument/2006/math">
+                              <m:oMathParaPr>
+                                <m:jc m:val="centerGroup"/>
+                              </m:oMathParaPr>
+                              <m:oMath xmlns:m="http://schemas.openxmlformats.org/officeDocument/2006/math">
+                                <m:sSub>
+                                  <m:sSubPr>
+                                    <m:ctrlPr>
+                                      <a:rPr lang="en-CA" b="1" i="1" smtClean="0">
+                                        <a:latin typeface="Cambria Math"/>
+                                        <a:ea typeface="Cambria Math"/>
+                                      </a:rPr>
+                                    </m:ctrlPr>
+                                  </m:sSubPr>
+                                  <m:e>
+                                    <m:r>
+                                      <a:rPr lang="en-CA" b="1" i="1" smtClean="0">
+                                        <a:latin typeface="Cambria Math"/>
+                                        <a:ea typeface="Cambria Math"/>
+                                      </a:rPr>
+                                      <m:t>𝜸</m:t>
+                                    </m:r>
+                                  </m:e>
+                                  <m:sub>
+                                    <m:r>
+                                      <a:rPr lang="en-CA" b="1" i="1" smtClean="0">
+                                        <a:latin typeface="Cambria Math"/>
+                                        <a:ea typeface="Cambria Math"/>
+                                      </a:rPr>
+                                      <m:t>𝟐</m:t>
+                                    </m:r>
+                                  </m:sub>
+                                </m:sSub>
+                              </m:oMath>
+                            </m:oMathPara>
+                          </a14:m>
+                          <a:endParaRPr lang="en-US" b="1" dirty="0"/>
+                        </a:p>
+                      </a:txBody>
+                      <a:tcPr>
+                        <a:solidFill>
+                          <a:srgbClr val="FFC000"/>
+                        </a:solidFill>
+                      </a:tcPr>
+                    </a:tc>
+                    <a:tc>
+                      <a:txBody>
+                        <a:bodyPr/>
+                        <a:lstStyle/>
+                        <a:p>
+                          <a:pPr marL="0" marR="0" indent="0" algn="l" defTabSz="914400" rtl="0" eaLnBrk="1" fontAlgn="auto" latinLnBrk="0" hangingPunct="1">
+                            <a:lnSpc>
+                              <a:spcPct val="100000"/>
+                            </a:lnSpc>
+                            <a:spcBef>
+                              <a:spcPts val="0"/>
+                            </a:spcBef>
+                            <a:spcAft>
+                              <a:spcPts val="0"/>
+                            </a:spcAft>
+                            <a:buClrTx/>
+                            <a:buSzTx/>
+                            <a:buFontTx/>
+                            <a:buNone/>
+                            <a:tabLst/>
+                            <a:defRPr/>
+                          </a:pPr>
+                          <a14:m>
+                            <m:oMathPara xmlns:m="http://schemas.openxmlformats.org/officeDocument/2006/math">
+                              <m:oMathParaPr>
+                                <m:jc m:val="centerGroup"/>
+                              </m:oMathParaPr>
+                              <m:oMath xmlns:m="http://schemas.openxmlformats.org/officeDocument/2006/math">
+                                <m:sSub>
+                                  <m:sSubPr>
+                                    <m:ctrlPr>
+                                      <a:rPr lang="en-CA" b="1" i="1" smtClean="0">
+                                        <a:latin typeface="Cambria Math"/>
+                                        <a:ea typeface="Cambria Math"/>
+                                      </a:rPr>
+                                    </m:ctrlPr>
+                                  </m:sSubPr>
+                                  <m:e>
+                                    <m:r>
+                                      <a:rPr lang="en-CA" b="1" i="1" smtClean="0">
+                                        <a:latin typeface="Cambria Math"/>
+                                        <a:ea typeface="Cambria Math"/>
+                                      </a:rPr>
+                                      <m:t>𝜸</m:t>
+                                    </m:r>
+                                  </m:e>
+                                  <m:sub>
+                                    <m:r>
+                                      <a:rPr lang="en-CA" b="1" i="1" smtClean="0">
+                                        <a:latin typeface="Cambria Math"/>
+                                        <a:ea typeface="Cambria Math"/>
+                                      </a:rPr>
+                                      <m:t>𝟑</m:t>
+                                    </m:r>
+                                  </m:sub>
+                                </m:sSub>
+                              </m:oMath>
+                            </m:oMathPara>
+                          </a14:m>
+                          <a:endParaRPr lang="en-US" b="1" dirty="0"/>
+                        </a:p>
+                      </a:txBody>
+                      <a:tcPr>
+                        <a:solidFill>
+                          <a:srgbClr val="FFC000"/>
+                        </a:solidFill>
+                      </a:tcPr>
+                    </a:tc>
+                  </a:tr>
+                </a:tbl>
+              </a:graphicData>
+            </a:graphic>
+          </p:graphicFrame>
+        </mc:Choice>
+        <mc:Fallback xmlns="">
+          <p:graphicFrame>
+            <p:nvGraphicFramePr>
+              <p:cNvPr id="57" name="Table 56"/>
+              <p:cNvGraphicFramePr>
+                <a:graphicFrameLocks noGrp="1"/>
+              </p:cNvGraphicFramePr>
+              <p:nvPr>
+                <p:extLst>
+                  <p:ext uri="{D42A27DB-BD31-4B8C-83A1-F6EECF244321}">
+                    <p14:modId xmlns:p14="http://schemas.microsoft.com/office/powerpoint/2010/main" val="511383794"/>
+                  </p:ext>
+                </p:extLst>
+              </p:nvPr>
+            </p:nvGraphicFramePr>
+            <p:xfrm>
+              <a:off x="2892423" y="5524931"/>
+              <a:ext cx="3276604" cy="370840"/>
+            </p:xfrm>
+            <a:graphic>
+              <a:graphicData uri="http://schemas.openxmlformats.org/drawingml/2006/table">
+                <a:tbl>
+                  <a:tblPr firstRow="1" bandRow="1">
+                    <a:tableStyleId>{5940675A-B579-460E-94D1-54222C63F5DA}</a:tableStyleId>
+                  </a:tblPr>
+                  <a:tblGrid>
+                    <a:gridCol w="819151"/>
+                    <a:gridCol w="819151"/>
+                    <a:gridCol w="819151"/>
+                    <a:gridCol w="819151"/>
+                  </a:tblGrid>
+                  <a:tr h="370840">
+                    <a:tc>
+                      <a:txBody>
+                        <a:bodyPr/>
+                        <a:lstStyle/>
+                        <a:p>
+                          <a:endParaRPr lang="en-US"/>
+                        </a:p>
+                      </a:txBody>
+                      <a:tcPr>
+                        <a:blipFill rotWithShape="1">
+                          <a:blip r:embed="rId15"/>
+                          <a:stretch>
+                            <a:fillRect r="-298519" b="-3279"/>
+                          </a:stretch>
+                        </a:blipFill>
+                      </a:tcPr>
+                    </a:tc>
+                    <a:tc>
+                      <a:txBody>
+                        <a:bodyPr/>
+                        <a:lstStyle/>
+                        <a:p>
+                          <a:endParaRPr lang="en-US"/>
+                        </a:p>
+                      </a:txBody>
+                      <a:tcPr>
+                        <a:blipFill rotWithShape="1">
+                          <a:blip r:embed="rId15"/>
+                          <a:stretch>
+                            <a:fillRect l="-100746" r="-200746" b="-3279"/>
+                          </a:stretch>
+                        </a:blipFill>
+                      </a:tcPr>
+                    </a:tc>
+                    <a:tc>
+                      <a:txBody>
+                        <a:bodyPr/>
+                        <a:lstStyle/>
+                        <a:p>
+                          <a:endParaRPr lang="en-US"/>
+                        </a:p>
+                      </a:txBody>
+                      <a:tcPr>
+                        <a:blipFill rotWithShape="1">
+                          <a:blip r:embed="rId15"/>
+                          <a:stretch>
+                            <a:fillRect l="-199259" r="-99259" b="-3279"/>
+                          </a:stretch>
+                        </a:blipFill>
+                      </a:tcPr>
+                    </a:tc>
+                    <a:tc>
+                      <a:txBody>
+                        <a:bodyPr/>
+                        <a:lstStyle/>
+                        <a:p>
+                          <a:endParaRPr lang="en-US"/>
+                        </a:p>
+                      </a:txBody>
+                      <a:tcPr>
+                        <a:blipFill rotWithShape="1">
+                          <a:blip r:embed="rId15"/>
+                          <a:stretch>
+                            <a:fillRect l="-301493" b="-3279"/>
+                          </a:stretch>
+                        </a:blipFill>
+                      </a:tcPr>
+                    </a:tc>
+                  </a:tr>
+                </a:tbl>
+              </a:graphicData>
+            </a:graphic>
+          </p:graphicFrame>
+        </mc:Fallback>
+      </mc:AlternateContent>
+      <p:sp>
+        <p:nvSpPr>
+          <p:cNvPr id="29" name="Rectangle 28"/>
+          <p:cNvSpPr/>
           <p:nvPr/>
         </p:nvSpPr>
         <p:spPr>
           <a:xfrm>
-            <a:off x="4191000" y="1143000"/>
-            <a:ext cx="461665" cy="1724831"/>
+            <a:off x="3922366" y="5955268"/>
+            <a:ext cx="2097434" cy="369332"/>
           </a:xfrm>
           <a:prstGeom prst="rect">
             <a:avLst/>
           </a:prstGeom>
-          <a:noFill/>
-        </p:spPr>
-        <p:txBody>
-          <a:bodyPr vert="vert270" wrap="none" rtlCol="0">
+        </p:spPr>
+        <p:txBody>
+          <a:bodyPr wrap="none">
             <a:spAutoFit/>
           </a:bodyPr>
           <a:lstStyle/>
           <a:p>
             <a:r>
-              <a:rPr lang="en-CA" dirty="0" smtClean="0"/>
-              <a:t>Auxiliary  Feature</a:t>
+              <a:rPr lang="en-CA" b="1" dirty="0" smtClean="0"/>
+              <a:t>Transfer Parameters</a:t>
             </a:r>
-            <a:endParaRPr lang="en-CA" dirty="0"/>
-          </a:p>
-        </p:txBody>
-      </p:sp>
-      <p:cxnSp>
-        <p:nvCxnSpPr>
-          <p:cNvPr id="36" name="Straight Arrow Connector 35"/>
-          <p:cNvCxnSpPr/>
-          <p:nvPr/>
-        </p:nvCxnSpPr>
-        <p:spPr>
-          <a:xfrm>
-            <a:off x="4800600" y="4876800"/>
-            <a:ext cx="2209800" cy="0"/>
-          </a:xfrm>
-          <a:prstGeom prst="straightConnector1">
-            <a:avLst/>
-          </a:prstGeom>
-          <a:ln>
-            <a:tailEnd type="arrow"/>
-          </a:ln>
-        </p:spPr>
-        <p:style>
-          <a:lnRef idx="3">
-            <a:schemeClr val="dk1"/>
-          </a:lnRef>
-          <a:fillRef idx="0">
-            <a:schemeClr val="dk1"/>
-          </a:fillRef>
-          <a:effectRef idx="2">
-            <a:schemeClr val="dk1"/>
-          </a:effectRef>
-          <a:fontRef idx="minor">
-            <a:schemeClr val="tx1"/>
-          </a:fontRef>
-        </p:style>
-      </p:cxnSp>
-      <p:sp>
-        <p:nvSpPr>
-          <p:cNvPr id="37" name="Oval 36"/>
-          <p:cNvSpPr/>
-          <p:nvPr/>
-        </p:nvSpPr>
-        <p:spPr>
-          <a:xfrm>
-            <a:off x="4953000" y="3352800"/>
-            <a:ext cx="152400" cy="206079"/>
-          </a:xfrm>
-          <a:prstGeom prst="ellipse">
-            <a:avLst/>
-          </a:prstGeom>
-          <a:solidFill>
-            <a:srgbClr val="FF0000"/>
-          </a:solidFill>
-          <a:ln>
-            <a:noFill/>
-          </a:ln>
-        </p:spPr>
-        <p:style>
-          <a:lnRef idx="2">
-            <a:schemeClr val="accent1">
-              <a:shade val="50000"/>
-            </a:schemeClr>
-          </a:lnRef>
-          <a:fillRef idx="1">
-            <a:schemeClr val="accent1"/>
-          </a:fillRef>
-          <a:effectRef idx="0">
-            <a:schemeClr val="accent1"/>
-          </a:effectRef>
-          <a:fontRef idx="minor">
-            <a:schemeClr val="lt1"/>
-          </a:fontRef>
-        </p:style>
-        <p:txBody>
-          <a:bodyPr rtlCol="0" anchor="ctr"/>
-          <a:lstStyle/>
-          <a:p>
-            <a:pPr algn="ctr"/>
-            <a:endParaRPr lang="en-CA"/>
-          </a:p>
-        </p:txBody>
-      </p:sp>
-      <p:sp>
-        <p:nvSpPr>
-          <p:cNvPr id="38" name="Oval 37"/>
-          <p:cNvSpPr/>
-          <p:nvPr/>
-        </p:nvSpPr>
-        <p:spPr>
-          <a:xfrm>
-            <a:off x="5106880" y="3537287"/>
-            <a:ext cx="152400" cy="206079"/>
-          </a:xfrm>
-          <a:prstGeom prst="ellipse">
-            <a:avLst/>
-          </a:prstGeom>
-          <a:solidFill>
-            <a:srgbClr val="00B050"/>
-          </a:solidFill>
-          <a:ln>
-            <a:noFill/>
-          </a:ln>
-        </p:spPr>
-        <p:style>
-          <a:lnRef idx="2">
-            <a:schemeClr val="accent1">
-              <a:shade val="50000"/>
-            </a:schemeClr>
-          </a:lnRef>
-          <a:fillRef idx="1">
-            <a:schemeClr val="accent1"/>
-          </a:fillRef>
-          <a:effectRef idx="0">
-            <a:schemeClr val="accent1"/>
-          </a:effectRef>
-          <a:fontRef idx="minor">
-            <a:schemeClr val="lt1"/>
-          </a:fontRef>
-        </p:style>
-        <p:txBody>
-          <a:bodyPr rtlCol="0" anchor="ctr"/>
-          <a:lstStyle/>
-          <a:p>
-            <a:pPr algn="ctr"/>
-            <a:endParaRPr lang="en-CA"/>
-          </a:p>
-        </p:txBody>
-      </p:sp>
-      <p:sp>
-        <p:nvSpPr>
-          <p:cNvPr id="39" name="Oval 38"/>
-          <p:cNvSpPr/>
-          <p:nvPr/>
-        </p:nvSpPr>
-        <p:spPr>
-          <a:xfrm>
-            <a:off x="5562600" y="4289721"/>
-            <a:ext cx="152400" cy="206079"/>
-          </a:xfrm>
-          <a:prstGeom prst="ellipse">
-            <a:avLst/>
-          </a:prstGeom>
-          <a:solidFill>
-            <a:srgbClr val="00B050"/>
-          </a:solidFill>
-          <a:ln>
-            <a:noFill/>
-          </a:ln>
-        </p:spPr>
-        <p:style>
-          <a:lnRef idx="2">
-            <a:schemeClr val="accent1">
-              <a:shade val="50000"/>
-            </a:schemeClr>
-          </a:lnRef>
-          <a:fillRef idx="1">
-            <a:schemeClr val="accent1"/>
-          </a:fillRef>
-          <a:effectRef idx="0">
-            <a:schemeClr val="accent1"/>
-          </a:effectRef>
-          <a:fontRef idx="minor">
-            <a:schemeClr val="lt1"/>
-          </a:fontRef>
-        </p:style>
-        <p:txBody>
-          <a:bodyPr rtlCol="0" anchor="ctr"/>
-          <a:lstStyle/>
-          <a:p>
-            <a:pPr algn="ctr"/>
-            <a:endParaRPr lang="en-CA"/>
-          </a:p>
-        </p:txBody>
-      </p:sp>
-      <p:sp>
-        <p:nvSpPr>
-          <p:cNvPr id="40" name="Oval 39"/>
-          <p:cNvSpPr/>
-          <p:nvPr/>
-        </p:nvSpPr>
-        <p:spPr>
-          <a:xfrm>
-            <a:off x="5410200" y="3810000"/>
-            <a:ext cx="152400" cy="206079"/>
-          </a:xfrm>
-          <a:prstGeom prst="ellipse">
-            <a:avLst/>
-          </a:prstGeom>
-          <a:solidFill>
-            <a:srgbClr val="00B050"/>
-          </a:solidFill>
-          <a:ln>
-            <a:noFill/>
-          </a:ln>
-        </p:spPr>
-        <p:style>
-          <a:lnRef idx="2">
-            <a:schemeClr val="accent1">
-              <a:shade val="50000"/>
-            </a:schemeClr>
-          </a:lnRef>
-          <a:fillRef idx="1">
-            <a:schemeClr val="accent1"/>
-          </a:fillRef>
-          <a:effectRef idx="0">
-            <a:schemeClr val="accent1"/>
-          </a:effectRef>
-          <a:fontRef idx="minor">
-            <a:schemeClr val="lt1"/>
-          </a:fontRef>
-        </p:style>
-        <p:txBody>
-          <a:bodyPr rtlCol="0" anchor="ctr"/>
-          <a:lstStyle/>
-          <a:p>
-            <a:pPr algn="ctr"/>
-            <a:endParaRPr lang="en-CA"/>
-          </a:p>
-        </p:txBody>
-      </p:sp>
-      <p:sp>
-        <p:nvSpPr>
-          <p:cNvPr id="41" name="Oval 40"/>
-          <p:cNvSpPr/>
-          <p:nvPr/>
-        </p:nvSpPr>
-        <p:spPr>
-          <a:xfrm>
-            <a:off x="5943600" y="4365921"/>
-            <a:ext cx="152400" cy="206079"/>
-          </a:xfrm>
-          <a:prstGeom prst="ellipse">
-            <a:avLst/>
-          </a:prstGeom>
-          <a:solidFill>
-            <a:srgbClr val="00B050"/>
-          </a:solidFill>
-          <a:ln>
-            <a:noFill/>
-          </a:ln>
-        </p:spPr>
-        <p:style>
-          <a:lnRef idx="2">
-            <a:schemeClr val="accent1">
-              <a:shade val="50000"/>
-            </a:schemeClr>
-          </a:lnRef>
-          <a:fillRef idx="1">
-            <a:schemeClr val="accent1"/>
-          </a:fillRef>
-          <a:effectRef idx="0">
-            <a:schemeClr val="accent1"/>
-          </a:effectRef>
-          <a:fontRef idx="minor">
-            <a:schemeClr val="lt1"/>
-          </a:fontRef>
-        </p:style>
-        <p:txBody>
-          <a:bodyPr rtlCol="0" anchor="ctr"/>
-          <a:lstStyle/>
-          <a:p>
-            <a:pPr algn="ctr"/>
-            <a:endParaRPr lang="en-CA"/>
-          </a:p>
-        </p:txBody>
-      </p:sp>
-      <p:sp>
-        <p:nvSpPr>
-          <p:cNvPr id="42" name="Oval 41"/>
-          <p:cNvSpPr/>
-          <p:nvPr/>
-        </p:nvSpPr>
-        <p:spPr>
-          <a:xfrm>
-            <a:off x="5791200" y="3886200"/>
-            <a:ext cx="152400" cy="206079"/>
-          </a:xfrm>
-          <a:prstGeom prst="ellipse">
-            <a:avLst/>
-          </a:prstGeom>
-          <a:solidFill>
-            <a:srgbClr val="FF0000"/>
-          </a:solidFill>
-          <a:ln>
-            <a:noFill/>
-          </a:ln>
-        </p:spPr>
-        <p:style>
-          <a:lnRef idx="2">
-            <a:schemeClr val="accent1">
-              <a:shade val="50000"/>
-            </a:schemeClr>
-          </a:lnRef>
-          <a:fillRef idx="1">
-            <a:schemeClr val="accent1"/>
-          </a:fillRef>
-          <a:effectRef idx="0">
-            <a:schemeClr val="accent1"/>
-          </a:effectRef>
-          <a:fontRef idx="minor">
-            <a:schemeClr val="lt1"/>
-          </a:fontRef>
-        </p:style>
-        <p:txBody>
-          <a:bodyPr rtlCol="0" anchor="ctr"/>
-          <a:lstStyle/>
-          <a:p>
-            <a:pPr algn="ctr"/>
-            <a:endParaRPr lang="en-CA"/>
-          </a:p>
-        </p:txBody>
-      </p:sp>
-      <p:sp>
-        <p:nvSpPr>
-          <p:cNvPr id="43" name="Oval 42"/>
-          <p:cNvSpPr/>
-          <p:nvPr/>
-        </p:nvSpPr>
-        <p:spPr>
-          <a:xfrm>
-            <a:off x="6477000" y="4464642"/>
-            <a:ext cx="152400" cy="206079"/>
-          </a:xfrm>
-          <a:prstGeom prst="ellipse">
-            <a:avLst/>
-          </a:prstGeom>
-          <a:solidFill>
-            <a:srgbClr val="FF0000"/>
-          </a:solidFill>
-          <a:ln>
-            <a:noFill/>
-          </a:ln>
-        </p:spPr>
-        <p:style>
-          <a:lnRef idx="2">
-            <a:schemeClr val="accent1">
-              <a:shade val="50000"/>
-            </a:schemeClr>
-          </a:lnRef>
-          <a:fillRef idx="1">
-            <a:schemeClr val="accent1"/>
-          </a:fillRef>
-          <a:effectRef idx="0">
-            <a:schemeClr val="accent1"/>
-          </a:effectRef>
-          <a:fontRef idx="minor">
-            <a:schemeClr val="lt1"/>
-          </a:fontRef>
-        </p:style>
-        <p:txBody>
-          <a:bodyPr rtlCol="0" anchor="ctr"/>
-          <a:lstStyle/>
-          <a:p>
-            <a:pPr algn="ctr"/>
-            <a:endParaRPr lang="en-CA"/>
-          </a:p>
-        </p:txBody>
-      </p:sp>
-      <p:sp>
-        <p:nvSpPr>
-          <p:cNvPr id="44" name="Oval 43"/>
-          <p:cNvSpPr/>
-          <p:nvPr/>
-        </p:nvSpPr>
-        <p:spPr>
-          <a:xfrm>
-            <a:off x="6248400" y="4518321"/>
-            <a:ext cx="152400" cy="206079"/>
-          </a:xfrm>
-          <a:prstGeom prst="ellipse">
-            <a:avLst/>
-          </a:prstGeom>
-          <a:solidFill>
-            <a:srgbClr val="FF0000"/>
-          </a:solidFill>
-          <a:ln>
-            <a:noFill/>
-          </a:ln>
-        </p:spPr>
-        <p:style>
-          <a:lnRef idx="2">
-            <a:schemeClr val="accent1">
-              <a:shade val="50000"/>
-            </a:schemeClr>
-          </a:lnRef>
-          <a:fillRef idx="1">
-            <a:schemeClr val="accent1"/>
-          </a:fillRef>
-          <a:effectRef idx="0">
-            <a:schemeClr val="accent1"/>
-          </a:effectRef>
-          <a:fontRef idx="minor">
-            <a:schemeClr val="lt1"/>
-          </a:fontRef>
-        </p:style>
-        <p:txBody>
-          <a:bodyPr rtlCol="0" anchor="ctr"/>
-          <a:lstStyle/>
-          <a:p>
-            <a:pPr algn="ctr"/>
-            <a:endParaRPr lang="en-CA"/>
-          </a:p>
-        </p:txBody>
-      </p:sp>
-      <p:cxnSp>
-        <p:nvCxnSpPr>
-          <p:cNvPr id="45" name="Straight Arrow Connector 44"/>
-          <p:cNvCxnSpPr/>
-          <p:nvPr/>
-        </p:nvCxnSpPr>
-        <p:spPr>
-          <a:xfrm flipV="1">
-            <a:off x="4800600" y="3228169"/>
-            <a:ext cx="0" cy="1648631"/>
-          </a:xfrm>
-          <a:prstGeom prst="straightConnector1">
-            <a:avLst/>
-          </a:prstGeom>
-          <a:ln>
-            <a:tailEnd type="arrow"/>
-          </a:ln>
-        </p:spPr>
-        <p:style>
-          <a:lnRef idx="3">
-            <a:schemeClr val="dk1"/>
-          </a:lnRef>
-          <a:fillRef idx="0">
-            <a:schemeClr val="dk1"/>
-          </a:fillRef>
-          <a:effectRef idx="2">
-            <a:schemeClr val="dk1"/>
-          </a:effectRef>
-          <a:fontRef idx="minor">
-            <a:schemeClr val="tx1"/>
-          </a:fontRef>
-        </p:style>
-      </p:cxnSp>
-      <p:cxnSp>
-        <p:nvCxnSpPr>
-          <p:cNvPr id="46" name="Straight Connector 45"/>
-          <p:cNvCxnSpPr/>
-          <p:nvPr/>
-        </p:nvCxnSpPr>
-        <p:spPr>
-          <a:xfrm>
-            <a:off x="5029200" y="4092279"/>
-            <a:ext cx="1752600" cy="269324"/>
-          </a:xfrm>
-          <a:prstGeom prst="line">
-            <a:avLst/>
-          </a:prstGeom>
-        </p:spPr>
-        <p:style>
-          <a:lnRef idx="3">
-            <a:schemeClr val="accent1"/>
-          </a:lnRef>
-          <a:fillRef idx="0">
-            <a:schemeClr val="accent1"/>
-          </a:fillRef>
-          <a:effectRef idx="2">
-            <a:schemeClr val="accent1"/>
-          </a:effectRef>
-          <a:fontRef idx="minor">
-            <a:schemeClr val="tx1"/>
-          </a:fontRef>
-        </p:style>
-      </p:cxnSp>
-      <p:sp>
-        <p:nvSpPr>
-          <p:cNvPr id="47" name="TextBox 46"/>
-          <p:cNvSpPr txBox="1"/>
-          <p:nvPr/>
-        </p:nvSpPr>
-        <p:spPr>
-          <a:xfrm>
-            <a:off x="4267200" y="3228169"/>
-            <a:ext cx="461665" cy="1724831"/>
-          </a:xfrm>
-          <a:prstGeom prst="rect">
-            <a:avLst/>
-          </a:prstGeom>
-          <a:noFill/>
-        </p:spPr>
-        <p:txBody>
-          <a:bodyPr vert="vert270" wrap="none" rtlCol="0">
-            <a:spAutoFit/>
-          </a:bodyPr>
-          <a:lstStyle/>
-          <a:p>
-            <a:r>
-              <a:rPr lang="en-CA" dirty="0" smtClean="0"/>
-              <a:t>Auxiliary  Feature</a:t>
-            </a:r>
-            <a:endParaRPr lang="en-CA" dirty="0"/>
-          </a:p>
-        </p:txBody>
-      </p:sp>
-      <p:sp>
-        <p:nvSpPr>
-          <p:cNvPr id="49" name="TextBox 48"/>
-          <p:cNvSpPr txBox="1"/>
-          <p:nvPr/>
-        </p:nvSpPr>
-        <p:spPr>
-          <a:xfrm>
-            <a:off x="2630243" y="1752543"/>
-            <a:ext cx="1717008" cy="369332"/>
-          </a:xfrm>
-          <a:prstGeom prst="rect">
-            <a:avLst/>
-          </a:prstGeom>
-          <a:noFill/>
-        </p:spPr>
-        <p:txBody>
-          <a:bodyPr wrap="none" rtlCol="0">
-            <a:spAutoFit/>
-          </a:bodyPr>
-          <a:lstStyle/>
-          <a:p>
-            <a:r>
-              <a:rPr lang="en-CA" dirty="0" smtClean="0"/>
-              <a:t>Positive Transfer</a:t>
-            </a:r>
-            <a:endParaRPr lang="en-CA" dirty="0"/>
-          </a:p>
-        </p:txBody>
-      </p:sp>
-      <p:sp>
-        <p:nvSpPr>
-          <p:cNvPr id="50" name="TextBox 49"/>
-          <p:cNvSpPr txBox="1"/>
-          <p:nvPr/>
-        </p:nvSpPr>
-        <p:spPr>
-          <a:xfrm>
-            <a:off x="2527197" y="4050268"/>
-            <a:ext cx="1816203" cy="369332"/>
-          </a:xfrm>
-          <a:prstGeom prst="rect">
-            <a:avLst/>
-          </a:prstGeom>
-          <a:noFill/>
-        </p:spPr>
-        <p:txBody>
-          <a:bodyPr wrap="none" rtlCol="0">
-            <a:spAutoFit/>
-          </a:bodyPr>
-          <a:lstStyle/>
-          <a:p>
-            <a:r>
-              <a:rPr lang="en-CA" dirty="0" smtClean="0"/>
-              <a:t>Negative Transfer</a:t>
-            </a:r>
-            <a:endParaRPr lang="en-CA" dirty="0"/>
-          </a:p>
-        </p:txBody>
-      </p:sp>
-      <p:cxnSp>
-        <p:nvCxnSpPr>
-          <p:cNvPr id="54" name="Straight Connector 53"/>
-          <p:cNvCxnSpPr/>
-          <p:nvPr/>
-        </p:nvCxnSpPr>
-        <p:spPr>
-          <a:xfrm>
-            <a:off x="2209800" y="2585552"/>
-            <a:ext cx="0" cy="1327487"/>
-          </a:xfrm>
-          <a:prstGeom prst="line">
-            <a:avLst/>
-          </a:prstGeom>
-        </p:spPr>
-        <p:style>
-          <a:lnRef idx="3">
-            <a:schemeClr val="accent1"/>
-          </a:lnRef>
-          <a:fillRef idx="0">
-            <a:schemeClr val="accent1"/>
-          </a:fillRef>
-          <a:effectRef idx="2">
-            <a:schemeClr val="accent1"/>
-          </a:effectRef>
-          <a:fontRef idx="minor">
-            <a:schemeClr val="tx1"/>
-          </a:fontRef>
-        </p:style>
-      </p:cxnSp>
-      <p:sp>
-        <p:nvSpPr>
-          <p:cNvPr id="60" name="TextBox 59"/>
-          <p:cNvSpPr txBox="1"/>
-          <p:nvPr/>
-        </p:nvSpPr>
-        <p:spPr>
-          <a:xfrm>
-            <a:off x="744787" y="2683165"/>
-            <a:ext cx="1406026" cy="369332"/>
-          </a:xfrm>
-          <a:prstGeom prst="rect">
-            <a:avLst/>
-          </a:prstGeom>
-          <a:noFill/>
-        </p:spPr>
-        <p:txBody>
-          <a:bodyPr wrap="none" rtlCol="0">
-            <a:spAutoFit/>
-          </a:bodyPr>
-          <a:lstStyle/>
-          <a:p>
-            <a:r>
-              <a:rPr lang="en-CA" dirty="0" smtClean="0"/>
-              <a:t>Original Data</a:t>
-            </a:r>
-            <a:endParaRPr lang="en-CA" dirty="0"/>
-          </a:p>
-        </p:txBody>
-      </p:sp>
-      <p:sp>
-        <p:nvSpPr>
-          <p:cNvPr id="61" name="Down Arrow 60"/>
-          <p:cNvSpPr/>
-          <p:nvPr/>
-        </p:nvSpPr>
-        <p:spPr>
-          <a:xfrm rot="14294456">
-            <a:off x="3429000" y="2308521"/>
-            <a:ext cx="381000" cy="434679"/>
-          </a:xfrm>
-          <a:prstGeom prst="downArrow">
-            <a:avLst/>
-          </a:prstGeom>
-          <a:solidFill>
-            <a:schemeClr val="tx1"/>
-          </a:solidFill>
-          <a:ln>
-            <a:noFill/>
-          </a:ln>
-        </p:spPr>
-        <p:style>
-          <a:lnRef idx="2">
-            <a:schemeClr val="accent1">
-              <a:shade val="50000"/>
-            </a:schemeClr>
-          </a:lnRef>
-          <a:fillRef idx="1">
-            <a:schemeClr val="accent1"/>
-          </a:fillRef>
-          <a:effectRef idx="0">
-            <a:schemeClr val="accent1"/>
-          </a:effectRef>
-          <a:fontRef idx="minor">
-            <a:schemeClr val="lt1"/>
-          </a:fontRef>
-        </p:style>
-        <p:txBody>
-          <a:bodyPr rtlCol="0" anchor="ctr"/>
-          <a:lstStyle/>
-          <a:p>
-            <a:pPr algn="ctr"/>
-            <a:endParaRPr lang="en-CA"/>
-          </a:p>
-        </p:txBody>
-      </p:sp>
-      <p:sp>
-        <p:nvSpPr>
-          <p:cNvPr id="62" name="Down Arrow 61"/>
-          <p:cNvSpPr/>
-          <p:nvPr/>
-        </p:nvSpPr>
-        <p:spPr>
-          <a:xfrm rot="17980806">
-            <a:off x="3412547" y="3544887"/>
-            <a:ext cx="381000" cy="434679"/>
-          </a:xfrm>
-          <a:prstGeom prst="downArrow">
-            <a:avLst/>
-          </a:prstGeom>
-          <a:solidFill>
-            <a:schemeClr val="tx1"/>
-          </a:solidFill>
-          <a:ln>
-            <a:noFill/>
-          </a:ln>
-        </p:spPr>
-        <p:style>
-          <a:lnRef idx="2">
-            <a:schemeClr val="accent1">
-              <a:shade val="50000"/>
-            </a:schemeClr>
-          </a:lnRef>
-          <a:fillRef idx="1">
-            <a:schemeClr val="accent1"/>
-          </a:fillRef>
-          <a:effectRef idx="0">
-            <a:schemeClr val="accent1"/>
-          </a:effectRef>
-          <a:fontRef idx="minor">
-            <a:schemeClr val="lt1"/>
-          </a:fontRef>
-        </p:style>
-        <p:txBody>
-          <a:bodyPr rtlCol="0" anchor="ctr"/>
-          <a:lstStyle/>
-          <a:p>
-            <a:pPr algn="ctr"/>
-            <a:endParaRPr lang="en-CA"/>
+            <a:endParaRPr lang="en-CA" b="1" dirty="0"/>
           </a:p>
         </p:txBody>
       </p:sp>
     </p:spTree>
     <p:extLst>
       <p:ext uri="{BB962C8B-B14F-4D97-AF65-F5344CB8AC3E}">
-        <p14:creationId xmlns:p14="http://schemas.microsoft.com/office/powerpoint/2010/main" val="660332290"/>
+        <p14:creationId xmlns:p14="http://schemas.microsoft.com/office/powerpoint/2010/main" val="3658987124"/>
       </p:ext>
     </p:extLst>
   </p:cSld>
@@ -6042,13 +7140,13 @@
       </p:grpSpPr>
       <p:cxnSp>
         <p:nvCxnSpPr>
-          <p:cNvPr id="48" name="Straight Arrow Connector 47"/>
+          <p:cNvPr id="5" name="Straight Arrow Connector 4"/>
           <p:cNvCxnSpPr/>
           <p:nvPr/>
         </p:nvCxnSpPr>
         <p:spPr>
           <a:xfrm>
-            <a:off x="2743200" y="2335361"/>
+            <a:off x="990600" y="3200400"/>
             <a:ext cx="2362200" cy="0"/>
           </a:xfrm>
           <a:prstGeom prst="straightConnector1">
@@ -6075,13 +7173,13 @@
       </p:cxnSp>
       <p:sp>
         <p:nvSpPr>
-          <p:cNvPr id="51" name="Oval 50"/>
+          <p:cNvPr id="7" name="Oval 6"/>
           <p:cNvSpPr/>
           <p:nvPr/>
         </p:nvSpPr>
         <p:spPr>
           <a:xfrm>
-            <a:off x="2819400" y="2259161"/>
+            <a:off x="1066800" y="3124200"/>
             <a:ext cx="152400" cy="152400"/>
           </a:xfrm>
           <a:prstGeom prst="ellipse">
@@ -6121,13 +7219,13 @@
       </p:sp>
       <p:sp>
         <p:nvSpPr>
-          <p:cNvPr id="52" name="Oval 51"/>
+          <p:cNvPr id="8" name="Oval 7"/>
           <p:cNvSpPr/>
           <p:nvPr/>
         </p:nvSpPr>
         <p:spPr>
           <a:xfrm>
-            <a:off x="3048000" y="2259161"/>
+            <a:off x="1295400" y="3124200"/>
             <a:ext cx="152400" cy="152400"/>
           </a:xfrm>
           <a:prstGeom prst="ellipse">
@@ -6167,13 +7265,13 @@
       </p:sp>
       <p:sp>
         <p:nvSpPr>
-          <p:cNvPr id="53" name="Oval 52"/>
+          <p:cNvPr id="9" name="Oval 8"/>
           <p:cNvSpPr/>
           <p:nvPr/>
         </p:nvSpPr>
         <p:spPr>
           <a:xfrm>
-            <a:off x="3505200" y="2259161"/>
+            <a:off x="1752600" y="3124200"/>
             <a:ext cx="152400" cy="152400"/>
           </a:xfrm>
           <a:prstGeom prst="ellipse">
@@ -6213,13 +7311,13 @@
       </p:sp>
       <p:sp>
         <p:nvSpPr>
-          <p:cNvPr id="55" name="Oval 54"/>
+          <p:cNvPr id="10" name="Oval 9"/>
           <p:cNvSpPr/>
           <p:nvPr/>
         </p:nvSpPr>
         <p:spPr>
           <a:xfrm>
-            <a:off x="3276600" y="2259161"/>
+            <a:off x="1524000" y="3124200"/>
             <a:ext cx="152400" cy="152400"/>
           </a:xfrm>
           <a:prstGeom prst="ellipse">
@@ -6259,13 +7357,13 @@
       </p:sp>
       <p:sp>
         <p:nvSpPr>
-          <p:cNvPr id="56" name="Oval 55"/>
+          <p:cNvPr id="11" name="Oval 10"/>
           <p:cNvSpPr/>
           <p:nvPr/>
         </p:nvSpPr>
         <p:spPr>
           <a:xfrm>
-            <a:off x="3733800" y="2259161"/>
+            <a:off x="1981200" y="3124200"/>
             <a:ext cx="152400" cy="152400"/>
           </a:xfrm>
           <a:prstGeom prst="ellipse">
@@ -6305,13 +7403,13 @@
       </p:sp>
       <p:sp>
         <p:nvSpPr>
-          <p:cNvPr id="57" name="Oval 56"/>
+          <p:cNvPr id="12" name="Oval 11"/>
           <p:cNvSpPr/>
           <p:nvPr/>
         </p:nvSpPr>
         <p:spPr>
           <a:xfrm>
-            <a:off x="4038600" y="2259161"/>
+            <a:off x="2286000" y="3124200"/>
             <a:ext cx="152400" cy="152400"/>
           </a:xfrm>
           <a:prstGeom prst="ellipse">
@@ -6351,13 +7449,13 @@
       </p:sp>
       <p:sp>
         <p:nvSpPr>
-          <p:cNvPr id="58" name="Oval 57"/>
+          <p:cNvPr id="13" name="Oval 12"/>
           <p:cNvSpPr/>
           <p:nvPr/>
         </p:nvSpPr>
         <p:spPr>
           <a:xfrm>
-            <a:off x="4495800" y="2259161"/>
+            <a:off x="2743200" y="3124200"/>
             <a:ext cx="152400" cy="152400"/>
           </a:xfrm>
           <a:prstGeom prst="ellipse">
@@ -6397,13 +7495,13 @@
       </p:sp>
       <p:sp>
         <p:nvSpPr>
-          <p:cNvPr id="59" name="Oval 58"/>
+          <p:cNvPr id="14" name="Oval 13"/>
           <p:cNvSpPr/>
           <p:nvPr/>
         </p:nvSpPr>
         <p:spPr>
           <a:xfrm>
-            <a:off x="4267200" y="2259161"/>
+            <a:off x="2514600" y="3124200"/>
             <a:ext cx="152400" cy="152400"/>
           </a:xfrm>
           <a:prstGeom prst="ellipse">
@@ -6443,73 +7541,13 @@
       </p:sp>
       <p:cxnSp>
         <p:nvCxnSpPr>
-          <p:cNvPr id="65" name="Straight Connector 64"/>
+          <p:cNvPr id="17" name="Straight Arrow Connector 16"/>
           <p:cNvCxnSpPr/>
           <p:nvPr/>
         </p:nvCxnSpPr>
         <p:spPr>
           <a:xfrm>
-            <a:off x="3962400" y="1720513"/>
-            <a:ext cx="0" cy="1327487"/>
-          </a:xfrm>
-          <a:prstGeom prst="line">
-            <a:avLst/>
-          </a:prstGeom>
-        </p:spPr>
-        <p:style>
-          <a:lnRef idx="3">
-            <a:schemeClr val="accent1"/>
-          </a:lnRef>
-          <a:fillRef idx="0">
-            <a:schemeClr val="accent1"/>
-          </a:fillRef>
-          <a:effectRef idx="2">
-            <a:schemeClr val="accent1"/>
-          </a:effectRef>
-          <a:fontRef idx="minor">
-            <a:schemeClr val="tx1"/>
-          </a:fontRef>
-        </p:style>
-      </p:cxnSp>
-      <p:sp>
-        <p:nvSpPr>
-          <p:cNvPr id="66" name="TextBox 65"/>
-          <p:cNvSpPr txBox="1"/>
-          <p:nvPr/>
-        </p:nvSpPr>
-        <p:spPr>
-          <a:xfrm>
-            <a:off x="3259387" y="1232048"/>
-            <a:ext cx="1406026" cy="369332"/>
-          </a:xfrm>
-          <a:prstGeom prst="rect">
-            <a:avLst/>
-          </a:prstGeom>
-          <a:noFill/>
-        </p:spPr>
-        <p:txBody>
-          <a:bodyPr wrap="none" rtlCol="0">
-            <a:spAutoFit/>
-          </a:bodyPr>
-          <a:lstStyle/>
-          <a:p>
-            <a:r>
-              <a:rPr lang="en-CA" dirty="0" smtClean="0"/>
-              <a:t>Original Data</a:t>
-            </a:r>
-            <a:endParaRPr lang="en-CA" dirty="0"/>
-          </a:p>
-        </p:txBody>
-      </p:sp>
-      <p:cxnSp>
-        <p:nvCxnSpPr>
-          <p:cNvPr id="69" name="Straight Arrow Connector 68"/>
-          <p:cNvCxnSpPr/>
-          <p:nvPr/>
-        </p:nvCxnSpPr>
-        <p:spPr>
-          <a:xfrm>
-            <a:off x="1447800" y="5181600"/>
+            <a:off x="4724400" y="2791631"/>
             <a:ext cx="2209800" cy="0"/>
           </a:xfrm>
           <a:prstGeom prst="straightConnector1">
@@ -6536,13 +7574,13 @@
       </p:cxnSp>
       <p:sp>
         <p:nvSpPr>
-          <p:cNvPr id="70" name="Oval 69"/>
+          <p:cNvPr id="18" name="Oval 17"/>
           <p:cNvSpPr/>
           <p:nvPr/>
         </p:nvSpPr>
         <p:spPr>
           <a:xfrm>
-            <a:off x="1600200" y="4563363"/>
+            <a:off x="4876800" y="2173394"/>
             <a:ext cx="152400" cy="206079"/>
           </a:xfrm>
           <a:prstGeom prst="ellipse">
@@ -6582,13 +7620,13 @@
       </p:sp>
       <p:sp>
         <p:nvSpPr>
-          <p:cNvPr id="71" name="Oval 70"/>
+          <p:cNvPr id="19" name="Oval 18"/>
           <p:cNvSpPr/>
           <p:nvPr/>
         </p:nvSpPr>
         <p:spPr>
           <a:xfrm>
-            <a:off x="1754080" y="3842087"/>
+            <a:off x="5030680" y="1452118"/>
             <a:ext cx="152400" cy="206079"/>
           </a:xfrm>
           <a:prstGeom prst="ellipse">
@@ -6628,13 +7666,13 @@
       </p:sp>
       <p:sp>
         <p:nvSpPr>
-          <p:cNvPr id="72" name="Oval 71"/>
+          <p:cNvPr id="20" name="Oval 19"/>
           <p:cNvSpPr/>
           <p:nvPr/>
         </p:nvSpPr>
         <p:spPr>
           <a:xfrm>
-            <a:off x="2209800" y="4151206"/>
+            <a:off x="5486400" y="1761237"/>
             <a:ext cx="152400" cy="206079"/>
           </a:xfrm>
           <a:prstGeom prst="ellipse">
@@ -6674,13 +7712,13 @@
       </p:sp>
       <p:sp>
         <p:nvSpPr>
-          <p:cNvPr id="73" name="Oval 72"/>
+          <p:cNvPr id="21" name="Oval 20"/>
           <p:cNvSpPr/>
           <p:nvPr/>
         </p:nvSpPr>
         <p:spPr>
           <a:xfrm>
-            <a:off x="1981200" y="4066369"/>
+            <a:off x="5257800" y="1676400"/>
             <a:ext cx="152400" cy="206079"/>
           </a:xfrm>
           <a:prstGeom prst="ellipse">
@@ -6720,13 +7758,13 @@
       </p:sp>
       <p:sp>
         <p:nvSpPr>
-          <p:cNvPr id="74" name="Oval 73"/>
+          <p:cNvPr id="22" name="Oval 21"/>
           <p:cNvSpPr/>
           <p:nvPr/>
         </p:nvSpPr>
         <p:spPr>
           <a:xfrm>
-            <a:off x="2438400" y="3739048"/>
+            <a:off x="5715000" y="1349079"/>
             <a:ext cx="152400" cy="206079"/>
           </a:xfrm>
           <a:prstGeom prst="ellipse">
@@ -6766,13 +7804,13 @@
       </p:sp>
       <p:sp>
         <p:nvSpPr>
-          <p:cNvPr id="75" name="Oval 74"/>
+          <p:cNvPr id="23" name="Oval 22"/>
           <p:cNvSpPr/>
           <p:nvPr/>
         </p:nvSpPr>
         <p:spPr>
           <a:xfrm>
-            <a:off x="2667000" y="4769442"/>
+            <a:off x="5943600" y="2379473"/>
             <a:ext cx="152400" cy="206079"/>
           </a:xfrm>
           <a:prstGeom prst="ellipse">
@@ -6812,13 +7850,13 @@
       </p:sp>
       <p:sp>
         <p:nvSpPr>
-          <p:cNvPr id="76" name="Oval 75"/>
+          <p:cNvPr id="24" name="Oval 23"/>
           <p:cNvSpPr/>
           <p:nvPr/>
         </p:nvSpPr>
         <p:spPr>
           <a:xfrm>
-            <a:off x="3124200" y="4769442"/>
+            <a:off x="6400800" y="2379473"/>
             <a:ext cx="152400" cy="206079"/>
           </a:xfrm>
           <a:prstGeom prst="ellipse">
@@ -6858,13 +7896,13 @@
       </p:sp>
       <p:sp>
         <p:nvSpPr>
-          <p:cNvPr id="77" name="Oval 76"/>
+          <p:cNvPr id="25" name="Oval 24"/>
           <p:cNvSpPr/>
           <p:nvPr/>
         </p:nvSpPr>
         <p:spPr>
           <a:xfrm>
-            <a:off x="2895600" y="4698490"/>
+            <a:off x="6172200" y="2308521"/>
             <a:ext cx="152400" cy="206079"/>
           </a:xfrm>
           <a:prstGeom prst="ellipse">
@@ -6904,13 +7942,13 @@
       </p:sp>
       <p:cxnSp>
         <p:nvCxnSpPr>
-          <p:cNvPr id="78" name="Straight Arrow Connector 77"/>
+          <p:cNvPr id="27" name="Straight Arrow Connector 26"/>
           <p:cNvCxnSpPr/>
           <p:nvPr/>
         </p:nvCxnSpPr>
         <p:spPr>
           <a:xfrm flipV="1">
-            <a:off x="1447800" y="3532969"/>
+            <a:off x="4724400" y="1143000"/>
             <a:ext cx="0" cy="1648631"/>
           </a:xfrm>
           <a:prstGeom prst="straightConnector1">
@@ -6937,13 +7975,13 @@
       </p:cxnSp>
       <p:cxnSp>
         <p:nvCxnSpPr>
-          <p:cNvPr id="79" name="Straight Connector 78"/>
+          <p:cNvPr id="29" name="Straight Connector 28"/>
           <p:cNvCxnSpPr/>
           <p:nvPr/>
         </p:nvCxnSpPr>
         <p:spPr>
           <a:xfrm>
-            <a:off x="1676400" y="4357285"/>
+            <a:off x="4953000" y="1967316"/>
             <a:ext cx="1752600" cy="309118"/>
           </a:xfrm>
           <a:prstGeom prst="line">
@@ -6967,13 +8005,13 @@
       </p:cxnSp>
       <p:sp>
         <p:nvSpPr>
-          <p:cNvPr id="80" name="TextBox 79"/>
+          <p:cNvPr id="30" name="TextBox 29"/>
           <p:cNvSpPr txBox="1"/>
           <p:nvPr/>
         </p:nvSpPr>
         <p:spPr>
           <a:xfrm>
-            <a:off x="914400" y="3532969"/>
+            <a:off x="4191000" y="1143000"/>
             <a:ext cx="461665" cy="1724831"/>
           </a:xfrm>
           <a:prstGeom prst="rect">
@@ -6997,13 +8035,13 @@
       </p:sp>
       <p:cxnSp>
         <p:nvCxnSpPr>
-          <p:cNvPr id="81" name="Straight Arrow Connector 80"/>
+          <p:cNvPr id="36" name="Straight Arrow Connector 35"/>
           <p:cNvCxnSpPr/>
           <p:nvPr/>
         </p:nvCxnSpPr>
         <p:spPr>
           <a:xfrm>
-            <a:off x="4800600" y="5181600"/>
+            <a:off x="4800600" y="4876800"/>
             <a:ext cx="2209800" cy="0"/>
           </a:xfrm>
           <a:prstGeom prst="straightConnector1">
@@ -7030,13 +8068,13 @@
       </p:cxnSp>
       <p:sp>
         <p:nvSpPr>
-          <p:cNvPr id="82" name="Oval 81"/>
+          <p:cNvPr id="37" name="Oval 36"/>
           <p:cNvSpPr/>
           <p:nvPr/>
         </p:nvSpPr>
         <p:spPr>
           <a:xfrm>
-            <a:off x="4953000" y="3657600"/>
+            <a:off x="4953000" y="3352800"/>
             <a:ext cx="152400" cy="206079"/>
           </a:xfrm>
           <a:prstGeom prst="ellipse">
@@ -7076,13 +8114,13 @@
       </p:sp>
       <p:sp>
         <p:nvSpPr>
-          <p:cNvPr id="83" name="Oval 82"/>
+          <p:cNvPr id="38" name="Oval 37"/>
           <p:cNvSpPr/>
           <p:nvPr/>
         </p:nvSpPr>
         <p:spPr>
           <a:xfrm>
-            <a:off x="5106880" y="3842087"/>
+            <a:off x="5106880" y="3537287"/>
             <a:ext cx="152400" cy="206079"/>
           </a:xfrm>
           <a:prstGeom prst="ellipse">
@@ -7122,13 +8160,13 @@
       </p:sp>
       <p:sp>
         <p:nvSpPr>
-          <p:cNvPr id="84" name="Oval 83"/>
+          <p:cNvPr id="39" name="Oval 38"/>
           <p:cNvSpPr/>
           <p:nvPr/>
         </p:nvSpPr>
         <p:spPr>
           <a:xfrm>
-            <a:off x="5562600" y="4594521"/>
+            <a:off x="5562600" y="4289721"/>
             <a:ext cx="152400" cy="206079"/>
           </a:xfrm>
           <a:prstGeom prst="ellipse">
@@ -7168,13 +8206,13 @@
       </p:sp>
       <p:sp>
         <p:nvSpPr>
-          <p:cNvPr id="85" name="Oval 84"/>
+          <p:cNvPr id="40" name="Oval 39"/>
           <p:cNvSpPr/>
           <p:nvPr/>
         </p:nvSpPr>
         <p:spPr>
           <a:xfrm>
-            <a:off x="5410200" y="4114800"/>
+            <a:off x="5410200" y="3810000"/>
             <a:ext cx="152400" cy="206079"/>
           </a:xfrm>
           <a:prstGeom prst="ellipse">
@@ -7214,13 +8252,13 @@
       </p:sp>
       <p:sp>
         <p:nvSpPr>
-          <p:cNvPr id="86" name="Oval 85"/>
+          <p:cNvPr id="41" name="Oval 40"/>
           <p:cNvSpPr/>
           <p:nvPr/>
         </p:nvSpPr>
         <p:spPr>
           <a:xfrm>
-            <a:off x="5943600" y="4670721"/>
+            <a:off x="5943600" y="4365921"/>
             <a:ext cx="152400" cy="206079"/>
           </a:xfrm>
           <a:prstGeom prst="ellipse">
@@ -7260,13 +8298,13 @@
       </p:sp>
       <p:sp>
         <p:nvSpPr>
-          <p:cNvPr id="87" name="Oval 86"/>
+          <p:cNvPr id="42" name="Oval 41"/>
           <p:cNvSpPr/>
           <p:nvPr/>
         </p:nvSpPr>
         <p:spPr>
           <a:xfrm>
-            <a:off x="5791200" y="4191000"/>
+            <a:off x="5791200" y="3886200"/>
             <a:ext cx="152400" cy="206079"/>
           </a:xfrm>
           <a:prstGeom prst="ellipse">
@@ -7306,13 +8344,13 @@
       </p:sp>
       <p:sp>
         <p:nvSpPr>
-          <p:cNvPr id="88" name="Oval 87"/>
+          <p:cNvPr id="43" name="Oval 42"/>
           <p:cNvSpPr/>
           <p:nvPr/>
         </p:nvSpPr>
         <p:spPr>
           <a:xfrm>
-            <a:off x="6477000" y="4769442"/>
+            <a:off x="6477000" y="4464642"/>
             <a:ext cx="152400" cy="206079"/>
           </a:xfrm>
           <a:prstGeom prst="ellipse">
@@ -7352,13 +8390,13 @@
       </p:sp>
       <p:sp>
         <p:nvSpPr>
-          <p:cNvPr id="89" name="Oval 88"/>
+          <p:cNvPr id="44" name="Oval 43"/>
           <p:cNvSpPr/>
           <p:nvPr/>
         </p:nvSpPr>
         <p:spPr>
           <a:xfrm>
-            <a:off x="6248400" y="4823121"/>
+            <a:off x="6248400" y="4518321"/>
             <a:ext cx="152400" cy="206079"/>
           </a:xfrm>
           <a:prstGeom prst="ellipse">
@@ -7398,13 +8436,13 @@
       </p:sp>
       <p:cxnSp>
         <p:nvCxnSpPr>
-          <p:cNvPr id="90" name="Straight Arrow Connector 89"/>
+          <p:cNvPr id="45" name="Straight Arrow Connector 44"/>
           <p:cNvCxnSpPr/>
           <p:nvPr/>
         </p:nvCxnSpPr>
         <p:spPr>
           <a:xfrm flipV="1">
-            <a:off x="4800600" y="3532969"/>
+            <a:off x="4800600" y="3228169"/>
             <a:ext cx="0" cy="1648631"/>
           </a:xfrm>
           <a:prstGeom prst="straightConnector1">
@@ -7431,13 +8469,13 @@
       </p:cxnSp>
       <p:cxnSp>
         <p:nvCxnSpPr>
-          <p:cNvPr id="91" name="Straight Connector 90"/>
+          <p:cNvPr id="46" name="Straight Connector 45"/>
           <p:cNvCxnSpPr/>
           <p:nvPr/>
         </p:nvCxnSpPr>
         <p:spPr>
           <a:xfrm>
-            <a:off x="5029200" y="4397079"/>
+            <a:off x="5029200" y="4092279"/>
             <a:ext cx="1752600" cy="269324"/>
           </a:xfrm>
           <a:prstGeom prst="line">
@@ -7461,13 +8499,13 @@
       </p:cxnSp>
       <p:sp>
         <p:nvSpPr>
-          <p:cNvPr id="92" name="TextBox 91"/>
+          <p:cNvPr id="47" name="TextBox 46"/>
           <p:cNvSpPr txBox="1"/>
           <p:nvPr/>
         </p:nvSpPr>
         <p:spPr>
           <a:xfrm>
-            <a:off x="4267200" y="3532969"/>
+            <a:off x="4267200" y="3228169"/>
             <a:ext cx="461665" cy="1724831"/>
           </a:xfrm>
           <a:prstGeom prst="rect">
@@ -7491,13 +8529,13 @@
       </p:sp>
       <p:sp>
         <p:nvSpPr>
-          <p:cNvPr id="93" name="TextBox 92"/>
+          <p:cNvPr id="49" name="TextBox 48"/>
           <p:cNvSpPr txBox="1"/>
           <p:nvPr/>
         </p:nvSpPr>
         <p:spPr>
           <a:xfrm>
-            <a:off x="1635792" y="5574268"/>
+            <a:off x="2630243" y="1752543"/>
             <a:ext cx="1717008" cy="369332"/>
           </a:xfrm>
           <a:prstGeom prst="rect">
@@ -7521,13 +8559,13 @@
       </p:sp>
       <p:sp>
         <p:nvSpPr>
-          <p:cNvPr id="94" name="TextBox 93"/>
+          <p:cNvPr id="50" name="TextBox 49"/>
           <p:cNvSpPr txBox="1"/>
           <p:nvPr/>
         </p:nvSpPr>
         <p:spPr>
           <a:xfrm>
-            <a:off x="4965597" y="5574268"/>
+            <a:off x="2527197" y="4050268"/>
             <a:ext cx="1816203" cy="369332"/>
           </a:xfrm>
           <a:prstGeom prst="rect">
@@ -7549,15 +8587,75 @@
           </a:p>
         </p:txBody>
       </p:sp>
-      <p:sp>
-        <p:nvSpPr>
-          <p:cNvPr id="95" name="Down Arrow 94"/>
+      <p:cxnSp>
+        <p:nvCxnSpPr>
+          <p:cNvPr id="54" name="Straight Connector 53"/>
+          <p:cNvCxnSpPr/>
+          <p:nvPr/>
+        </p:nvCxnSpPr>
+        <p:spPr>
+          <a:xfrm>
+            <a:off x="2209800" y="2585552"/>
+            <a:ext cx="0" cy="1327487"/>
+          </a:xfrm>
+          <a:prstGeom prst="line">
+            <a:avLst/>
+          </a:prstGeom>
+        </p:spPr>
+        <p:style>
+          <a:lnRef idx="3">
+            <a:schemeClr val="accent1"/>
+          </a:lnRef>
+          <a:fillRef idx="0">
+            <a:schemeClr val="accent1"/>
+          </a:fillRef>
+          <a:effectRef idx="2">
+            <a:schemeClr val="accent1"/>
+          </a:effectRef>
+          <a:fontRef idx="minor">
+            <a:schemeClr val="tx1"/>
+          </a:fontRef>
+        </p:style>
+      </p:cxnSp>
+      <p:sp>
+        <p:nvSpPr>
+          <p:cNvPr id="60" name="TextBox 59"/>
+          <p:cNvSpPr txBox="1"/>
+          <p:nvPr/>
+        </p:nvSpPr>
+        <p:spPr>
+          <a:xfrm>
+            <a:off x="744787" y="2683165"/>
+            <a:ext cx="1406026" cy="369332"/>
+          </a:xfrm>
+          <a:prstGeom prst="rect">
+            <a:avLst/>
+          </a:prstGeom>
+          <a:noFill/>
+        </p:spPr>
+        <p:txBody>
+          <a:bodyPr wrap="none" rtlCol="0">
+            <a:spAutoFit/>
+          </a:bodyPr>
+          <a:lstStyle/>
+          <a:p>
+            <a:r>
+              <a:rPr lang="en-CA" dirty="0" smtClean="0"/>
+              <a:t>Original Data</a:t>
+            </a:r>
+            <a:endParaRPr lang="en-CA" dirty="0"/>
+          </a:p>
+        </p:txBody>
+      </p:sp>
+      <p:sp>
+        <p:nvSpPr>
+          <p:cNvPr id="61" name="Down Arrow 60"/>
           <p:cNvSpPr/>
           <p:nvPr/>
         </p:nvSpPr>
         <p:spPr>
-          <a:xfrm rot="2936955">
-            <a:off x="2797092" y="3029236"/>
+          <a:xfrm rot="14294456">
+            <a:off x="3429000" y="2308521"/>
             <a:ext cx="381000" cy="434679"/>
           </a:xfrm>
           <a:prstGeom prst="downArrow">
@@ -7597,13 +8695,13 @@
       </p:sp>
       <p:sp>
         <p:nvSpPr>
-          <p:cNvPr id="96" name="Down Arrow 95"/>
+          <p:cNvPr id="62" name="Down Arrow 61"/>
           <p:cNvSpPr/>
           <p:nvPr/>
         </p:nvSpPr>
         <p:spPr>
           <a:xfrm rot="17980806">
-            <a:off x="4664653" y="3027585"/>
+            <a:off x="3412547" y="3544887"/>
             <a:ext cx="381000" cy="434679"/>
           </a:xfrm>
           <a:prstGeom prst="downArrow">
@@ -7644,7 +8742,7 @@
     </p:spTree>
     <p:extLst>
       <p:ext uri="{BB962C8B-B14F-4D97-AF65-F5344CB8AC3E}">
-        <p14:creationId xmlns:p14="http://schemas.microsoft.com/office/powerpoint/2010/main" val="3659775763"/>
+        <p14:creationId xmlns:p14="http://schemas.microsoft.com/office/powerpoint/2010/main" val="660332290"/>
       </p:ext>
     </p:extLst>
   </p:cSld>
@@ -7671,97 +8769,417 @@
           <a:chExt cx="0" cy="0"/>
         </a:xfrm>
       </p:grpSpPr>
-      <p:grpSp>
-        <p:nvGrpSpPr>
-          <p:cNvPr id="6" name="Group 5"/>
-          <p:cNvGrpSpPr/>
-          <p:nvPr/>
-        </p:nvGrpSpPr>
-        <p:grpSpPr>
-          <a:xfrm>
-            <a:off x="2438400" y="2362201"/>
-            <a:ext cx="3429000" cy="2819400"/>
-            <a:chOff x="2438400" y="3532969"/>
-            <a:chExt cx="2486025" cy="1648631"/>
-          </a:xfrm>
-        </p:grpSpPr>
-        <p:cxnSp>
-          <p:nvCxnSpPr>
-            <p:cNvPr id="4" name="Straight Arrow Connector 3"/>
-            <p:cNvCxnSpPr/>
-            <p:nvPr/>
-          </p:nvCxnSpPr>
-          <p:spPr>
-            <a:xfrm>
-              <a:off x="2438400" y="5181600"/>
-              <a:ext cx="2486025" cy="0"/>
-            </a:xfrm>
-            <a:prstGeom prst="straightConnector1">
-              <a:avLst/>
-            </a:prstGeom>
-            <a:ln>
-              <a:tailEnd type="arrow"/>
-            </a:ln>
-          </p:spPr>
-          <p:style>
-            <a:lnRef idx="3">
-              <a:schemeClr val="dk1"/>
-            </a:lnRef>
-            <a:fillRef idx="0">
-              <a:schemeClr val="dk1"/>
-            </a:fillRef>
-            <a:effectRef idx="2">
-              <a:schemeClr val="dk1"/>
-            </a:effectRef>
-            <a:fontRef idx="minor">
-              <a:schemeClr val="tx1"/>
-            </a:fontRef>
-          </p:style>
-        </p:cxnSp>
-        <p:cxnSp>
-          <p:nvCxnSpPr>
-            <p:cNvPr id="5" name="Straight Arrow Connector 4"/>
-            <p:cNvCxnSpPr/>
-            <p:nvPr/>
-          </p:nvCxnSpPr>
-          <p:spPr>
-            <a:xfrm flipV="1">
-              <a:off x="2438400" y="3532969"/>
-              <a:ext cx="0" cy="1648631"/>
-            </a:xfrm>
-            <a:prstGeom prst="straightConnector1">
-              <a:avLst/>
-            </a:prstGeom>
-            <a:ln>
-              <a:tailEnd type="arrow"/>
-            </a:ln>
-          </p:spPr>
-          <p:style>
-            <a:lnRef idx="3">
-              <a:schemeClr val="dk1"/>
-            </a:lnRef>
-            <a:fillRef idx="0">
-              <a:schemeClr val="dk1"/>
-            </a:fillRef>
-            <a:effectRef idx="2">
-              <a:schemeClr val="dk1"/>
-            </a:effectRef>
-            <a:fontRef idx="minor">
-              <a:schemeClr val="tx1"/>
-            </a:fontRef>
-          </p:style>
-        </p:cxnSp>
-      </p:grpSp>
       <p:cxnSp>
         <p:nvCxnSpPr>
-          <p:cNvPr id="9" name="Straight Connector 8"/>
+          <p:cNvPr id="48" name="Straight Arrow Connector 47"/>
           <p:cNvCxnSpPr/>
           <p:nvPr/>
         </p:nvCxnSpPr>
         <p:spPr>
           <a:xfrm>
-            <a:off x="2590800" y="2971800"/>
-            <a:ext cx="1981200" cy="2209801"/>
+            <a:off x="2743200" y="2335361"/>
+            <a:ext cx="2362200" cy="0"/>
+          </a:xfrm>
+          <a:prstGeom prst="straightConnector1">
+            <a:avLst/>
+          </a:prstGeom>
+          <a:ln>
+            <a:tailEnd type="arrow"/>
+          </a:ln>
+        </p:spPr>
+        <p:style>
+          <a:lnRef idx="3">
+            <a:schemeClr val="dk1"/>
+          </a:lnRef>
+          <a:fillRef idx="0">
+            <a:schemeClr val="dk1"/>
+          </a:fillRef>
+          <a:effectRef idx="2">
+            <a:schemeClr val="dk1"/>
+          </a:effectRef>
+          <a:fontRef idx="minor">
+            <a:schemeClr val="tx1"/>
+          </a:fontRef>
+        </p:style>
+      </p:cxnSp>
+      <p:sp>
+        <p:nvSpPr>
+          <p:cNvPr id="51" name="Oval 50"/>
+          <p:cNvSpPr/>
+          <p:nvPr/>
+        </p:nvSpPr>
+        <p:spPr>
+          <a:xfrm>
+            <a:off x="2819400" y="2259161"/>
+            <a:ext cx="152400" cy="152400"/>
+          </a:xfrm>
+          <a:prstGeom prst="ellipse">
+            <a:avLst/>
+          </a:prstGeom>
+          <a:solidFill>
+            <a:srgbClr val="FF0000"/>
+          </a:solidFill>
+          <a:ln>
+            <a:noFill/>
+          </a:ln>
+        </p:spPr>
+        <p:style>
+          <a:lnRef idx="2">
+            <a:schemeClr val="accent1">
+              <a:shade val="50000"/>
+            </a:schemeClr>
+          </a:lnRef>
+          <a:fillRef idx="1">
+            <a:schemeClr val="accent1"/>
+          </a:fillRef>
+          <a:effectRef idx="0">
+            <a:schemeClr val="accent1"/>
+          </a:effectRef>
+          <a:fontRef idx="minor">
+            <a:schemeClr val="lt1"/>
+          </a:fontRef>
+        </p:style>
+        <p:txBody>
+          <a:bodyPr rtlCol="0" anchor="ctr"/>
+          <a:lstStyle/>
+          <a:p>
+            <a:pPr algn="ctr"/>
+            <a:endParaRPr lang="en-CA"/>
+          </a:p>
+        </p:txBody>
+      </p:sp>
+      <p:sp>
+        <p:nvSpPr>
+          <p:cNvPr id="52" name="Oval 51"/>
+          <p:cNvSpPr/>
+          <p:nvPr/>
+        </p:nvSpPr>
+        <p:spPr>
+          <a:xfrm>
+            <a:off x="3048000" y="2259161"/>
+            <a:ext cx="152400" cy="152400"/>
+          </a:xfrm>
+          <a:prstGeom prst="ellipse">
+            <a:avLst/>
+          </a:prstGeom>
+          <a:solidFill>
+            <a:srgbClr val="00B050"/>
+          </a:solidFill>
+          <a:ln>
+            <a:noFill/>
+          </a:ln>
+        </p:spPr>
+        <p:style>
+          <a:lnRef idx="2">
+            <a:schemeClr val="accent1">
+              <a:shade val="50000"/>
+            </a:schemeClr>
+          </a:lnRef>
+          <a:fillRef idx="1">
+            <a:schemeClr val="accent1"/>
+          </a:fillRef>
+          <a:effectRef idx="0">
+            <a:schemeClr val="accent1"/>
+          </a:effectRef>
+          <a:fontRef idx="minor">
+            <a:schemeClr val="lt1"/>
+          </a:fontRef>
+        </p:style>
+        <p:txBody>
+          <a:bodyPr rtlCol="0" anchor="ctr"/>
+          <a:lstStyle/>
+          <a:p>
+            <a:pPr algn="ctr"/>
+            <a:endParaRPr lang="en-CA"/>
+          </a:p>
+        </p:txBody>
+      </p:sp>
+      <p:sp>
+        <p:nvSpPr>
+          <p:cNvPr id="53" name="Oval 52"/>
+          <p:cNvSpPr/>
+          <p:nvPr/>
+        </p:nvSpPr>
+        <p:spPr>
+          <a:xfrm>
+            <a:off x="3505200" y="2259161"/>
+            <a:ext cx="152400" cy="152400"/>
+          </a:xfrm>
+          <a:prstGeom prst="ellipse">
+            <a:avLst/>
+          </a:prstGeom>
+          <a:solidFill>
+            <a:srgbClr val="00B050"/>
+          </a:solidFill>
+          <a:ln>
+            <a:noFill/>
+          </a:ln>
+        </p:spPr>
+        <p:style>
+          <a:lnRef idx="2">
+            <a:schemeClr val="accent1">
+              <a:shade val="50000"/>
+            </a:schemeClr>
+          </a:lnRef>
+          <a:fillRef idx="1">
+            <a:schemeClr val="accent1"/>
+          </a:fillRef>
+          <a:effectRef idx="0">
+            <a:schemeClr val="accent1"/>
+          </a:effectRef>
+          <a:fontRef idx="minor">
+            <a:schemeClr val="lt1"/>
+          </a:fontRef>
+        </p:style>
+        <p:txBody>
+          <a:bodyPr rtlCol="0" anchor="ctr"/>
+          <a:lstStyle/>
+          <a:p>
+            <a:pPr algn="ctr"/>
+            <a:endParaRPr lang="en-CA"/>
+          </a:p>
+        </p:txBody>
+      </p:sp>
+      <p:sp>
+        <p:nvSpPr>
+          <p:cNvPr id="55" name="Oval 54"/>
+          <p:cNvSpPr/>
+          <p:nvPr/>
+        </p:nvSpPr>
+        <p:spPr>
+          <a:xfrm>
+            <a:off x="3276600" y="2259161"/>
+            <a:ext cx="152400" cy="152400"/>
+          </a:xfrm>
+          <a:prstGeom prst="ellipse">
+            <a:avLst/>
+          </a:prstGeom>
+          <a:solidFill>
+            <a:srgbClr val="00B050"/>
+          </a:solidFill>
+          <a:ln>
+            <a:noFill/>
+          </a:ln>
+        </p:spPr>
+        <p:style>
+          <a:lnRef idx="2">
+            <a:schemeClr val="accent1">
+              <a:shade val="50000"/>
+            </a:schemeClr>
+          </a:lnRef>
+          <a:fillRef idx="1">
+            <a:schemeClr val="accent1"/>
+          </a:fillRef>
+          <a:effectRef idx="0">
+            <a:schemeClr val="accent1"/>
+          </a:effectRef>
+          <a:fontRef idx="minor">
+            <a:schemeClr val="lt1"/>
+          </a:fontRef>
+        </p:style>
+        <p:txBody>
+          <a:bodyPr rtlCol="0" anchor="ctr"/>
+          <a:lstStyle/>
+          <a:p>
+            <a:pPr algn="ctr"/>
+            <a:endParaRPr lang="en-CA"/>
+          </a:p>
+        </p:txBody>
+      </p:sp>
+      <p:sp>
+        <p:nvSpPr>
+          <p:cNvPr id="56" name="Oval 55"/>
+          <p:cNvSpPr/>
+          <p:nvPr/>
+        </p:nvSpPr>
+        <p:spPr>
+          <a:xfrm>
+            <a:off x="3733800" y="2259161"/>
+            <a:ext cx="152400" cy="152400"/>
+          </a:xfrm>
+          <a:prstGeom prst="ellipse">
+            <a:avLst/>
+          </a:prstGeom>
+          <a:solidFill>
+            <a:srgbClr val="00B050"/>
+          </a:solidFill>
+          <a:ln>
+            <a:noFill/>
+          </a:ln>
+        </p:spPr>
+        <p:style>
+          <a:lnRef idx="2">
+            <a:schemeClr val="accent1">
+              <a:shade val="50000"/>
+            </a:schemeClr>
+          </a:lnRef>
+          <a:fillRef idx="1">
+            <a:schemeClr val="accent1"/>
+          </a:fillRef>
+          <a:effectRef idx="0">
+            <a:schemeClr val="accent1"/>
+          </a:effectRef>
+          <a:fontRef idx="minor">
+            <a:schemeClr val="lt1"/>
+          </a:fontRef>
+        </p:style>
+        <p:txBody>
+          <a:bodyPr rtlCol="0" anchor="ctr"/>
+          <a:lstStyle/>
+          <a:p>
+            <a:pPr algn="ctr"/>
+            <a:endParaRPr lang="en-CA"/>
+          </a:p>
+        </p:txBody>
+      </p:sp>
+      <p:sp>
+        <p:nvSpPr>
+          <p:cNvPr id="57" name="Oval 56"/>
+          <p:cNvSpPr/>
+          <p:nvPr/>
+        </p:nvSpPr>
+        <p:spPr>
+          <a:xfrm>
+            <a:off x="4038600" y="2259161"/>
+            <a:ext cx="152400" cy="152400"/>
+          </a:xfrm>
+          <a:prstGeom prst="ellipse">
+            <a:avLst/>
+          </a:prstGeom>
+          <a:solidFill>
+            <a:srgbClr val="FF0000"/>
+          </a:solidFill>
+          <a:ln>
+            <a:noFill/>
+          </a:ln>
+        </p:spPr>
+        <p:style>
+          <a:lnRef idx="2">
+            <a:schemeClr val="accent1">
+              <a:shade val="50000"/>
+            </a:schemeClr>
+          </a:lnRef>
+          <a:fillRef idx="1">
+            <a:schemeClr val="accent1"/>
+          </a:fillRef>
+          <a:effectRef idx="0">
+            <a:schemeClr val="accent1"/>
+          </a:effectRef>
+          <a:fontRef idx="minor">
+            <a:schemeClr val="lt1"/>
+          </a:fontRef>
+        </p:style>
+        <p:txBody>
+          <a:bodyPr rtlCol="0" anchor="ctr"/>
+          <a:lstStyle/>
+          <a:p>
+            <a:pPr algn="ctr"/>
+            <a:endParaRPr lang="en-CA"/>
+          </a:p>
+        </p:txBody>
+      </p:sp>
+      <p:sp>
+        <p:nvSpPr>
+          <p:cNvPr id="58" name="Oval 57"/>
+          <p:cNvSpPr/>
+          <p:nvPr/>
+        </p:nvSpPr>
+        <p:spPr>
+          <a:xfrm>
+            <a:off x="4495800" y="2259161"/>
+            <a:ext cx="152400" cy="152400"/>
+          </a:xfrm>
+          <a:prstGeom prst="ellipse">
+            <a:avLst/>
+          </a:prstGeom>
+          <a:solidFill>
+            <a:srgbClr val="FF0000"/>
+          </a:solidFill>
+          <a:ln>
+            <a:noFill/>
+          </a:ln>
+        </p:spPr>
+        <p:style>
+          <a:lnRef idx="2">
+            <a:schemeClr val="accent1">
+              <a:shade val="50000"/>
+            </a:schemeClr>
+          </a:lnRef>
+          <a:fillRef idx="1">
+            <a:schemeClr val="accent1"/>
+          </a:fillRef>
+          <a:effectRef idx="0">
+            <a:schemeClr val="accent1"/>
+          </a:effectRef>
+          <a:fontRef idx="minor">
+            <a:schemeClr val="lt1"/>
+          </a:fontRef>
+        </p:style>
+        <p:txBody>
+          <a:bodyPr rtlCol="0" anchor="ctr"/>
+          <a:lstStyle/>
+          <a:p>
+            <a:pPr algn="ctr"/>
+            <a:endParaRPr lang="en-CA"/>
+          </a:p>
+        </p:txBody>
+      </p:sp>
+      <p:sp>
+        <p:nvSpPr>
+          <p:cNvPr id="59" name="Oval 58"/>
+          <p:cNvSpPr/>
+          <p:nvPr/>
+        </p:nvSpPr>
+        <p:spPr>
+          <a:xfrm>
+            <a:off x="4267200" y="2259161"/>
+            <a:ext cx="152400" cy="152400"/>
+          </a:xfrm>
+          <a:prstGeom prst="ellipse">
+            <a:avLst/>
+          </a:prstGeom>
+          <a:solidFill>
+            <a:srgbClr val="FF0000"/>
+          </a:solidFill>
+          <a:ln>
+            <a:noFill/>
+          </a:ln>
+        </p:spPr>
+        <p:style>
+          <a:lnRef idx="2">
+            <a:schemeClr val="accent1">
+              <a:shade val="50000"/>
+            </a:schemeClr>
+          </a:lnRef>
+          <a:fillRef idx="1">
+            <a:schemeClr val="accent1"/>
+          </a:fillRef>
+          <a:effectRef idx="0">
+            <a:schemeClr val="accent1"/>
+          </a:effectRef>
+          <a:fontRef idx="minor">
+            <a:schemeClr val="lt1"/>
+          </a:fontRef>
+        </p:style>
+        <p:txBody>
+          <a:bodyPr rtlCol="0" anchor="ctr"/>
+          <a:lstStyle/>
+          <a:p>
+            <a:pPr algn="ctr"/>
+            <a:endParaRPr lang="en-CA"/>
+          </a:p>
+        </p:txBody>
+      </p:sp>
+      <p:cxnSp>
+        <p:nvCxnSpPr>
+          <p:cNvPr id="65" name="Straight Connector 64"/>
+          <p:cNvCxnSpPr/>
+          <p:nvPr/>
+        </p:nvCxnSpPr>
+        <p:spPr>
+          <a:xfrm>
+            <a:off x="3962400" y="1720513"/>
+            <a:ext cx="0" cy="1327487"/>
           </a:xfrm>
           <a:prstGeom prst="line">
             <a:avLst/>
@@ -7769,13 +9187,477 @@
         </p:spPr>
         <p:style>
           <a:lnRef idx="3">
-            <a:schemeClr val="accent2"/>
+            <a:schemeClr val="accent1"/>
           </a:lnRef>
           <a:fillRef idx="0">
-            <a:schemeClr val="accent2"/>
+            <a:schemeClr val="accent1"/>
           </a:fillRef>
           <a:effectRef idx="2">
-            <a:schemeClr val="accent2"/>
+            <a:schemeClr val="accent1"/>
+          </a:effectRef>
+          <a:fontRef idx="minor">
+            <a:schemeClr val="tx1"/>
+          </a:fontRef>
+        </p:style>
+      </p:cxnSp>
+      <p:sp>
+        <p:nvSpPr>
+          <p:cNvPr id="66" name="TextBox 65"/>
+          <p:cNvSpPr txBox="1"/>
+          <p:nvPr/>
+        </p:nvSpPr>
+        <p:spPr>
+          <a:xfrm>
+            <a:off x="3259387" y="1232048"/>
+            <a:ext cx="1406026" cy="369332"/>
+          </a:xfrm>
+          <a:prstGeom prst="rect">
+            <a:avLst/>
+          </a:prstGeom>
+          <a:noFill/>
+        </p:spPr>
+        <p:txBody>
+          <a:bodyPr wrap="none" rtlCol="0">
+            <a:spAutoFit/>
+          </a:bodyPr>
+          <a:lstStyle/>
+          <a:p>
+            <a:r>
+              <a:rPr lang="en-CA" dirty="0" smtClean="0"/>
+              <a:t>Original Data</a:t>
+            </a:r>
+            <a:endParaRPr lang="en-CA" dirty="0"/>
+          </a:p>
+        </p:txBody>
+      </p:sp>
+      <p:cxnSp>
+        <p:nvCxnSpPr>
+          <p:cNvPr id="69" name="Straight Arrow Connector 68"/>
+          <p:cNvCxnSpPr/>
+          <p:nvPr/>
+        </p:nvCxnSpPr>
+        <p:spPr>
+          <a:xfrm>
+            <a:off x="1447800" y="5181600"/>
+            <a:ext cx="2209800" cy="0"/>
+          </a:xfrm>
+          <a:prstGeom prst="straightConnector1">
+            <a:avLst/>
+          </a:prstGeom>
+          <a:ln>
+            <a:tailEnd type="arrow"/>
+          </a:ln>
+        </p:spPr>
+        <p:style>
+          <a:lnRef idx="3">
+            <a:schemeClr val="dk1"/>
+          </a:lnRef>
+          <a:fillRef idx="0">
+            <a:schemeClr val="dk1"/>
+          </a:fillRef>
+          <a:effectRef idx="2">
+            <a:schemeClr val="dk1"/>
+          </a:effectRef>
+          <a:fontRef idx="minor">
+            <a:schemeClr val="tx1"/>
+          </a:fontRef>
+        </p:style>
+      </p:cxnSp>
+      <p:sp>
+        <p:nvSpPr>
+          <p:cNvPr id="70" name="Oval 69"/>
+          <p:cNvSpPr/>
+          <p:nvPr/>
+        </p:nvSpPr>
+        <p:spPr>
+          <a:xfrm>
+            <a:off x="1600200" y="4563363"/>
+            <a:ext cx="152400" cy="206079"/>
+          </a:xfrm>
+          <a:prstGeom prst="ellipse">
+            <a:avLst/>
+          </a:prstGeom>
+          <a:solidFill>
+            <a:srgbClr val="FF0000"/>
+          </a:solidFill>
+          <a:ln>
+            <a:noFill/>
+          </a:ln>
+        </p:spPr>
+        <p:style>
+          <a:lnRef idx="2">
+            <a:schemeClr val="accent1">
+              <a:shade val="50000"/>
+            </a:schemeClr>
+          </a:lnRef>
+          <a:fillRef idx="1">
+            <a:schemeClr val="accent1"/>
+          </a:fillRef>
+          <a:effectRef idx="0">
+            <a:schemeClr val="accent1"/>
+          </a:effectRef>
+          <a:fontRef idx="minor">
+            <a:schemeClr val="lt1"/>
+          </a:fontRef>
+        </p:style>
+        <p:txBody>
+          <a:bodyPr rtlCol="0" anchor="ctr"/>
+          <a:lstStyle/>
+          <a:p>
+            <a:pPr algn="ctr"/>
+            <a:endParaRPr lang="en-CA"/>
+          </a:p>
+        </p:txBody>
+      </p:sp>
+      <p:sp>
+        <p:nvSpPr>
+          <p:cNvPr id="71" name="Oval 70"/>
+          <p:cNvSpPr/>
+          <p:nvPr/>
+        </p:nvSpPr>
+        <p:spPr>
+          <a:xfrm>
+            <a:off x="1754080" y="3842087"/>
+            <a:ext cx="152400" cy="206079"/>
+          </a:xfrm>
+          <a:prstGeom prst="ellipse">
+            <a:avLst/>
+          </a:prstGeom>
+          <a:solidFill>
+            <a:srgbClr val="00B050"/>
+          </a:solidFill>
+          <a:ln>
+            <a:noFill/>
+          </a:ln>
+        </p:spPr>
+        <p:style>
+          <a:lnRef idx="2">
+            <a:schemeClr val="accent1">
+              <a:shade val="50000"/>
+            </a:schemeClr>
+          </a:lnRef>
+          <a:fillRef idx="1">
+            <a:schemeClr val="accent1"/>
+          </a:fillRef>
+          <a:effectRef idx="0">
+            <a:schemeClr val="accent1"/>
+          </a:effectRef>
+          <a:fontRef idx="minor">
+            <a:schemeClr val="lt1"/>
+          </a:fontRef>
+        </p:style>
+        <p:txBody>
+          <a:bodyPr rtlCol="0" anchor="ctr"/>
+          <a:lstStyle/>
+          <a:p>
+            <a:pPr algn="ctr"/>
+            <a:endParaRPr lang="en-CA"/>
+          </a:p>
+        </p:txBody>
+      </p:sp>
+      <p:sp>
+        <p:nvSpPr>
+          <p:cNvPr id="72" name="Oval 71"/>
+          <p:cNvSpPr/>
+          <p:nvPr/>
+        </p:nvSpPr>
+        <p:spPr>
+          <a:xfrm>
+            <a:off x="2209800" y="4151206"/>
+            <a:ext cx="152400" cy="206079"/>
+          </a:xfrm>
+          <a:prstGeom prst="ellipse">
+            <a:avLst/>
+          </a:prstGeom>
+          <a:solidFill>
+            <a:srgbClr val="00B050"/>
+          </a:solidFill>
+          <a:ln>
+            <a:noFill/>
+          </a:ln>
+        </p:spPr>
+        <p:style>
+          <a:lnRef idx="2">
+            <a:schemeClr val="accent1">
+              <a:shade val="50000"/>
+            </a:schemeClr>
+          </a:lnRef>
+          <a:fillRef idx="1">
+            <a:schemeClr val="accent1"/>
+          </a:fillRef>
+          <a:effectRef idx="0">
+            <a:schemeClr val="accent1"/>
+          </a:effectRef>
+          <a:fontRef idx="minor">
+            <a:schemeClr val="lt1"/>
+          </a:fontRef>
+        </p:style>
+        <p:txBody>
+          <a:bodyPr rtlCol="0" anchor="ctr"/>
+          <a:lstStyle/>
+          <a:p>
+            <a:pPr algn="ctr"/>
+            <a:endParaRPr lang="en-CA"/>
+          </a:p>
+        </p:txBody>
+      </p:sp>
+      <p:sp>
+        <p:nvSpPr>
+          <p:cNvPr id="73" name="Oval 72"/>
+          <p:cNvSpPr/>
+          <p:nvPr/>
+        </p:nvSpPr>
+        <p:spPr>
+          <a:xfrm>
+            <a:off x="1981200" y="4066369"/>
+            <a:ext cx="152400" cy="206079"/>
+          </a:xfrm>
+          <a:prstGeom prst="ellipse">
+            <a:avLst/>
+          </a:prstGeom>
+          <a:solidFill>
+            <a:srgbClr val="00B050"/>
+          </a:solidFill>
+          <a:ln>
+            <a:noFill/>
+          </a:ln>
+        </p:spPr>
+        <p:style>
+          <a:lnRef idx="2">
+            <a:schemeClr val="accent1">
+              <a:shade val="50000"/>
+            </a:schemeClr>
+          </a:lnRef>
+          <a:fillRef idx="1">
+            <a:schemeClr val="accent1"/>
+          </a:fillRef>
+          <a:effectRef idx="0">
+            <a:schemeClr val="accent1"/>
+          </a:effectRef>
+          <a:fontRef idx="minor">
+            <a:schemeClr val="lt1"/>
+          </a:fontRef>
+        </p:style>
+        <p:txBody>
+          <a:bodyPr rtlCol="0" anchor="ctr"/>
+          <a:lstStyle/>
+          <a:p>
+            <a:pPr algn="ctr"/>
+            <a:endParaRPr lang="en-CA"/>
+          </a:p>
+        </p:txBody>
+      </p:sp>
+      <p:sp>
+        <p:nvSpPr>
+          <p:cNvPr id="74" name="Oval 73"/>
+          <p:cNvSpPr/>
+          <p:nvPr/>
+        </p:nvSpPr>
+        <p:spPr>
+          <a:xfrm>
+            <a:off x="2438400" y="3739048"/>
+            <a:ext cx="152400" cy="206079"/>
+          </a:xfrm>
+          <a:prstGeom prst="ellipse">
+            <a:avLst/>
+          </a:prstGeom>
+          <a:solidFill>
+            <a:srgbClr val="00B050"/>
+          </a:solidFill>
+          <a:ln>
+            <a:noFill/>
+          </a:ln>
+        </p:spPr>
+        <p:style>
+          <a:lnRef idx="2">
+            <a:schemeClr val="accent1">
+              <a:shade val="50000"/>
+            </a:schemeClr>
+          </a:lnRef>
+          <a:fillRef idx="1">
+            <a:schemeClr val="accent1"/>
+          </a:fillRef>
+          <a:effectRef idx="0">
+            <a:schemeClr val="accent1"/>
+          </a:effectRef>
+          <a:fontRef idx="minor">
+            <a:schemeClr val="lt1"/>
+          </a:fontRef>
+        </p:style>
+        <p:txBody>
+          <a:bodyPr rtlCol="0" anchor="ctr"/>
+          <a:lstStyle/>
+          <a:p>
+            <a:pPr algn="ctr"/>
+            <a:endParaRPr lang="en-CA"/>
+          </a:p>
+        </p:txBody>
+      </p:sp>
+      <p:sp>
+        <p:nvSpPr>
+          <p:cNvPr id="75" name="Oval 74"/>
+          <p:cNvSpPr/>
+          <p:nvPr/>
+        </p:nvSpPr>
+        <p:spPr>
+          <a:xfrm>
+            <a:off x="2667000" y="4769442"/>
+            <a:ext cx="152400" cy="206079"/>
+          </a:xfrm>
+          <a:prstGeom prst="ellipse">
+            <a:avLst/>
+          </a:prstGeom>
+          <a:solidFill>
+            <a:srgbClr val="FF0000"/>
+          </a:solidFill>
+          <a:ln>
+            <a:noFill/>
+          </a:ln>
+        </p:spPr>
+        <p:style>
+          <a:lnRef idx="2">
+            <a:schemeClr val="accent1">
+              <a:shade val="50000"/>
+            </a:schemeClr>
+          </a:lnRef>
+          <a:fillRef idx="1">
+            <a:schemeClr val="accent1"/>
+          </a:fillRef>
+          <a:effectRef idx="0">
+            <a:schemeClr val="accent1"/>
+          </a:effectRef>
+          <a:fontRef idx="minor">
+            <a:schemeClr val="lt1"/>
+          </a:fontRef>
+        </p:style>
+        <p:txBody>
+          <a:bodyPr rtlCol="0" anchor="ctr"/>
+          <a:lstStyle/>
+          <a:p>
+            <a:pPr algn="ctr"/>
+            <a:endParaRPr lang="en-CA"/>
+          </a:p>
+        </p:txBody>
+      </p:sp>
+      <p:sp>
+        <p:nvSpPr>
+          <p:cNvPr id="76" name="Oval 75"/>
+          <p:cNvSpPr/>
+          <p:nvPr/>
+        </p:nvSpPr>
+        <p:spPr>
+          <a:xfrm>
+            <a:off x="3124200" y="4769442"/>
+            <a:ext cx="152400" cy="206079"/>
+          </a:xfrm>
+          <a:prstGeom prst="ellipse">
+            <a:avLst/>
+          </a:prstGeom>
+          <a:solidFill>
+            <a:srgbClr val="FF0000"/>
+          </a:solidFill>
+          <a:ln>
+            <a:noFill/>
+          </a:ln>
+        </p:spPr>
+        <p:style>
+          <a:lnRef idx="2">
+            <a:schemeClr val="accent1">
+              <a:shade val="50000"/>
+            </a:schemeClr>
+          </a:lnRef>
+          <a:fillRef idx="1">
+            <a:schemeClr val="accent1"/>
+          </a:fillRef>
+          <a:effectRef idx="0">
+            <a:schemeClr val="accent1"/>
+          </a:effectRef>
+          <a:fontRef idx="minor">
+            <a:schemeClr val="lt1"/>
+          </a:fontRef>
+        </p:style>
+        <p:txBody>
+          <a:bodyPr rtlCol="0" anchor="ctr"/>
+          <a:lstStyle/>
+          <a:p>
+            <a:pPr algn="ctr"/>
+            <a:endParaRPr lang="en-CA"/>
+          </a:p>
+        </p:txBody>
+      </p:sp>
+      <p:sp>
+        <p:nvSpPr>
+          <p:cNvPr id="77" name="Oval 76"/>
+          <p:cNvSpPr/>
+          <p:nvPr/>
+        </p:nvSpPr>
+        <p:spPr>
+          <a:xfrm>
+            <a:off x="2895600" y="4698490"/>
+            <a:ext cx="152400" cy="206079"/>
+          </a:xfrm>
+          <a:prstGeom prst="ellipse">
+            <a:avLst/>
+          </a:prstGeom>
+          <a:solidFill>
+            <a:srgbClr val="FF0000"/>
+          </a:solidFill>
+          <a:ln>
+            <a:noFill/>
+          </a:ln>
+        </p:spPr>
+        <p:style>
+          <a:lnRef idx="2">
+            <a:schemeClr val="accent1">
+              <a:shade val="50000"/>
+            </a:schemeClr>
+          </a:lnRef>
+          <a:fillRef idx="1">
+            <a:schemeClr val="accent1"/>
+          </a:fillRef>
+          <a:effectRef idx="0">
+            <a:schemeClr val="accent1"/>
+          </a:effectRef>
+          <a:fontRef idx="minor">
+            <a:schemeClr val="lt1"/>
+          </a:fontRef>
+        </p:style>
+        <p:txBody>
+          <a:bodyPr rtlCol="0" anchor="ctr"/>
+          <a:lstStyle/>
+          <a:p>
+            <a:pPr algn="ctr"/>
+            <a:endParaRPr lang="en-CA"/>
+          </a:p>
+        </p:txBody>
+      </p:sp>
+      <p:cxnSp>
+        <p:nvCxnSpPr>
+          <p:cNvPr id="78" name="Straight Arrow Connector 77"/>
+          <p:cNvCxnSpPr/>
+          <p:nvPr/>
+        </p:nvCxnSpPr>
+        <p:spPr>
+          <a:xfrm flipV="1">
+            <a:off x="1447800" y="3532969"/>
+            <a:ext cx="0" cy="1648631"/>
+          </a:xfrm>
+          <a:prstGeom prst="straightConnector1">
+            <a:avLst/>
+          </a:prstGeom>
+          <a:ln>
+            <a:tailEnd type="arrow"/>
+          </a:ln>
+        </p:spPr>
+        <p:style>
+          <a:lnRef idx="3">
+            <a:schemeClr val="dk1"/>
+          </a:lnRef>
+          <a:fillRef idx="0">
+            <a:schemeClr val="dk1"/>
+          </a:fillRef>
+          <a:effectRef idx="2">
+            <a:schemeClr val="dk1"/>
           </a:effectRef>
           <a:fontRef idx="minor">
             <a:schemeClr val="tx1"/>
@@ -7784,14 +9666,14 @@
       </p:cxnSp>
       <p:cxnSp>
         <p:nvCxnSpPr>
-          <p:cNvPr id="10" name="Straight Connector 9"/>
+          <p:cNvPr id="79" name="Straight Connector 78"/>
           <p:cNvCxnSpPr/>
           <p:nvPr/>
         </p:nvCxnSpPr>
         <p:spPr>
           <a:xfrm>
-            <a:off x="4572000" y="5181601"/>
-            <a:ext cx="1066800" cy="0"/>
+            <a:off x="1676400" y="4357285"/>
+            <a:ext cx="1752600" cy="309118"/>
           </a:xfrm>
           <a:prstGeom prst="line">
             <a:avLst/>
@@ -7799,29 +9681,1856 @@
         </p:spPr>
         <p:style>
           <a:lnRef idx="3">
-            <a:schemeClr val="accent2"/>
+            <a:schemeClr val="accent1"/>
           </a:lnRef>
           <a:fillRef idx="0">
-            <a:schemeClr val="accent2"/>
+            <a:schemeClr val="accent1"/>
           </a:fillRef>
           <a:effectRef idx="2">
-            <a:schemeClr val="accent2"/>
+            <a:schemeClr val="accent1"/>
           </a:effectRef>
           <a:fontRef idx="minor">
             <a:schemeClr val="tx1"/>
           </a:fontRef>
         </p:style>
       </p:cxnSp>
+      <p:sp>
+        <p:nvSpPr>
+          <p:cNvPr id="80" name="TextBox 79"/>
+          <p:cNvSpPr txBox="1"/>
+          <p:nvPr/>
+        </p:nvSpPr>
+        <p:spPr>
+          <a:xfrm>
+            <a:off x="914400" y="3532969"/>
+            <a:ext cx="461665" cy="1724831"/>
+          </a:xfrm>
+          <a:prstGeom prst="rect">
+            <a:avLst/>
+          </a:prstGeom>
+          <a:noFill/>
+        </p:spPr>
+        <p:txBody>
+          <a:bodyPr vert="vert270" wrap="none" rtlCol="0">
+            <a:spAutoFit/>
+          </a:bodyPr>
+          <a:lstStyle/>
+          <a:p>
+            <a:r>
+              <a:rPr lang="en-CA" dirty="0" smtClean="0"/>
+              <a:t>Auxiliary  Feature</a:t>
+            </a:r>
+            <a:endParaRPr lang="en-CA" dirty="0"/>
+          </a:p>
+        </p:txBody>
+      </p:sp>
+      <p:cxnSp>
+        <p:nvCxnSpPr>
+          <p:cNvPr id="81" name="Straight Arrow Connector 80"/>
+          <p:cNvCxnSpPr/>
+          <p:nvPr/>
+        </p:nvCxnSpPr>
+        <p:spPr>
+          <a:xfrm>
+            <a:off x="4800600" y="5181600"/>
+            <a:ext cx="2209800" cy="0"/>
+          </a:xfrm>
+          <a:prstGeom prst="straightConnector1">
+            <a:avLst/>
+          </a:prstGeom>
+          <a:ln>
+            <a:tailEnd type="arrow"/>
+          </a:ln>
+        </p:spPr>
+        <p:style>
+          <a:lnRef idx="3">
+            <a:schemeClr val="dk1"/>
+          </a:lnRef>
+          <a:fillRef idx="0">
+            <a:schemeClr val="dk1"/>
+          </a:fillRef>
+          <a:effectRef idx="2">
+            <a:schemeClr val="dk1"/>
+          </a:effectRef>
+          <a:fontRef idx="minor">
+            <a:schemeClr val="tx1"/>
+          </a:fontRef>
+        </p:style>
+      </p:cxnSp>
+      <p:sp>
+        <p:nvSpPr>
+          <p:cNvPr id="82" name="Oval 81"/>
+          <p:cNvSpPr/>
+          <p:nvPr/>
+        </p:nvSpPr>
+        <p:spPr>
+          <a:xfrm>
+            <a:off x="4953000" y="3657600"/>
+            <a:ext cx="152400" cy="206079"/>
+          </a:xfrm>
+          <a:prstGeom prst="ellipse">
+            <a:avLst/>
+          </a:prstGeom>
+          <a:solidFill>
+            <a:srgbClr val="FF0000"/>
+          </a:solidFill>
+          <a:ln>
+            <a:noFill/>
+          </a:ln>
+        </p:spPr>
+        <p:style>
+          <a:lnRef idx="2">
+            <a:schemeClr val="accent1">
+              <a:shade val="50000"/>
+            </a:schemeClr>
+          </a:lnRef>
+          <a:fillRef idx="1">
+            <a:schemeClr val="accent1"/>
+          </a:fillRef>
+          <a:effectRef idx="0">
+            <a:schemeClr val="accent1"/>
+          </a:effectRef>
+          <a:fontRef idx="minor">
+            <a:schemeClr val="lt1"/>
+          </a:fontRef>
+        </p:style>
+        <p:txBody>
+          <a:bodyPr rtlCol="0" anchor="ctr"/>
+          <a:lstStyle/>
+          <a:p>
+            <a:pPr algn="ctr"/>
+            <a:endParaRPr lang="en-CA"/>
+          </a:p>
+        </p:txBody>
+      </p:sp>
+      <p:sp>
+        <p:nvSpPr>
+          <p:cNvPr id="83" name="Oval 82"/>
+          <p:cNvSpPr/>
+          <p:nvPr/>
+        </p:nvSpPr>
+        <p:spPr>
+          <a:xfrm>
+            <a:off x="5106880" y="3842087"/>
+            <a:ext cx="152400" cy="206079"/>
+          </a:xfrm>
+          <a:prstGeom prst="ellipse">
+            <a:avLst/>
+          </a:prstGeom>
+          <a:solidFill>
+            <a:srgbClr val="00B050"/>
+          </a:solidFill>
+          <a:ln>
+            <a:noFill/>
+          </a:ln>
+        </p:spPr>
+        <p:style>
+          <a:lnRef idx="2">
+            <a:schemeClr val="accent1">
+              <a:shade val="50000"/>
+            </a:schemeClr>
+          </a:lnRef>
+          <a:fillRef idx="1">
+            <a:schemeClr val="accent1"/>
+          </a:fillRef>
+          <a:effectRef idx="0">
+            <a:schemeClr val="accent1"/>
+          </a:effectRef>
+          <a:fontRef idx="minor">
+            <a:schemeClr val="lt1"/>
+          </a:fontRef>
+        </p:style>
+        <p:txBody>
+          <a:bodyPr rtlCol="0" anchor="ctr"/>
+          <a:lstStyle/>
+          <a:p>
+            <a:pPr algn="ctr"/>
+            <a:endParaRPr lang="en-CA"/>
+          </a:p>
+        </p:txBody>
+      </p:sp>
+      <p:sp>
+        <p:nvSpPr>
+          <p:cNvPr id="84" name="Oval 83"/>
+          <p:cNvSpPr/>
+          <p:nvPr/>
+        </p:nvSpPr>
+        <p:spPr>
+          <a:xfrm>
+            <a:off x="5562600" y="4594521"/>
+            <a:ext cx="152400" cy="206079"/>
+          </a:xfrm>
+          <a:prstGeom prst="ellipse">
+            <a:avLst/>
+          </a:prstGeom>
+          <a:solidFill>
+            <a:srgbClr val="00B050"/>
+          </a:solidFill>
+          <a:ln>
+            <a:noFill/>
+          </a:ln>
+        </p:spPr>
+        <p:style>
+          <a:lnRef idx="2">
+            <a:schemeClr val="accent1">
+              <a:shade val="50000"/>
+            </a:schemeClr>
+          </a:lnRef>
+          <a:fillRef idx="1">
+            <a:schemeClr val="accent1"/>
+          </a:fillRef>
+          <a:effectRef idx="0">
+            <a:schemeClr val="accent1"/>
+          </a:effectRef>
+          <a:fontRef idx="minor">
+            <a:schemeClr val="lt1"/>
+          </a:fontRef>
+        </p:style>
+        <p:txBody>
+          <a:bodyPr rtlCol="0" anchor="ctr"/>
+          <a:lstStyle/>
+          <a:p>
+            <a:pPr algn="ctr"/>
+            <a:endParaRPr lang="en-CA"/>
+          </a:p>
+        </p:txBody>
+      </p:sp>
+      <p:sp>
+        <p:nvSpPr>
+          <p:cNvPr id="85" name="Oval 84"/>
+          <p:cNvSpPr/>
+          <p:nvPr/>
+        </p:nvSpPr>
+        <p:spPr>
+          <a:xfrm>
+            <a:off x="5410200" y="4114800"/>
+            <a:ext cx="152400" cy="206079"/>
+          </a:xfrm>
+          <a:prstGeom prst="ellipse">
+            <a:avLst/>
+          </a:prstGeom>
+          <a:solidFill>
+            <a:srgbClr val="00B050"/>
+          </a:solidFill>
+          <a:ln>
+            <a:noFill/>
+          </a:ln>
+        </p:spPr>
+        <p:style>
+          <a:lnRef idx="2">
+            <a:schemeClr val="accent1">
+              <a:shade val="50000"/>
+            </a:schemeClr>
+          </a:lnRef>
+          <a:fillRef idx="1">
+            <a:schemeClr val="accent1"/>
+          </a:fillRef>
+          <a:effectRef idx="0">
+            <a:schemeClr val="accent1"/>
+          </a:effectRef>
+          <a:fontRef idx="minor">
+            <a:schemeClr val="lt1"/>
+          </a:fontRef>
+        </p:style>
+        <p:txBody>
+          <a:bodyPr rtlCol="0" anchor="ctr"/>
+          <a:lstStyle/>
+          <a:p>
+            <a:pPr algn="ctr"/>
+            <a:endParaRPr lang="en-CA"/>
+          </a:p>
+        </p:txBody>
+      </p:sp>
+      <p:sp>
+        <p:nvSpPr>
+          <p:cNvPr id="86" name="Oval 85"/>
+          <p:cNvSpPr/>
+          <p:nvPr/>
+        </p:nvSpPr>
+        <p:spPr>
+          <a:xfrm>
+            <a:off x="5943600" y="4670721"/>
+            <a:ext cx="152400" cy="206079"/>
+          </a:xfrm>
+          <a:prstGeom prst="ellipse">
+            <a:avLst/>
+          </a:prstGeom>
+          <a:solidFill>
+            <a:srgbClr val="00B050"/>
+          </a:solidFill>
+          <a:ln>
+            <a:noFill/>
+          </a:ln>
+        </p:spPr>
+        <p:style>
+          <a:lnRef idx="2">
+            <a:schemeClr val="accent1">
+              <a:shade val="50000"/>
+            </a:schemeClr>
+          </a:lnRef>
+          <a:fillRef idx="1">
+            <a:schemeClr val="accent1"/>
+          </a:fillRef>
+          <a:effectRef idx="0">
+            <a:schemeClr val="accent1"/>
+          </a:effectRef>
+          <a:fontRef idx="minor">
+            <a:schemeClr val="lt1"/>
+          </a:fontRef>
+        </p:style>
+        <p:txBody>
+          <a:bodyPr rtlCol="0" anchor="ctr"/>
+          <a:lstStyle/>
+          <a:p>
+            <a:pPr algn="ctr"/>
+            <a:endParaRPr lang="en-CA"/>
+          </a:p>
+        </p:txBody>
+      </p:sp>
+      <p:sp>
+        <p:nvSpPr>
+          <p:cNvPr id="87" name="Oval 86"/>
+          <p:cNvSpPr/>
+          <p:nvPr/>
+        </p:nvSpPr>
+        <p:spPr>
+          <a:xfrm>
+            <a:off x="5791200" y="4191000"/>
+            <a:ext cx="152400" cy="206079"/>
+          </a:xfrm>
+          <a:prstGeom prst="ellipse">
+            <a:avLst/>
+          </a:prstGeom>
+          <a:solidFill>
+            <a:srgbClr val="FF0000"/>
+          </a:solidFill>
+          <a:ln>
+            <a:noFill/>
+          </a:ln>
+        </p:spPr>
+        <p:style>
+          <a:lnRef idx="2">
+            <a:schemeClr val="accent1">
+              <a:shade val="50000"/>
+            </a:schemeClr>
+          </a:lnRef>
+          <a:fillRef idx="1">
+            <a:schemeClr val="accent1"/>
+          </a:fillRef>
+          <a:effectRef idx="0">
+            <a:schemeClr val="accent1"/>
+          </a:effectRef>
+          <a:fontRef idx="minor">
+            <a:schemeClr val="lt1"/>
+          </a:fontRef>
+        </p:style>
+        <p:txBody>
+          <a:bodyPr rtlCol="0" anchor="ctr"/>
+          <a:lstStyle/>
+          <a:p>
+            <a:pPr algn="ctr"/>
+            <a:endParaRPr lang="en-CA"/>
+          </a:p>
+        </p:txBody>
+      </p:sp>
+      <p:sp>
+        <p:nvSpPr>
+          <p:cNvPr id="88" name="Oval 87"/>
+          <p:cNvSpPr/>
+          <p:nvPr/>
+        </p:nvSpPr>
+        <p:spPr>
+          <a:xfrm>
+            <a:off x="6477000" y="4769442"/>
+            <a:ext cx="152400" cy="206079"/>
+          </a:xfrm>
+          <a:prstGeom prst="ellipse">
+            <a:avLst/>
+          </a:prstGeom>
+          <a:solidFill>
+            <a:srgbClr val="FF0000"/>
+          </a:solidFill>
+          <a:ln>
+            <a:noFill/>
+          </a:ln>
+        </p:spPr>
+        <p:style>
+          <a:lnRef idx="2">
+            <a:schemeClr val="accent1">
+              <a:shade val="50000"/>
+            </a:schemeClr>
+          </a:lnRef>
+          <a:fillRef idx="1">
+            <a:schemeClr val="accent1"/>
+          </a:fillRef>
+          <a:effectRef idx="0">
+            <a:schemeClr val="accent1"/>
+          </a:effectRef>
+          <a:fontRef idx="minor">
+            <a:schemeClr val="lt1"/>
+          </a:fontRef>
+        </p:style>
+        <p:txBody>
+          <a:bodyPr rtlCol="0" anchor="ctr"/>
+          <a:lstStyle/>
+          <a:p>
+            <a:pPr algn="ctr"/>
+            <a:endParaRPr lang="en-CA"/>
+          </a:p>
+        </p:txBody>
+      </p:sp>
+      <p:sp>
+        <p:nvSpPr>
+          <p:cNvPr id="89" name="Oval 88"/>
+          <p:cNvSpPr/>
+          <p:nvPr/>
+        </p:nvSpPr>
+        <p:spPr>
+          <a:xfrm>
+            <a:off x="6248400" y="4823121"/>
+            <a:ext cx="152400" cy="206079"/>
+          </a:xfrm>
+          <a:prstGeom prst="ellipse">
+            <a:avLst/>
+          </a:prstGeom>
+          <a:solidFill>
+            <a:srgbClr val="FF0000"/>
+          </a:solidFill>
+          <a:ln>
+            <a:noFill/>
+          </a:ln>
+        </p:spPr>
+        <p:style>
+          <a:lnRef idx="2">
+            <a:schemeClr val="accent1">
+              <a:shade val="50000"/>
+            </a:schemeClr>
+          </a:lnRef>
+          <a:fillRef idx="1">
+            <a:schemeClr val="accent1"/>
+          </a:fillRef>
+          <a:effectRef idx="0">
+            <a:schemeClr val="accent1"/>
+          </a:effectRef>
+          <a:fontRef idx="minor">
+            <a:schemeClr val="lt1"/>
+          </a:fontRef>
+        </p:style>
+        <p:txBody>
+          <a:bodyPr rtlCol="0" anchor="ctr"/>
+          <a:lstStyle/>
+          <a:p>
+            <a:pPr algn="ctr"/>
+            <a:endParaRPr lang="en-CA"/>
+          </a:p>
+        </p:txBody>
+      </p:sp>
+      <p:cxnSp>
+        <p:nvCxnSpPr>
+          <p:cNvPr id="90" name="Straight Arrow Connector 89"/>
+          <p:cNvCxnSpPr/>
+          <p:nvPr/>
+        </p:nvCxnSpPr>
+        <p:spPr>
+          <a:xfrm flipV="1">
+            <a:off x="4800600" y="3532969"/>
+            <a:ext cx="0" cy="1648631"/>
+          </a:xfrm>
+          <a:prstGeom prst="straightConnector1">
+            <a:avLst/>
+          </a:prstGeom>
+          <a:ln>
+            <a:tailEnd type="arrow"/>
+          </a:ln>
+        </p:spPr>
+        <p:style>
+          <a:lnRef idx="3">
+            <a:schemeClr val="dk1"/>
+          </a:lnRef>
+          <a:fillRef idx="0">
+            <a:schemeClr val="dk1"/>
+          </a:fillRef>
+          <a:effectRef idx="2">
+            <a:schemeClr val="dk1"/>
+          </a:effectRef>
+          <a:fontRef idx="minor">
+            <a:schemeClr val="tx1"/>
+          </a:fontRef>
+        </p:style>
+      </p:cxnSp>
+      <p:cxnSp>
+        <p:nvCxnSpPr>
+          <p:cNvPr id="91" name="Straight Connector 90"/>
+          <p:cNvCxnSpPr/>
+          <p:nvPr/>
+        </p:nvCxnSpPr>
+        <p:spPr>
+          <a:xfrm>
+            <a:off x="5029200" y="4397079"/>
+            <a:ext cx="1752600" cy="269324"/>
+          </a:xfrm>
+          <a:prstGeom prst="line">
+            <a:avLst/>
+          </a:prstGeom>
+        </p:spPr>
+        <p:style>
+          <a:lnRef idx="3">
+            <a:schemeClr val="accent1"/>
+          </a:lnRef>
+          <a:fillRef idx="0">
+            <a:schemeClr val="accent1"/>
+          </a:fillRef>
+          <a:effectRef idx="2">
+            <a:schemeClr val="accent1"/>
+          </a:effectRef>
+          <a:fontRef idx="minor">
+            <a:schemeClr val="tx1"/>
+          </a:fontRef>
+        </p:style>
+      </p:cxnSp>
+      <p:sp>
+        <p:nvSpPr>
+          <p:cNvPr id="92" name="TextBox 91"/>
+          <p:cNvSpPr txBox="1"/>
+          <p:nvPr/>
+        </p:nvSpPr>
+        <p:spPr>
+          <a:xfrm>
+            <a:off x="4267200" y="3532969"/>
+            <a:ext cx="461665" cy="1724831"/>
+          </a:xfrm>
+          <a:prstGeom prst="rect">
+            <a:avLst/>
+          </a:prstGeom>
+          <a:noFill/>
+        </p:spPr>
+        <p:txBody>
+          <a:bodyPr vert="vert270" wrap="none" rtlCol="0">
+            <a:spAutoFit/>
+          </a:bodyPr>
+          <a:lstStyle/>
+          <a:p>
+            <a:r>
+              <a:rPr lang="en-CA" dirty="0" smtClean="0"/>
+              <a:t>Auxiliary  Feature</a:t>
+            </a:r>
+            <a:endParaRPr lang="en-CA" dirty="0"/>
+          </a:p>
+        </p:txBody>
+      </p:sp>
+      <p:sp>
+        <p:nvSpPr>
+          <p:cNvPr id="93" name="TextBox 92"/>
+          <p:cNvSpPr txBox="1"/>
+          <p:nvPr/>
+        </p:nvSpPr>
+        <p:spPr>
+          <a:xfrm>
+            <a:off x="1635792" y="5574268"/>
+            <a:ext cx="1717008" cy="369332"/>
+          </a:xfrm>
+          <a:prstGeom prst="rect">
+            <a:avLst/>
+          </a:prstGeom>
+          <a:noFill/>
+        </p:spPr>
+        <p:txBody>
+          <a:bodyPr wrap="none" rtlCol="0">
+            <a:spAutoFit/>
+          </a:bodyPr>
+          <a:lstStyle/>
+          <a:p>
+            <a:r>
+              <a:rPr lang="en-CA" dirty="0" smtClean="0"/>
+              <a:t>Positive Transfer</a:t>
+            </a:r>
+            <a:endParaRPr lang="en-CA" dirty="0"/>
+          </a:p>
+        </p:txBody>
+      </p:sp>
+      <p:sp>
+        <p:nvSpPr>
+          <p:cNvPr id="94" name="TextBox 93"/>
+          <p:cNvSpPr txBox="1"/>
+          <p:nvPr/>
+        </p:nvSpPr>
+        <p:spPr>
+          <a:xfrm>
+            <a:off x="4965597" y="5574268"/>
+            <a:ext cx="1816203" cy="369332"/>
+          </a:xfrm>
+          <a:prstGeom prst="rect">
+            <a:avLst/>
+          </a:prstGeom>
+          <a:noFill/>
+        </p:spPr>
+        <p:txBody>
+          <a:bodyPr wrap="none" rtlCol="0">
+            <a:spAutoFit/>
+          </a:bodyPr>
+          <a:lstStyle/>
+          <a:p>
+            <a:r>
+              <a:rPr lang="en-CA" dirty="0" smtClean="0"/>
+              <a:t>Negative Transfer</a:t>
+            </a:r>
+            <a:endParaRPr lang="en-CA" dirty="0"/>
+          </a:p>
+        </p:txBody>
+      </p:sp>
+      <p:sp>
+        <p:nvSpPr>
+          <p:cNvPr id="95" name="Down Arrow 94"/>
+          <p:cNvSpPr/>
+          <p:nvPr/>
+        </p:nvSpPr>
+        <p:spPr>
+          <a:xfrm rot="2936955">
+            <a:off x="2797092" y="3029236"/>
+            <a:ext cx="381000" cy="434679"/>
+          </a:xfrm>
+          <a:prstGeom prst="downArrow">
+            <a:avLst/>
+          </a:prstGeom>
+          <a:solidFill>
+            <a:schemeClr val="tx1"/>
+          </a:solidFill>
+          <a:ln>
+            <a:noFill/>
+          </a:ln>
+        </p:spPr>
+        <p:style>
+          <a:lnRef idx="2">
+            <a:schemeClr val="accent1">
+              <a:shade val="50000"/>
+            </a:schemeClr>
+          </a:lnRef>
+          <a:fillRef idx="1">
+            <a:schemeClr val="accent1"/>
+          </a:fillRef>
+          <a:effectRef idx="0">
+            <a:schemeClr val="accent1"/>
+          </a:effectRef>
+          <a:fontRef idx="minor">
+            <a:schemeClr val="lt1"/>
+          </a:fontRef>
+        </p:style>
+        <p:txBody>
+          <a:bodyPr rtlCol="0" anchor="ctr"/>
+          <a:lstStyle/>
+          <a:p>
+            <a:pPr algn="ctr"/>
+            <a:endParaRPr lang="en-CA"/>
+          </a:p>
+        </p:txBody>
+      </p:sp>
+      <p:sp>
+        <p:nvSpPr>
+          <p:cNvPr id="96" name="Down Arrow 95"/>
+          <p:cNvSpPr/>
+          <p:nvPr/>
+        </p:nvSpPr>
+        <p:spPr>
+          <a:xfrm rot="17980806">
+            <a:off x="4664653" y="3027585"/>
+            <a:ext cx="381000" cy="434679"/>
+          </a:xfrm>
+          <a:prstGeom prst="downArrow">
+            <a:avLst/>
+          </a:prstGeom>
+          <a:solidFill>
+            <a:schemeClr val="tx1"/>
+          </a:solidFill>
+          <a:ln>
+            <a:noFill/>
+          </a:ln>
+        </p:spPr>
+        <p:style>
+          <a:lnRef idx="2">
+            <a:schemeClr val="accent1">
+              <a:shade val="50000"/>
+            </a:schemeClr>
+          </a:lnRef>
+          <a:fillRef idx="1">
+            <a:schemeClr val="accent1"/>
+          </a:fillRef>
+          <a:effectRef idx="0">
+            <a:schemeClr val="accent1"/>
+          </a:effectRef>
+          <a:fontRef idx="minor">
+            <a:schemeClr val="lt1"/>
+          </a:fontRef>
+        </p:style>
+        <p:txBody>
+          <a:bodyPr rtlCol="0" anchor="ctr"/>
+          <a:lstStyle/>
+          <a:p>
+            <a:pPr algn="ctr"/>
+            <a:endParaRPr lang="en-CA"/>
+          </a:p>
+        </p:txBody>
+      </p:sp>
     </p:spTree>
     <p:extLst>
       <p:ext uri="{BB962C8B-B14F-4D97-AF65-F5344CB8AC3E}">
-        <p14:creationId xmlns:p14="http://schemas.microsoft.com/office/powerpoint/2010/main" val="1241003937"/>
+        <p14:creationId xmlns:p14="http://schemas.microsoft.com/office/powerpoint/2010/main" val="3659775763"/>
       </p:ext>
     </p:extLst>
   </p:cSld>
   <p:clrMapOvr>
     <a:masterClrMapping/>
   </p:clrMapOvr>
+</p:sld>
+</file>
+
+<file path=ppt/slides/slide5.xml><?xml version="1.0" encoding="utf-8"?>
+<p:sld xmlns:a="http://schemas.openxmlformats.org/drawingml/2006/main" xmlns:r="http://schemas.openxmlformats.org/officeDocument/2006/relationships" xmlns:p="http://schemas.openxmlformats.org/presentationml/2006/main">
+  <p:cSld>
+    <p:spTree>
+      <p:nvGrpSpPr>
+        <p:cNvPr id="1" name=""/>
+        <p:cNvGrpSpPr/>
+        <p:nvPr/>
+      </p:nvGrpSpPr>
+      <p:grpSpPr>
+        <a:xfrm>
+          <a:off x="0" y="0"/>
+          <a:ext cx="0" cy="0"/>
+          <a:chOff x="0" y="0"/>
+          <a:chExt cx="0" cy="0"/>
+        </a:xfrm>
+      </p:grpSpPr>
+      <p:graphicFrame>
+        <p:nvGraphicFramePr>
+          <p:cNvPr id="4" name="Table 3"/>
+          <p:cNvGraphicFramePr>
+            <a:graphicFrameLocks noGrp="1"/>
+          </p:cNvGraphicFramePr>
+          <p:nvPr>
+            <p:extLst>
+              <p:ext uri="{D42A27DB-BD31-4B8C-83A1-F6EECF244321}">
+                <p14:modId xmlns:p14="http://schemas.microsoft.com/office/powerpoint/2010/main" val="1765790131"/>
+              </p:ext>
+            </p:extLst>
+          </p:nvPr>
+        </p:nvGraphicFramePr>
+        <p:xfrm>
+          <a:off x="1524000" y="1397000"/>
+          <a:ext cx="6096000" cy="1483360"/>
+        </p:xfrm>
+        <a:graphic>
+          <a:graphicData uri="http://schemas.openxmlformats.org/drawingml/2006/table">
+            <a:tbl>
+              <a:tblPr firstRow="1" bandRow="1">
+                <a:tableStyleId>{5940675A-B579-460E-94D1-54222C63F5DA}</a:tableStyleId>
+              </a:tblPr>
+              <a:tblGrid>
+                <a:gridCol w="1219200"/>
+                <a:gridCol w="4876800"/>
+              </a:tblGrid>
+              <a:tr h="370840">
+                <a:tc>
+                  <a:txBody>
+                    <a:bodyPr/>
+                    <a:lstStyle/>
+                    <a:p>
+                      <a:pPr marL="0" marR="0" indent="0" algn="l" defTabSz="914400" rtl="0" eaLnBrk="1" fontAlgn="auto" latinLnBrk="0" hangingPunct="1">
+                        <a:lnSpc>
+                          <a:spcPct val="100000"/>
+                        </a:lnSpc>
+                        <a:spcBef>
+                          <a:spcPts val="0"/>
+                        </a:spcBef>
+                        <a:spcAft>
+                          <a:spcPts val="0"/>
+                        </a:spcAft>
+                        <a:buClrTx/>
+                        <a:buSzTx/>
+                        <a:buFontTx/>
+                        <a:buNone/>
+                        <a:tabLst/>
+                        <a:defRPr/>
+                      </a:pPr>
+                      <a:r>
+                        <a:rPr lang="en-US" sz="1800" dirty="0" smtClean="0"/>
+                        <a:t>No Noise</a:t>
+                      </a:r>
+                      <a:endParaRPr lang="en-CA" dirty="0"/>
+                    </a:p>
+                  </a:txBody>
+                  <a:tcPr/>
+                </a:tc>
+                <a:tc>
+                  <a:txBody>
+                    <a:bodyPr/>
+                    <a:lstStyle/>
+                    <a:p>
+                      <a:pPr marL="0" indent="0">
+                        <a:buFont typeface="Wingdings" panose="05000000000000000000" pitchFamily="2" charset="2"/>
+                        <a:buNone/>
+                      </a:pPr>
+                      <a:endParaRPr lang="en-CA" dirty="0"/>
+                    </a:p>
+                  </a:txBody>
+                  <a:tcPr/>
+                </a:tc>
+              </a:tr>
+              <a:tr h="370840">
+                <a:tc>
+                  <a:txBody>
+                    <a:bodyPr/>
+                    <a:lstStyle/>
+                    <a:p>
+                      <a:r>
+                        <a:rPr lang="en-US" sz="1800" dirty="0" smtClean="0"/>
+                        <a:t>Noise=0.3</a:t>
+                      </a:r>
+                      <a:endParaRPr lang="en-CA" dirty="0"/>
+                    </a:p>
+                  </a:txBody>
+                  <a:tcPr/>
+                </a:tc>
+                <a:tc>
+                  <a:txBody>
+                    <a:bodyPr/>
+                    <a:lstStyle/>
+                    <a:p>
+                      <a:endParaRPr lang="en-CA"/>
+                    </a:p>
+                  </a:txBody>
+                  <a:tcPr/>
+                </a:tc>
+              </a:tr>
+              <a:tr h="370840">
+                <a:tc>
+                  <a:txBody>
+                    <a:bodyPr/>
+                    <a:lstStyle/>
+                    <a:p>
+                      <a:pPr marL="0" marR="0" indent="0" algn="l" defTabSz="914400" rtl="0" eaLnBrk="1" fontAlgn="auto" latinLnBrk="0" hangingPunct="1">
+                        <a:lnSpc>
+                          <a:spcPct val="100000"/>
+                        </a:lnSpc>
+                        <a:spcBef>
+                          <a:spcPts val="0"/>
+                        </a:spcBef>
+                        <a:spcAft>
+                          <a:spcPts val="0"/>
+                        </a:spcAft>
+                        <a:buClrTx/>
+                        <a:buSzTx/>
+                        <a:buFontTx/>
+                        <a:buNone/>
+                        <a:tabLst/>
+                        <a:defRPr/>
+                      </a:pPr>
+                      <a:r>
+                        <a:rPr lang="en-US" sz="1800" dirty="0" smtClean="0"/>
+                        <a:t>Noise=0.5</a:t>
+                      </a:r>
+                    </a:p>
+                  </a:txBody>
+                  <a:tcPr/>
+                </a:tc>
+                <a:tc>
+                  <a:txBody>
+                    <a:bodyPr/>
+                    <a:lstStyle/>
+                    <a:p>
+                      <a:endParaRPr lang="en-CA"/>
+                    </a:p>
+                  </a:txBody>
+                  <a:tcPr/>
+                </a:tc>
+              </a:tr>
+              <a:tr h="370840">
+                <a:tc>
+                  <a:txBody>
+                    <a:bodyPr/>
+                    <a:lstStyle/>
+                    <a:p>
+                      <a:r>
+                        <a:rPr lang="en-US" sz="1800" dirty="0" smtClean="0"/>
+                        <a:t>Noise=0.8</a:t>
+                      </a:r>
+                      <a:endParaRPr lang="en-CA" dirty="0"/>
+                    </a:p>
+                  </a:txBody>
+                  <a:tcPr/>
+                </a:tc>
+                <a:tc>
+                  <a:txBody>
+                    <a:bodyPr/>
+                    <a:lstStyle/>
+                    <a:p>
+                      <a:endParaRPr lang="en-CA" dirty="0"/>
+                    </a:p>
+                  </a:txBody>
+                  <a:tcPr/>
+                </a:tc>
+              </a:tr>
+            </a:tbl>
+          </a:graphicData>
+        </a:graphic>
+      </p:graphicFrame>
+    </p:spTree>
+    <p:extLst>
+      <p:ext uri="{BB962C8B-B14F-4D97-AF65-F5344CB8AC3E}">
+        <p14:creationId xmlns:p14="http://schemas.microsoft.com/office/powerpoint/2010/main" val="1727728017"/>
+      </p:ext>
+    </p:extLst>
+  </p:cSld>
+  <p:clrMapOvr>
+    <a:masterClrMapping/>
+  </p:clrMapOvr>
+</p:sld>
+</file>
+
+<file path=ppt/slides/slide6.xml><?xml version="1.0" encoding="utf-8"?>
+<p:sld xmlns:a="http://schemas.openxmlformats.org/drawingml/2006/main" xmlns:r="http://schemas.openxmlformats.org/officeDocument/2006/relationships" xmlns:p="http://schemas.openxmlformats.org/presentationml/2006/main">
+  <p:cSld>
+    <p:spTree>
+      <p:nvGrpSpPr>
+        <p:cNvPr id="1" name=""/>
+        <p:cNvGrpSpPr/>
+        <p:nvPr/>
+      </p:nvGrpSpPr>
+      <p:grpSpPr>
+        <a:xfrm>
+          <a:off x="0" y="0"/>
+          <a:ext cx="0" cy="0"/>
+          <a:chOff x="0" y="0"/>
+          <a:chExt cx="0" cy="0"/>
+        </a:xfrm>
+      </p:grpSpPr>
+      <p:pic>
+        <p:nvPicPr>
+          <p:cNvPr id="1026" name="Picture 2" descr="http://pavel.surmenok.com/wp-content/uploads/2014/07/mnistdigits.gif"/>
+          <p:cNvPicPr>
+            <a:picLocks noChangeAspect="1" noChangeArrowheads="1"/>
+          </p:cNvPicPr>
+          <p:nvPr/>
+        </p:nvPicPr>
+        <p:blipFill>
+          <a:blip r:embed="rId2" cstate="print">
+            <a:extLst>
+              <a:ext uri="{28A0092B-C50C-407E-A947-70E740481C1C}">
+                <a14:useLocalDpi xmlns:a14="http://schemas.microsoft.com/office/drawing/2010/main" val="0"/>
+              </a:ext>
+            </a:extLst>
+          </a:blip>
+          <a:srcRect/>
+          <a:stretch>
+            <a:fillRect/>
+          </a:stretch>
+        </p:blipFill>
+        <p:spPr bwMode="auto">
+          <a:xfrm>
+            <a:off x="152400" y="2352328"/>
+            <a:ext cx="1968984" cy="1304789"/>
+          </a:xfrm>
+          <a:prstGeom prst="rect">
+            <a:avLst/>
+          </a:prstGeom>
+          <a:noFill/>
+          <a:extLst>
+            <a:ext uri="{909E8E84-426E-40DD-AFC4-6F175D3DCCD1}">
+              <a14:hiddenFill xmlns:a14="http://schemas.microsoft.com/office/drawing/2010/main">
+                <a:solidFill>
+                  <a:srgbClr val="FFFFFF"/>
+                </a:solidFill>
+              </a14:hiddenFill>
+            </a:ext>
+          </a:extLst>
+        </p:spPr>
+      </p:pic>
+      <p:pic>
+        <p:nvPicPr>
+          <p:cNvPr id="1028" name="Picture 4" descr="http://rodrigob.github.io/are_we_there_yet/build/images/mnist.png?1363085077"/>
+          <p:cNvPicPr>
+            <a:picLocks noChangeAspect="1" noChangeArrowheads="1"/>
+          </p:cNvPicPr>
+          <p:nvPr/>
+        </p:nvPicPr>
+        <p:blipFill>
+          <a:blip r:embed="rId3" cstate="print">
+            <a:extLst>
+              <a:ext uri="{28A0092B-C50C-407E-A947-70E740481C1C}">
+                <a14:useLocalDpi xmlns:a14="http://schemas.microsoft.com/office/drawing/2010/main" val="0"/>
+              </a:ext>
+            </a:extLst>
+          </a:blip>
+          <a:srcRect/>
+          <a:stretch>
+            <a:fillRect/>
+          </a:stretch>
+        </p:blipFill>
+        <p:spPr bwMode="auto">
+          <a:xfrm>
+            <a:off x="2667000" y="4333528"/>
+            <a:ext cx="1143000" cy="882253"/>
+          </a:xfrm>
+          <a:prstGeom prst="rect">
+            <a:avLst/>
+          </a:prstGeom>
+          <a:noFill/>
+          <a:extLst>
+            <a:ext uri="{909E8E84-426E-40DD-AFC4-6F175D3DCCD1}">
+              <a14:hiddenFill xmlns:a14="http://schemas.microsoft.com/office/drawing/2010/main">
+                <a:solidFill>
+                  <a:srgbClr val="FFFFFF"/>
+                </a:solidFill>
+              </a14:hiddenFill>
+            </a:ext>
+          </a:extLst>
+        </p:spPr>
+      </p:pic>
+      <p:sp>
+        <p:nvSpPr>
+          <p:cNvPr id="4" name="Down Arrow 3"/>
+          <p:cNvSpPr/>
+          <p:nvPr/>
+        </p:nvSpPr>
+        <p:spPr>
+          <a:xfrm rot="18913906">
+            <a:off x="1975092" y="3682788"/>
+            <a:ext cx="292584" cy="533400"/>
+          </a:xfrm>
+          <a:prstGeom prst="downArrow">
+            <a:avLst/>
+          </a:prstGeom>
+          <a:solidFill>
+            <a:schemeClr val="tx1"/>
+          </a:solidFill>
+          <a:ln>
+            <a:noFill/>
+          </a:ln>
+        </p:spPr>
+        <p:style>
+          <a:lnRef idx="2">
+            <a:schemeClr val="accent1">
+              <a:shade val="50000"/>
+            </a:schemeClr>
+          </a:lnRef>
+          <a:fillRef idx="1">
+            <a:schemeClr val="accent1"/>
+          </a:fillRef>
+          <a:effectRef idx="0">
+            <a:schemeClr val="accent1"/>
+          </a:effectRef>
+          <a:fontRef idx="minor">
+            <a:schemeClr val="lt1"/>
+          </a:fontRef>
+        </p:style>
+        <p:txBody>
+          <a:bodyPr rtlCol="0" anchor="ctr"/>
+          <a:lstStyle/>
+          <a:p>
+            <a:pPr algn="ctr"/>
+            <a:endParaRPr lang="en-US"/>
+          </a:p>
+        </p:txBody>
+      </p:sp>
+      <p:sp>
+        <p:nvSpPr>
+          <p:cNvPr id="9" name="Down Arrow 8"/>
+          <p:cNvSpPr/>
+          <p:nvPr/>
+        </p:nvSpPr>
+        <p:spPr>
+          <a:xfrm rot="16200000">
+            <a:off x="5683008" y="4530136"/>
+            <a:ext cx="292584" cy="533400"/>
+          </a:xfrm>
+          <a:prstGeom prst="downArrow">
+            <a:avLst/>
+          </a:prstGeom>
+          <a:solidFill>
+            <a:schemeClr val="tx1"/>
+          </a:solidFill>
+          <a:ln>
+            <a:noFill/>
+          </a:ln>
+        </p:spPr>
+        <p:style>
+          <a:lnRef idx="2">
+            <a:schemeClr val="accent1">
+              <a:shade val="50000"/>
+            </a:schemeClr>
+          </a:lnRef>
+          <a:fillRef idx="1">
+            <a:schemeClr val="accent1"/>
+          </a:fillRef>
+          <a:effectRef idx="0">
+            <a:schemeClr val="accent1"/>
+          </a:effectRef>
+          <a:fontRef idx="minor">
+            <a:schemeClr val="lt1"/>
+          </a:fontRef>
+        </p:style>
+        <p:txBody>
+          <a:bodyPr rtlCol="0" anchor="ctr"/>
+          <a:lstStyle/>
+          <a:p>
+            <a:pPr algn="ctr"/>
+            <a:endParaRPr lang="en-US"/>
+          </a:p>
+        </p:txBody>
+      </p:sp>
+      <p:sp>
+        <p:nvSpPr>
+          <p:cNvPr id="7" name="TextBox 6"/>
+          <p:cNvSpPr txBox="1"/>
+          <p:nvPr/>
+        </p:nvSpPr>
+        <p:spPr>
+          <a:xfrm>
+            <a:off x="4029721" y="4489462"/>
+            <a:ext cx="1151277" cy="477054"/>
+          </a:xfrm>
+          <a:prstGeom prst="rect">
+            <a:avLst/>
+          </a:prstGeom>
+          <a:noFill/>
+        </p:spPr>
+        <p:txBody>
+          <a:bodyPr wrap="none" rtlCol="0">
+            <a:spAutoFit/>
+          </a:bodyPr>
+          <a:lstStyle/>
+          <a:p>
+            <a:r>
+              <a:rPr lang="en-US" sz="2500" dirty="0" smtClean="0"/>
+              <a:t>+ Noise</a:t>
+            </a:r>
+            <a:endParaRPr lang="en-US" sz="2500" dirty="0"/>
+          </a:p>
+        </p:txBody>
+      </p:sp>
+      <p:sp>
+        <p:nvSpPr>
+          <p:cNvPr id="8" name="Rectangle 7"/>
+          <p:cNvSpPr/>
+          <p:nvPr/>
+        </p:nvSpPr>
+        <p:spPr>
+          <a:xfrm>
+            <a:off x="2503873" y="4129415"/>
+            <a:ext cx="2743200" cy="1295400"/>
+          </a:xfrm>
+          <a:prstGeom prst="rect">
+            <a:avLst/>
+          </a:prstGeom>
+          <a:noFill/>
+        </p:spPr>
+        <p:style>
+          <a:lnRef idx="2">
+            <a:schemeClr val="accent1">
+              <a:shade val="50000"/>
+            </a:schemeClr>
+          </a:lnRef>
+          <a:fillRef idx="1">
+            <a:schemeClr val="accent1"/>
+          </a:fillRef>
+          <a:effectRef idx="0">
+            <a:schemeClr val="accent1"/>
+          </a:effectRef>
+          <a:fontRef idx="minor">
+            <a:schemeClr val="lt1"/>
+          </a:fontRef>
+        </p:style>
+        <p:txBody>
+          <a:bodyPr rtlCol="0" anchor="ctr"/>
+          <a:lstStyle/>
+          <a:p>
+            <a:pPr algn="ctr"/>
+            <a:endParaRPr lang="en-US"/>
+          </a:p>
+        </p:txBody>
+      </p:sp>
+      <p:sp>
+        <p:nvSpPr>
+          <p:cNvPr id="15" name="Rectangle 14"/>
+          <p:cNvSpPr/>
+          <p:nvPr/>
+        </p:nvSpPr>
+        <p:spPr>
+          <a:xfrm>
+            <a:off x="6373427" y="4486004"/>
+            <a:ext cx="1170373" cy="685724"/>
+          </a:xfrm>
+          <a:prstGeom prst="rect">
+            <a:avLst/>
+          </a:prstGeom>
+          <a:noFill/>
+        </p:spPr>
+        <p:style>
+          <a:lnRef idx="2">
+            <a:schemeClr val="accent1">
+              <a:shade val="50000"/>
+            </a:schemeClr>
+          </a:lnRef>
+          <a:fillRef idx="1">
+            <a:schemeClr val="accent1"/>
+          </a:fillRef>
+          <a:effectRef idx="0">
+            <a:schemeClr val="accent1"/>
+          </a:effectRef>
+          <a:fontRef idx="minor">
+            <a:schemeClr val="lt1"/>
+          </a:fontRef>
+        </p:style>
+        <p:txBody>
+          <a:bodyPr rtlCol="0" anchor="ctr"/>
+          <a:lstStyle/>
+          <a:p>
+            <a:pPr algn="ctr"/>
+            <a:r>
+              <a:rPr lang="en-US" sz="2000" dirty="0" smtClean="0">
+                <a:solidFill>
+                  <a:schemeClr val="tx1"/>
+                </a:solidFill>
+              </a:rPr>
+              <a:t>Source Models</a:t>
+            </a:r>
+            <a:endParaRPr lang="en-US" sz="2000" dirty="0">
+              <a:solidFill>
+                <a:schemeClr val="tx1"/>
+              </a:solidFill>
+            </a:endParaRPr>
+          </a:p>
+        </p:txBody>
+      </p:sp>
+      <p:sp>
+        <p:nvSpPr>
+          <p:cNvPr id="16" name="TextBox 15"/>
+          <p:cNvSpPr txBox="1"/>
+          <p:nvPr/>
+        </p:nvSpPr>
+        <p:spPr>
+          <a:xfrm>
+            <a:off x="2255233" y="5400328"/>
+            <a:ext cx="3261407" cy="400110"/>
+          </a:xfrm>
+          <a:prstGeom prst="rect">
+            <a:avLst/>
+          </a:prstGeom>
+          <a:noFill/>
+        </p:spPr>
+        <p:txBody>
+          <a:bodyPr wrap="none" rtlCol="0">
+            <a:spAutoFit/>
+          </a:bodyPr>
+          <a:lstStyle/>
+          <a:p>
+            <a:pPr algn="ctr"/>
+            <a:r>
+              <a:rPr lang="en-US" sz="2000" dirty="0" smtClean="0"/>
+              <a:t>Source Data: Even distributed</a:t>
+            </a:r>
+            <a:endParaRPr lang="en-US" sz="2000" dirty="0"/>
+          </a:p>
+        </p:txBody>
+      </p:sp>
+      <p:sp>
+        <p:nvSpPr>
+          <p:cNvPr id="17" name="Down Arrow 16"/>
+          <p:cNvSpPr/>
+          <p:nvPr/>
+        </p:nvSpPr>
+        <p:spPr>
+          <a:xfrm rot="14309993">
+            <a:off x="2016197" y="1821544"/>
+            <a:ext cx="292584" cy="533400"/>
+          </a:xfrm>
+          <a:prstGeom prst="downArrow">
+            <a:avLst/>
+          </a:prstGeom>
+          <a:solidFill>
+            <a:schemeClr val="tx1"/>
+          </a:solidFill>
+          <a:ln>
+            <a:noFill/>
+          </a:ln>
+        </p:spPr>
+        <p:style>
+          <a:lnRef idx="2">
+            <a:schemeClr val="accent1">
+              <a:shade val="50000"/>
+            </a:schemeClr>
+          </a:lnRef>
+          <a:fillRef idx="1">
+            <a:schemeClr val="accent1"/>
+          </a:fillRef>
+          <a:effectRef idx="0">
+            <a:schemeClr val="accent1"/>
+          </a:effectRef>
+          <a:fontRef idx="minor">
+            <a:schemeClr val="lt1"/>
+          </a:fontRef>
+        </p:style>
+        <p:txBody>
+          <a:bodyPr rtlCol="0" anchor="ctr"/>
+          <a:lstStyle/>
+          <a:p>
+            <a:pPr algn="ctr"/>
+            <a:endParaRPr lang="en-US"/>
+          </a:p>
+        </p:txBody>
+      </p:sp>
+      <p:sp>
+        <p:nvSpPr>
+          <p:cNvPr id="18" name="TextBox 17"/>
+          <p:cNvSpPr txBox="1"/>
+          <p:nvPr/>
+        </p:nvSpPr>
+        <p:spPr>
+          <a:xfrm>
+            <a:off x="450521" y="3887917"/>
+            <a:ext cx="1372747" cy="400110"/>
+          </a:xfrm>
+          <a:prstGeom prst="rect">
+            <a:avLst/>
+          </a:prstGeom>
+          <a:noFill/>
+        </p:spPr>
+        <p:txBody>
+          <a:bodyPr wrap="none" rtlCol="0">
+            <a:spAutoFit/>
+          </a:bodyPr>
+          <a:lstStyle/>
+          <a:p>
+            <a:pPr algn="ctr"/>
+            <a:r>
+              <a:rPr lang="en-US" sz="2000" dirty="0" smtClean="0"/>
+              <a:t>Original set</a:t>
+            </a:r>
+          </a:p>
+        </p:txBody>
+      </p:sp>
+      <p:grpSp>
+        <p:nvGrpSpPr>
+          <p:cNvPr id="11" name="Group 10"/>
+          <p:cNvGrpSpPr/>
+          <p:nvPr/>
+        </p:nvGrpSpPr>
+        <p:grpSpPr>
+          <a:xfrm>
+            <a:off x="2609294" y="980728"/>
+            <a:ext cx="2743200" cy="1295400"/>
+            <a:chOff x="2667000" y="3200400"/>
+            <a:chExt cx="2743200" cy="1295400"/>
+          </a:xfrm>
+        </p:grpSpPr>
+        <p:pic>
+          <p:nvPicPr>
+            <p:cNvPr id="1032" name="Picture 8" descr="https://www.researchgate.net/profile/Hiromichi_Fujisawa/publication/222834590/figure/fig3/AS:305192978403329@1449775084162/Fig-3-Sample-images-of-MNIST-data.png"/>
+            <p:cNvPicPr>
+              <a:picLocks noChangeAspect="1" noChangeArrowheads="1"/>
+            </p:cNvPicPr>
+            <p:nvPr/>
+          </p:nvPicPr>
+          <p:blipFill>
+            <a:blip r:embed="rId4" cstate="print">
+              <a:extLst>
+                <a:ext uri="{28A0092B-C50C-407E-A947-70E740481C1C}">
+                  <a14:useLocalDpi xmlns:a14="http://schemas.microsoft.com/office/drawing/2010/main" val="0"/>
+                </a:ext>
+              </a:extLst>
+            </a:blip>
+            <a:srcRect/>
+            <a:stretch>
+              <a:fillRect/>
+            </a:stretch>
+          </p:blipFill>
+          <p:spPr bwMode="auto">
+            <a:xfrm>
+              <a:off x="2791127" y="3286472"/>
+              <a:ext cx="1076579" cy="1093044"/>
+            </a:xfrm>
+            <a:prstGeom prst="rect">
+              <a:avLst/>
+            </a:prstGeom>
+            <a:noFill/>
+            <a:extLst>
+              <a:ext uri="{909E8E84-426E-40DD-AFC4-6F175D3DCCD1}">
+                <a14:hiddenFill xmlns:a14="http://schemas.microsoft.com/office/drawing/2010/main">
+                  <a:solidFill>
+                    <a:srgbClr val="FFFFFF"/>
+                  </a:solidFill>
+                </a14:hiddenFill>
+              </a:ext>
+            </a:extLst>
+          </p:spPr>
+        </p:pic>
+        <p:sp>
+          <p:nvSpPr>
+            <p:cNvPr id="23" name="TextBox 22"/>
+            <p:cNvSpPr txBox="1"/>
+            <p:nvPr/>
+          </p:nvSpPr>
+          <p:spPr>
+            <a:xfrm>
+              <a:off x="4106324" y="3429000"/>
+              <a:ext cx="953531" cy="707886"/>
+            </a:xfrm>
+            <a:prstGeom prst="rect">
+              <a:avLst/>
+            </a:prstGeom>
+            <a:noFill/>
+          </p:spPr>
+          <p:txBody>
+            <a:bodyPr wrap="none" rtlCol="0">
+              <a:spAutoFit/>
+            </a:bodyPr>
+            <a:lstStyle/>
+            <a:p>
+              <a:pPr algn="ctr"/>
+              <a:r>
+                <a:rPr lang="en-US" sz="2000" dirty="0" smtClean="0"/>
+                <a:t>Large </a:t>
+              </a:r>
+            </a:p>
+            <a:p>
+              <a:pPr algn="ctr"/>
+              <a:r>
+                <a:rPr lang="en-US" sz="2000" dirty="0" smtClean="0"/>
+                <a:t>test set</a:t>
+              </a:r>
+            </a:p>
+          </p:txBody>
+        </p:sp>
+        <p:sp>
+          <p:nvSpPr>
+            <p:cNvPr id="24" name="Rectangle 23"/>
+            <p:cNvSpPr/>
+            <p:nvPr/>
+          </p:nvSpPr>
+          <p:spPr>
+            <a:xfrm>
+              <a:off x="2667000" y="3200400"/>
+              <a:ext cx="2743200" cy="1295400"/>
+            </a:xfrm>
+            <a:prstGeom prst="rect">
+              <a:avLst/>
+            </a:prstGeom>
+            <a:noFill/>
+          </p:spPr>
+          <p:style>
+            <a:lnRef idx="2">
+              <a:schemeClr val="accent1">
+                <a:shade val="50000"/>
+              </a:schemeClr>
+            </a:lnRef>
+            <a:fillRef idx="1">
+              <a:schemeClr val="accent1"/>
+            </a:fillRef>
+            <a:effectRef idx="0">
+              <a:schemeClr val="accent1"/>
+            </a:effectRef>
+            <a:fontRef idx="minor">
+              <a:schemeClr val="lt1"/>
+            </a:fontRef>
+          </p:style>
+          <p:txBody>
+            <a:bodyPr rtlCol="0" anchor="ctr"/>
+            <a:lstStyle/>
+            <a:p>
+              <a:pPr algn="ctr"/>
+              <a:endParaRPr lang="en-US"/>
+            </a:p>
+          </p:txBody>
+        </p:sp>
+      </p:grpSp>
+      <p:grpSp>
+        <p:nvGrpSpPr>
+          <p:cNvPr id="12" name="Group 11"/>
+          <p:cNvGrpSpPr/>
+          <p:nvPr/>
+        </p:nvGrpSpPr>
+        <p:grpSpPr>
+          <a:xfrm>
+            <a:off x="5560074" y="2592517"/>
+            <a:ext cx="2743200" cy="1295400"/>
+            <a:chOff x="2658121" y="1436757"/>
+            <a:chExt cx="2743200" cy="1295400"/>
+          </a:xfrm>
+        </p:grpSpPr>
+        <p:pic>
+          <p:nvPicPr>
+            <p:cNvPr id="1030" name="Picture 6" descr="https://jamesmccaffrey.files.wordpress.com/2014/06/firsteightimages.jpg"/>
+            <p:cNvPicPr>
+              <a:picLocks noChangeAspect="1" noChangeArrowheads="1"/>
+            </p:cNvPicPr>
+            <p:nvPr/>
+          </p:nvPicPr>
+          <p:blipFill>
+            <a:blip r:embed="rId5" cstate="print">
+              <a:extLst>
+                <a:ext uri="{28A0092B-C50C-407E-A947-70E740481C1C}">
+                  <a14:useLocalDpi xmlns:a14="http://schemas.microsoft.com/office/drawing/2010/main" val="0"/>
+                </a:ext>
+              </a:extLst>
+            </a:blip>
+            <a:srcRect/>
+            <a:stretch>
+              <a:fillRect/>
+            </a:stretch>
+          </p:blipFill>
+          <p:spPr bwMode="auto">
+            <a:xfrm>
+              <a:off x="2667000" y="1752600"/>
+              <a:ext cx="1085296" cy="572875"/>
+            </a:xfrm>
+            <a:prstGeom prst="rect">
+              <a:avLst/>
+            </a:prstGeom>
+            <a:noFill/>
+            <a:extLst>
+              <a:ext uri="{909E8E84-426E-40DD-AFC4-6F175D3DCCD1}">
+                <a14:hiddenFill xmlns:a14="http://schemas.microsoft.com/office/drawing/2010/main">
+                  <a:solidFill>
+                    <a:srgbClr val="FFFFFF"/>
+                  </a:solidFill>
+                </a14:hiddenFill>
+              </a:ext>
+            </a:extLst>
+          </p:spPr>
+        </p:pic>
+        <p:sp>
+          <p:nvSpPr>
+            <p:cNvPr id="21" name="TextBox 20"/>
+            <p:cNvSpPr txBox="1"/>
+            <p:nvPr/>
+          </p:nvSpPr>
+          <p:spPr>
+            <a:xfrm>
+              <a:off x="3924369" y="1707882"/>
+              <a:ext cx="1432893" cy="707886"/>
+            </a:xfrm>
+            <a:prstGeom prst="rect">
+              <a:avLst/>
+            </a:prstGeom>
+            <a:noFill/>
+          </p:spPr>
+          <p:txBody>
+            <a:bodyPr wrap="none" rtlCol="0">
+              <a:spAutoFit/>
+            </a:bodyPr>
+            <a:lstStyle/>
+            <a:p>
+              <a:pPr algn="ctr"/>
+              <a:r>
+                <a:rPr lang="en-US" sz="2000" dirty="0" smtClean="0"/>
+                <a:t>Small target</a:t>
+              </a:r>
+            </a:p>
+            <a:p>
+              <a:pPr algn="ctr"/>
+              <a:r>
+                <a:rPr lang="en-US" sz="2000" dirty="0" smtClean="0"/>
+                <a:t>Training set</a:t>
+              </a:r>
+              <a:endParaRPr lang="en-US" sz="2000" dirty="0"/>
+            </a:p>
+          </p:txBody>
+        </p:sp>
+        <p:sp>
+          <p:nvSpPr>
+            <p:cNvPr id="26" name="Rectangle 25"/>
+            <p:cNvSpPr/>
+            <p:nvPr/>
+          </p:nvSpPr>
+          <p:spPr>
+            <a:xfrm>
+              <a:off x="2658121" y="1436757"/>
+              <a:ext cx="2743200" cy="1295400"/>
+            </a:xfrm>
+            <a:prstGeom prst="rect">
+              <a:avLst/>
+            </a:prstGeom>
+            <a:noFill/>
+          </p:spPr>
+          <p:style>
+            <a:lnRef idx="2">
+              <a:schemeClr val="accent1">
+                <a:shade val="50000"/>
+              </a:schemeClr>
+            </a:lnRef>
+            <a:fillRef idx="1">
+              <a:schemeClr val="accent1"/>
+            </a:fillRef>
+            <a:effectRef idx="0">
+              <a:schemeClr val="accent1"/>
+            </a:effectRef>
+            <a:fontRef idx="minor">
+              <a:schemeClr val="lt1"/>
+            </a:fontRef>
+          </p:style>
+          <p:txBody>
+            <a:bodyPr rtlCol="0" anchor="ctr"/>
+            <a:lstStyle/>
+            <a:p>
+              <a:pPr algn="ctr"/>
+              <a:endParaRPr lang="en-US"/>
+            </a:p>
+          </p:txBody>
+        </p:sp>
+      </p:grpSp>
+      <p:sp>
+        <p:nvSpPr>
+          <p:cNvPr id="28" name="Rectangle 27"/>
+          <p:cNvSpPr/>
+          <p:nvPr/>
+        </p:nvSpPr>
+        <p:spPr>
+          <a:xfrm>
+            <a:off x="6297227" y="1209404"/>
+            <a:ext cx="1170373" cy="685724"/>
+          </a:xfrm>
+          <a:prstGeom prst="rect">
+            <a:avLst/>
+          </a:prstGeom>
+          <a:noFill/>
+        </p:spPr>
+        <p:style>
+          <a:lnRef idx="2">
+            <a:schemeClr val="accent1">
+              <a:shade val="50000"/>
+            </a:schemeClr>
+          </a:lnRef>
+          <a:fillRef idx="1">
+            <a:schemeClr val="accent1"/>
+          </a:fillRef>
+          <a:effectRef idx="0">
+            <a:schemeClr val="accent1"/>
+          </a:effectRef>
+          <a:fontRef idx="minor">
+            <a:schemeClr val="lt1"/>
+          </a:fontRef>
+        </p:style>
+        <p:txBody>
+          <a:bodyPr rtlCol="0" anchor="ctr"/>
+          <a:lstStyle/>
+          <a:p>
+            <a:pPr algn="ctr"/>
+            <a:r>
+              <a:rPr lang="en-US" dirty="0" smtClean="0">
+                <a:solidFill>
+                  <a:schemeClr val="tx1"/>
+                </a:solidFill>
+              </a:rPr>
+              <a:t>Transfer model</a:t>
+            </a:r>
+            <a:endParaRPr lang="en-US" dirty="0">
+              <a:solidFill>
+                <a:schemeClr val="tx1"/>
+              </a:solidFill>
+            </a:endParaRPr>
+          </a:p>
+        </p:txBody>
+      </p:sp>
+      <p:sp>
+        <p:nvSpPr>
+          <p:cNvPr id="30" name="Down Arrow 29"/>
+          <p:cNvSpPr/>
+          <p:nvPr/>
+        </p:nvSpPr>
+        <p:spPr>
+          <a:xfrm rot="16200000">
+            <a:off x="3586490" y="1826004"/>
+            <a:ext cx="292584" cy="2592835"/>
+          </a:xfrm>
+          <a:prstGeom prst="downArrow">
+            <a:avLst/>
+          </a:prstGeom>
+          <a:solidFill>
+            <a:schemeClr val="tx1"/>
+          </a:solidFill>
+          <a:ln>
+            <a:noFill/>
+          </a:ln>
+        </p:spPr>
+        <p:style>
+          <a:lnRef idx="2">
+            <a:schemeClr val="accent1">
+              <a:shade val="50000"/>
+            </a:schemeClr>
+          </a:lnRef>
+          <a:fillRef idx="1">
+            <a:schemeClr val="accent1"/>
+          </a:fillRef>
+          <a:effectRef idx="0">
+            <a:schemeClr val="accent1"/>
+          </a:effectRef>
+          <a:fontRef idx="minor">
+            <a:schemeClr val="lt1"/>
+          </a:fontRef>
+        </p:style>
+        <p:txBody>
+          <a:bodyPr rtlCol="0" anchor="ctr"/>
+          <a:lstStyle/>
+          <a:p>
+            <a:pPr algn="ctr"/>
+            <a:endParaRPr lang="en-US"/>
+          </a:p>
+        </p:txBody>
+      </p:sp>
+      <p:sp>
+        <p:nvSpPr>
+          <p:cNvPr id="20" name="Plus 19"/>
+          <p:cNvSpPr/>
+          <p:nvPr/>
+        </p:nvSpPr>
+        <p:spPr>
+          <a:xfrm>
+            <a:off x="6781800" y="3949488"/>
+            <a:ext cx="356151" cy="384040"/>
+          </a:xfrm>
+          <a:prstGeom prst="mathPlus">
+            <a:avLst/>
+          </a:prstGeom>
+          <a:solidFill>
+            <a:schemeClr val="tx1"/>
+          </a:solidFill>
+          <a:ln>
+            <a:noFill/>
+          </a:ln>
+        </p:spPr>
+        <p:style>
+          <a:lnRef idx="2">
+            <a:schemeClr val="accent1">
+              <a:shade val="50000"/>
+            </a:schemeClr>
+          </a:lnRef>
+          <a:fillRef idx="1">
+            <a:schemeClr val="accent1"/>
+          </a:fillRef>
+          <a:effectRef idx="0">
+            <a:schemeClr val="accent1"/>
+          </a:effectRef>
+          <a:fontRef idx="minor">
+            <a:schemeClr val="lt1"/>
+          </a:fontRef>
+        </p:style>
+        <p:txBody>
+          <a:bodyPr rtlCol="0" anchor="ctr"/>
+          <a:lstStyle/>
+          <a:p>
+            <a:pPr algn="ctr"/>
+            <a:endParaRPr lang="en-US"/>
+          </a:p>
+        </p:txBody>
+      </p:sp>
+      <p:sp>
+        <p:nvSpPr>
+          <p:cNvPr id="32" name="Down Arrow 31"/>
+          <p:cNvSpPr/>
+          <p:nvPr/>
+        </p:nvSpPr>
+        <p:spPr>
+          <a:xfrm rot="10800000">
+            <a:off x="6781800" y="1971328"/>
+            <a:ext cx="292584" cy="533400"/>
+          </a:xfrm>
+          <a:prstGeom prst="downArrow">
+            <a:avLst/>
+          </a:prstGeom>
+          <a:solidFill>
+            <a:schemeClr val="tx1"/>
+          </a:solidFill>
+          <a:ln>
+            <a:noFill/>
+          </a:ln>
+        </p:spPr>
+        <p:style>
+          <a:lnRef idx="2">
+            <a:schemeClr val="accent1">
+              <a:shade val="50000"/>
+            </a:schemeClr>
+          </a:lnRef>
+          <a:fillRef idx="1">
+            <a:schemeClr val="accent1"/>
+          </a:fillRef>
+          <a:effectRef idx="0">
+            <a:schemeClr val="accent1"/>
+          </a:effectRef>
+          <a:fontRef idx="minor">
+            <a:schemeClr val="lt1"/>
+          </a:fontRef>
+        </p:style>
+        <p:txBody>
+          <a:bodyPr rtlCol="0" anchor="ctr"/>
+          <a:lstStyle/>
+          <a:p>
+            <a:pPr algn="ctr"/>
+            <a:endParaRPr lang="en-US"/>
+          </a:p>
+        </p:txBody>
+      </p:sp>
+      <p:sp>
+        <p:nvSpPr>
+          <p:cNvPr id="33" name="Down Arrow 32"/>
+          <p:cNvSpPr/>
+          <p:nvPr/>
+        </p:nvSpPr>
+        <p:spPr>
+          <a:xfrm rot="5400000">
+            <a:off x="5683008" y="1317520"/>
+            <a:ext cx="292584" cy="533400"/>
+          </a:xfrm>
+          <a:prstGeom prst="downArrow">
+            <a:avLst/>
+          </a:prstGeom>
+          <a:solidFill>
+            <a:schemeClr val="tx1"/>
+          </a:solidFill>
+          <a:ln>
+            <a:noFill/>
+          </a:ln>
+        </p:spPr>
+        <p:style>
+          <a:lnRef idx="2">
+            <a:schemeClr val="accent1">
+              <a:shade val="50000"/>
+            </a:schemeClr>
+          </a:lnRef>
+          <a:fillRef idx="1">
+            <a:schemeClr val="accent1"/>
+          </a:fillRef>
+          <a:effectRef idx="0">
+            <a:schemeClr val="accent1"/>
+          </a:effectRef>
+          <a:fontRef idx="minor">
+            <a:schemeClr val="lt1"/>
+          </a:fontRef>
+        </p:style>
+        <p:txBody>
+          <a:bodyPr rtlCol="0" anchor="ctr"/>
+          <a:lstStyle/>
+          <a:p>
+            <a:pPr algn="ctr"/>
+            <a:endParaRPr lang="en-US"/>
+          </a:p>
+        </p:txBody>
+      </p:sp>
+    </p:spTree>
+    <p:extLst>
+      <p:ext uri="{BB962C8B-B14F-4D97-AF65-F5344CB8AC3E}">
+        <p14:creationId xmlns:p14="http://schemas.microsoft.com/office/powerpoint/2010/main" val="410835518"/>
+      </p:ext>
+    </p:extLst>
+  </p:cSld>
+  <p:clrMapOvr>
+    <a:masterClrMapping/>
+  </p:clrMapOvr>
+  <p:timing>
+    <p:tnLst>
+      <p:par>
+        <p:cTn id="1" dur="indefinite" restart="never" nodeType="tmRoot"/>
+      </p:par>
+    </p:tnLst>
+  </p:timing>
 </p:sld>
 </file>
 

--- a/transfer/fig/Presentation1.pptx
+++ b/transfer/fig/Presentation1.pptx
@@ -7,10 +7,12 @@
   <p:sldIdLst>
     <p:sldId id="257" r:id="rId2"/>
     <p:sldId id="262" r:id="rId3"/>
-    <p:sldId id="258" r:id="rId4"/>
-    <p:sldId id="259" r:id="rId5"/>
-    <p:sldId id="260" r:id="rId6"/>
-    <p:sldId id="261" r:id="rId7"/>
+    <p:sldId id="263" r:id="rId4"/>
+    <p:sldId id="258" r:id="rId5"/>
+    <p:sldId id="259" r:id="rId6"/>
+    <p:sldId id="260" r:id="rId7"/>
+    <p:sldId id="261" r:id="rId8"/>
+    <p:sldId id="264" r:id="rId9"/>
   </p:sldIdLst>
   <p:sldSz cx="9144000" cy="6858000" type="screen4x3"/>
   <p:notesSz cx="6858000" cy="9144000"/>
@@ -293,7 +295,7 @@
           <a:p>
             <a:fld id="{29298EB6-CD5B-4AC7-AB0C-5687DAFD76B6}" type="datetimeFigureOut">
               <a:rPr lang="en-US" smtClean="0"/>
-              <a:t>5/30/2016</a:t>
+              <a:t>6/14/2016</a:t>
             </a:fld>
             <a:endParaRPr lang="en-US"/>
           </a:p>
@@ -463,7 +465,7 @@
           <a:p>
             <a:fld id="{29298EB6-CD5B-4AC7-AB0C-5687DAFD76B6}" type="datetimeFigureOut">
               <a:rPr lang="en-US" smtClean="0"/>
-              <a:t>5/30/2016</a:t>
+              <a:t>6/14/2016</a:t>
             </a:fld>
             <a:endParaRPr lang="en-US"/>
           </a:p>
@@ -643,7 +645,7 @@
           <a:p>
             <a:fld id="{29298EB6-CD5B-4AC7-AB0C-5687DAFD76B6}" type="datetimeFigureOut">
               <a:rPr lang="en-US" smtClean="0"/>
-              <a:t>5/30/2016</a:t>
+              <a:t>6/14/2016</a:t>
             </a:fld>
             <a:endParaRPr lang="en-US"/>
           </a:p>
@@ -813,7 +815,7 @@
           <a:p>
             <a:fld id="{29298EB6-CD5B-4AC7-AB0C-5687DAFD76B6}" type="datetimeFigureOut">
               <a:rPr lang="en-US" smtClean="0"/>
-              <a:t>5/30/2016</a:t>
+              <a:t>6/14/2016</a:t>
             </a:fld>
             <a:endParaRPr lang="en-US"/>
           </a:p>
@@ -1059,7 +1061,7 @@
           <a:p>
             <a:fld id="{29298EB6-CD5B-4AC7-AB0C-5687DAFD76B6}" type="datetimeFigureOut">
               <a:rPr lang="en-US" smtClean="0"/>
-              <a:t>5/30/2016</a:t>
+              <a:t>6/14/2016</a:t>
             </a:fld>
             <a:endParaRPr lang="en-US"/>
           </a:p>
@@ -1347,7 +1349,7 @@
           <a:p>
             <a:fld id="{29298EB6-CD5B-4AC7-AB0C-5687DAFD76B6}" type="datetimeFigureOut">
               <a:rPr lang="en-US" smtClean="0"/>
-              <a:t>5/30/2016</a:t>
+              <a:t>6/14/2016</a:t>
             </a:fld>
             <a:endParaRPr lang="en-US"/>
           </a:p>
@@ -1769,7 +1771,7 @@
           <a:p>
             <a:fld id="{29298EB6-CD5B-4AC7-AB0C-5687DAFD76B6}" type="datetimeFigureOut">
               <a:rPr lang="en-US" smtClean="0"/>
-              <a:t>5/30/2016</a:t>
+              <a:t>6/14/2016</a:t>
             </a:fld>
             <a:endParaRPr lang="en-US"/>
           </a:p>
@@ -1887,7 +1889,7 @@
           <a:p>
             <a:fld id="{29298EB6-CD5B-4AC7-AB0C-5687DAFD76B6}" type="datetimeFigureOut">
               <a:rPr lang="en-US" smtClean="0"/>
-              <a:t>5/30/2016</a:t>
+              <a:t>6/14/2016</a:t>
             </a:fld>
             <a:endParaRPr lang="en-US"/>
           </a:p>
@@ -1982,7 +1984,7 @@
           <a:p>
             <a:fld id="{29298EB6-CD5B-4AC7-AB0C-5687DAFD76B6}" type="datetimeFigureOut">
               <a:rPr lang="en-US" smtClean="0"/>
-              <a:t>5/30/2016</a:t>
+              <a:t>6/14/2016</a:t>
             </a:fld>
             <a:endParaRPr lang="en-US"/>
           </a:p>
@@ -2259,7 +2261,7 @@
           <a:p>
             <a:fld id="{29298EB6-CD5B-4AC7-AB0C-5687DAFD76B6}" type="datetimeFigureOut">
               <a:rPr lang="en-US" smtClean="0"/>
-              <a:t>5/30/2016</a:t>
+              <a:t>6/14/2016</a:t>
             </a:fld>
             <a:endParaRPr lang="en-US"/>
           </a:p>
@@ -2512,7 +2514,7 @@
           <a:p>
             <a:fld id="{29298EB6-CD5B-4AC7-AB0C-5687DAFD76B6}" type="datetimeFigureOut">
               <a:rPr lang="en-US" smtClean="0"/>
-              <a:t>5/30/2016</a:t>
+              <a:t>6/14/2016</a:t>
             </a:fld>
             <a:endParaRPr lang="en-US"/>
           </a:p>
@@ -2725,7 +2727,7 @@
           <a:p>
             <a:fld id="{29298EB6-CD5B-4AC7-AB0C-5687DAFD76B6}" type="datetimeFigureOut">
               <a:rPr lang="en-US" smtClean="0"/>
-              <a:t>5/30/2016</a:t>
+              <a:t>6/14/2016</a:t>
             </a:fld>
             <a:endParaRPr lang="en-US"/>
           </a:p>
@@ -7138,6 +7140,2720 @@
           <a:chExt cx="0" cy="0"/>
         </a:xfrm>
       </p:grpSpPr>
+      <mc:AlternateContent xmlns:mc="http://schemas.openxmlformats.org/markup-compatibility/2006">
+        <mc:Choice xmlns:a14="http://schemas.microsoft.com/office/drawing/2010/main" Requires="a14">
+          <p:sp>
+            <p:nvSpPr>
+              <p:cNvPr id="9" name="Rectangle 8"/>
+              <p:cNvSpPr/>
+              <p:nvPr/>
+            </p:nvSpPr>
+            <p:spPr>
+              <a:xfrm>
+                <a:off x="8689059" y="4114800"/>
+                <a:ext cx="3410149" cy="369332"/>
+              </a:xfrm>
+              <a:prstGeom prst="rect">
+                <a:avLst/>
+              </a:prstGeom>
+            </p:spPr>
+            <p:txBody>
+              <a:bodyPr wrap="square">
+                <a:spAutoFit/>
+              </a:bodyPr>
+              <a:lstStyle/>
+              <a:p>
+                <a:r>
+                  <a:rPr lang="en-CA" b="1" dirty="0" smtClean="0"/>
+                  <a:t>Target </a:t>
+                </a:r>
+                <a:r>
+                  <a:rPr lang="en-CA" b="1" dirty="0" smtClean="0"/>
+                  <a:t>model</a:t>
+                </a:r>
+                <a:r>
+                  <a:rPr lang="en-CA" b="1" dirty="0" smtClean="0"/>
+                  <a:t>:</a:t>
+                </a:r>
+                <a14:m>
+                  <m:oMath xmlns:m="http://schemas.openxmlformats.org/officeDocument/2006/math">
+                    <m:r>
+                      <a:rPr lang="en-CA" b="1" i="0" smtClean="0">
+                        <a:latin typeface="Cambria Math"/>
+                        <a:ea typeface="Cambria Math"/>
+                      </a:rPr>
+                      <m:t>    </m:t>
+                    </m:r>
+                    <m:r>
+                      <a:rPr lang="en-CA" b="1" i="1" smtClean="0">
+                        <a:latin typeface="Cambria Math"/>
+                        <a:ea typeface="Cambria Math"/>
+                      </a:rPr>
+                      <m:t>𝒇</m:t>
+                    </m:r>
+                    <m:d>
+                      <m:dPr>
+                        <m:ctrlPr>
+                          <a:rPr lang="en-CA" b="1" i="1">
+                            <a:latin typeface="Cambria Math"/>
+                            <a:ea typeface="Cambria Math"/>
+                          </a:rPr>
+                        </m:ctrlPr>
+                      </m:dPr>
+                      <m:e>
+                        <m:r>
+                          <a:rPr lang="en-CA" b="1" i="1">
+                            <a:latin typeface="Cambria Math"/>
+                            <a:ea typeface="Cambria Math"/>
+                          </a:rPr>
+                          <m:t>𝒙</m:t>
+                        </m:r>
+                      </m:e>
+                    </m:d>
+                    <m:r>
+                      <a:rPr lang="en-US" b="1" i="1">
+                        <a:latin typeface="Cambria Math"/>
+                        <a:ea typeface="Cambria Math"/>
+                      </a:rPr>
+                      <m:t>=</m:t>
+                    </m:r>
+                    <m:acc>
+                      <m:accPr>
+                        <m:chr m:val="̂"/>
+                        <m:ctrlPr>
+                          <a:rPr lang="en-CA" b="1" i="1">
+                            <a:latin typeface="Cambria Math"/>
+                            <a:ea typeface="Cambria Math"/>
+                          </a:rPr>
+                        </m:ctrlPr>
+                      </m:accPr>
+                      <m:e>
+                        <m:r>
+                          <a:rPr lang="en-US" b="1" i="1">
+                            <a:latin typeface="Cambria Math"/>
+                            <a:ea typeface="Cambria Math"/>
+                          </a:rPr>
+                          <m:t>𝒘</m:t>
+                        </m:r>
+                      </m:e>
+                    </m:acc>
+                    <m:acc>
+                      <m:accPr>
+                        <m:chr m:val="̂"/>
+                        <m:ctrlPr>
+                          <a:rPr lang="en-CA" b="1" i="1">
+                            <a:latin typeface="Cambria Math"/>
+                            <a:ea typeface="Cambria Math"/>
+                          </a:rPr>
+                        </m:ctrlPr>
+                      </m:accPr>
+                      <m:e>
+                        <m:r>
+                          <a:rPr lang="en-US" b="1" i="1">
+                            <a:latin typeface="Cambria Math"/>
+                            <a:ea typeface="Cambria Math"/>
+                          </a:rPr>
+                          <m:t>𝒙</m:t>
+                        </m:r>
+                      </m:e>
+                    </m:acc>
+                  </m:oMath>
+                </a14:m>
+                <a:endParaRPr lang="en-US" b="1" dirty="0"/>
+              </a:p>
+            </p:txBody>
+          </p:sp>
+        </mc:Choice>
+        <mc:Fallback>
+          <p:sp>
+            <p:nvSpPr>
+              <p:cNvPr id="9" name="Rectangle 8"/>
+              <p:cNvSpPr>
+                <a:spLocks noRot="1" noChangeAspect="1" noMove="1" noResize="1" noEditPoints="1" noAdjustHandles="1" noChangeArrowheads="1" noChangeShapeType="1" noTextEdit="1"/>
+              </p:cNvSpPr>
+              <p:nvPr/>
+            </p:nvSpPr>
+            <p:spPr>
+              <a:xfrm>
+                <a:off x="8689059" y="4114800"/>
+                <a:ext cx="3410149" cy="369332"/>
+              </a:xfrm>
+              <a:prstGeom prst="rect">
+                <a:avLst/>
+              </a:prstGeom>
+              <a:blipFill rotWithShape="1">
+                <a:blip r:embed="rId2"/>
+                <a:stretch>
+                  <a:fillRect l="-1429" t="-8197" b="-24590"/>
+                </a:stretch>
+              </a:blipFill>
+            </p:spPr>
+            <p:txBody>
+              <a:bodyPr/>
+              <a:lstStyle/>
+              <a:p>
+                <a:r>
+                  <a:rPr lang="en-US">
+                    <a:noFill/>
+                  </a:rPr>
+                  <a:t> </a:t>
+                </a:r>
+              </a:p>
+            </p:txBody>
+          </p:sp>
+        </mc:Fallback>
+      </mc:AlternateContent>
+      <p:grpSp>
+        <p:nvGrpSpPr>
+          <p:cNvPr id="21" name="Group 20"/>
+          <p:cNvGrpSpPr/>
+          <p:nvPr/>
+        </p:nvGrpSpPr>
+        <p:grpSpPr>
+          <a:xfrm>
+            <a:off x="1524000" y="1175188"/>
+            <a:ext cx="1219200" cy="1110812"/>
+            <a:chOff x="2667000" y="2852406"/>
+            <a:chExt cx="1219200" cy="1110812"/>
+          </a:xfrm>
+        </p:grpSpPr>
+        <p:pic>
+          <p:nvPicPr>
+            <p:cNvPr id="22" name="Picture 2" descr="http://static.flickr.com/100/312416077_c1d4705d85_o.jpg"/>
+            <p:cNvPicPr>
+              <a:picLocks noChangeAspect="1" noChangeArrowheads="1"/>
+            </p:cNvPicPr>
+            <p:nvPr/>
+          </p:nvPicPr>
+          <p:blipFill>
+            <a:blip r:embed="rId3" cstate="print">
+              <a:extLst>
+                <a:ext uri="{28A0092B-C50C-407E-A947-70E740481C1C}">
+                  <a14:useLocalDpi xmlns:a14="http://schemas.microsoft.com/office/drawing/2010/main" val="0"/>
+                </a:ext>
+              </a:extLst>
+            </a:blip>
+            <a:srcRect/>
+            <a:stretch>
+              <a:fillRect/>
+            </a:stretch>
+          </p:blipFill>
+          <p:spPr bwMode="auto">
+            <a:xfrm>
+              <a:off x="2667000" y="3048818"/>
+              <a:ext cx="1219200" cy="914400"/>
+            </a:xfrm>
+            <a:prstGeom prst="rect">
+              <a:avLst/>
+            </a:prstGeom>
+            <a:noFill/>
+            <a:extLst>
+              <a:ext uri="{909E8E84-426E-40DD-AFC4-6F175D3DCCD1}">
+                <a14:hiddenFill xmlns:a14="http://schemas.microsoft.com/office/drawing/2010/main">
+                  <a:solidFill>
+                    <a:srgbClr val="FFFFFF"/>
+                  </a:solidFill>
+                </a14:hiddenFill>
+              </a:ext>
+            </a:extLst>
+          </p:spPr>
+        </p:pic>
+        <mc:AlternateContent xmlns:mc="http://schemas.openxmlformats.org/markup-compatibility/2006" xmlns:a14="http://schemas.microsoft.com/office/drawing/2010/main">
+          <mc:Choice Requires="a14">
+            <p:sp>
+              <p:nvSpPr>
+                <p:cNvPr id="24" name="Rectangle 23"/>
+                <p:cNvSpPr/>
+                <p:nvPr/>
+              </p:nvSpPr>
+              <p:spPr>
+                <a:xfrm>
+                  <a:off x="2743200" y="2852406"/>
+                  <a:ext cx="370614" cy="369332"/>
+                </a:xfrm>
+                <a:prstGeom prst="rect">
+                  <a:avLst/>
+                </a:prstGeom>
+              </p:spPr>
+              <p:txBody>
+                <a:bodyPr wrap="none">
+                  <a:spAutoFit/>
+                </a:bodyPr>
+                <a:lstStyle/>
+                <a:p>
+                  <a:pPr/>
+                  <a14:m>
+                    <m:oMathPara xmlns:m="http://schemas.openxmlformats.org/officeDocument/2006/math">
+                      <m:oMathParaPr>
+                        <m:jc m:val="centerGroup"/>
+                      </m:oMathParaPr>
+                      <m:oMath xmlns:m="http://schemas.openxmlformats.org/officeDocument/2006/math">
+                        <m:r>
+                          <a:rPr lang="en-US" b="1" i="1">
+                            <a:latin typeface="Cambria Math"/>
+                          </a:rPr>
+                          <m:t>𝒙</m:t>
+                        </m:r>
+                      </m:oMath>
+                    </m:oMathPara>
+                  </a14:m>
+                  <a:endParaRPr lang="en-US" b="1" dirty="0"/>
+                </a:p>
+              </p:txBody>
+            </p:sp>
+          </mc:Choice>
+          <mc:Fallback xmlns="">
+            <p:sp>
+              <p:nvSpPr>
+                <p:cNvPr id="30" name="Rectangle 29"/>
+                <p:cNvSpPr>
+                  <a:spLocks noRot="1" noChangeAspect="1" noMove="1" noResize="1" noEditPoints="1" noAdjustHandles="1" noChangeArrowheads="1" noChangeShapeType="1" noTextEdit="1"/>
+                </p:cNvSpPr>
+                <p:nvPr/>
+              </p:nvSpPr>
+              <p:spPr>
+                <a:xfrm>
+                  <a:off x="2743200" y="2852406"/>
+                  <a:ext cx="370614" cy="369332"/>
+                </a:xfrm>
+                <a:prstGeom prst="rect">
+                  <a:avLst/>
+                </a:prstGeom>
+                <a:blipFill rotWithShape="1">
+                  <a:blip r:embed="rId7"/>
+                  <a:stretch>
+                    <a:fillRect/>
+                  </a:stretch>
+                </a:blipFill>
+              </p:spPr>
+              <p:txBody>
+                <a:bodyPr/>
+                <a:lstStyle/>
+                <a:p>
+                  <a:r>
+                    <a:rPr lang="en-CA">
+                      <a:noFill/>
+                    </a:rPr>
+                    <a:t> </a:t>
+                  </a:r>
+                </a:p>
+              </p:txBody>
+            </p:sp>
+          </mc:Fallback>
+        </mc:AlternateContent>
+      </p:grpSp>
+      <mc:AlternateContent xmlns:mc="http://schemas.openxmlformats.org/markup-compatibility/2006" xmlns:a14="http://schemas.microsoft.com/office/drawing/2010/main">
+        <mc:Choice Requires="a14">
+          <p:graphicFrame>
+            <p:nvGraphicFramePr>
+              <p:cNvPr id="41" name="Table 40"/>
+              <p:cNvGraphicFramePr>
+                <a:graphicFrameLocks noGrp="1"/>
+              </p:cNvGraphicFramePr>
+              <p:nvPr>
+                <p:extLst>
+                  <p:ext uri="{D42A27DB-BD31-4B8C-83A1-F6EECF244321}">
+                    <p14:modId xmlns:p14="http://schemas.microsoft.com/office/powerpoint/2010/main" val="836905509"/>
+                  </p:ext>
+                </p:extLst>
+              </p:nvPr>
+            </p:nvGraphicFramePr>
+            <p:xfrm>
+              <a:off x="4655269" y="2971800"/>
+              <a:ext cx="2457453" cy="370840"/>
+            </p:xfrm>
+            <a:graphic>
+              <a:graphicData uri="http://schemas.openxmlformats.org/drawingml/2006/table">
+                <a:tbl>
+                  <a:tblPr firstRow="1" bandRow="1">
+                    <a:tableStyleId>{5940675A-B579-460E-94D1-54222C63F5DA}</a:tableStyleId>
+                  </a:tblPr>
+                  <a:tblGrid>
+                    <a:gridCol w="819151"/>
+                    <a:gridCol w="819151"/>
+                    <a:gridCol w="819151"/>
+                  </a:tblGrid>
+                  <a:tr h="370840">
+                    <a:tc>
+                      <a:txBody>
+                        <a:bodyPr/>
+                        <a:lstStyle/>
+                        <a:p>
+                          <a:pPr marL="0" marR="0" indent="0" algn="l" defTabSz="914400" rtl="0" eaLnBrk="1" fontAlgn="auto" latinLnBrk="0" hangingPunct="1">
+                            <a:lnSpc>
+                              <a:spcPct val="100000"/>
+                            </a:lnSpc>
+                            <a:spcBef>
+                              <a:spcPts val="0"/>
+                            </a:spcBef>
+                            <a:spcAft>
+                              <a:spcPts val="0"/>
+                            </a:spcAft>
+                            <a:buClrTx/>
+                            <a:buSzTx/>
+                            <a:buFontTx/>
+                            <a:buNone/>
+                            <a:tabLst/>
+                            <a:defRPr/>
+                          </a:pPr>
+                          <a14:m>
+                            <m:oMathPara xmlns:m="http://schemas.openxmlformats.org/officeDocument/2006/math">
+                              <m:oMathParaPr>
+                                <m:jc m:val="centerGroup"/>
+                              </m:oMathParaPr>
+                              <m:oMath xmlns:m="http://schemas.openxmlformats.org/officeDocument/2006/math">
+                                <m:sSub>
+                                  <m:sSubPr>
+                                    <m:ctrlPr>
+                                      <a:rPr lang="en-CA" b="1" i="1" smtClean="0">
+                                        <a:latin typeface="Cambria Math"/>
+                                        <a:ea typeface="Cambria Math"/>
+                                      </a:rPr>
+                                    </m:ctrlPr>
+                                  </m:sSubPr>
+                                  <m:e>
+                                    <m:r>
+                                      <a:rPr lang="en-CA" b="1" i="1" smtClean="0">
+                                        <a:latin typeface="Cambria Math"/>
+                                        <a:ea typeface="Cambria Math"/>
+                                      </a:rPr>
+                                      <m:t>𝒇</m:t>
+                                    </m:r>
+                                    <m:r>
+                                      <a:rPr lang="en-CA" b="1" i="1" smtClean="0">
+                                        <a:latin typeface="Cambria Math"/>
+                                        <a:ea typeface="Cambria Math"/>
+                                      </a:rPr>
+                                      <m:t>′</m:t>
+                                    </m:r>
+                                  </m:e>
+                                  <m:sub>
+                                    <m:r>
+                                      <a:rPr lang="en-CA" b="1" i="1" smtClean="0">
+                                        <a:latin typeface="Cambria Math"/>
+                                        <a:ea typeface="Cambria Math"/>
+                                      </a:rPr>
+                                      <m:t>𝟏</m:t>
+                                    </m:r>
+                                  </m:sub>
+                                </m:sSub>
+                                <m:d>
+                                  <m:dPr>
+                                    <m:ctrlPr>
+                                      <a:rPr lang="en-CA" b="1" i="1" smtClean="0">
+                                        <a:latin typeface="Cambria Math"/>
+                                        <a:ea typeface="Cambria Math"/>
+                                      </a:rPr>
+                                    </m:ctrlPr>
+                                  </m:dPr>
+                                  <m:e>
+                                    <m:r>
+                                      <a:rPr lang="en-CA" b="1" i="1" smtClean="0">
+                                        <a:latin typeface="Cambria Math"/>
+                                        <a:ea typeface="Cambria Math"/>
+                                      </a:rPr>
+                                      <m:t>𝒙</m:t>
+                                    </m:r>
+                                  </m:e>
+                                </m:d>
+                              </m:oMath>
+                            </m:oMathPara>
+                          </a14:m>
+                          <a:endParaRPr lang="en-US" b="1" dirty="0"/>
+                        </a:p>
+                      </a:txBody>
+                      <a:tcPr>
+                        <a:solidFill>
+                          <a:srgbClr val="FFC000"/>
+                        </a:solidFill>
+                      </a:tcPr>
+                    </a:tc>
+                    <a:tc>
+                      <a:txBody>
+                        <a:bodyPr/>
+                        <a:lstStyle/>
+                        <a:p>
+                          <a:pPr marL="0" marR="0" indent="0" algn="l" defTabSz="914400" rtl="0" eaLnBrk="1" fontAlgn="auto" latinLnBrk="0" hangingPunct="1">
+                            <a:lnSpc>
+                              <a:spcPct val="100000"/>
+                            </a:lnSpc>
+                            <a:spcBef>
+                              <a:spcPts val="0"/>
+                            </a:spcBef>
+                            <a:spcAft>
+                              <a:spcPts val="0"/>
+                            </a:spcAft>
+                            <a:buClrTx/>
+                            <a:buSzTx/>
+                            <a:buFontTx/>
+                            <a:buNone/>
+                            <a:tabLst/>
+                            <a:defRPr/>
+                          </a:pPr>
+                          <a14:m>
+                            <m:oMathPara xmlns:m="http://schemas.openxmlformats.org/officeDocument/2006/math">
+                              <m:oMathParaPr>
+                                <m:jc m:val="centerGroup"/>
+                              </m:oMathParaPr>
+                              <m:oMath xmlns:m="http://schemas.openxmlformats.org/officeDocument/2006/math">
+                                <m:sSub>
+                                  <m:sSubPr>
+                                    <m:ctrlPr>
+                                      <a:rPr lang="en-CA" b="1" i="1" smtClean="0">
+                                        <a:latin typeface="Cambria Math"/>
+                                        <a:ea typeface="Cambria Math"/>
+                                      </a:rPr>
+                                    </m:ctrlPr>
+                                  </m:sSubPr>
+                                  <m:e>
+                                    <m:r>
+                                      <a:rPr lang="en-CA" b="1" i="1" smtClean="0">
+                                        <a:latin typeface="Cambria Math"/>
+                                        <a:ea typeface="Cambria Math"/>
+                                      </a:rPr>
+                                      <m:t>𝒇</m:t>
+                                    </m:r>
+                                    <m:r>
+                                      <a:rPr lang="en-CA" b="1" i="1" smtClean="0">
+                                        <a:latin typeface="Cambria Math"/>
+                                        <a:ea typeface="Cambria Math"/>
+                                      </a:rPr>
+                                      <m:t>′</m:t>
+                                    </m:r>
+                                  </m:e>
+                                  <m:sub>
+                                    <m:r>
+                                      <a:rPr lang="en-CA" b="1" i="1" smtClean="0">
+                                        <a:latin typeface="Cambria Math"/>
+                                        <a:ea typeface="Cambria Math"/>
+                                      </a:rPr>
+                                      <m:t>𝟐</m:t>
+                                    </m:r>
+                                  </m:sub>
+                                </m:sSub>
+                                <m:d>
+                                  <m:dPr>
+                                    <m:ctrlPr>
+                                      <a:rPr lang="en-CA" b="1" i="1" smtClean="0">
+                                        <a:latin typeface="Cambria Math"/>
+                                        <a:ea typeface="Cambria Math"/>
+                                      </a:rPr>
+                                    </m:ctrlPr>
+                                  </m:dPr>
+                                  <m:e>
+                                    <m:r>
+                                      <a:rPr lang="en-CA" b="1" i="1" smtClean="0">
+                                        <a:latin typeface="Cambria Math"/>
+                                        <a:ea typeface="Cambria Math"/>
+                                      </a:rPr>
+                                      <m:t>𝒙</m:t>
+                                    </m:r>
+                                  </m:e>
+                                </m:d>
+                              </m:oMath>
+                            </m:oMathPara>
+                          </a14:m>
+                          <a:endParaRPr lang="en-US" b="1" dirty="0"/>
+                        </a:p>
+                      </a:txBody>
+                      <a:tcPr>
+                        <a:solidFill>
+                          <a:srgbClr val="FFC000"/>
+                        </a:solidFill>
+                      </a:tcPr>
+                    </a:tc>
+                    <a:tc>
+                      <a:txBody>
+                        <a:bodyPr/>
+                        <a:lstStyle/>
+                        <a:p>
+                          <a:pPr marL="0" marR="0" indent="0" algn="l" defTabSz="914400" rtl="0" eaLnBrk="1" fontAlgn="auto" latinLnBrk="0" hangingPunct="1">
+                            <a:lnSpc>
+                              <a:spcPct val="100000"/>
+                            </a:lnSpc>
+                            <a:spcBef>
+                              <a:spcPts val="0"/>
+                            </a:spcBef>
+                            <a:spcAft>
+                              <a:spcPts val="0"/>
+                            </a:spcAft>
+                            <a:buClrTx/>
+                            <a:buSzTx/>
+                            <a:buFontTx/>
+                            <a:buNone/>
+                            <a:tabLst/>
+                            <a:defRPr/>
+                          </a:pPr>
+                          <a14:m>
+                            <m:oMathPara xmlns:m="http://schemas.openxmlformats.org/officeDocument/2006/math">
+                              <m:oMathParaPr>
+                                <m:jc m:val="centerGroup"/>
+                              </m:oMathParaPr>
+                              <m:oMath xmlns:m="http://schemas.openxmlformats.org/officeDocument/2006/math">
+                                <m:sSub>
+                                  <m:sSubPr>
+                                    <m:ctrlPr>
+                                      <a:rPr lang="en-CA" b="1" i="1" smtClean="0">
+                                        <a:latin typeface="Cambria Math"/>
+                                        <a:ea typeface="Cambria Math"/>
+                                      </a:rPr>
+                                    </m:ctrlPr>
+                                  </m:sSubPr>
+                                  <m:e>
+                                    <m:r>
+                                      <a:rPr lang="en-CA" b="1" i="1" smtClean="0">
+                                        <a:latin typeface="Cambria Math"/>
+                                        <a:ea typeface="Cambria Math"/>
+                                      </a:rPr>
+                                      <m:t>𝒇</m:t>
+                                    </m:r>
+                                    <m:r>
+                                      <a:rPr lang="en-CA" b="1" i="1" smtClean="0">
+                                        <a:latin typeface="Cambria Math"/>
+                                        <a:ea typeface="Cambria Math"/>
+                                      </a:rPr>
+                                      <m:t>′</m:t>
+                                    </m:r>
+                                  </m:e>
+                                  <m:sub>
+                                    <m:r>
+                                      <a:rPr lang="en-CA" b="1" i="1" smtClean="0">
+                                        <a:latin typeface="Cambria Math"/>
+                                        <a:ea typeface="Cambria Math"/>
+                                      </a:rPr>
+                                      <m:t>𝟑</m:t>
+                                    </m:r>
+                                  </m:sub>
+                                </m:sSub>
+                                <m:d>
+                                  <m:dPr>
+                                    <m:ctrlPr>
+                                      <a:rPr lang="en-CA" b="1" i="1" smtClean="0">
+                                        <a:latin typeface="Cambria Math"/>
+                                        <a:ea typeface="Cambria Math"/>
+                                      </a:rPr>
+                                    </m:ctrlPr>
+                                  </m:dPr>
+                                  <m:e>
+                                    <m:r>
+                                      <a:rPr lang="en-CA" b="1" i="1" smtClean="0">
+                                        <a:latin typeface="Cambria Math"/>
+                                        <a:ea typeface="Cambria Math"/>
+                                      </a:rPr>
+                                      <m:t>𝒙</m:t>
+                                    </m:r>
+                                  </m:e>
+                                </m:d>
+                              </m:oMath>
+                            </m:oMathPara>
+                          </a14:m>
+                          <a:endParaRPr lang="en-US" b="1" dirty="0"/>
+                        </a:p>
+                      </a:txBody>
+                      <a:tcPr>
+                        <a:solidFill>
+                          <a:srgbClr val="FFC000"/>
+                        </a:solidFill>
+                      </a:tcPr>
+                    </a:tc>
+                  </a:tr>
+                </a:tbl>
+              </a:graphicData>
+            </a:graphic>
+          </p:graphicFrame>
+        </mc:Choice>
+        <mc:Fallback xmlns="">
+          <p:graphicFrame>
+            <p:nvGraphicFramePr>
+              <p:cNvPr id="41" name="Table 40"/>
+              <p:cNvGraphicFramePr>
+                <a:graphicFrameLocks noGrp="1"/>
+              </p:cNvGraphicFramePr>
+              <p:nvPr>
+                <p:extLst>
+                  <p:ext uri="{D42A27DB-BD31-4B8C-83A1-F6EECF244321}">
+                    <p14:modId xmlns:p14="http://schemas.microsoft.com/office/powerpoint/2010/main" val="836905509"/>
+                  </p:ext>
+                </p:extLst>
+              </p:nvPr>
+            </p:nvGraphicFramePr>
+            <p:xfrm>
+              <a:off x="4655269" y="2971800"/>
+              <a:ext cx="2457453" cy="370840"/>
+            </p:xfrm>
+            <a:graphic>
+              <a:graphicData uri="http://schemas.openxmlformats.org/drawingml/2006/table">
+                <a:tbl>
+                  <a:tblPr firstRow="1" bandRow="1">
+                    <a:tableStyleId>{5940675A-B579-460E-94D1-54222C63F5DA}</a:tableStyleId>
+                  </a:tblPr>
+                  <a:tblGrid>
+                    <a:gridCol w="819151"/>
+                    <a:gridCol w="819151"/>
+                    <a:gridCol w="819151"/>
+                  </a:tblGrid>
+                  <a:tr h="370840">
+                    <a:tc>
+                      <a:txBody>
+                        <a:bodyPr/>
+                        <a:lstStyle/>
+                        <a:p>
+                          <a:endParaRPr lang="en-US"/>
+                        </a:p>
+                      </a:txBody>
+                      <a:tcPr>
+                        <a:blipFill rotWithShape="1">
+                          <a:blip r:embed="rId8"/>
+                          <a:stretch>
+                            <a:fillRect l="-746" t="-1667" r="-200746" b="-13333"/>
+                          </a:stretch>
+                        </a:blipFill>
+                      </a:tcPr>
+                    </a:tc>
+                    <a:tc>
+                      <a:txBody>
+                        <a:bodyPr/>
+                        <a:lstStyle/>
+                        <a:p>
+                          <a:endParaRPr lang="en-US"/>
+                        </a:p>
+                      </a:txBody>
+                      <a:tcPr>
+                        <a:blipFill rotWithShape="1">
+                          <a:blip r:embed="rId8"/>
+                          <a:stretch>
+                            <a:fillRect l="-100000" t="-1667" r="-99259" b="-13333"/>
+                          </a:stretch>
+                        </a:blipFill>
+                      </a:tcPr>
+                    </a:tc>
+                    <a:tc>
+                      <a:txBody>
+                        <a:bodyPr/>
+                        <a:lstStyle/>
+                        <a:p>
+                          <a:endParaRPr lang="en-US"/>
+                        </a:p>
+                      </a:txBody>
+                      <a:tcPr>
+                        <a:blipFill rotWithShape="1">
+                          <a:blip r:embed="rId8"/>
+                          <a:stretch>
+                            <a:fillRect l="-201493" t="-1667" b="-13333"/>
+                          </a:stretch>
+                        </a:blipFill>
+                      </a:tcPr>
+                    </a:tc>
+                  </a:tr>
+                </a:tbl>
+              </a:graphicData>
+            </a:graphic>
+          </p:graphicFrame>
+        </mc:Fallback>
+      </mc:AlternateContent>
+      <p:sp>
+        <p:nvSpPr>
+          <p:cNvPr id="38" name="Right Arrow 37"/>
+          <p:cNvSpPr/>
+          <p:nvPr/>
+        </p:nvSpPr>
+        <p:spPr>
+          <a:xfrm rot="5400000">
+            <a:off x="5617296" y="2409014"/>
+            <a:ext cx="533400" cy="335587"/>
+          </a:xfrm>
+          <a:prstGeom prst="rightArrow">
+            <a:avLst/>
+          </a:prstGeom>
+          <a:solidFill>
+            <a:srgbClr val="FF0000"/>
+          </a:solidFill>
+          <a:ln>
+            <a:noFill/>
+          </a:ln>
+        </p:spPr>
+        <p:style>
+          <a:lnRef idx="2">
+            <a:schemeClr val="accent1">
+              <a:shade val="50000"/>
+            </a:schemeClr>
+          </a:lnRef>
+          <a:fillRef idx="1">
+            <a:schemeClr val="accent1"/>
+          </a:fillRef>
+          <a:effectRef idx="0">
+            <a:schemeClr val="accent1"/>
+          </a:effectRef>
+          <a:fontRef idx="minor">
+            <a:schemeClr val="lt1"/>
+          </a:fontRef>
+        </p:style>
+        <p:txBody>
+          <a:bodyPr rtlCol="0" anchor="ctr"/>
+          <a:lstStyle/>
+          <a:p>
+            <a:pPr algn="ctr"/>
+            <a:endParaRPr lang="en-CA"/>
+          </a:p>
+        </p:txBody>
+      </p:sp>
+      <mc:AlternateContent xmlns:mc="http://schemas.openxmlformats.org/markup-compatibility/2006">
+        <mc:Choice xmlns:a14="http://schemas.microsoft.com/office/drawing/2010/main" Requires="a14">
+          <p:graphicFrame>
+            <p:nvGraphicFramePr>
+              <p:cNvPr id="57" name="Table 56"/>
+              <p:cNvGraphicFramePr>
+                <a:graphicFrameLocks noGrp="1"/>
+              </p:cNvGraphicFramePr>
+              <p:nvPr>
+                <p:extLst>
+                  <p:ext uri="{D42A27DB-BD31-4B8C-83A1-F6EECF244321}">
+                    <p14:modId xmlns:p14="http://schemas.microsoft.com/office/powerpoint/2010/main" val="2628516911"/>
+                  </p:ext>
+                </p:extLst>
+              </p:nvPr>
+            </p:nvGraphicFramePr>
+            <p:xfrm>
+              <a:off x="8839200" y="3581400"/>
+              <a:ext cx="3276604" cy="370840"/>
+            </p:xfrm>
+            <a:graphic>
+              <a:graphicData uri="http://schemas.openxmlformats.org/drawingml/2006/table">
+                <a:tbl>
+                  <a:tblPr firstRow="1" bandRow="1">
+                    <a:tableStyleId>{5940675A-B579-460E-94D1-54222C63F5DA}</a:tableStyleId>
+                  </a:tblPr>
+                  <a:tblGrid>
+                    <a:gridCol w="819151"/>
+                    <a:gridCol w="2457453"/>
+                  </a:tblGrid>
+                  <a:tr h="370840">
+                    <a:tc>
+                      <a:txBody>
+                        <a:bodyPr/>
+                        <a:lstStyle/>
+                        <a:p>
+                          <a:pPr marL="0" marR="0" indent="0" algn="l" defTabSz="914400" rtl="0" eaLnBrk="1" fontAlgn="auto" latinLnBrk="0" hangingPunct="1">
+                            <a:lnSpc>
+                              <a:spcPct val="100000"/>
+                            </a:lnSpc>
+                            <a:spcBef>
+                              <a:spcPts val="0"/>
+                            </a:spcBef>
+                            <a:spcAft>
+                              <a:spcPts val="0"/>
+                            </a:spcAft>
+                            <a:buClrTx/>
+                            <a:buSzTx/>
+                            <a:buFontTx/>
+                            <a:buNone/>
+                            <a:tabLst/>
+                            <a:defRPr/>
+                          </a:pPr>
+                          <a14:m>
+                            <m:oMathPara xmlns:m="http://schemas.openxmlformats.org/officeDocument/2006/math">
+                              <m:oMathParaPr>
+                                <m:jc m:val="centerGroup"/>
+                              </m:oMathParaPr>
+                              <m:oMath xmlns:m="http://schemas.openxmlformats.org/officeDocument/2006/math">
+                                <m:r>
+                                  <a:rPr lang="en-CA" b="1" i="1" smtClean="0">
+                                    <a:latin typeface="Cambria Math"/>
+                                  </a:rPr>
+                                  <m:t>𝒘</m:t>
+                                </m:r>
+                                <m:r>
+                                  <a:rPr lang="en-US" b="1" i="1" smtClean="0">
+                                    <a:latin typeface="Cambria Math"/>
+                                  </a:rPr>
+                                  <m:t>′′</m:t>
+                                </m:r>
+                              </m:oMath>
+                            </m:oMathPara>
+                          </a14:m>
+                          <a:endParaRPr lang="en-US" b="1" dirty="0"/>
+                        </a:p>
+                      </a:txBody>
+                      <a:tcPr/>
+                    </a:tc>
+                    <a:tc>
+                      <a:txBody>
+                        <a:bodyPr/>
+                        <a:lstStyle/>
+                        <a:p>
+                          <a:pPr marL="0" marR="0" indent="0" algn="ctr" defTabSz="914400" rtl="0" eaLnBrk="1" fontAlgn="auto" latinLnBrk="0" hangingPunct="1">
+                            <a:lnSpc>
+                              <a:spcPct val="100000"/>
+                            </a:lnSpc>
+                            <a:spcBef>
+                              <a:spcPts val="0"/>
+                            </a:spcBef>
+                            <a:spcAft>
+                              <a:spcPts val="0"/>
+                            </a:spcAft>
+                            <a:buClrTx/>
+                            <a:buSzTx/>
+                            <a:buFontTx/>
+                            <a:buNone/>
+                            <a:tabLst/>
+                            <a:defRPr/>
+                          </a:pPr>
+                          <a:r>
+                            <a:rPr lang="en-US" b="1" dirty="0" smtClean="0"/>
+                            <a:t>Transfer</a:t>
+                          </a:r>
+                          <a:r>
+                            <a:rPr lang="en-US" b="1" baseline="0" dirty="0" smtClean="0"/>
+                            <a:t> Parameters</a:t>
+                          </a:r>
+                          <a:endParaRPr lang="en-US" b="1" dirty="0"/>
+                        </a:p>
+                      </a:txBody>
+                      <a:tcPr>
+                        <a:solidFill>
+                          <a:srgbClr val="FFC000"/>
+                        </a:solidFill>
+                      </a:tcPr>
+                    </a:tc>
+                  </a:tr>
+                </a:tbl>
+              </a:graphicData>
+            </a:graphic>
+          </p:graphicFrame>
+        </mc:Choice>
+        <mc:Fallback>
+          <p:graphicFrame>
+            <p:nvGraphicFramePr>
+              <p:cNvPr id="57" name="Table 56"/>
+              <p:cNvGraphicFramePr>
+                <a:graphicFrameLocks noGrp="1"/>
+              </p:cNvGraphicFramePr>
+              <p:nvPr>
+                <p:extLst>
+                  <p:ext uri="{D42A27DB-BD31-4B8C-83A1-F6EECF244321}">
+                    <p14:modId xmlns:p14="http://schemas.microsoft.com/office/powerpoint/2010/main" val="2628516911"/>
+                  </p:ext>
+                </p:extLst>
+              </p:nvPr>
+            </p:nvGraphicFramePr>
+            <p:xfrm>
+              <a:off x="8839200" y="3581400"/>
+              <a:ext cx="3276604" cy="370840"/>
+            </p:xfrm>
+            <a:graphic>
+              <a:graphicData uri="http://schemas.openxmlformats.org/drawingml/2006/table">
+                <a:tbl>
+                  <a:tblPr firstRow="1" bandRow="1">
+                    <a:tableStyleId>{5940675A-B579-460E-94D1-54222C63F5DA}</a:tableStyleId>
+                  </a:tblPr>
+                  <a:tblGrid>
+                    <a:gridCol w="819151"/>
+                    <a:gridCol w="2457453"/>
+                  </a:tblGrid>
+                  <a:tr h="370840">
+                    <a:tc>
+                      <a:txBody>
+                        <a:bodyPr/>
+                        <a:lstStyle/>
+                        <a:p>
+                          <a:endParaRPr lang="en-US"/>
+                        </a:p>
+                      </a:txBody>
+                      <a:tcPr>
+                        <a:blipFill rotWithShape="1">
+                          <a:blip r:embed="rId9"/>
+                          <a:stretch>
+                            <a:fillRect t="-8333" r="-298519" b="-25000"/>
+                          </a:stretch>
+                        </a:blipFill>
+                      </a:tcPr>
+                    </a:tc>
+                    <a:tc>
+                      <a:txBody>
+                        <a:bodyPr/>
+                        <a:lstStyle/>
+                        <a:p>
+                          <a:pPr marL="0" marR="0" indent="0" algn="ctr" defTabSz="914400" rtl="0" eaLnBrk="1" fontAlgn="auto" latinLnBrk="0" hangingPunct="1">
+                            <a:lnSpc>
+                              <a:spcPct val="100000"/>
+                            </a:lnSpc>
+                            <a:spcBef>
+                              <a:spcPts val="0"/>
+                            </a:spcBef>
+                            <a:spcAft>
+                              <a:spcPts val="0"/>
+                            </a:spcAft>
+                            <a:buClrTx/>
+                            <a:buSzTx/>
+                            <a:buFontTx/>
+                            <a:buNone/>
+                            <a:tabLst/>
+                            <a:defRPr/>
+                          </a:pPr>
+                          <a:r>
+                            <a:rPr lang="en-US" b="1" dirty="0" smtClean="0"/>
+                            <a:t>Transfer</a:t>
+                          </a:r>
+                          <a:r>
+                            <a:rPr lang="en-US" b="1" baseline="0" dirty="0" smtClean="0"/>
+                            <a:t> Parameters</a:t>
+                          </a:r>
+                          <a:endParaRPr lang="en-US" b="1" dirty="0"/>
+                        </a:p>
+                      </a:txBody>
+                      <a:tcPr>
+                        <a:solidFill>
+                          <a:srgbClr val="FFC000"/>
+                        </a:solidFill>
+                      </a:tcPr>
+                    </a:tc>
+                  </a:tr>
+                </a:tbl>
+              </a:graphicData>
+            </a:graphic>
+          </p:graphicFrame>
+        </mc:Fallback>
+      </mc:AlternateContent>
+      <p:grpSp>
+        <p:nvGrpSpPr>
+          <p:cNvPr id="26" name="Group 25"/>
+          <p:cNvGrpSpPr/>
+          <p:nvPr/>
+        </p:nvGrpSpPr>
+        <p:grpSpPr>
+          <a:xfrm>
+            <a:off x="6858000" y="1436132"/>
+            <a:ext cx="1828800" cy="638996"/>
+            <a:chOff x="785174" y="4607136"/>
+            <a:chExt cx="1828800" cy="638996"/>
+          </a:xfrm>
+        </p:grpSpPr>
+        <p:sp>
+          <p:nvSpPr>
+            <p:cNvPr id="19" name="TextBox 18"/>
+            <p:cNvSpPr txBox="1"/>
+            <p:nvPr/>
+          </p:nvSpPr>
+          <p:spPr>
+            <a:xfrm>
+              <a:off x="894567" y="4838700"/>
+              <a:ext cx="1643207" cy="369332"/>
+            </a:xfrm>
+            <a:prstGeom prst="rect">
+              <a:avLst/>
+            </a:prstGeom>
+            <a:noFill/>
+          </p:spPr>
+          <p:txBody>
+            <a:bodyPr wrap="none" rtlCol="0">
+              <a:spAutoFit/>
+            </a:bodyPr>
+            <a:lstStyle/>
+            <a:p>
+              <a:r>
+                <a:rPr lang="en-US" dirty="0" smtClean="0"/>
+                <a:t>Source model 3</a:t>
+              </a:r>
+              <a:endParaRPr lang="en-US" dirty="0"/>
+            </a:p>
+          </p:txBody>
+        </p:sp>
+        <p:sp>
+          <p:nvSpPr>
+            <p:cNvPr id="31" name="Rectangle 30"/>
+            <p:cNvSpPr/>
+            <p:nvPr/>
+          </p:nvSpPr>
+          <p:spPr>
+            <a:xfrm>
+              <a:off x="785174" y="4607136"/>
+              <a:ext cx="1828800" cy="638996"/>
+            </a:xfrm>
+            <a:prstGeom prst="rect">
+              <a:avLst/>
+            </a:prstGeom>
+            <a:noFill/>
+          </p:spPr>
+          <p:style>
+            <a:lnRef idx="2">
+              <a:schemeClr val="accent1">
+                <a:shade val="50000"/>
+              </a:schemeClr>
+            </a:lnRef>
+            <a:fillRef idx="1">
+              <a:schemeClr val="accent1"/>
+            </a:fillRef>
+            <a:effectRef idx="0">
+              <a:schemeClr val="accent1"/>
+            </a:effectRef>
+            <a:fontRef idx="minor">
+              <a:schemeClr val="lt1"/>
+            </a:fontRef>
+          </p:style>
+          <p:txBody>
+            <a:bodyPr rtlCol="0" anchor="ctr"/>
+            <a:lstStyle/>
+            <a:p>
+              <a:pPr algn="ctr"/>
+              <a:endParaRPr lang="en-US"/>
+            </a:p>
+          </p:txBody>
+        </p:sp>
+        <mc:AlternateContent xmlns:mc="http://schemas.openxmlformats.org/markup-compatibility/2006" xmlns:a14="http://schemas.microsoft.com/office/drawing/2010/main">
+          <mc:Choice Requires="a14">
+            <p:sp>
+              <p:nvSpPr>
+                <p:cNvPr id="32" name="Rectangle 31"/>
+                <p:cNvSpPr/>
+                <p:nvPr/>
+              </p:nvSpPr>
+              <p:spPr>
+                <a:xfrm>
+                  <a:off x="1268622" y="4630472"/>
+                  <a:ext cx="861903" cy="369332"/>
+                </a:xfrm>
+                <a:prstGeom prst="rect">
+                  <a:avLst/>
+                </a:prstGeom>
+              </p:spPr>
+              <p:txBody>
+                <a:bodyPr wrap="none">
+                  <a:spAutoFit/>
+                </a:bodyPr>
+                <a:lstStyle/>
+                <a:p>
+                  <a:pPr/>
+                  <a14:m>
+                    <m:oMathPara xmlns:m="http://schemas.openxmlformats.org/officeDocument/2006/math">
+                      <m:oMathParaPr>
+                        <m:jc m:val="centerGroup"/>
+                      </m:oMathParaPr>
+                      <m:oMath xmlns:m="http://schemas.openxmlformats.org/officeDocument/2006/math">
+                        <m:sSub>
+                          <m:sSubPr>
+                            <m:ctrlPr>
+                              <a:rPr lang="en-CA" b="1" i="1" smtClean="0">
+                                <a:latin typeface="Cambria Math"/>
+                                <a:ea typeface="Cambria Math"/>
+                              </a:rPr>
+                            </m:ctrlPr>
+                          </m:sSubPr>
+                          <m:e>
+                            <m:r>
+                              <a:rPr lang="en-CA" b="1" i="1" smtClean="0">
+                                <a:latin typeface="Cambria Math"/>
+                                <a:ea typeface="Cambria Math"/>
+                              </a:rPr>
+                              <m:t>𝒇</m:t>
+                            </m:r>
+                            <m:r>
+                              <a:rPr lang="en-CA" b="1" i="1" smtClean="0">
+                                <a:latin typeface="Cambria Math"/>
+                                <a:ea typeface="Cambria Math"/>
+                              </a:rPr>
+                              <m:t>′</m:t>
+                            </m:r>
+                          </m:e>
+                          <m:sub>
+                            <m:r>
+                              <a:rPr lang="en-CA" b="1" i="1" smtClean="0">
+                                <a:latin typeface="Cambria Math"/>
+                                <a:ea typeface="Cambria Math"/>
+                              </a:rPr>
+                              <m:t>𝟑</m:t>
+                            </m:r>
+                          </m:sub>
+                        </m:sSub>
+                        <m:d>
+                          <m:dPr>
+                            <m:ctrlPr>
+                              <a:rPr lang="en-CA" b="1" i="1" smtClean="0">
+                                <a:latin typeface="Cambria Math"/>
+                                <a:ea typeface="Cambria Math"/>
+                              </a:rPr>
+                            </m:ctrlPr>
+                          </m:dPr>
+                          <m:e>
+                            <m:r>
+                              <a:rPr lang="en-CA" b="1" i="1" smtClean="0">
+                                <a:latin typeface="Cambria Math"/>
+                                <a:ea typeface="Cambria Math"/>
+                              </a:rPr>
+                              <m:t>𝒙</m:t>
+                            </m:r>
+                          </m:e>
+                        </m:d>
+                      </m:oMath>
+                    </m:oMathPara>
+                  </a14:m>
+                  <a:endParaRPr lang="en-US" b="1" dirty="0"/>
+                </a:p>
+              </p:txBody>
+            </p:sp>
+          </mc:Choice>
+          <mc:Fallback xmlns="">
+            <p:sp>
+              <p:nvSpPr>
+                <p:cNvPr id="32" name="Rectangle 31"/>
+                <p:cNvSpPr>
+                  <a:spLocks noRot="1" noChangeAspect="1" noMove="1" noResize="1" noEditPoints="1" noAdjustHandles="1" noChangeArrowheads="1" noChangeShapeType="1" noTextEdit="1"/>
+                </p:cNvSpPr>
+                <p:nvPr/>
+              </p:nvSpPr>
+              <p:spPr>
+                <a:xfrm>
+                  <a:off x="1268622" y="4630472"/>
+                  <a:ext cx="861903" cy="369332"/>
+                </a:xfrm>
+                <a:prstGeom prst="rect">
+                  <a:avLst/>
+                </a:prstGeom>
+                <a:blipFill rotWithShape="1">
+                  <a:blip r:embed="rId10"/>
+                  <a:stretch>
+                    <a:fillRect b="-13115"/>
+                  </a:stretch>
+                </a:blipFill>
+              </p:spPr>
+              <p:txBody>
+                <a:bodyPr/>
+                <a:lstStyle/>
+                <a:p>
+                  <a:r>
+                    <a:rPr lang="en-US">
+                      <a:noFill/>
+                    </a:rPr>
+                    <a:t> </a:t>
+                  </a:r>
+                </a:p>
+              </p:txBody>
+            </p:sp>
+          </mc:Fallback>
+        </mc:AlternateContent>
+      </p:grpSp>
+      <p:grpSp>
+        <p:nvGrpSpPr>
+          <p:cNvPr id="25" name="Group 24"/>
+          <p:cNvGrpSpPr/>
+          <p:nvPr/>
+        </p:nvGrpSpPr>
+        <p:grpSpPr>
+          <a:xfrm>
+            <a:off x="4953000" y="1436132"/>
+            <a:ext cx="1828800" cy="638996"/>
+            <a:chOff x="785174" y="3697724"/>
+            <a:chExt cx="1828800" cy="638996"/>
+          </a:xfrm>
+        </p:grpSpPr>
+        <p:sp>
+          <p:nvSpPr>
+            <p:cNvPr id="35" name="TextBox 34"/>
+            <p:cNvSpPr txBox="1"/>
+            <p:nvPr/>
+          </p:nvSpPr>
+          <p:spPr>
+            <a:xfrm>
+              <a:off x="894567" y="3930715"/>
+              <a:ext cx="1643207" cy="369332"/>
+            </a:xfrm>
+            <a:prstGeom prst="rect">
+              <a:avLst/>
+            </a:prstGeom>
+            <a:noFill/>
+          </p:spPr>
+          <p:txBody>
+            <a:bodyPr wrap="none" rtlCol="0">
+              <a:spAutoFit/>
+            </a:bodyPr>
+            <a:lstStyle/>
+            <a:p>
+              <a:r>
+                <a:rPr lang="en-US" dirty="0" smtClean="0"/>
+                <a:t>Source model 2</a:t>
+              </a:r>
+              <a:endParaRPr lang="en-US" dirty="0"/>
+            </a:p>
+          </p:txBody>
+        </p:sp>
+        <p:sp>
+          <p:nvSpPr>
+            <p:cNvPr id="36" name="Rectangle 35"/>
+            <p:cNvSpPr/>
+            <p:nvPr/>
+          </p:nvSpPr>
+          <p:spPr>
+            <a:xfrm>
+              <a:off x="785174" y="3697724"/>
+              <a:ext cx="1828800" cy="638996"/>
+            </a:xfrm>
+            <a:prstGeom prst="rect">
+              <a:avLst/>
+            </a:prstGeom>
+            <a:noFill/>
+          </p:spPr>
+          <p:style>
+            <a:lnRef idx="2">
+              <a:schemeClr val="accent1">
+                <a:shade val="50000"/>
+              </a:schemeClr>
+            </a:lnRef>
+            <a:fillRef idx="1">
+              <a:schemeClr val="accent1"/>
+            </a:fillRef>
+            <a:effectRef idx="0">
+              <a:schemeClr val="accent1"/>
+            </a:effectRef>
+            <a:fontRef idx="minor">
+              <a:schemeClr val="lt1"/>
+            </a:fontRef>
+          </p:style>
+          <p:txBody>
+            <a:bodyPr rtlCol="0" anchor="ctr"/>
+            <a:lstStyle/>
+            <a:p>
+              <a:pPr algn="ctr"/>
+              <a:endParaRPr lang="en-US"/>
+            </a:p>
+          </p:txBody>
+        </p:sp>
+        <mc:AlternateContent xmlns:mc="http://schemas.openxmlformats.org/markup-compatibility/2006" xmlns:a14="http://schemas.microsoft.com/office/drawing/2010/main">
+          <mc:Choice Requires="a14">
+            <p:sp>
+              <p:nvSpPr>
+                <p:cNvPr id="37" name="Rectangle 36"/>
+                <p:cNvSpPr/>
+                <p:nvPr/>
+              </p:nvSpPr>
+              <p:spPr>
+                <a:xfrm>
+                  <a:off x="1268622" y="3721060"/>
+                  <a:ext cx="861903" cy="369332"/>
+                </a:xfrm>
+                <a:prstGeom prst="rect">
+                  <a:avLst/>
+                </a:prstGeom>
+              </p:spPr>
+              <p:txBody>
+                <a:bodyPr wrap="none">
+                  <a:spAutoFit/>
+                </a:bodyPr>
+                <a:lstStyle/>
+                <a:p>
+                  <a:pPr/>
+                  <a14:m>
+                    <m:oMathPara xmlns:m="http://schemas.openxmlformats.org/officeDocument/2006/math">
+                      <m:oMathParaPr>
+                        <m:jc m:val="centerGroup"/>
+                      </m:oMathParaPr>
+                      <m:oMath xmlns:m="http://schemas.openxmlformats.org/officeDocument/2006/math">
+                        <m:sSub>
+                          <m:sSubPr>
+                            <m:ctrlPr>
+                              <a:rPr lang="en-CA" b="1" i="1" smtClean="0">
+                                <a:latin typeface="Cambria Math"/>
+                                <a:ea typeface="Cambria Math"/>
+                              </a:rPr>
+                            </m:ctrlPr>
+                          </m:sSubPr>
+                          <m:e>
+                            <m:r>
+                              <a:rPr lang="en-CA" b="1" i="1" smtClean="0">
+                                <a:latin typeface="Cambria Math"/>
+                                <a:ea typeface="Cambria Math"/>
+                              </a:rPr>
+                              <m:t>𝒇</m:t>
+                            </m:r>
+                            <m:r>
+                              <a:rPr lang="en-CA" b="1" i="1" smtClean="0">
+                                <a:latin typeface="Cambria Math"/>
+                                <a:ea typeface="Cambria Math"/>
+                              </a:rPr>
+                              <m:t>′</m:t>
+                            </m:r>
+                          </m:e>
+                          <m:sub>
+                            <m:r>
+                              <a:rPr lang="en-US" b="1" i="1" smtClean="0">
+                                <a:latin typeface="Cambria Math"/>
+                                <a:ea typeface="Cambria Math"/>
+                              </a:rPr>
+                              <m:t>𝟐</m:t>
+                            </m:r>
+                          </m:sub>
+                        </m:sSub>
+                        <m:d>
+                          <m:dPr>
+                            <m:ctrlPr>
+                              <a:rPr lang="en-CA" b="1" i="1" smtClean="0">
+                                <a:latin typeface="Cambria Math"/>
+                                <a:ea typeface="Cambria Math"/>
+                              </a:rPr>
+                            </m:ctrlPr>
+                          </m:dPr>
+                          <m:e>
+                            <m:r>
+                              <a:rPr lang="en-CA" b="1" i="1" smtClean="0">
+                                <a:latin typeface="Cambria Math"/>
+                                <a:ea typeface="Cambria Math"/>
+                              </a:rPr>
+                              <m:t>𝒙</m:t>
+                            </m:r>
+                          </m:e>
+                        </m:d>
+                      </m:oMath>
+                    </m:oMathPara>
+                  </a14:m>
+                  <a:endParaRPr lang="en-US" b="1" dirty="0"/>
+                </a:p>
+              </p:txBody>
+            </p:sp>
+          </mc:Choice>
+          <mc:Fallback xmlns="">
+            <p:sp>
+              <p:nvSpPr>
+                <p:cNvPr id="37" name="Rectangle 36"/>
+                <p:cNvSpPr>
+                  <a:spLocks noRot="1" noChangeAspect="1" noMove="1" noResize="1" noEditPoints="1" noAdjustHandles="1" noChangeArrowheads="1" noChangeShapeType="1" noTextEdit="1"/>
+                </p:cNvSpPr>
+                <p:nvPr/>
+              </p:nvSpPr>
+              <p:spPr>
+                <a:xfrm>
+                  <a:off x="1268622" y="3721060"/>
+                  <a:ext cx="861903" cy="369332"/>
+                </a:xfrm>
+                <a:prstGeom prst="rect">
+                  <a:avLst/>
+                </a:prstGeom>
+                <a:blipFill rotWithShape="1">
+                  <a:blip r:embed="rId11"/>
+                  <a:stretch>
+                    <a:fillRect b="-13115"/>
+                  </a:stretch>
+                </a:blipFill>
+              </p:spPr>
+              <p:txBody>
+                <a:bodyPr/>
+                <a:lstStyle/>
+                <a:p>
+                  <a:r>
+                    <a:rPr lang="en-US">
+                      <a:noFill/>
+                    </a:rPr>
+                    <a:t> </a:t>
+                  </a:r>
+                </a:p>
+              </p:txBody>
+            </p:sp>
+          </mc:Fallback>
+        </mc:AlternateContent>
+      </p:grpSp>
+      <p:grpSp>
+        <p:nvGrpSpPr>
+          <p:cNvPr id="23" name="Group 22"/>
+          <p:cNvGrpSpPr/>
+          <p:nvPr/>
+        </p:nvGrpSpPr>
+        <p:grpSpPr>
+          <a:xfrm>
+            <a:off x="3048000" y="1447800"/>
+            <a:ext cx="1828800" cy="622346"/>
+            <a:chOff x="785174" y="2827507"/>
+            <a:chExt cx="1828800" cy="622346"/>
+          </a:xfrm>
+        </p:grpSpPr>
+        <p:sp>
+          <p:nvSpPr>
+            <p:cNvPr id="39" name="TextBox 38"/>
+            <p:cNvSpPr txBox="1"/>
+            <p:nvPr/>
+          </p:nvSpPr>
+          <p:spPr>
+            <a:xfrm>
+              <a:off x="894567" y="3042421"/>
+              <a:ext cx="1643207" cy="369332"/>
+            </a:xfrm>
+            <a:prstGeom prst="rect">
+              <a:avLst/>
+            </a:prstGeom>
+            <a:noFill/>
+          </p:spPr>
+          <p:txBody>
+            <a:bodyPr wrap="none" rtlCol="0">
+              <a:spAutoFit/>
+            </a:bodyPr>
+            <a:lstStyle/>
+            <a:p>
+              <a:r>
+                <a:rPr lang="en-US" dirty="0" smtClean="0"/>
+                <a:t>Source model 1</a:t>
+              </a:r>
+              <a:endParaRPr lang="en-US" dirty="0"/>
+            </a:p>
+          </p:txBody>
+        </p:sp>
+        <p:sp>
+          <p:nvSpPr>
+            <p:cNvPr id="40" name="Rectangle 39"/>
+            <p:cNvSpPr/>
+            <p:nvPr/>
+          </p:nvSpPr>
+          <p:spPr>
+            <a:xfrm>
+              <a:off x="785174" y="2827507"/>
+              <a:ext cx="1828800" cy="622346"/>
+            </a:xfrm>
+            <a:prstGeom prst="rect">
+              <a:avLst/>
+            </a:prstGeom>
+            <a:noFill/>
+          </p:spPr>
+          <p:style>
+            <a:lnRef idx="2">
+              <a:schemeClr val="accent1">
+                <a:shade val="50000"/>
+              </a:schemeClr>
+            </a:lnRef>
+            <a:fillRef idx="1">
+              <a:schemeClr val="accent1"/>
+            </a:fillRef>
+            <a:effectRef idx="0">
+              <a:schemeClr val="accent1"/>
+            </a:effectRef>
+            <a:fontRef idx="minor">
+              <a:schemeClr val="lt1"/>
+            </a:fontRef>
+          </p:style>
+          <p:txBody>
+            <a:bodyPr rtlCol="0" anchor="ctr"/>
+            <a:lstStyle/>
+            <a:p>
+              <a:pPr algn="ctr"/>
+              <a:endParaRPr lang="en-US"/>
+            </a:p>
+          </p:txBody>
+        </p:sp>
+        <mc:AlternateContent xmlns:mc="http://schemas.openxmlformats.org/markup-compatibility/2006" xmlns:a14="http://schemas.microsoft.com/office/drawing/2010/main">
+          <mc:Choice Requires="a14">
+            <p:sp>
+              <p:nvSpPr>
+                <p:cNvPr id="42" name="Rectangle 41"/>
+                <p:cNvSpPr/>
+                <p:nvPr/>
+              </p:nvSpPr>
+              <p:spPr>
+                <a:xfrm>
+                  <a:off x="1268622" y="2827507"/>
+                  <a:ext cx="861903" cy="369332"/>
+                </a:xfrm>
+                <a:prstGeom prst="rect">
+                  <a:avLst/>
+                </a:prstGeom>
+              </p:spPr>
+              <p:txBody>
+                <a:bodyPr wrap="none">
+                  <a:spAutoFit/>
+                </a:bodyPr>
+                <a:lstStyle/>
+                <a:p>
+                  <a:pPr/>
+                  <a14:m>
+                    <m:oMathPara xmlns:m="http://schemas.openxmlformats.org/officeDocument/2006/math">
+                      <m:oMathParaPr>
+                        <m:jc m:val="centerGroup"/>
+                      </m:oMathParaPr>
+                      <m:oMath xmlns:m="http://schemas.openxmlformats.org/officeDocument/2006/math">
+                        <m:sSub>
+                          <m:sSubPr>
+                            <m:ctrlPr>
+                              <a:rPr lang="en-CA" b="1" i="1" smtClean="0">
+                                <a:latin typeface="Cambria Math"/>
+                                <a:ea typeface="Cambria Math"/>
+                              </a:rPr>
+                            </m:ctrlPr>
+                          </m:sSubPr>
+                          <m:e>
+                            <m:r>
+                              <a:rPr lang="en-CA" b="1" i="1" smtClean="0">
+                                <a:latin typeface="Cambria Math"/>
+                                <a:ea typeface="Cambria Math"/>
+                              </a:rPr>
+                              <m:t>𝒇</m:t>
+                            </m:r>
+                            <m:r>
+                              <a:rPr lang="en-CA" b="1" i="1" smtClean="0">
+                                <a:latin typeface="Cambria Math"/>
+                                <a:ea typeface="Cambria Math"/>
+                              </a:rPr>
+                              <m:t>′</m:t>
+                            </m:r>
+                          </m:e>
+                          <m:sub>
+                            <m:r>
+                              <a:rPr lang="en-US" b="1" i="1" smtClean="0">
+                                <a:latin typeface="Cambria Math"/>
+                                <a:ea typeface="Cambria Math"/>
+                              </a:rPr>
+                              <m:t>𝟏</m:t>
+                            </m:r>
+                          </m:sub>
+                        </m:sSub>
+                        <m:d>
+                          <m:dPr>
+                            <m:ctrlPr>
+                              <a:rPr lang="en-CA" b="1" i="1" smtClean="0">
+                                <a:latin typeface="Cambria Math"/>
+                                <a:ea typeface="Cambria Math"/>
+                              </a:rPr>
+                            </m:ctrlPr>
+                          </m:dPr>
+                          <m:e>
+                            <m:r>
+                              <a:rPr lang="en-CA" b="1" i="1" smtClean="0">
+                                <a:latin typeface="Cambria Math"/>
+                                <a:ea typeface="Cambria Math"/>
+                              </a:rPr>
+                              <m:t>𝒙</m:t>
+                            </m:r>
+                          </m:e>
+                        </m:d>
+                      </m:oMath>
+                    </m:oMathPara>
+                  </a14:m>
+                  <a:endParaRPr lang="en-US" b="1" dirty="0"/>
+                </a:p>
+              </p:txBody>
+            </p:sp>
+          </mc:Choice>
+          <mc:Fallback xmlns="">
+            <p:sp>
+              <p:nvSpPr>
+                <p:cNvPr id="42" name="Rectangle 41"/>
+                <p:cNvSpPr>
+                  <a:spLocks noRot="1" noChangeAspect="1" noMove="1" noResize="1" noEditPoints="1" noAdjustHandles="1" noChangeArrowheads="1" noChangeShapeType="1" noTextEdit="1"/>
+                </p:cNvSpPr>
+                <p:nvPr/>
+              </p:nvSpPr>
+              <p:spPr>
+                <a:xfrm>
+                  <a:off x="1268622" y="2827507"/>
+                  <a:ext cx="861903" cy="369332"/>
+                </a:xfrm>
+                <a:prstGeom prst="rect">
+                  <a:avLst/>
+                </a:prstGeom>
+                <a:blipFill rotWithShape="1">
+                  <a:blip r:embed="rId12"/>
+                  <a:stretch>
+                    <a:fillRect b="-13333"/>
+                  </a:stretch>
+                </a:blipFill>
+              </p:spPr>
+              <p:txBody>
+                <a:bodyPr/>
+                <a:lstStyle/>
+                <a:p>
+                  <a:r>
+                    <a:rPr lang="en-US">
+                      <a:noFill/>
+                    </a:rPr>
+                    <a:t> </a:t>
+                  </a:r>
+                </a:p>
+              </p:txBody>
+            </p:sp>
+          </mc:Fallback>
+        </mc:AlternateContent>
+      </p:grpSp>
+      <p:cxnSp>
+        <p:nvCxnSpPr>
+          <p:cNvPr id="4" name="Elbow Connector 3"/>
+          <p:cNvCxnSpPr>
+            <a:stCxn id="22" idx="0"/>
+            <a:endCxn id="7" idx="0"/>
+          </p:cNvCxnSpPr>
+          <p:nvPr/>
+        </p:nvCxnSpPr>
+        <p:spPr>
+          <a:xfrm rot="5400000" flipH="1" flipV="1">
+            <a:off x="3983975" y="-511825"/>
+            <a:ext cx="33050" cy="3733800"/>
+          </a:xfrm>
+          <a:prstGeom prst="bentConnector3">
+            <a:avLst>
+              <a:gd name="adj1" fmla="val 1792968"/>
+            </a:avLst>
+          </a:prstGeom>
+          <a:ln>
+            <a:tailEnd type="arrow"/>
+          </a:ln>
+        </p:spPr>
+        <p:style>
+          <a:lnRef idx="3">
+            <a:schemeClr val="accent1"/>
+          </a:lnRef>
+          <a:fillRef idx="0">
+            <a:schemeClr val="accent1"/>
+          </a:fillRef>
+          <a:effectRef idx="2">
+            <a:schemeClr val="accent1"/>
+          </a:effectRef>
+          <a:fontRef idx="minor">
+            <a:schemeClr val="tx1"/>
+          </a:fontRef>
+        </p:style>
+      </p:cxnSp>
+      <mc:AlternateContent xmlns:mc="http://schemas.openxmlformats.org/markup-compatibility/2006" xmlns:a14="http://schemas.microsoft.com/office/drawing/2010/main">
+        <mc:Choice Requires="a14">
+          <p:graphicFrame>
+            <p:nvGraphicFramePr>
+              <p:cNvPr id="30" name="Table 29"/>
+              <p:cNvGraphicFramePr>
+                <a:graphicFrameLocks noGrp="1"/>
+              </p:cNvGraphicFramePr>
+              <p:nvPr>
+                <p:extLst>
+                  <p:ext uri="{D42A27DB-BD31-4B8C-83A1-F6EECF244321}">
+                    <p14:modId xmlns:p14="http://schemas.microsoft.com/office/powerpoint/2010/main" val="838598644"/>
+                  </p:ext>
+                </p:extLst>
+              </p:nvPr>
+            </p:nvGraphicFramePr>
+            <p:xfrm>
+              <a:off x="1724023" y="3276600"/>
+              <a:ext cx="819151" cy="370840"/>
+            </p:xfrm>
+            <a:graphic>
+              <a:graphicData uri="http://schemas.openxmlformats.org/drawingml/2006/table">
+                <a:tbl>
+                  <a:tblPr firstRow="1" bandRow="1">
+                    <a:tableStyleId>{5940675A-B579-460E-94D1-54222C63F5DA}</a:tableStyleId>
+                  </a:tblPr>
+                  <a:tblGrid>
+                    <a:gridCol w="819151"/>
+                  </a:tblGrid>
+                  <a:tr h="370840">
+                    <a:tc>
+                      <a:txBody>
+                        <a:bodyPr/>
+                        <a:lstStyle/>
+                        <a:p>
+                          <a:pPr marL="0" marR="0" indent="0" algn="l" defTabSz="914400" rtl="0" eaLnBrk="1" fontAlgn="auto" latinLnBrk="0" hangingPunct="1">
+                            <a:lnSpc>
+                              <a:spcPct val="100000"/>
+                            </a:lnSpc>
+                            <a:spcBef>
+                              <a:spcPts val="0"/>
+                            </a:spcBef>
+                            <a:spcAft>
+                              <a:spcPts val="0"/>
+                            </a:spcAft>
+                            <a:buClrTx/>
+                            <a:buSzTx/>
+                            <a:buFontTx/>
+                            <a:buNone/>
+                            <a:tabLst/>
+                            <a:defRPr/>
+                          </a:pPr>
+                          <a14:m>
+                            <m:oMathPara xmlns:m="http://schemas.openxmlformats.org/officeDocument/2006/math">
+                              <m:oMathParaPr>
+                                <m:jc m:val="centerGroup"/>
+                              </m:oMathParaPr>
+                              <m:oMath xmlns:m="http://schemas.openxmlformats.org/officeDocument/2006/math">
+                                <m:r>
+                                  <a:rPr lang="en-CA" b="1" i="1" smtClean="0">
+                                    <a:latin typeface="Cambria Math"/>
+                                    <a:ea typeface="Cambria Math"/>
+                                  </a:rPr>
+                                  <m:t>𝝓</m:t>
+                                </m:r>
+                                <m:r>
+                                  <a:rPr lang="en-US" b="1" i="1" smtClean="0">
+                                    <a:latin typeface="Cambria Math"/>
+                                    <a:ea typeface="Cambria Math"/>
+                                  </a:rPr>
+                                  <m:t>(</m:t>
+                                </m:r>
+                                <m:r>
+                                  <a:rPr lang="en-CA" b="1" i="1" smtClean="0">
+                                    <a:latin typeface="Cambria Math"/>
+                                  </a:rPr>
+                                  <m:t>𝒙</m:t>
+                                </m:r>
+                                <m:r>
+                                  <a:rPr lang="en-US" b="1" i="1" smtClean="0">
+                                    <a:latin typeface="Cambria Math"/>
+                                  </a:rPr>
+                                  <m:t>)</m:t>
+                                </m:r>
+                              </m:oMath>
+                            </m:oMathPara>
+                          </a14:m>
+                          <a:endParaRPr lang="en-US" b="1" dirty="0"/>
+                        </a:p>
+                      </a:txBody>
+                      <a:tcPr/>
+                    </a:tc>
+                  </a:tr>
+                </a:tbl>
+              </a:graphicData>
+            </a:graphic>
+          </p:graphicFrame>
+        </mc:Choice>
+        <mc:Fallback xmlns="">
+          <p:graphicFrame>
+            <p:nvGraphicFramePr>
+              <p:cNvPr id="30" name="Table 29"/>
+              <p:cNvGraphicFramePr>
+                <a:graphicFrameLocks noGrp="1"/>
+              </p:cNvGraphicFramePr>
+              <p:nvPr>
+                <p:extLst>
+                  <p:ext uri="{D42A27DB-BD31-4B8C-83A1-F6EECF244321}">
+                    <p14:modId xmlns:p14="http://schemas.microsoft.com/office/powerpoint/2010/main" val="838598644"/>
+                  </p:ext>
+                </p:extLst>
+              </p:nvPr>
+            </p:nvGraphicFramePr>
+            <p:xfrm>
+              <a:off x="1724023" y="3276600"/>
+              <a:ext cx="819151" cy="370840"/>
+            </p:xfrm>
+            <a:graphic>
+              <a:graphicData uri="http://schemas.openxmlformats.org/drawingml/2006/table">
+                <a:tbl>
+                  <a:tblPr firstRow="1" bandRow="1">
+                    <a:tableStyleId>{5940675A-B579-460E-94D1-54222C63F5DA}</a:tableStyleId>
+                  </a:tblPr>
+                  <a:tblGrid>
+                    <a:gridCol w="819151"/>
+                  </a:tblGrid>
+                  <a:tr h="370840">
+                    <a:tc>
+                      <a:txBody>
+                        <a:bodyPr/>
+                        <a:lstStyle/>
+                        <a:p>
+                          <a:endParaRPr lang="en-US"/>
+                        </a:p>
+                      </a:txBody>
+                      <a:tcPr>
+                        <a:blipFill rotWithShape="1">
+                          <a:blip r:embed="rId13"/>
+                          <a:stretch>
+                            <a:fillRect l="-746" t="-1667" r="-746" b="-11667"/>
+                          </a:stretch>
+                        </a:blipFill>
+                      </a:tcPr>
+                    </a:tc>
+                  </a:tr>
+                </a:tbl>
+              </a:graphicData>
+            </a:graphic>
+          </p:graphicFrame>
+        </mc:Fallback>
+      </mc:AlternateContent>
+      <p:sp>
+        <p:nvSpPr>
+          <p:cNvPr id="7" name="Rectangle 6"/>
+          <p:cNvSpPr/>
+          <p:nvPr/>
+        </p:nvSpPr>
+        <p:spPr>
+          <a:xfrm>
+            <a:off x="2895600" y="1338550"/>
+            <a:ext cx="5943600" cy="839062"/>
+          </a:xfrm>
+          <a:prstGeom prst="rect">
+            <a:avLst/>
+          </a:prstGeom>
+          <a:noFill/>
+          <a:ln>
+            <a:prstDash val="sysDash"/>
+          </a:ln>
+        </p:spPr>
+        <p:style>
+          <a:lnRef idx="2">
+            <a:schemeClr val="accent1">
+              <a:shade val="50000"/>
+            </a:schemeClr>
+          </a:lnRef>
+          <a:fillRef idx="1">
+            <a:schemeClr val="accent1"/>
+          </a:fillRef>
+          <a:effectRef idx="0">
+            <a:schemeClr val="accent1"/>
+          </a:effectRef>
+          <a:fontRef idx="minor">
+            <a:schemeClr val="lt1"/>
+          </a:fontRef>
+        </p:style>
+        <p:txBody>
+          <a:bodyPr rtlCol="0" anchor="ctr"/>
+          <a:lstStyle/>
+          <a:p>
+            <a:pPr algn="ctr"/>
+            <a:endParaRPr lang="en-US"/>
+          </a:p>
+        </p:txBody>
+      </p:sp>
+      <p:cxnSp>
+        <p:nvCxnSpPr>
+          <p:cNvPr id="43" name="Straight Arrow Connector 42"/>
+          <p:cNvCxnSpPr>
+            <a:stCxn id="30" idx="3"/>
+            <a:endCxn id="41" idx="1"/>
+          </p:cNvCxnSpPr>
+          <p:nvPr/>
+        </p:nvCxnSpPr>
+        <p:spPr>
+          <a:xfrm flipV="1">
+            <a:off x="2543174" y="3157220"/>
+            <a:ext cx="2112095" cy="304800"/>
+          </a:xfrm>
+          <a:prstGeom prst="straightConnector1">
+            <a:avLst/>
+          </a:prstGeom>
+          <a:ln>
+            <a:tailEnd type="arrow"/>
+          </a:ln>
+        </p:spPr>
+        <p:style>
+          <a:lnRef idx="3">
+            <a:schemeClr val="accent1"/>
+          </a:lnRef>
+          <a:fillRef idx="0">
+            <a:schemeClr val="accent1"/>
+          </a:fillRef>
+          <a:effectRef idx="2">
+            <a:schemeClr val="accent1"/>
+          </a:effectRef>
+          <a:fontRef idx="minor">
+            <a:schemeClr val="tx1"/>
+          </a:fontRef>
+        </p:style>
+      </p:cxnSp>
+      <mc:AlternateContent xmlns:mc="http://schemas.openxmlformats.org/markup-compatibility/2006" xmlns:a14="http://schemas.microsoft.com/office/drawing/2010/main">
+        <mc:Choice Requires="a14">
+          <p:graphicFrame>
+            <p:nvGraphicFramePr>
+              <p:cNvPr id="53" name="Table 52"/>
+              <p:cNvGraphicFramePr>
+                <a:graphicFrameLocks noGrp="1"/>
+              </p:cNvGraphicFramePr>
+              <p:nvPr>
+                <p:extLst>
+                  <p:ext uri="{D42A27DB-BD31-4B8C-83A1-F6EECF244321}">
+                    <p14:modId xmlns:p14="http://schemas.microsoft.com/office/powerpoint/2010/main" val="2250079035"/>
+                  </p:ext>
+                </p:extLst>
+              </p:nvPr>
+            </p:nvGraphicFramePr>
+            <p:xfrm>
+              <a:off x="4652817" y="3657600"/>
+              <a:ext cx="819151" cy="370840"/>
+            </p:xfrm>
+            <a:graphic>
+              <a:graphicData uri="http://schemas.openxmlformats.org/drawingml/2006/table">
+                <a:tbl>
+                  <a:tblPr firstRow="1" bandRow="1">
+                    <a:tableStyleId>{5940675A-B579-460E-94D1-54222C63F5DA}</a:tableStyleId>
+                  </a:tblPr>
+                  <a:tblGrid>
+                    <a:gridCol w="819151"/>
+                  </a:tblGrid>
+                  <a:tr h="370840">
+                    <a:tc>
+                      <a:txBody>
+                        <a:bodyPr/>
+                        <a:lstStyle/>
+                        <a:p>
+                          <a:pPr marL="0" marR="0" indent="0" algn="l" defTabSz="914400" rtl="0" eaLnBrk="1" fontAlgn="auto" latinLnBrk="0" hangingPunct="1">
+                            <a:lnSpc>
+                              <a:spcPct val="100000"/>
+                            </a:lnSpc>
+                            <a:spcBef>
+                              <a:spcPts val="0"/>
+                            </a:spcBef>
+                            <a:spcAft>
+                              <a:spcPts val="0"/>
+                            </a:spcAft>
+                            <a:buClrTx/>
+                            <a:buSzTx/>
+                            <a:buFontTx/>
+                            <a:buNone/>
+                            <a:tabLst/>
+                            <a:defRPr/>
+                          </a:pPr>
+                          <a14:m>
+                            <m:oMathPara xmlns:m="http://schemas.openxmlformats.org/officeDocument/2006/math">
+                              <m:oMathParaPr>
+                                <m:jc m:val="centerGroup"/>
+                              </m:oMathParaPr>
+                              <m:oMath xmlns:m="http://schemas.openxmlformats.org/officeDocument/2006/math">
+                                <m:sSub>
+                                  <m:sSubPr>
+                                    <m:ctrlPr>
+                                      <a:rPr lang="en-CA" b="1" i="1" smtClean="0">
+                                        <a:latin typeface="Cambria Math"/>
+                                        <a:ea typeface="Cambria Math"/>
+                                      </a:rPr>
+                                    </m:ctrlPr>
+                                  </m:sSubPr>
+                                  <m:e>
+                                    <m:r>
+                                      <a:rPr lang="en-CA" b="1" i="1" smtClean="0">
+                                        <a:latin typeface="Cambria Math"/>
+                                        <a:ea typeface="Cambria Math"/>
+                                      </a:rPr>
+                                      <m:t>𝒇</m:t>
+                                    </m:r>
+                                    <m:r>
+                                      <a:rPr lang="en-CA" b="1" i="1" smtClean="0">
+                                        <a:latin typeface="Cambria Math"/>
+                                        <a:ea typeface="Cambria Math"/>
+                                      </a:rPr>
+                                      <m:t>′</m:t>
+                                    </m:r>
+                                  </m:e>
+                                  <m:sub>
+                                    <m:r>
+                                      <a:rPr lang="en-CA" b="1" i="1" smtClean="0">
+                                        <a:latin typeface="Cambria Math"/>
+                                        <a:ea typeface="Cambria Math"/>
+                                      </a:rPr>
+                                      <m:t>𝟏</m:t>
+                                    </m:r>
+                                  </m:sub>
+                                </m:sSub>
+                                <m:d>
+                                  <m:dPr>
+                                    <m:ctrlPr>
+                                      <a:rPr lang="en-CA" b="1" i="1" smtClean="0">
+                                        <a:latin typeface="Cambria Math"/>
+                                        <a:ea typeface="Cambria Math"/>
+                                      </a:rPr>
+                                    </m:ctrlPr>
+                                  </m:dPr>
+                                  <m:e>
+                                    <m:r>
+                                      <a:rPr lang="en-CA" b="1" i="1" smtClean="0">
+                                        <a:latin typeface="Cambria Math"/>
+                                        <a:ea typeface="Cambria Math"/>
+                                      </a:rPr>
+                                      <m:t>𝒙</m:t>
+                                    </m:r>
+                                  </m:e>
+                                </m:d>
+                              </m:oMath>
+                            </m:oMathPara>
+                          </a14:m>
+                          <a:endParaRPr lang="en-US" b="1" dirty="0"/>
+                        </a:p>
+                      </a:txBody>
+                      <a:tcPr>
+                        <a:solidFill>
+                          <a:srgbClr val="FFC000"/>
+                        </a:solidFill>
+                      </a:tcPr>
+                    </a:tc>
+                  </a:tr>
+                </a:tbl>
+              </a:graphicData>
+            </a:graphic>
+          </p:graphicFrame>
+        </mc:Choice>
+        <mc:Fallback xmlns="">
+          <p:graphicFrame>
+            <p:nvGraphicFramePr>
+              <p:cNvPr id="53" name="Table 52"/>
+              <p:cNvGraphicFramePr>
+                <a:graphicFrameLocks noGrp="1"/>
+              </p:cNvGraphicFramePr>
+              <p:nvPr>
+                <p:extLst>
+                  <p:ext uri="{D42A27DB-BD31-4B8C-83A1-F6EECF244321}">
+                    <p14:modId xmlns:p14="http://schemas.microsoft.com/office/powerpoint/2010/main" val="2250079035"/>
+                  </p:ext>
+                </p:extLst>
+              </p:nvPr>
+            </p:nvGraphicFramePr>
+            <p:xfrm>
+              <a:off x="4652817" y="3657600"/>
+              <a:ext cx="819151" cy="370840"/>
+            </p:xfrm>
+            <a:graphic>
+              <a:graphicData uri="http://schemas.openxmlformats.org/drawingml/2006/table">
+                <a:tbl>
+                  <a:tblPr firstRow="1" bandRow="1">
+                    <a:tableStyleId>{5940675A-B579-460E-94D1-54222C63F5DA}</a:tableStyleId>
+                  </a:tblPr>
+                  <a:tblGrid>
+                    <a:gridCol w="819151"/>
+                  </a:tblGrid>
+                  <a:tr h="370840">
+                    <a:tc>
+                      <a:txBody>
+                        <a:bodyPr/>
+                        <a:lstStyle/>
+                        <a:p>
+                          <a:endParaRPr lang="en-US"/>
+                        </a:p>
+                      </a:txBody>
+                      <a:tcPr>
+                        <a:blipFill rotWithShape="1">
+                          <a:blip r:embed="rId14"/>
+                          <a:stretch>
+                            <a:fillRect b="-13115"/>
+                          </a:stretch>
+                        </a:blipFill>
+                      </a:tcPr>
+                    </a:tc>
+                  </a:tr>
+                </a:tbl>
+              </a:graphicData>
+            </a:graphic>
+          </p:graphicFrame>
+        </mc:Fallback>
+      </mc:AlternateContent>
+      <p:sp>
+        <p:nvSpPr>
+          <p:cNvPr id="54" name="Right Arrow 53"/>
+          <p:cNvSpPr/>
+          <p:nvPr/>
+        </p:nvSpPr>
+        <p:spPr>
+          <a:xfrm rot="5400000">
+            <a:off x="1866899" y="2409015"/>
+            <a:ext cx="533400" cy="335587"/>
+          </a:xfrm>
+          <a:prstGeom prst="rightArrow">
+            <a:avLst/>
+          </a:prstGeom>
+          <a:solidFill>
+            <a:srgbClr val="FF0000"/>
+          </a:solidFill>
+          <a:ln>
+            <a:noFill/>
+          </a:ln>
+        </p:spPr>
+        <p:style>
+          <a:lnRef idx="2">
+            <a:schemeClr val="accent1">
+              <a:shade val="50000"/>
+            </a:schemeClr>
+          </a:lnRef>
+          <a:fillRef idx="1">
+            <a:schemeClr val="accent1"/>
+          </a:fillRef>
+          <a:effectRef idx="0">
+            <a:schemeClr val="accent1"/>
+          </a:effectRef>
+          <a:fontRef idx="minor">
+            <a:schemeClr val="lt1"/>
+          </a:fontRef>
+        </p:style>
+        <p:txBody>
+          <a:bodyPr rtlCol="0" anchor="ctr"/>
+          <a:lstStyle/>
+          <a:p>
+            <a:pPr algn="ctr"/>
+            <a:endParaRPr lang="en-CA"/>
+          </a:p>
+        </p:txBody>
+      </p:sp>
+      <p:cxnSp>
+        <p:nvCxnSpPr>
+          <p:cNvPr id="58" name="Straight Arrow Connector 57"/>
+          <p:cNvCxnSpPr>
+            <a:stCxn id="30" idx="3"/>
+            <a:endCxn id="53" idx="1"/>
+          </p:cNvCxnSpPr>
+          <p:nvPr/>
+        </p:nvCxnSpPr>
+        <p:spPr>
+          <a:xfrm>
+            <a:off x="2543174" y="3462020"/>
+            <a:ext cx="2109643" cy="381000"/>
+          </a:xfrm>
+          <a:prstGeom prst="straightConnector1">
+            <a:avLst/>
+          </a:prstGeom>
+          <a:ln>
+            <a:tailEnd type="arrow"/>
+          </a:ln>
+        </p:spPr>
+        <p:style>
+          <a:lnRef idx="3">
+            <a:schemeClr val="accent1"/>
+          </a:lnRef>
+          <a:fillRef idx="0">
+            <a:schemeClr val="accent1"/>
+          </a:fillRef>
+          <a:effectRef idx="2">
+            <a:schemeClr val="accent1"/>
+          </a:effectRef>
+          <a:fontRef idx="minor">
+            <a:schemeClr val="tx1"/>
+          </a:fontRef>
+        </p:style>
+      </p:cxnSp>
+      <p:sp>
+        <p:nvSpPr>
+          <p:cNvPr id="60" name="TextBox 59"/>
+          <p:cNvSpPr txBox="1"/>
+          <p:nvPr/>
+        </p:nvSpPr>
+        <p:spPr>
+          <a:xfrm>
+            <a:off x="2743200" y="2658843"/>
+            <a:ext cx="1776897" cy="369332"/>
+          </a:xfrm>
+          <a:prstGeom prst="rect">
+            <a:avLst/>
+          </a:prstGeom>
+          <a:noFill/>
+        </p:spPr>
+        <p:txBody>
+          <a:bodyPr wrap="none" rtlCol="0">
+            <a:spAutoFit/>
+          </a:bodyPr>
+          <a:lstStyle/>
+          <a:p>
+            <a:r>
+              <a:rPr lang="en-US" dirty="0" smtClean="0"/>
+              <a:t>Multi-adaptation</a:t>
+            </a:r>
+            <a:endParaRPr lang="en-US" dirty="0"/>
+          </a:p>
+        </p:txBody>
+      </p:sp>
+      <p:sp>
+        <p:nvSpPr>
+          <p:cNvPr id="61" name="TextBox 60"/>
+          <p:cNvSpPr txBox="1"/>
+          <p:nvPr/>
+        </p:nvSpPr>
+        <p:spPr>
+          <a:xfrm>
+            <a:off x="2775857" y="3843020"/>
+            <a:ext cx="1833002" cy="369332"/>
+          </a:xfrm>
+          <a:prstGeom prst="rect">
+            <a:avLst/>
+          </a:prstGeom>
+          <a:noFill/>
+        </p:spPr>
+        <p:txBody>
+          <a:bodyPr wrap="none" rtlCol="0">
+            <a:spAutoFit/>
+          </a:bodyPr>
+          <a:lstStyle/>
+          <a:p>
+            <a:r>
+              <a:rPr lang="en-US" dirty="0" smtClean="0"/>
+              <a:t>Single-adaptation</a:t>
+            </a:r>
+            <a:endParaRPr lang="en-US" dirty="0"/>
+          </a:p>
+        </p:txBody>
+      </p:sp>
+      <mc:AlternateContent xmlns:mc="http://schemas.openxmlformats.org/markup-compatibility/2006">
+        <mc:Choice xmlns:a14="http://schemas.microsoft.com/office/drawing/2010/main" Requires="a14">
+          <p:graphicFrame>
+            <p:nvGraphicFramePr>
+              <p:cNvPr id="64" name="Table 63"/>
+              <p:cNvGraphicFramePr>
+                <a:graphicFrameLocks noGrp="1"/>
+              </p:cNvGraphicFramePr>
+              <p:nvPr>
+                <p:extLst>
+                  <p:ext uri="{D42A27DB-BD31-4B8C-83A1-F6EECF244321}">
+                    <p14:modId xmlns:p14="http://schemas.microsoft.com/office/powerpoint/2010/main" val="3171857127"/>
+                  </p:ext>
+                </p:extLst>
+              </p:nvPr>
+            </p:nvGraphicFramePr>
+            <p:xfrm>
+              <a:off x="8839200" y="2971800"/>
+              <a:ext cx="3276604" cy="370840"/>
+            </p:xfrm>
+            <a:graphic>
+              <a:graphicData uri="http://schemas.openxmlformats.org/drawingml/2006/table">
+                <a:tbl>
+                  <a:tblPr firstRow="1" bandRow="1">
+                    <a:tableStyleId>{5940675A-B579-460E-94D1-54222C63F5DA}</a:tableStyleId>
+                  </a:tblPr>
+                  <a:tblGrid>
+                    <a:gridCol w="821608"/>
+                    <a:gridCol w="2454996"/>
+                  </a:tblGrid>
+                  <a:tr h="370840">
+                    <a:tc>
+                      <a:txBody>
+                        <a:bodyPr/>
+                        <a:lstStyle/>
+                        <a:p>
+                          <a:pPr marL="0" marR="0" indent="0" algn="l" defTabSz="914400" rtl="0" eaLnBrk="1" fontAlgn="auto" latinLnBrk="0" hangingPunct="1">
+                            <a:lnSpc>
+                              <a:spcPct val="100000"/>
+                            </a:lnSpc>
+                            <a:spcBef>
+                              <a:spcPts val="0"/>
+                            </a:spcBef>
+                            <a:spcAft>
+                              <a:spcPts val="0"/>
+                            </a:spcAft>
+                            <a:buClrTx/>
+                            <a:buSzTx/>
+                            <a:buFontTx/>
+                            <a:buNone/>
+                            <a:tabLst/>
+                            <a:defRPr/>
+                          </a:pPr>
+                          <a14:m>
+                            <m:oMathPara xmlns:m="http://schemas.openxmlformats.org/officeDocument/2006/math">
+                              <m:oMathParaPr>
+                                <m:jc m:val="centerGroup"/>
+                              </m:oMathParaPr>
+                              <m:oMath xmlns:m="http://schemas.openxmlformats.org/officeDocument/2006/math">
+                                <m:r>
+                                  <a:rPr lang="en-CA" b="1" i="1" smtClean="0">
+                                    <a:latin typeface="Cambria Math"/>
+                                    <a:ea typeface="Cambria Math"/>
+                                  </a:rPr>
+                                  <m:t>𝝓</m:t>
+                                </m:r>
+                                <m:r>
+                                  <a:rPr lang="en-US" b="1" i="1" smtClean="0">
+                                    <a:latin typeface="Cambria Math"/>
+                                    <a:ea typeface="Cambria Math"/>
+                                  </a:rPr>
+                                  <m:t>(</m:t>
+                                </m:r>
+                                <m:r>
+                                  <a:rPr lang="en-CA" b="1" i="1" smtClean="0">
+                                    <a:latin typeface="Cambria Math"/>
+                                  </a:rPr>
+                                  <m:t>𝒙</m:t>
+                                </m:r>
+                                <m:r>
+                                  <a:rPr lang="en-US" b="1" i="1" smtClean="0">
+                                    <a:latin typeface="Cambria Math"/>
+                                  </a:rPr>
+                                  <m:t>)</m:t>
+                                </m:r>
+                              </m:oMath>
+                            </m:oMathPara>
+                          </a14:m>
+                          <a:endParaRPr lang="en-US" b="1" dirty="0"/>
+                        </a:p>
+                      </a:txBody>
+                      <a:tcPr/>
+                    </a:tc>
+                    <a:tc>
+                      <a:txBody>
+                        <a:bodyPr/>
+                        <a:lstStyle/>
+                        <a:p>
+                          <a:pPr marL="0" marR="0" indent="0" algn="ctr" defTabSz="914400" rtl="0" eaLnBrk="1" fontAlgn="auto" latinLnBrk="0" hangingPunct="1">
+                            <a:lnSpc>
+                              <a:spcPct val="100000"/>
+                            </a:lnSpc>
+                            <a:spcBef>
+                              <a:spcPts val="0"/>
+                            </a:spcBef>
+                            <a:spcAft>
+                              <a:spcPts val="0"/>
+                            </a:spcAft>
+                            <a:buClrTx/>
+                            <a:buSzTx/>
+                            <a:buFontTx/>
+                            <a:buNone/>
+                            <a:tabLst/>
+                            <a:defRPr/>
+                          </a:pPr>
+                          <a:r>
+                            <a:rPr lang="en-US" b="1" dirty="0" smtClean="0"/>
+                            <a:t>Auxiliary</a:t>
+                          </a:r>
+                          <a:r>
+                            <a:rPr lang="en-US" b="1" baseline="0" dirty="0" smtClean="0"/>
+                            <a:t> Features</a:t>
+                          </a:r>
+                          <a:endParaRPr lang="en-US" b="1" dirty="0"/>
+                        </a:p>
+                      </a:txBody>
+                      <a:tcPr>
+                        <a:solidFill>
+                          <a:srgbClr val="FFC000"/>
+                        </a:solidFill>
+                      </a:tcPr>
+                    </a:tc>
+                  </a:tr>
+                </a:tbl>
+              </a:graphicData>
+            </a:graphic>
+          </p:graphicFrame>
+        </mc:Choice>
+        <mc:Fallback>
+          <p:graphicFrame>
+            <p:nvGraphicFramePr>
+              <p:cNvPr id="64" name="Table 63"/>
+              <p:cNvGraphicFramePr>
+                <a:graphicFrameLocks noGrp="1"/>
+              </p:cNvGraphicFramePr>
+              <p:nvPr>
+                <p:extLst>
+                  <p:ext uri="{D42A27DB-BD31-4B8C-83A1-F6EECF244321}">
+                    <p14:modId xmlns:p14="http://schemas.microsoft.com/office/powerpoint/2010/main" val="3171857127"/>
+                  </p:ext>
+                </p:extLst>
+              </p:nvPr>
+            </p:nvGraphicFramePr>
+            <p:xfrm>
+              <a:off x="8839200" y="2971800"/>
+              <a:ext cx="3276604" cy="370840"/>
+            </p:xfrm>
+            <a:graphic>
+              <a:graphicData uri="http://schemas.openxmlformats.org/drawingml/2006/table">
+                <a:tbl>
+                  <a:tblPr firstRow="1" bandRow="1">
+                    <a:tableStyleId>{5940675A-B579-460E-94D1-54222C63F5DA}</a:tableStyleId>
+                  </a:tblPr>
+                  <a:tblGrid>
+                    <a:gridCol w="821608"/>
+                    <a:gridCol w="2454996"/>
+                  </a:tblGrid>
+                  <a:tr h="370840">
+                    <a:tc>
+                      <a:txBody>
+                        <a:bodyPr/>
+                        <a:lstStyle/>
+                        <a:p>
+                          <a:endParaRPr lang="en-US"/>
+                        </a:p>
+                      </a:txBody>
+                      <a:tcPr>
+                        <a:blipFill rotWithShape="1">
+                          <a:blip r:embed="rId15"/>
+                          <a:stretch>
+                            <a:fillRect t="-8333" r="-298519" b="-25000"/>
+                          </a:stretch>
+                        </a:blipFill>
+                      </a:tcPr>
+                    </a:tc>
+                    <a:tc>
+                      <a:txBody>
+                        <a:bodyPr/>
+                        <a:lstStyle/>
+                        <a:p>
+                          <a:pPr marL="0" marR="0" indent="0" algn="ctr" defTabSz="914400" rtl="0" eaLnBrk="1" fontAlgn="auto" latinLnBrk="0" hangingPunct="1">
+                            <a:lnSpc>
+                              <a:spcPct val="100000"/>
+                            </a:lnSpc>
+                            <a:spcBef>
+                              <a:spcPts val="0"/>
+                            </a:spcBef>
+                            <a:spcAft>
+                              <a:spcPts val="0"/>
+                            </a:spcAft>
+                            <a:buClrTx/>
+                            <a:buSzTx/>
+                            <a:buFontTx/>
+                            <a:buNone/>
+                            <a:tabLst/>
+                            <a:defRPr/>
+                          </a:pPr>
+                          <a:r>
+                            <a:rPr lang="en-US" b="1" dirty="0" smtClean="0"/>
+                            <a:t>Auxiliary</a:t>
+                          </a:r>
+                          <a:r>
+                            <a:rPr lang="en-US" b="1" baseline="0" dirty="0" smtClean="0"/>
+                            <a:t> Features</a:t>
+                          </a:r>
+                          <a:endParaRPr lang="en-US" b="1" dirty="0"/>
+                        </a:p>
+                      </a:txBody>
+                      <a:tcPr>
+                        <a:solidFill>
+                          <a:srgbClr val="FFC000"/>
+                        </a:solidFill>
+                      </a:tcPr>
+                    </a:tc>
+                  </a:tr>
+                </a:tbl>
+              </a:graphicData>
+            </a:graphic>
+          </p:graphicFrame>
+        </mc:Fallback>
+      </mc:AlternateContent>
+      <mc:AlternateContent xmlns:mc="http://schemas.openxmlformats.org/markup-compatibility/2006">
+        <mc:Choice xmlns:a14="http://schemas.microsoft.com/office/drawing/2010/main" Requires="a14">
+          <p:sp>
+            <p:nvSpPr>
+              <p:cNvPr id="65" name="TextBox 64"/>
+              <p:cNvSpPr txBox="1"/>
+              <p:nvPr/>
+            </p:nvSpPr>
+            <p:spPr>
+              <a:xfrm>
+                <a:off x="8315906" y="2967837"/>
+                <a:ext cx="430502" cy="369332"/>
+              </a:xfrm>
+              <a:prstGeom prst="rect">
+                <a:avLst/>
+              </a:prstGeom>
+              <a:noFill/>
+            </p:spPr>
+            <p:txBody>
+              <a:bodyPr wrap="none" rtlCol="0">
+                <a:spAutoFit/>
+              </a:bodyPr>
+              <a:lstStyle/>
+              <a:p>
+                <a14:m>
+                  <m:oMath xmlns:m="http://schemas.openxmlformats.org/officeDocument/2006/math">
+                    <m:acc>
+                      <m:accPr>
+                        <m:chr m:val="̂"/>
+                        <m:ctrlPr>
+                          <a:rPr lang="en-US" i="1" smtClean="0">
+                            <a:latin typeface="Cambria Math"/>
+                          </a:rPr>
+                        </m:ctrlPr>
+                      </m:accPr>
+                      <m:e>
+                        <m:r>
+                          <a:rPr lang="en-US" b="0" i="1" smtClean="0">
+                            <a:latin typeface="Cambria Math"/>
+                          </a:rPr>
+                          <m:t>𝑥</m:t>
+                        </m:r>
+                      </m:e>
+                    </m:acc>
+                  </m:oMath>
+                </a14:m>
+                <a:r>
+                  <a:rPr lang="en-US" dirty="0" smtClean="0"/>
+                  <a:t>=</a:t>
+                </a:r>
+                <a:endParaRPr lang="en-US" dirty="0"/>
+              </a:p>
+            </p:txBody>
+          </p:sp>
+        </mc:Choice>
+        <mc:Fallback>
+          <p:sp>
+            <p:nvSpPr>
+              <p:cNvPr id="65" name="TextBox 64"/>
+              <p:cNvSpPr txBox="1">
+                <a:spLocks noRot="1" noChangeAspect="1" noMove="1" noResize="1" noEditPoints="1" noAdjustHandles="1" noChangeArrowheads="1" noChangeShapeType="1" noTextEdit="1"/>
+              </p:cNvSpPr>
+              <p:nvPr/>
+            </p:nvSpPr>
+            <p:spPr>
+              <a:xfrm>
+                <a:off x="8315906" y="2967837"/>
+                <a:ext cx="430502" cy="369332"/>
+              </a:xfrm>
+              <a:prstGeom prst="rect">
+                <a:avLst/>
+              </a:prstGeom>
+              <a:blipFill rotWithShape="1">
+                <a:blip r:embed="rId16"/>
+                <a:stretch>
+                  <a:fillRect t="-8333" r="-11268" b="-26667"/>
+                </a:stretch>
+              </a:blipFill>
+            </p:spPr>
+            <p:txBody>
+              <a:bodyPr/>
+              <a:lstStyle/>
+              <a:p>
+                <a:r>
+                  <a:rPr lang="en-US">
+                    <a:noFill/>
+                  </a:rPr>
+                  <a:t> </a:t>
+                </a:r>
+              </a:p>
+            </p:txBody>
+          </p:sp>
+        </mc:Fallback>
+      </mc:AlternateContent>
+      <mc:AlternateContent xmlns:mc="http://schemas.openxmlformats.org/markup-compatibility/2006">
+        <mc:Choice xmlns:a14="http://schemas.microsoft.com/office/drawing/2010/main" Requires="a14">
+          <p:sp>
+            <p:nvSpPr>
+              <p:cNvPr id="66" name="TextBox 65"/>
+              <p:cNvSpPr txBox="1"/>
+              <p:nvPr/>
+            </p:nvSpPr>
+            <p:spPr>
+              <a:xfrm>
+                <a:off x="8315906" y="3505200"/>
+                <a:ext cx="476734" cy="369332"/>
+              </a:xfrm>
+              <a:prstGeom prst="rect">
+                <a:avLst/>
+              </a:prstGeom>
+              <a:noFill/>
+            </p:spPr>
+            <p:txBody>
+              <a:bodyPr wrap="none" rtlCol="0">
+                <a:spAutoFit/>
+              </a:bodyPr>
+              <a:lstStyle/>
+              <a:p>
+                <a14:m>
+                  <m:oMath xmlns:m="http://schemas.openxmlformats.org/officeDocument/2006/math">
+                    <m:acc>
+                      <m:accPr>
+                        <m:chr m:val="̂"/>
+                        <m:ctrlPr>
+                          <a:rPr lang="en-US" i="1" smtClean="0">
+                            <a:latin typeface="Cambria Math"/>
+                          </a:rPr>
+                        </m:ctrlPr>
+                      </m:accPr>
+                      <m:e>
+                        <m:r>
+                          <a:rPr lang="en-US" b="0" i="1" smtClean="0">
+                            <a:latin typeface="Cambria Math"/>
+                          </a:rPr>
+                          <m:t>𝑤</m:t>
+                        </m:r>
+                      </m:e>
+                    </m:acc>
+                  </m:oMath>
+                </a14:m>
+                <a:r>
+                  <a:rPr lang="en-US" dirty="0" smtClean="0"/>
+                  <a:t>=</a:t>
+                </a:r>
+                <a:endParaRPr lang="en-US" dirty="0"/>
+              </a:p>
+            </p:txBody>
+          </p:sp>
+        </mc:Choice>
+        <mc:Fallback>
+          <p:sp>
+            <p:nvSpPr>
+              <p:cNvPr id="66" name="TextBox 65"/>
+              <p:cNvSpPr txBox="1">
+                <a:spLocks noRot="1" noChangeAspect="1" noMove="1" noResize="1" noEditPoints="1" noAdjustHandles="1" noChangeArrowheads="1" noChangeShapeType="1" noTextEdit="1"/>
+              </p:cNvSpPr>
+              <p:nvPr/>
+            </p:nvSpPr>
+            <p:spPr>
+              <a:xfrm>
+                <a:off x="8315906" y="3505200"/>
+                <a:ext cx="476734" cy="369332"/>
+              </a:xfrm>
+              <a:prstGeom prst="rect">
+                <a:avLst/>
+              </a:prstGeom>
+              <a:blipFill rotWithShape="1">
+                <a:blip r:embed="rId17"/>
+                <a:stretch>
+                  <a:fillRect t="-8197" r="-11538" b="-24590"/>
+                </a:stretch>
+              </a:blipFill>
+            </p:spPr>
+            <p:txBody>
+              <a:bodyPr/>
+              <a:lstStyle/>
+              <a:p>
+                <a:r>
+                  <a:rPr lang="en-US">
+                    <a:noFill/>
+                  </a:rPr>
+                  <a:t> </a:t>
+                </a:r>
+              </a:p>
+            </p:txBody>
+          </p:sp>
+        </mc:Fallback>
+      </mc:AlternateContent>
+      <p:sp>
+        <p:nvSpPr>
+          <p:cNvPr id="67" name="Right Arrow 66"/>
+          <p:cNvSpPr/>
+          <p:nvPr/>
+        </p:nvSpPr>
+        <p:spPr>
+          <a:xfrm>
+            <a:off x="7500100" y="3462020"/>
+            <a:ext cx="533400" cy="335587"/>
+          </a:xfrm>
+          <a:prstGeom prst="rightArrow">
+            <a:avLst/>
+          </a:prstGeom>
+          <a:solidFill>
+            <a:srgbClr val="FF0000"/>
+          </a:solidFill>
+          <a:ln>
+            <a:noFill/>
+          </a:ln>
+        </p:spPr>
+        <p:style>
+          <a:lnRef idx="2">
+            <a:schemeClr val="accent1">
+              <a:shade val="50000"/>
+            </a:schemeClr>
+          </a:lnRef>
+          <a:fillRef idx="1">
+            <a:schemeClr val="accent1"/>
+          </a:fillRef>
+          <a:effectRef idx="0">
+            <a:schemeClr val="accent1"/>
+          </a:effectRef>
+          <a:fontRef idx="minor">
+            <a:schemeClr val="lt1"/>
+          </a:fontRef>
+        </p:style>
+        <p:txBody>
+          <a:bodyPr rtlCol="0" anchor="ctr"/>
+          <a:lstStyle/>
+          <a:p>
+            <a:pPr algn="ctr"/>
+            <a:endParaRPr lang="en-CA"/>
+          </a:p>
+        </p:txBody>
+      </p:sp>
+    </p:spTree>
+    <p:extLst>
+      <p:ext uri="{BB962C8B-B14F-4D97-AF65-F5344CB8AC3E}">
+        <p14:creationId xmlns:p14="http://schemas.microsoft.com/office/powerpoint/2010/main" val="1534037998"/>
+      </p:ext>
+    </p:extLst>
+  </p:cSld>
+  <p:clrMapOvr>
+    <a:masterClrMapping/>
+  </p:clrMapOvr>
+</p:sld>
+</file>
+
+<file path=ppt/slides/slide4.xml><?xml version="1.0" encoding="utf-8"?>
+<p:sld xmlns:a="http://schemas.openxmlformats.org/drawingml/2006/main" xmlns:r="http://schemas.openxmlformats.org/officeDocument/2006/relationships" xmlns:p="http://schemas.openxmlformats.org/presentationml/2006/main">
+  <p:cSld>
+    <p:spTree>
+      <p:nvGrpSpPr>
+        <p:cNvPr id="1" name=""/>
+        <p:cNvGrpSpPr/>
+        <p:nvPr/>
+      </p:nvGrpSpPr>
+      <p:grpSpPr>
+        <a:xfrm>
+          <a:off x="0" y="0"/>
+          <a:ext cx="0" cy="0"/>
+          <a:chOff x="0" y="0"/>
+          <a:chExt cx="0" cy="0"/>
+        </a:xfrm>
+      </p:grpSpPr>
       <p:cxnSp>
         <p:nvCxnSpPr>
           <p:cNvPr id="5" name="Straight Arrow Connector 4"/>
@@ -8752,7 +11468,7 @@
 </p:sld>
 </file>
 
-<file path=ppt/slides/slide4.xml><?xml version="1.0" encoding="utf-8"?>
+<file path=ppt/slides/slide5.xml><?xml version="1.0" encoding="utf-8"?>
 <p:sld xmlns:a="http://schemas.openxmlformats.org/drawingml/2006/main" xmlns:r="http://schemas.openxmlformats.org/officeDocument/2006/relationships" xmlns:p="http://schemas.openxmlformats.org/presentationml/2006/main">
   <p:cSld>
     <p:spTree>
@@ -10383,7 +13099,7 @@
 </p:sld>
 </file>
 
-<file path=ppt/slides/slide5.xml><?xml version="1.0" encoding="utf-8"?>
+<file path=ppt/slides/slide6.xml><?xml version="1.0" encoding="utf-8"?>
 <p:sld xmlns:a="http://schemas.openxmlformats.org/drawingml/2006/main" xmlns:r="http://schemas.openxmlformats.org/officeDocument/2006/relationships" xmlns:p="http://schemas.openxmlformats.org/presentationml/2006/main">
   <p:cSld>
     <p:spTree>
@@ -10586,7 +13302,7 @@
 </p:sld>
 </file>
 
-<file path=ppt/slides/slide6.xml><?xml version="1.0" encoding="utf-8"?>
+<file path=ppt/slides/slide7.xml><?xml version="1.0" encoding="utf-8"?>
 <p:sld xmlns:a="http://schemas.openxmlformats.org/drawingml/2006/main" xmlns:r="http://schemas.openxmlformats.org/officeDocument/2006/relationships" xmlns:p="http://schemas.openxmlformats.org/presentationml/2006/main">
   <p:cSld>
     <p:spTree>
@@ -11518,6 +14234,338 @@
     <p:extLst>
       <p:ext uri="{BB962C8B-B14F-4D97-AF65-F5344CB8AC3E}">
         <p14:creationId xmlns:p14="http://schemas.microsoft.com/office/powerpoint/2010/main" val="410835518"/>
+      </p:ext>
+    </p:extLst>
+  </p:cSld>
+  <p:clrMapOvr>
+    <a:masterClrMapping/>
+  </p:clrMapOvr>
+  <p:timing>
+    <p:tnLst>
+      <p:par>
+        <p:cTn id="1" dur="indefinite" restart="never" nodeType="tmRoot"/>
+      </p:par>
+    </p:tnLst>
+  </p:timing>
+</p:sld>
+</file>
+
+<file path=ppt/slides/slide8.xml><?xml version="1.0" encoding="utf-8"?>
+<p:sld xmlns:a="http://schemas.openxmlformats.org/drawingml/2006/main" xmlns:r="http://schemas.openxmlformats.org/officeDocument/2006/relationships" xmlns:p="http://schemas.openxmlformats.org/presentationml/2006/main">
+  <p:cSld>
+    <p:spTree>
+      <p:nvGrpSpPr>
+        <p:cNvPr id="1" name=""/>
+        <p:cNvGrpSpPr/>
+        <p:nvPr/>
+      </p:nvGrpSpPr>
+      <p:grpSpPr>
+        <a:xfrm>
+          <a:off x="0" y="0"/>
+          <a:ext cx="0" cy="0"/>
+          <a:chOff x="0" y="0"/>
+          <a:chExt cx="0" cy="0"/>
+        </a:xfrm>
+      </p:grpSpPr>
+      <p:grpSp>
+        <p:nvGrpSpPr>
+          <p:cNvPr id="5" name="Group 4"/>
+          <p:cNvGrpSpPr/>
+          <p:nvPr/>
+        </p:nvGrpSpPr>
+        <p:grpSpPr>
+          <a:xfrm>
+            <a:off x="1181099" y="2819400"/>
+            <a:ext cx="5524502" cy="2400300"/>
+            <a:chOff x="1181098" y="2819400"/>
+            <a:chExt cx="6708777" cy="3219450"/>
+          </a:xfrm>
+        </p:grpSpPr>
+        <p:pic>
+          <p:nvPicPr>
+            <p:cNvPr id="1030" name="Picture 6" descr="D:\LaTex_Files\thesis\transfer\fig\3.png"/>
+            <p:cNvPicPr>
+              <a:picLocks noChangeAspect="1" noChangeArrowheads="1"/>
+            </p:cNvPicPr>
+            <p:nvPr/>
+          </p:nvPicPr>
+          <p:blipFill>
+            <a:blip r:embed="rId2">
+              <a:extLst>
+                <a:ext uri="{28A0092B-C50C-407E-A947-70E740481C1C}">
+                  <a14:useLocalDpi xmlns:a14="http://schemas.microsoft.com/office/drawing/2010/main" val="0"/>
+                </a:ext>
+              </a:extLst>
+            </a:blip>
+            <a:srcRect/>
+            <a:stretch>
+              <a:fillRect/>
+            </a:stretch>
+          </p:blipFill>
+          <p:spPr bwMode="auto">
+            <a:xfrm>
+              <a:off x="1211263" y="5334000"/>
+              <a:ext cx="6637337" cy="704850"/>
+            </a:xfrm>
+            <a:prstGeom prst="rect">
+              <a:avLst/>
+            </a:prstGeom>
+            <a:noFill/>
+            <a:extLst>
+              <a:ext uri="{909E8E84-426E-40DD-AFC4-6F175D3DCCD1}">
+                <a14:hiddenFill xmlns:a14="http://schemas.microsoft.com/office/drawing/2010/main">
+                  <a:solidFill>
+                    <a:srgbClr val="FFFFFF"/>
+                  </a:solidFill>
+                </a14:hiddenFill>
+              </a:ext>
+            </a:extLst>
+          </p:spPr>
+        </p:pic>
+        <p:pic>
+          <p:nvPicPr>
+            <p:cNvPr id="1031" name="Picture 7" descr="D:\LaTex_Files\thesis\transfer\fig\0.png"/>
+            <p:cNvPicPr>
+              <a:picLocks noChangeAspect="1" noChangeArrowheads="1"/>
+            </p:cNvPicPr>
+            <p:nvPr/>
+          </p:nvPicPr>
+          <p:blipFill>
+            <a:blip r:embed="rId3">
+              <a:extLst>
+                <a:ext uri="{28A0092B-C50C-407E-A947-70E740481C1C}">
+                  <a14:useLocalDpi xmlns:a14="http://schemas.microsoft.com/office/drawing/2010/main" val="0"/>
+                </a:ext>
+              </a:extLst>
+            </a:blip>
+            <a:srcRect/>
+            <a:stretch>
+              <a:fillRect/>
+            </a:stretch>
+          </p:blipFill>
+          <p:spPr bwMode="auto">
+            <a:xfrm>
+              <a:off x="1181098" y="2819400"/>
+              <a:ext cx="6684963" cy="723900"/>
+            </a:xfrm>
+            <a:prstGeom prst="rect">
+              <a:avLst/>
+            </a:prstGeom>
+            <a:noFill/>
+            <a:extLst>
+              <a:ext uri="{909E8E84-426E-40DD-AFC4-6F175D3DCCD1}">
+                <a14:hiddenFill xmlns:a14="http://schemas.microsoft.com/office/drawing/2010/main">
+                  <a:solidFill>
+                    <a:srgbClr val="FFFFFF"/>
+                  </a:solidFill>
+                </a14:hiddenFill>
+              </a:ext>
+            </a:extLst>
+          </p:spPr>
+        </p:pic>
+        <p:pic>
+          <p:nvPicPr>
+            <p:cNvPr id="1032" name="Picture 8" descr="D:\LaTex_Files\thesis\transfer\fig\1.png"/>
+            <p:cNvPicPr>
+              <a:picLocks noChangeAspect="1" noChangeArrowheads="1"/>
+            </p:cNvPicPr>
+            <p:nvPr/>
+          </p:nvPicPr>
+          <p:blipFill>
+            <a:blip r:embed="rId4">
+              <a:extLst>
+                <a:ext uri="{28A0092B-C50C-407E-A947-70E740481C1C}">
+                  <a14:useLocalDpi xmlns:a14="http://schemas.microsoft.com/office/drawing/2010/main" val="0"/>
+                </a:ext>
+              </a:extLst>
+            </a:blip>
+            <a:srcRect/>
+            <a:stretch>
+              <a:fillRect/>
+            </a:stretch>
+          </p:blipFill>
+          <p:spPr bwMode="auto">
+            <a:xfrm>
+              <a:off x="1204912" y="3657600"/>
+              <a:ext cx="6684963" cy="695325"/>
+            </a:xfrm>
+            <a:prstGeom prst="rect">
+              <a:avLst/>
+            </a:prstGeom>
+            <a:noFill/>
+            <a:extLst>
+              <a:ext uri="{909E8E84-426E-40DD-AFC4-6F175D3DCCD1}">
+                <a14:hiddenFill xmlns:a14="http://schemas.microsoft.com/office/drawing/2010/main">
+                  <a:solidFill>
+                    <a:srgbClr val="FFFFFF"/>
+                  </a:solidFill>
+                </a14:hiddenFill>
+              </a:ext>
+            </a:extLst>
+          </p:spPr>
+        </p:pic>
+        <p:pic>
+          <p:nvPicPr>
+            <p:cNvPr id="1033" name="Picture 9" descr="D:\LaTex_Files\thesis\transfer\fig\2.png"/>
+            <p:cNvPicPr>
+              <a:picLocks noChangeAspect="1" noChangeArrowheads="1"/>
+            </p:cNvPicPr>
+            <p:nvPr/>
+          </p:nvPicPr>
+          <p:blipFill>
+            <a:blip r:embed="rId5">
+              <a:extLst>
+                <a:ext uri="{28A0092B-C50C-407E-A947-70E740481C1C}">
+                  <a14:useLocalDpi xmlns:a14="http://schemas.microsoft.com/office/drawing/2010/main" val="0"/>
+                </a:ext>
+              </a:extLst>
+            </a:blip>
+            <a:srcRect/>
+            <a:stretch>
+              <a:fillRect/>
+            </a:stretch>
+          </p:blipFill>
+          <p:spPr bwMode="auto">
+            <a:xfrm>
+              <a:off x="1219200" y="4495800"/>
+              <a:ext cx="6656387" cy="723900"/>
+            </a:xfrm>
+            <a:prstGeom prst="rect">
+              <a:avLst/>
+            </a:prstGeom>
+            <a:noFill/>
+            <a:extLst>
+              <a:ext uri="{909E8E84-426E-40DD-AFC4-6F175D3DCCD1}">
+                <a14:hiddenFill xmlns:a14="http://schemas.microsoft.com/office/drawing/2010/main">
+                  <a:solidFill>
+                    <a:srgbClr val="FFFFFF"/>
+                  </a:solidFill>
+                </a14:hiddenFill>
+              </a:ext>
+            </a:extLst>
+          </p:spPr>
+        </p:pic>
+      </p:grpSp>
+      <p:sp>
+        <p:nvSpPr>
+          <p:cNvPr id="4" name="Down Arrow 3"/>
+          <p:cNvSpPr/>
+          <p:nvPr/>
+        </p:nvSpPr>
+        <p:spPr>
+          <a:xfrm>
+            <a:off x="7086600" y="3276600"/>
+            <a:ext cx="457200" cy="1600200"/>
+          </a:xfrm>
+          <a:prstGeom prst="downArrow">
+            <a:avLst/>
+          </a:prstGeom>
+          <a:gradFill flip="none" rotWithShape="1">
+            <a:gsLst>
+              <a:gs pos="3000">
+                <a:schemeClr val="bg1"/>
+              </a:gs>
+              <a:gs pos="100000">
+                <a:schemeClr val="tx1"/>
+              </a:gs>
+            </a:gsLst>
+            <a:lin ang="5400000" scaled="0"/>
+            <a:tileRect/>
+          </a:gradFill>
+          <a:ln>
+            <a:noFill/>
+          </a:ln>
+        </p:spPr>
+        <p:style>
+          <a:lnRef idx="2">
+            <a:schemeClr val="accent1">
+              <a:shade val="50000"/>
+            </a:schemeClr>
+          </a:lnRef>
+          <a:fillRef idx="1">
+            <a:schemeClr val="accent1"/>
+          </a:fillRef>
+          <a:effectRef idx="0">
+            <a:schemeClr val="accent1"/>
+          </a:effectRef>
+          <a:fontRef idx="minor">
+            <a:schemeClr val="lt1"/>
+          </a:fontRef>
+        </p:style>
+        <p:txBody>
+          <a:bodyPr rtlCol="0" anchor="ctr"/>
+          <a:lstStyle/>
+          <a:p>
+            <a:pPr algn="ctr"/>
+            <a:endParaRPr lang="en-US"/>
+          </a:p>
+        </p:txBody>
+      </p:sp>
+      <p:sp>
+        <p:nvSpPr>
+          <p:cNvPr id="6" name="TextBox 5"/>
+          <p:cNvSpPr txBox="1"/>
+          <p:nvPr/>
+        </p:nvSpPr>
+        <p:spPr>
+          <a:xfrm>
+            <a:off x="6683560" y="2838994"/>
+            <a:ext cx="1310230" cy="369332"/>
+          </a:xfrm>
+          <a:prstGeom prst="rect">
+            <a:avLst/>
+          </a:prstGeom>
+          <a:noFill/>
+        </p:spPr>
+        <p:txBody>
+          <a:bodyPr wrap="none" rtlCol="0">
+            <a:spAutoFit/>
+          </a:bodyPr>
+          <a:lstStyle/>
+          <a:p>
+            <a:pPr algn="ctr"/>
+            <a:r>
+              <a:rPr lang="en-US" dirty="0" smtClean="0"/>
+              <a:t>Noise rate 0</a:t>
+            </a:r>
+            <a:endParaRPr lang="en-US" dirty="0"/>
+          </a:p>
+        </p:txBody>
+      </p:sp>
+      <p:sp>
+        <p:nvSpPr>
+          <p:cNvPr id="10" name="TextBox 9"/>
+          <p:cNvSpPr txBox="1"/>
+          <p:nvPr/>
+        </p:nvSpPr>
+        <p:spPr>
+          <a:xfrm>
+            <a:off x="6665081" y="4850368"/>
+            <a:ext cx="1359859" cy="369332"/>
+          </a:xfrm>
+          <a:prstGeom prst="rect">
+            <a:avLst/>
+          </a:prstGeom>
+          <a:noFill/>
+        </p:spPr>
+        <p:txBody>
+          <a:bodyPr wrap="none" rtlCol="0">
+            <a:spAutoFit/>
+          </a:bodyPr>
+          <a:lstStyle/>
+          <a:p>
+            <a:r>
+              <a:rPr lang="en-US" dirty="0" smtClean="0"/>
+              <a:t>Noise Rate 1</a:t>
+            </a:r>
+            <a:endParaRPr lang="en-US" dirty="0"/>
+          </a:p>
+        </p:txBody>
+      </p:sp>
+    </p:spTree>
+    <p:extLst>
+      <p:ext uri="{BB962C8B-B14F-4D97-AF65-F5344CB8AC3E}">
+        <p14:creationId xmlns:p14="http://schemas.microsoft.com/office/powerpoint/2010/main" val="3259708857"/>
       </p:ext>
     </p:extLst>
   </p:cSld>
